--- a/class_1/text_analysis_1.pptx
+++ b/class_1/text_analysis_1.pptx
@@ -5,22 +5,25 @@
     <p:sldMasterId id="2147483648" r:id="rId1"/>
   </p:sldMasterIdLst>
   <p:notesMasterIdLst>
-    <p:notesMasterId r:id="rId15"/>
+    <p:notesMasterId r:id="rId18"/>
   </p:notesMasterIdLst>
   <p:sldIdLst>
     <p:sldId id="256" r:id="rId2"/>
     <p:sldId id="260" r:id="rId3"/>
     <p:sldId id="262" r:id="rId4"/>
     <p:sldId id="293" r:id="rId5"/>
-    <p:sldId id="268" r:id="rId6"/>
-    <p:sldId id="292" r:id="rId7"/>
-    <p:sldId id="279" r:id="rId8"/>
-    <p:sldId id="267" r:id="rId9"/>
-    <p:sldId id="287" r:id="rId10"/>
-    <p:sldId id="290" r:id="rId11"/>
-    <p:sldId id="288" r:id="rId12"/>
-    <p:sldId id="289" r:id="rId13"/>
-    <p:sldId id="291" r:id="rId14"/>
+    <p:sldId id="294" r:id="rId6"/>
+    <p:sldId id="295" r:id="rId7"/>
+    <p:sldId id="296" r:id="rId8"/>
+    <p:sldId id="297" r:id="rId9"/>
+    <p:sldId id="303" r:id="rId10"/>
+    <p:sldId id="298" r:id="rId11"/>
+    <p:sldId id="300" r:id="rId12"/>
+    <p:sldId id="301" r:id="rId13"/>
+    <p:sldId id="302" r:id="rId14"/>
+    <p:sldId id="268" r:id="rId15"/>
+    <p:sldId id="292" r:id="rId16"/>
+    <p:sldId id="279" r:id="rId17"/>
   </p:sldIdLst>
   <p:sldSz cx="9144000" cy="6858000" type="screen4x3"/>
   <p:notesSz cx="6858000" cy="9144000"/>
@@ -141,7 +144,7 @@
 <file path=ppt/revisionInfo.xml><?xml version="1.0" encoding="utf-8"?>
 <p1510:revInfo xmlns:a="http://schemas.openxmlformats.org/drawingml/2006/main" xmlns:r="http://schemas.openxmlformats.org/officeDocument/2006/relationships" xmlns:p1510="http://schemas.microsoft.com/office/powerpoint/2015/10/main">
   <p1510:revLst>
-    <p1510:client id="{F1B7EFA3-B214-634E-BDB4-9AA61FCEBD50}" v="1" dt="2024-11-03T02:50:44.234"/>
+    <p1510:client id="{3A790A9C-5323-4C45-9A32-E2032788DABC}" v="62" dt="2025-10-27T03:46:20.416"/>
   </p1510:revLst>
 </p1510:revInfo>
 </file>
@@ -149,28 +152,59 @@
 <file path=ppt/changesInfos/changesInfo1.xml><?xml version="1.0" encoding="utf-8"?>
 <pc:chgInfo xmlns:a="http://schemas.openxmlformats.org/drawingml/2006/main" xmlns:r="http://schemas.openxmlformats.org/officeDocument/2006/relationships" xmlns:ac="http://schemas.microsoft.com/office/drawing/2013/main/command" xmlns:pc="http://schemas.microsoft.com/office/powerpoint/2013/main/command">
   <pc:docChgLst>
-    <pc:chgData name="Carroll, Claudia" userId="S::claudiac@wustl.edu::5513adb2-3315-47c6-853b-61e74126e783" providerId="AD" clId="Web-{989E75B1-A245-F184-CB9C-2BE1DB1E40FF}"/>
-    <pc:docChg chg="addSld modSld">
-      <pc:chgData name="Carroll, Claudia" userId="S::claudiac@wustl.edu::5513adb2-3315-47c6-853b-61e74126e783" providerId="AD" clId="Web-{989E75B1-A245-F184-CB9C-2BE1DB1E40FF}" dt="2024-11-04T03:03:53.819" v="43" actId="1076"/>
+    <pc:chgData name="Carroll, Claudia" userId="5513adb2-3315-47c6-853b-61e74126e783" providerId="ADAL" clId="{FDB037B5-BC6E-529D-920A-0733451977A9}"/>
+    <pc:docChg chg="undo custSel addSld delSld modSld sldOrd">
+      <pc:chgData name="Carroll, Claudia" userId="5513adb2-3315-47c6-853b-61e74126e783" providerId="ADAL" clId="{FDB037B5-BC6E-529D-920A-0733451977A9}" dt="2025-10-27T03:46:43.650" v="2214" actId="5793"/>
       <pc:docMkLst>
         <pc:docMk/>
       </pc:docMkLst>
-      <pc:sldChg chg="addSp modSp">
-        <pc:chgData name="Carroll, Claudia" userId="S::claudiac@wustl.edu::5513adb2-3315-47c6-853b-61e74126e783" providerId="AD" clId="Web-{989E75B1-A245-F184-CB9C-2BE1DB1E40FF}" dt="2024-11-04T03:00:49.970" v="17" actId="14100"/>
+      <pc:sldChg chg="addSp delSp modSp mod">
+        <pc:chgData name="Carroll, Claudia" userId="5513adb2-3315-47c6-853b-61e74126e783" providerId="ADAL" clId="{FDB037B5-BC6E-529D-920A-0733451977A9}" dt="2025-10-27T02:37:45.730" v="24"/>
+        <pc:sldMkLst>
+          <pc:docMk/>
+          <pc:sldMk cId="109857222" sldId="256"/>
+        </pc:sldMkLst>
+        <pc:spChg chg="mod">
+          <ac:chgData name="Carroll, Claudia" userId="5513adb2-3315-47c6-853b-61e74126e783" providerId="ADAL" clId="{FDB037B5-BC6E-529D-920A-0733451977A9}" dt="2025-10-27T02:37:42.872" v="22" actId="20577"/>
+          <ac:spMkLst>
+            <pc:docMk/>
+            <pc:sldMk cId="109857222" sldId="256"/>
+            <ac:spMk id="3" creationId="{00000000-0000-0000-0000-000000000000}"/>
+          </ac:spMkLst>
+        </pc:spChg>
+        <pc:spChg chg="add del mod">
+          <ac:chgData name="Carroll, Claudia" userId="5513adb2-3315-47c6-853b-61e74126e783" providerId="ADAL" clId="{FDB037B5-BC6E-529D-920A-0733451977A9}" dt="2025-10-27T02:37:45.730" v="24"/>
+          <ac:spMkLst>
+            <pc:docMk/>
+            <pc:sldMk cId="109857222" sldId="256"/>
+            <ac:spMk id="4" creationId="{A01B8D1A-DEA9-4AC3-F5A0-1A450717BA09}"/>
+          </ac:spMkLst>
+        </pc:spChg>
+      </pc:sldChg>
+      <pc:sldChg chg="addSp delSp modSp mod">
+        <pc:chgData name="Carroll, Claudia" userId="5513adb2-3315-47c6-853b-61e74126e783" providerId="ADAL" clId="{FDB037B5-BC6E-529D-920A-0733451977A9}" dt="2025-10-27T02:41:55.908" v="432" actId="14734"/>
         <pc:sldMkLst>
           <pc:docMk/>
           <pc:sldMk cId="1075985789" sldId="262"/>
         </pc:sldMkLst>
-        <pc:spChg chg="mod">
-          <ac:chgData name="Carroll, Claudia" userId="S::claudiac@wustl.edu::5513adb2-3315-47c6-853b-61e74126e783" providerId="AD" clId="Web-{989E75B1-A245-F184-CB9C-2BE1DB1E40FF}" dt="2024-11-04T03:00:49.970" v="17" actId="14100"/>
+        <pc:spChg chg="del mod">
+          <ac:chgData name="Carroll, Claudia" userId="5513adb2-3315-47c6-853b-61e74126e783" providerId="ADAL" clId="{FDB037B5-BC6E-529D-920A-0733451977A9}" dt="2025-10-27T02:40:30.433" v="215" actId="478"/>
           <ac:spMkLst>
             <pc:docMk/>
             <pc:sldMk cId="1075985789" sldId="262"/>
             <ac:spMk id="3" creationId="{2749BB40-7626-A2CD-2237-3AEFD54F5F17}"/>
           </ac:spMkLst>
         </pc:spChg>
-        <pc:picChg chg="add mod">
-          <ac:chgData name="Carroll, Claudia" userId="S::claudiac@wustl.edu::5513adb2-3315-47c6-853b-61e74126e783" providerId="AD" clId="Web-{989E75B1-A245-F184-CB9C-2BE1DB1E40FF}" dt="2024-11-04T03:00:23.079" v="12" actId="1076"/>
+        <pc:graphicFrameChg chg="add mod modGraphic">
+          <ac:chgData name="Carroll, Claudia" userId="5513adb2-3315-47c6-853b-61e74126e783" providerId="ADAL" clId="{FDB037B5-BC6E-529D-920A-0733451977A9}" dt="2025-10-27T02:41:55.908" v="432" actId="14734"/>
+          <ac:graphicFrameMkLst>
+            <pc:docMk/>
+            <pc:sldMk cId="1075985789" sldId="262"/>
+            <ac:graphicFrameMk id="5" creationId="{E48F491C-5412-F7A3-BF68-A2E9B468626D}"/>
+          </ac:graphicFrameMkLst>
+        </pc:graphicFrameChg>
+        <pc:picChg chg="del mod">
+          <ac:chgData name="Carroll, Claudia" userId="5513adb2-3315-47c6-853b-61e74126e783" providerId="ADAL" clId="{FDB037B5-BC6E-529D-920A-0733451977A9}" dt="2025-10-27T02:38:54.761" v="29" actId="478"/>
           <ac:picMkLst>
             <pc:docMk/>
             <pc:sldMk cId="1075985789" sldId="262"/>
@@ -178,116 +212,71 @@
           </ac:picMkLst>
         </pc:picChg>
       </pc:sldChg>
-      <pc:sldChg chg="addSp modSp add replId">
-        <pc:chgData name="Carroll, Claudia" userId="S::claudiac@wustl.edu::5513adb2-3315-47c6-853b-61e74126e783" providerId="AD" clId="Web-{989E75B1-A245-F184-CB9C-2BE1DB1E40FF}" dt="2024-11-04T03:03:53.819" v="43" actId="1076"/>
+      <pc:sldChg chg="del">
+        <pc:chgData name="Carroll, Claudia" userId="5513adb2-3315-47c6-853b-61e74126e783" providerId="ADAL" clId="{FDB037B5-BC6E-529D-920A-0733451977A9}" dt="2025-10-27T02:42:31.888" v="471" actId="2696"/>
         <pc:sldMkLst>
           <pc:docMk/>
-          <pc:sldMk cId="1266258456" sldId="293"/>
+          <pc:sldMk cId="2077495510" sldId="267"/>
+        </pc:sldMkLst>
+      </pc:sldChg>
+      <pc:sldChg chg="modSp mod">
+        <pc:chgData name="Carroll, Claudia" userId="5513adb2-3315-47c6-853b-61e74126e783" providerId="ADAL" clId="{FDB037B5-BC6E-529D-920A-0733451977A9}" dt="2025-10-27T03:46:43.650" v="2214" actId="5793"/>
+        <pc:sldMkLst>
+          <pc:docMk/>
+          <pc:sldMk cId="3839357258" sldId="268"/>
         </pc:sldMkLst>
         <pc:spChg chg="mod">
-          <ac:chgData name="Carroll, Claudia" userId="S::claudiac@wustl.edu::5513adb2-3315-47c6-853b-61e74126e783" providerId="AD" clId="Web-{989E75B1-A245-F184-CB9C-2BE1DB1E40FF}" dt="2024-11-04T03:02:07.488" v="40" actId="20577"/>
+          <ac:chgData name="Carroll, Claudia" userId="5513adb2-3315-47c6-853b-61e74126e783" providerId="ADAL" clId="{FDB037B5-BC6E-529D-920A-0733451977A9}" dt="2025-10-27T03:46:43.650" v="2214" actId="5793"/>
           <ac:spMkLst>
             <pc:docMk/>
-            <pc:sldMk cId="1266258456" sldId="293"/>
-            <ac:spMk id="3" creationId="{2749BB40-7626-A2CD-2237-3AEFD54F5F17}"/>
-          </ac:spMkLst>
-        </pc:spChg>
-        <pc:picChg chg="add mod">
-          <ac:chgData name="Carroll, Claudia" userId="S::claudiac@wustl.edu::5513adb2-3315-47c6-853b-61e74126e783" providerId="AD" clId="Web-{989E75B1-A245-F184-CB9C-2BE1DB1E40FF}" dt="2024-11-04T03:03:53.819" v="43" actId="1076"/>
-          <ac:picMkLst>
-            <pc:docMk/>
-            <pc:sldMk cId="1266258456" sldId="293"/>
-            <ac:picMk id="4" creationId="{A60691A9-D90A-282C-7249-AE3C627FBD7F}"/>
-          </ac:picMkLst>
-        </pc:picChg>
-      </pc:sldChg>
-    </pc:docChg>
-  </pc:docChgLst>
-  <pc:docChgLst>
-    <pc:chgData name="Carroll, Claudia" userId="S::claudiac@wustl.edu::5513adb2-3315-47c6-853b-61e74126e783" providerId="AD" clId="Web-{5A1DE1B8-E078-4A5A-60FB-14AD0CA7D56B}"/>
-    <pc:docChg chg="modSld">
-      <pc:chgData name="Carroll, Claudia" userId="S::claudiac@wustl.edu::5513adb2-3315-47c6-853b-61e74126e783" providerId="AD" clId="Web-{5A1DE1B8-E078-4A5A-60FB-14AD0CA7D56B}" dt="2024-01-29T03:57:31.268" v="25" actId="20577"/>
-      <pc:docMkLst>
-        <pc:docMk/>
-      </pc:docMkLst>
-      <pc:sldChg chg="modSp">
-        <pc:chgData name="Carroll, Claudia" userId="S::claudiac@wustl.edu::5513adb2-3315-47c6-853b-61e74126e783" providerId="AD" clId="Web-{5A1DE1B8-E078-4A5A-60FB-14AD0CA7D56B}" dt="2024-01-29T03:53:44.170" v="22" actId="20577"/>
-        <pc:sldMkLst>
-          <pc:docMk/>
-          <pc:sldMk cId="3918721913" sldId="277"/>
-        </pc:sldMkLst>
-        <pc:spChg chg="mod">
-          <ac:chgData name="Carroll, Claudia" userId="S::claudiac@wustl.edu::5513adb2-3315-47c6-853b-61e74126e783" providerId="AD" clId="Web-{5A1DE1B8-E078-4A5A-60FB-14AD0CA7D56B}" dt="2024-01-29T03:53:29.076" v="1" actId="20577"/>
-          <ac:spMkLst>
-            <pc:docMk/>
-            <pc:sldMk cId="3918721913" sldId="277"/>
-            <ac:spMk id="2" creationId="{68BBC2B6-042D-349A-DEAC-41DF1460151E}"/>
-          </ac:spMkLst>
-        </pc:spChg>
-        <pc:spChg chg="mod">
-          <ac:chgData name="Carroll, Claudia" userId="S::claudiac@wustl.edu::5513adb2-3315-47c6-853b-61e74126e783" providerId="AD" clId="Web-{5A1DE1B8-E078-4A5A-60FB-14AD0CA7D56B}" dt="2024-01-29T03:53:44.170" v="22" actId="20577"/>
-          <ac:spMkLst>
-            <pc:docMk/>
-            <pc:sldMk cId="3918721913" sldId="277"/>
-            <ac:spMk id="3" creationId="{0F66D310-EF51-88EB-4FC0-C2858B730094}"/>
+            <pc:sldMk cId="3839357258" sldId="268"/>
+            <ac:spMk id="3" creationId="{13B6A96C-8D86-7F21-3DA5-4A818CE6C4D6}"/>
           </ac:spMkLst>
         </pc:spChg>
       </pc:sldChg>
-      <pc:sldChg chg="modSp">
-        <pc:chgData name="Carroll, Claudia" userId="S::claudiac@wustl.edu::5513adb2-3315-47c6-853b-61e74126e783" providerId="AD" clId="Web-{5A1DE1B8-E078-4A5A-60FB-14AD0CA7D56B}" dt="2024-01-29T03:57:31.268" v="25" actId="20577"/>
+      <pc:sldChg chg="del">
+        <pc:chgData name="Carroll, Claudia" userId="5513adb2-3315-47c6-853b-61e74126e783" providerId="ADAL" clId="{FDB037B5-BC6E-529D-920A-0733451977A9}" dt="2025-10-27T02:42:32.903" v="472" actId="2696"/>
         <pc:sldMkLst>
           <pc:docMk/>
-          <pc:sldMk cId="1013305701" sldId="280"/>
+          <pc:sldMk cId="4155761544" sldId="287"/>
         </pc:sldMkLst>
-        <pc:spChg chg="mod">
-          <ac:chgData name="Carroll, Claudia" userId="S::claudiac@wustl.edu::5513adb2-3315-47c6-853b-61e74126e783" providerId="AD" clId="Web-{5A1DE1B8-E078-4A5A-60FB-14AD0CA7D56B}" dt="2024-01-29T03:57:31.268" v="25" actId="20577"/>
-          <ac:spMkLst>
-            <pc:docMk/>
-            <pc:sldMk cId="1013305701" sldId="280"/>
-            <ac:spMk id="2" creationId="{14001CB8-5500-C1A6-DCD2-EB48EA2F4784}"/>
-          </ac:spMkLst>
-        </pc:spChg>
       </pc:sldChg>
-      <pc:sldChg chg="modSp">
-        <pc:chgData name="Carroll, Claudia" userId="S::claudiac@wustl.edu::5513adb2-3315-47c6-853b-61e74126e783" providerId="AD" clId="Web-{5A1DE1B8-E078-4A5A-60FB-14AD0CA7D56B}" dt="2024-01-29T03:53:48.686" v="23" actId="20577"/>
+      <pc:sldChg chg="del">
+        <pc:chgData name="Carroll, Claudia" userId="5513adb2-3315-47c6-853b-61e74126e783" providerId="ADAL" clId="{FDB037B5-BC6E-529D-920A-0733451977A9}" dt="2025-10-27T02:42:45.652" v="474" actId="2696"/>
         <pc:sldMkLst>
           <pc:docMk/>
-          <pc:sldMk cId="702624774" sldId="282"/>
+          <pc:sldMk cId="1781419879" sldId="288"/>
         </pc:sldMkLst>
-        <pc:spChg chg="mod">
-          <ac:chgData name="Carroll, Claudia" userId="S::claudiac@wustl.edu::5513adb2-3315-47c6-853b-61e74126e783" providerId="AD" clId="Web-{5A1DE1B8-E078-4A5A-60FB-14AD0CA7D56B}" dt="2024-01-29T03:53:48.686" v="23" actId="20577"/>
-          <ac:spMkLst>
-            <pc:docMk/>
-            <pc:sldMk cId="702624774" sldId="282"/>
-            <ac:spMk id="2" creationId="{80E90C0C-B43F-5580-65EA-BCF0306311E3}"/>
-          </ac:spMkLst>
-        </pc:spChg>
       </pc:sldChg>
-    </pc:docChg>
-  </pc:docChgLst>
-  <pc:docChgLst>
-    <pc:chgData name="Carroll, Claudia" userId="S::claudiac@wustl.edu::5513adb2-3315-47c6-853b-61e74126e783" providerId="AD" clId="Web-{6774D450-A7B4-12E3-8C0F-1A67AA8743AF}"/>
-    <pc:docChg chg="addSld modSld">
-      <pc:chgData name="Carroll, Claudia" userId="S::claudiac@wustl.edu::5513adb2-3315-47c6-853b-61e74126e783" providerId="AD" clId="Web-{6774D450-A7B4-12E3-8C0F-1A67AA8743AF}" dt="2024-11-03T20:06:49.622" v="59" actId="20577"/>
-      <pc:docMkLst>
-        <pc:docMk/>
-      </pc:docMkLst>
-      <pc:sldChg chg="modSp add replId">
-        <pc:chgData name="Carroll, Claudia" userId="S::claudiac@wustl.edu::5513adb2-3315-47c6-853b-61e74126e783" providerId="AD" clId="Web-{6774D450-A7B4-12E3-8C0F-1A67AA8743AF}" dt="2024-11-03T20:06:49.622" v="59" actId="20577"/>
+      <pc:sldChg chg="del">
+        <pc:chgData name="Carroll, Claudia" userId="5513adb2-3315-47c6-853b-61e74126e783" providerId="ADAL" clId="{FDB037B5-BC6E-529D-920A-0733451977A9}" dt="2025-10-27T02:42:46.145" v="475" actId="2696"/>
+        <pc:sldMkLst>
+          <pc:docMk/>
+          <pc:sldMk cId="1233050541" sldId="289"/>
+        </pc:sldMkLst>
+      </pc:sldChg>
+      <pc:sldChg chg="del">
+        <pc:chgData name="Carroll, Claudia" userId="5513adb2-3315-47c6-853b-61e74126e783" providerId="ADAL" clId="{FDB037B5-BC6E-529D-920A-0733451977A9}" dt="2025-10-27T02:42:33.986" v="473" actId="2696"/>
+        <pc:sldMkLst>
+          <pc:docMk/>
+          <pc:sldMk cId="2620043797" sldId="290"/>
+        </pc:sldMkLst>
+      </pc:sldChg>
+      <pc:sldChg chg="del">
+        <pc:chgData name="Carroll, Claudia" userId="5513adb2-3315-47c6-853b-61e74126e783" providerId="ADAL" clId="{FDB037B5-BC6E-529D-920A-0733451977A9}" dt="2025-10-27T02:42:48.119" v="476" actId="2696"/>
+        <pc:sldMkLst>
+          <pc:docMk/>
+          <pc:sldMk cId="1830920682" sldId="291"/>
+        </pc:sldMkLst>
+      </pc:sldChg>
+      <pc:sldChg chg="modSp mod">
+        <pc:chgData name="Carroll, Claudia" userId="5513adb2-3315-47c6-853b-61e74126e783" providerId="ADAL" clId="{FDB037B5-BC6E-529D-920A-0733451977A9}" dt="2025-10-27T02:42:25.140" v="470" actId="255"/>
         <pc:sldMkLst>
           <pc:docMk/>
           <pc:sldMk cId="2137234113" sldId="292"/>
         </pc:sldMkLst>
         <pc:spChg chg="mod">
-          <ac:chgData name="Carroll, Claudia" userId="S::claudiac@wustl.edu::5513adb2-3315-47c6-853b-61e74126e783" providerId="AD" clId="Web-{6774D450-A7B4-12E3-8C0F-1A67AA8743AF}" dt="2024-11-03T20:04:58.029" v="6" actId="20577"/>
-          <ac:spMkLst>
-            <pc:docMk/>
-            <pc:sldMk cId="2137234113" sldId="292"/>
-            <ac:spMk id="2" creationId="{FF02E442-5BD2-C7E7-D487-182D2EC0E4FF}"/>
-          </ac:spMkLst>
-        </pc:spChg>
-        <pc:spChg chg="mod">
-          <ac:chgData name="Carroll, Claudia" userId="S::claudiac@wustl.edu::5513adb2-3315-47c6-853b-61e74126e783" providerId="AD" clId="Web-{6774D450-A7B4-12E3-8C0F-1A67AA8743AF}" dt="2024-11-03T20:06:49.622" v="59" actId="20577"/>
+          <ac:chgData name="Carroll, Claudia" userId="5513adb2-3315-47c6-853b-61e74126e783" providerId="ADAL" clId="{FDB037B5-BC6E-529D-920A-0733451977A9}" dt="2025-10-27T02:42:25.140" v="470" actId="255"/>
           <ac:spMkLst>
             <pc:docMk/>
             <pc:sldMk cId="2137234113" sldId="292"/>
@@ -295,1099 +284,559 @@
           </ac:spMkLst>
         </pc:spChg>
       </pc:sldChg>
-    </pc:docChg>
-  </pc:docChgLst>
-  <pc:docChgLst>
-    <pc:chgData name="Carroll, Claudia" userId="S::claudiac@wustl.edu::5513adb2-3315-47c6-853b-61e74126e783" providerId="AD" clId="Web-{2DE4DBE3-196C-A82A-0F29-CFD0656962D9}"/>
-    <pc:docChg chg="addSld delSld modSld sldOrd">
-      <pc:chgData name="Carroll, Claudia" userId="S::claudiac@wustl.edu::5513adb2-3315-47c6-853b-61e74126e783" providerId="AD" clId="Web-{2DE4DBE3-196C-A82A-0F29-CFD0656962D9}" dt="2024-01-22T08:23:39.963" v="583" actId="20577"/>
-      <pc:docMkLst>
-        <pc:docMk/>
-      </pc:docMkLst>
-      <pc:sldChg chg="modSp add mod modClrScheme chgLayout">
-        <pc:chgData name="Carroll, Claudia" userId="S::claudiac@wustl.edu::5513adb2-3315-47c6-853b-61e74126e783" providerId="AD" clId="Web-{2DE4DBE3-196C-A82A-0F29-CFD0656962D9}" dt="2024-01-22T06:39:12.243" v="1"/>
+      <pc:sldChg chg="del">
+        <pc:chgData name="Carroll, Claudia" userId="5513adb2-3315-47c6-853b-61e74126e783" providerId="ADAL" clId="{FDB037B5-BC6E-529D-920A-0733451977A9}" dt="2025-10-27T02:41:59.194" v="433" actId="2696"/>
         <pc:sldMkLst>
           <pc:docMk/>
-          <pc:sldMk cId="109857222" sldId="256"/>
+          <pc:sldMk cId="1266258456" sldId="293"/>
         </pc:sldMkLst>
-        <pc:spChg chg="mod ord">
-          <ac:chgData name="Carroll, Claudia" userId="S::claudiac@wustl.edu::5513adb2-3315-47c6-853b-61e74126e783" providerId="AD" clId="Web-{2DE4DBE3-196C-A82A-0F29-CFD0656962D9}" dt="2024-01-22T06:39:12.243" v="1"/>
+      </pc:sldChg>
+      <pc:sldChg chg="modSp new mod">
+        <pc:chgData name="Carroll, Claudia" userId="5513adb2-3315-47c6-853b-61e74126e783" providerId="ADAL" clId="{FDB037B5-BC6E-529D-920A-0733451977A9}" dt="2025-10-27T03:42:31.982" v="1860" actId="2711"/>
+        <pc:sldMkLst>
+          <pc:docMk/>
+          <pc:sldMk cId="1535709138" sldId="293"/>
+        </pc:sldMkLst>
+        <pc:spChg chg="mod">
+          <ac:chgData name="Carroll, Claudia" userId="5513adb2-3315-47c6-853b-61e74126e783" providerId="ADAL" clId="{FDB037B5-BC6E-529D-920A-0733451977A9}" dt="2025-10-27T02:43:27.318" v="501" actId="20577"/>
           <ac:spMkLst>
             <pc:docMk/>
-            <pc:sldMk cId="109857222" sldId="256"/>
-            <ac:spMk id="2" creationId="{00000000-0000-0000-0000-000000000000}"/>
+            <pc:sldMk cId="1535709138" sldId="293"/>
+            <ac:spMk id="2" creationId="{6363FF59-86A0-A2A6-8D2A-CDB655660526}"/>
           </ac:spMkLst>
         </pc:spChg>
-        <pc:spChg chg="mod ord">
-          <ac:chgData name="Carroll, Claudia" userId="S::claudiac@wustl.edu::5513adb2-3315-47c6-853b-61e74126e783" providerId="AD" clId="Web-{2DE4DBE3-196C-A82A-0F29-CFD0656962D9}" dt="2024-01-22T06:39:12.243" v="1"/>
+        <pc:spChg chg="mod">
+          <ac:chgData name="Carroll, Claudia" userId="5513adb2-3315-47c6-853b-61e74126e783" providerId="ADAL" clId="{FDB037B5-BC6E-529D-920A-0733451977A9}" dt="2025-10-27T03:42:31.982" v="1860" actId="2711"/>
           <ac:spMkLst>
             <pc:docMk/>
-            <pc:sldMk cId="109857222" sldId="256"/>
-            <ac:spMk id="3" creationId="{00000000-0000-0000-0000-000000000000}"/>
+            <pc:sldMk cId="1535709138" sldId="293"/>
+            <ac:spMk id="3" creationId="{99153C39-FBC4-D632-AD4F-95B68E433B8B}"/>
           </ac:spMkLst>
         </pc:spChg>
       </pc:sldChg>
-      <pc:sldChg chg="modSp add">
-        <pc:chgData name="Carroll, Claudia" userId="S::claudiac@wustl.edu::5513adb2-3315-47c6-853b-61e74126e783" providerId="AD" clId="Web-{2DE4DBE3-196C-A82A-0F29-CFD0656962D9}" dt="2024-01-22T06:46:40.227" v="66"/>
+      <pc:sldChg chg="addSp delSp modSp new mod">
+        <pc:chgData name="Carroll, Claudia" userId="5513adb2-3315-47c6-853b-61e74126e783" providerId="ADAL" clId="{FDB037B5-BC6E-529D-920A-0733451977A9}" dt="2025-10-27T02:51:15.405" v="935" actId="20577"/>
         <pc:sldMkLst>
           <pc:docMk/>
-          <pc:sldMk cId="4266118051" sldId="257"/>
+          <pc:sldMk cId="2808906360" sldId="294"/>
         </pc:sldMkLst>
-        <pc:spChg chg="mod">
-          <ac:chgData name="Carroll, Claudia" userId="S::claudiac@wustl.edu::5513adb2-3315-47c6-853b-61e74126e783" providerId="AD" clId="Web-{2DE4DBE3-196C-A82A-0F29-CFD0656962D9}" dt="2024-01-22T06:46:40.227" v="66"/>
+        <pc:spChg chg="del">
+          <ac:chgData name="Carroll, Claudia" userId="5513adb2-3315-47c6-853b-61e74126e783" providerId="ADAL" clId="{FDB037B5-BC6E-529D-920A-0733451977A9}" dt="2025-10-27T02:49:52.727" v="762" actId="478"/>
           <ac:spMkLst>
             <pc:docMk/>
-            <pc:sldMk cId="4266118051" sldId="257"/>
-            <ac:spMk id="2" creationId="{7DB235B4-5F36-2812-C826-AE8560B6F043}"/>
+            <pc:sldMk cId="2808906360" sldId="294"/>
+            <ac:spMk id="2" creationId="{C39EF03F-8B0E-5752-3F5B-53F671AFE72B}"/>
           </ac:spMkLst>
         </pc:spChg>
         <pc:spChg chg="mod">
-          <ac:chgData name="Carroll, Claudia" userId="S::claudiac@wustl.edu::5513adb2-3315-47c6-853b-61e74126e783" providerId="AD" clId="Web-{2DE4DBE3-196C-A82A-0F29-CFD0656962D9}" dt="2024-01-22T06:41:14.513" v="21"/>
+          <ac:chgData name="Carroll, Claudia" userId="5513adb2-3315-47c6-853b-61e74126e783" providerId="ADAL" clId="{FDB037B5-BC6E-529D-920A-0733451977A9}" dt="2025-10-27T02:45:53.166" v="517" actId="207"/>
           <ac:spMkLst>
             <pc:docMk/>
-            <pc:sldMk cId="4266118051" sldId="257"/>
-            <ac:spMk id="3" creationId="{CFC94F8C-4F28-1791-A278-0523A758DE44}"/>
+            <pc:sldMk cId="2808906360" sldId="294"/>
+            <ac:spMk id="3" creationId="{BC45AA74-45FE-4B76-4749-A2F9C387D374}"/>
           </ac:spMkLst>
         </pc:spChg>
-      </pc:sldChg>
-      <pc:sldChg chg="modSp add">
-        <pc:chgData name="Carroll, Claudia" userId="S::claudiac@wustl.edu::5513adb2-3315-47c6-853b-61e74126e783" providerId="AD" clId="Web-{2DE4DBE3-196C-A82A-0F29-CFD0656962D9}" dt="2024-01-22T06:46:35.587" v="65"/>
-        <pc:sldMkLst>
-          <pc:docMk/>
-          <pc:sldMk cId="1419661138" sldId="258"/>
-        </pc:sldMkLst>
-        <pc:spChg chg="mod">
-          <ac:chgData name="Carroll, Claudia" userId="S::claudiac@wustl.edu::5513adb2-3315-47c6-853b-61e74126e783" providerId="AD" clId="Web-{2DE4DBE3-196C-A82A-0F29-CFD0656962D9}" dt="2024-01-22T06:46:35.587" v="65"/>
+        <pc:spChg chg="add mod">
+          <ac:chgData name="Carroll, Claudia" userId="5513adb2-3315-47c6-853b-61e74126e783" providerId="ADAL" clId="{FDB037B5-BC6E-529D-920A-0733451977A9}" dt="2025-10-27T02:51:15.405" v="935" actId="20577"/>
           <ac:spMkLst>
             <pc:docMk/>
-            <pc:sldMk cId="1419661138" sldId="258"/>
-            <ac:spMk id="2" creationId="{E502B127-D811-DD9E-705C-5BAAC48EB653}"/>
+            <pc:sldMk cId="2808906360" sldId="294"/>
+            <ac:spMk id="4" creationId="{3A422190-3450-D8F3-7260-D18D43E49617}"/>
           </ac:spMkLst>
         </pc:spChg>
-        <pc:picChg chg="mod">
-          <ac:chgData name="Carroll, Claudia" userId="S::claudiac@wustl.edu::5513adb2-3315-47c6-853b-61e74126e783" providerId="AD" clId="Web-{2DE4DBE3-196C-A82A-0F29-CFD0656962D9}" dt="2024-01-22T06:41:29.748" v="23" actId="1076"/>
+        <pc:picChg chg="add mod">
+          <ac:chgData name="Carroll, Claudia" userId="5513adb2-3315-47c6-853b-61e74126e783" providerId="ADAL" clId="{FDB037B5-BC6E-529D-920A-0733451977A9}" dt="2025-10-27T02:49:57.912" v="766" actId="1076"/>
           <ac:picMkLst>
             <pc:docMk/>
-            <pc:sldMk cId="1419661138" sldId="258"/>
-            <ac:picMk id="4" creationId="{1FA41F62-AAB3-2B39-8CF8-870C5B97C382}"/>
+            <pc:sldMk cId="2808906360" sldId="294"/>
+            <ac:picMk id="1026" creationId="{189546E9-472F-7FC0-CD7A-A15A40C35DB4}"/>
           </ac:picMkLst>
         </pc:picChg>
       </pc:sldChg>
-      <pc:sldChg chg="del">
-        <pc:chgData name="Carroll, Claudia" userId="S::claudiac@wustl.edu::5513adb2-3315-47c6-853b-61e74126e783" providerId="AD" clId="Web-{2DE4DBE3-196C-A82A-0F29-CFD0656962D9}" dt="2024-01-22T06:39:19.337" v="2"/>
+      <pc:sldChg chg="addSp delSp modSp add mod">
+        <pc:chgData name="Carroll, Claudia" userId="5513adb2-3315-47c6-853b-61e74126e783" providerId="ADAL" clId="{FDB037B5-BC6E-529D-920A-0733451977A9}" dt="2025-10-27T02:52:36.983" v="942" actId="1076"/>
         <pc:sldMkLst>
           <pc:docMk/>
-          <pc:sldMk cId="1584286757" sldId="259"/>
+          <pc:sldMk cId="3671123620" sldId="295"/>
         </pc:sldMkLst>
-      </pc:sldChg>
-      <pc:sldChg chg="modSp add ord">
-        <pc:chgData name="Carroll, Claudia" userId="S::claudiac@wustl.edu::5513adb2-3315-47c6-853b-61e74126e783" providerId="AD" clId="Web-{2DE4DBE3-196C-A82A-0F29-CFD0656962D9}" dt="2024-01-22T07:02:51.963" v="269"/>
-        <pc:sldMkLst>
-          <pc:docMk/>
-          <pc:sldMk cId="3240474744" sldId="259"/>
-        </pc:sldMkLst>
-        <pc:spChg chg="mod">
-          <ac:chgData name="Carroll, Claudia" userId="S::claudiac@wustl.edu::5513adb2-3315-47c6-853b-61e74126e783" providerId="AD" clId="Web-{2DE4DBE3-196C-A82A-0F29-CFD0656962D9}" dt="2024-01-22T06:46:57.259" v="70" actId="20577"/>
+        <pc:spChg chg="del">
+          <ac:chgData name="Carroll, Claudia" userId="5513adb2-3315-47c6-853b-61e74126e783" providerId="ADAL" clId="{FDB037B5-BC6E-529D-920A-0733451977A9}" dt="2025-10-27T02:52:19.235" v="936" actId="478"/>
           <ac:spMkLst>
             <pc:docMk/>
-            <pc:sldMk cId="3240474744" sldId="259"/>
-            <ac:spMk id="3" creationId="{6B2269CA-A6E4-5F83-9E02-D5591D5EF374}"/>
+            <pc:sldMk cId="3671123620" sldId="295"/>
+            <ac:spMk id="2" creationId="{251DA792-3DCA-4AF1-64C4-84C58F0DEFAC}"/>
           </ac:spMkLst>
         </pc:spChg>
         <pc:spChg chg="mod">
-          <ac:chgData name="Carroll, Claudia" userId="S::claudiac@wustl.edu::5513adb2-3315-47c6-853b-61e74126e783" providerId="AD" clId="Web-{2DE4DBE3-196C-A82A-0F29-CFD0656962D9}" dt="2024-01-22T06:46:47.353" v="67"/>
+          <ac:chgData name="Carroll, Claudia" userId="5513adb2-3315-47c6-853b-61e74126e783" providerId="ADAL" clId="{FDB037B5-BC6E-529D-920A-0733451977A9}" dt="2025-10-27T02:46:17.753" v="550" actId="20577"/>
           <ac:spMkLst>
             <pc:docMk/>
-            <pc:sldMk cId="3240474744" sldId="259"/>
-            <ac:spMk id="5" creationId="{09F55389-22CC-AB78-DBF6-B2FCEF669DFC}"/>
+            <pc:sldMk cId="3671123620" sldId="295"/>
+            <ac:spMk id="3" creationId="{A8F8778D-3A7E-96E1-016D-8F778728CF1A}"/>
           </ac:spMkLst>
         </pc:spChg>
+        <pc:picChg chg="add mod">
+          <ac:chgData name="Carroll, Claudia" userId="5513adb2-3315-47c6-853b-61e74126e783" providerId="ADAL" clId="{FDB037B5-BC6E-529D-920A-0733451977A9}" dt="2025-10-27T02:52:36.983" v="942" actId="1076"/>
+          <ac:picMkLst>
+            <pc:docMk/>
+            <pc:sldMk cId="3671123620" sldId="295"/>
+            <ac:picMk id="2050" creationId="{5A446B74-C43D-3185-9B13-A323EAAB2AA4}"/>
+          </ac:picMkLst>
+        </pc:picChg>
       </pc:sldChg>
-      <pc:sldChg chg="del">
-        <pc:chgData name="Carroll, Claudia" userId="S::claudiac@wustl.edu::5513adb2-3315-47c6-853b-61e74126e783" providerId="AD" clId="Web-{2DE4DBE3-196C-A82A-0F29-CFD0656962D9}" dt="2024-01-22T06:39:31.182" v="3"/>
+      <pc:sldChg chg="addSp delSp modSp add mod">
+        <pc:chgData name="Carroll, Claudia" userId="5513adb2-3315-47c6-853b-61e74126e783" providerId="ADAL" clId="{FDB037B5-BC6E-529D-920A-0733451977A9}" dt="2025-10-27T02:54:09.643" v="1056" actId="2711"/>
         <pc:sldMkLst>
           <pc:docMk/>
-          <pc:sldMk cId="1035593031" sldId="260"/>
+          <pc:sldMk cId="2980873988" sldId="296"/>
         </pc:sldMkLst>
-      </pc:sldChg>
-      <pc:sldChg chg="modSp add">
-        <pc:chgData name="Carroll, Claudia" userId="S::claudiac@wustl.edu::5513adb2-3315-47c6-853b-61e74126e783" providerId="AD" clId="Web-{2DE4DBE3-196C-A82A-0F29-CFD0656962D9}" dt="2024-01-22T07:00:34.271" v="247"/>
-        <pc:sldMkLst>
-          <pc:docMk/>
-          <pc:sldMk cId="1768155783" sldId="260"/>
-        </pc:sldMkLst>
-        <pc:spChg chg="mod">
-          <ac:chgData name="Carroll, Claudia" userId="S::claudiac@wustl.edu::5513adb2-3315-47c6-853b-61e74126e783" providerId="AD" clId="Web-{2DE4DBE3-196C-A82A-0F29-CFD0656962D9}" dt="2024-01-22T06:47:22.307" v="76" actId="20577"/>
+        <pc:spChg chg="del">
+          <ac:chgData name="Carroll, Claudia" userId="5513adb2-3315-47c6-853b-61e74126e783" providerId="ADAL" clId="{FDB037B5-BC6E-529D-920A-0733451977A9}" dt="2025-10-27T02:53:17.545" v="943" actId="478"/>
           <ac:spMkLst>
             <pc:docMk/>
-            <pc:sldMk cId="1768155783" sldId="260"/>
-            <ac:spMk id="2" creationId="{D2049B13-415D-20B0-E2FC-09B1657637D4}"/>
+            <pc:sldMk cId="2980873988" sldId="296"/>
+            <ac:spMk id="2" creationId="{E4D0FC39-E37A-DA8B-A652-2948B9F45A44}"/>
           </ac:spMkLst>
         </pc:spChg>
         <pc:spChg chg="mod">
-          <ac:chgData name="Carroll, Claudia" userId="S::claudiac@wustl.edu::5513adb2-3315-47c6-853b-61e74126e783" providerId="AD" clId="Web-{2DE4DBE3-196C-A82A-0F29-CFD0656962D9}" dt="2024-01-22T07:00:34.271" v="247"/>
+          <ac:chgData name="Carroll, Claudia" userId="5513adb2-3315-47c6-853b-61e74126e783" providerId="ADAL" clId="{FDB037B5-BC6E-529D-920A-0733451977A9}" dt="2025-10-27T02:46:29.938" v="583" actId="20577"/>
           <ac:spMkLst>
             <pc:docMk/>
-            <pc:sldMk cId="1768155783" sldId="260"/>
-            <ac:spMk id="3" creationId="{5B437E91-C3E2-8471-1F8E-7CC7BB0DE813}"/>
+            <pc:sldMk cId="2980873988" sldId="296"/>
+            <ac:spMk id="3" creationId="{A339DDE7-FA65-AA26-23F0-9D91C06A8D02}"/>
           </ac:spMkLst>
         </pc:spChg>
+        <pc:spChg chg="add mod">
+          <ac:chgData name="Carroll, Claudia" userId="5513adb2-3315-47c6-853b-61e74126e783" providerId="ADAL" clId="{FDB037B5-BC6E-529D-920A-0733451977A9}" dt="2025-10-27T02:54:09.643" v="1056" actId="2711"/>
+          <ac:spMkLst>
+            <pc:docMk/>
+            <pc:sldMk cId="2980873988" sldId="296"/>
+            <ac:spMk id="4" creationId="{B09DEE0C-90D0-595F-CA2F-694FB7617283}"/>
+          </ac:spMkLst>
+        </pc:spChg>
+        <pc:picChg chg="add mod">
+          <ac:chgData name="Carroll, Claudia" userId="5513adb2-3315-47c6-853b-61e74126e783" providerId="ADAL" clId="{FDB037B5-BC6E-529D-920A-0733451977A9}" dt="2025-10-27T02:53:24.820" v="946" actId="1076"/>
+          <ac:picMkLst>
+            <pc:docMk/>
+            <pc:sldMk cId="2980873988" sldId="296"/>
+            <ac:picMk id="3074" creationId="{D073353E-8CA2-7F6B-6D08-4C372A321023}"/>
+          </ac:picMkLst>
+        </pc:picChg>
       </pc:sldChg>
-      <pc:sldChg chg="del">
-        <pc:chgData name="Carroll, Claudia" userId="S::claudiac@wustl.edu::5513adb2-3315-47c6-853b-61e74126e783" providerId="AD" clId="Web-{2DE4DBE3-196C-A82A-0F29-CFD0656962D9}" dt="2024-01-22T06:39:49.401" v="7"/>
+      <pc:sldChg chg="addSp delSp modSp add mod">
+        <pc:chgData name="Carroll, Claudia" userId="5513adb2-3315-47c6-853b-61e74126e783" providerId="ADAL" clId="{FDB037B5-BC6E-529D-920A-0733451977A9}" dt="2025-10-27T03:30:43.743" v="1255" actId="14100"/>
         <pc:sldMkLst>
           <pc:docMk/>
-          <pc:sldMk cId="1183157484" sldId="261"/>
+          <pc:sldMk cId="4234291784" sldId="297"/>
         </pc:sldMkLst>
-      </pc:sldChg>
-      <pc:sldChg chg="modSp add">
-        <pc:chgData name="Carroll, Claudia" userId="S::claudiac@wustl.edu::5513adb2-3315-47c6-853b-61e74126e783" providerId="AD" clId="Web-{2DE4DBE3-196C-A82A-0F29-CFD0656962D9}" dt="2024-01-22T06:48:49.013" v="104" actId="20577"/>
-        <pc:sldMkLst>
-          <pc:docMk/>
-          <pc:sldMk cId="2187364593" sldId="261"/>
-        </pc:sldMkLst>
-        <pc:spChg chg="mod">
-          <ac:chgData name="Carroll, Claudia" userId="S::claudiac@wustl.edu::5513adb2-3315-47c6-853b-61e74126e783" providerId="AD" clId="Web-{2DE4DBE3-196C-A82A-0F29-CFD0656962D9}" dt="2024-01-22T06:47:59.027" v="84"/>
+        <pc:spChg chg="del">
+          <ac:chgData name="Carroll, Claudia" userId="5513adb2-3315-47c6-853b-61e74126e783" providerId="ADAL" clId="{FDB037B5-BC6E-529D-920A-0733451977A9}" dt="2025-10-27T02:55:49.468" v="1057" actId="478"/>
           <ac:spMkLst>
             <pc:docMk/>
-            <pc:sldMk cId="2187364593" sldId="261"/>
-            <ac:spMk id="2" creationId="{2F15FD6A-22D6-CF26-AB72-1F5BFC6B2AAF}"/>
+            <pc:sldMk cId="4234291784" sldId="297"/>
+            <ac:spMk id="2" creationId="{2E62E365-0E61-7B23-CE07-7BCF01A163D2}"/>
           </ac:spMkLst>
         </pc:spChg>
         <pc:spChg chg="mod">
-          <ac:chgData name="Carroll, Claudia" userId="S::claudiac@wustl.edu::5513adb2-3315-47c6-853b-61e74126e783" providerId="AD" clId="Web-{2DE4DBE3-196C-A82A-0F29-CFD0656962D9}" dt="2024-01-22T06:48:49.013" v="104" actId="20577"/>
+          <ac:chgData name="Carroll, Claudia" userId="5513adb2-3315-47c6-853b-61e74126e783" providerId="ADAL" clId="{FDB037B5-BC6E-529D-920A-0733451977A9}" dt="2025-10-27T02:47:16.236" v="645" actId="255"/>
           <ac:spMkLst>
             <pc:docMk/>
-            <pc:sldMk cId="2187364593" sldId="261"/>
-            <ac:spMk id="3" creationId="{850205FB-88B8-A56C-93D0-6EDD16A1678B}"/>
+            <pc:sldMk cId="4234291784" sldId="297"/>
+            <ac:spMk id="3" creationId="{CCE7BAB1-35A3-0DF9-7C5D-F34197BC0BD4}"/>
           </ac:spMkLst>
         </pc:spChg>
+        <pc:spChg chg="add mod">
+          <ac:chgData name="Carroll, Claudia" userId="5513adb2-3315-47c6-853b-61e74126e783" providerId="ADAL" clId="{FDB037B5-BC6E-529D-920A-0733451977A9}" dt="2025-10-27T03:18:37.606" v="1213" actId="1076"/>
+          <ac:spMkLst>
+            <pc:docMk/>
+            <pc:sldMk cId="4234291784" sldId="297"/>
+            <ac:spMk id="4" creationId="{5E3073A3-42AA-B294-B26A-6D3F3A763F5C}"/>
+          </ac:spMkLst>
+        </pc:spChg>
+        <pc:spChg chg="add mod">
+          <ac:chgData name="Carroll, Claudia" userId="5513adb2-3315-47c6-853b-61e74126e783" providerId="ADAL" clId="{FDB037B5-BC6E-529D-920A-0733451977A9}" dt="2025-10-27T02:58:59.317" v="1093" actId="2711"/>
+          <ac:spMkLst>
+            <pc:docMk/>
+            <pc:sldMk cId="4234291784" sldId="297"/>
+            <ac:spMk id="12" creationId="{7F2B7D4E-D9F9-0CAE-929A-DC7D5E539F4C}"/>
+          </ac:spMkLst>
+        </pc:spChg>
+        <pc:spChg chg="add mod">
+          <ac:chgData name="Carroll, Claudia" userId="5513adb2-3315-47c6-853b-61e74126e783" providerId="ADAL" clId="{FDB037B5-BC6E-529D-920A-0733451977A9}" dt="2025-10-27T02:59:18.711" v="1109" actId="2711"/>
+          <ac:spMkLst>
+            <pc:docMk/>
+            <pc:sldMk cId="4234291784" sldId="297"/>
+            <ac:spMk id="13" creationId="{BEB0F1E9-0F0E-322C-0DB7-0E6E0D744B35}"/>
+          </ac:spMkLst>
+        </pc:spChg>
+        <pc:spChg chg="add mod">
+          <ac:chgData name="Carroll, Claudia" userId="5513adb2-3315-47c6-853b-61e74126e783" providerId="ADAL" clId="{FDB037B5-BC6E-529D-920A-0733451977A9}" dt="2025-10-27T03:00:37.683" v="1128" actId="1076"/>
+          <ac:spMkLst>
+            <pc:docMk/>
+            <pc:sldMk cId="4234291784" sldId="297"/>
+            <ac:spMk id="14" creationId="{837A26C2-69A1-1F75-3B7A-730662BC05B3}"/>
+          </ac:spMkLst>
+        </pc:spChg>
+        <pc:spChg chg="add mod">
+          <ac:chgData name="Carroll, Claudia" userId="5513adb2-3315-47c6-853b-61e74126e783" providerId="ADAL" clId="{FDB037B5-BC6E-529D-920A-0733451977A9}" dt="2025-10-27T03:00:39.462" v="1129" actId="1076"/>
+          <ac:spMkLst>
+            <pc:docMk/>
+            <pc:sldMk cId="4234291784" sldId="297"/>
+            <ac:spMk id="15" creationId="{02F0EF96-6BDF-C796-DB83-508EA15AB403}"/>
+          </ac:spMkLst>
+        </pc:spChg>
+        <pc:spChg chg="add mod">
+          <ac:chgData name="Carroll, Claudia" userId="5513adb2-3315-47c6-853b-61e74126e783" providerId="ADAL" clId="{FDB037B5-BC6E-529D-920A-0733451977A9}" dt="2025-10-27T03:00:12.251" v="1121" actId="1076"/>
+          <ac:spMkLst>
+            <pc:docMk/>
+            <pc:sldMk cId="4234291784" sldId="297"/>
+            <ac:spMk id="16" creationId="{79E5AED4-9FD1-1C3E-BA7D-E852EB0C7245}"/>
+          </ac:spMkLst>
+        </pc:spChg>
+        <pc:spChg chg="add mod">
+          <ac:chgData name="Carroll, Claudia" userId="5513adb2-3315-47c6-853b-61e74126e783" providerId="ADAL" clId="{FDB037B5-BC6E-529D-920A-0733451977A9}" dt="2025-10-27T03:00:17.147" v="1122" actId="1076"/>
+          <ac:spMkLst>
+            <pc:docMk/>
+            <pc:sldMk cId="4234291784" sldId="297"/>
+            <ac:spMk id="17" creationId="{0CC2D1E4-F644-8A04-1C71-4DF436B52EE5}"/>
+          </ac:spMkLst>
+        </pc:spChg>
+        <pc:spChg chg="add mod">
+          <ac:chgData name="Carroll, Claudia" userId="5513adb2-3315-47c6-853b-61e74126e783" providerId="ADAL" clId="{FDB037B5-BC6E-529D-920A-0733451977A9}" dt="2025-10-27T03:00:34.539" v="1127" actId="1076"/>
+          <ac:spMkLst>
+            <pc:docMk/>
+            <pc:sldMk cId="4234291784" sldId="297"/>
+            <ac:spMk id="18" creationId="{7883AAB0-9B46-64A4-2C74-023752BFFA51}"/>
+          </ac:spMkLst>
+        </pc:spChg>
+        <pc:spChg chg="add mod">
+          <ac:chgData name="Carroll, Claudia" userId="5513adb2-3315-47c6-853b-61e74126e783" providerId="ADAL" clId="{FDB037B5-BC6E-529D-920A-0733451977A9}" dt="2025-10-27T03:00:27.923" v="1125" actId="1076"/>
+          <ac:spMkLst>
+            <pc:docMk/>
+            <pc:sldMk cId="4234291784" sldId="297"/>
+            <ac:spMk id="19" creationId="{40A82E58-4584-E91C-9983-0473E10E4F88}"/>
+          </ac:spMkLst>
+        </pc:spChg>
+        <pc:spChg chg="add mod">
+          <ac:chgData name="Carroll, Claudia" userId="5513adb2-3315-47c6-853b-61e74126e783" providerId="ADAL" clId="{FDB037B5-BC6E-529D-920A-0733451977A9}" dt="2025-10-27T03:00:31.688" v="1126" actId="1076"/>
+          <ac:spMkLst>
+            <pc:docMk/>
+            <pc:sldMk cId="4234291784" sldId="297"/>
+            <ac:spMk id="20" creationId="{26561B89-6C30-4B14-F332-367FEC61D08F}"/>
+          </ac:spMkLst>
+        </pc:spChg>
+        <pc:spChg chg="add mod">
+          <ac:chgData name="Carroll, Claudia" userId="5513adb2-3315-47c6-853b-61e74126e783" providerId="ADAL" clId="{FDB037B5-BC6E-529D-920A-0733451977A9}" dt="2025-10-27T03:00:25.689" v="1124" actId="1076"/>
+          <ac:spMkLst>
+            <pc:docMk/>
+            <pc:sldMk cId="4234291784" sldId="297"/>
+            <ac:spMk id="21" creationId="{0D8F0681-F625-718F-9672-58D01083A567}"/>
+          </ac:spMkLst>
+        </pc:spChg>
+        <pc:spChg chg="add mod">
+          <ac:chgData name="Carroll, Claudia" userId="5513adb2-3315-47c6-853b-61e74126e783" providerId="ADAL" clId="{FDB037B5-BC6E-529D-920A-0733451977A9}" dt="2025-10-27T03:01:40.808" v="1139" actId="1076"/>
+          <ac:spMkLst>
+            <pc:docMk/>
+            <pc:sldMk cId="4234291784" sldId="297"/>
+            <ac:spMk id="26" creationId="{39B0B327-5854-3069-08E1-4164534D505A}"/>
+          </ac:spMkLst>
+        </pc:spChg>
+        <pc:spChg chg="add mod">
+          <ac:chgData name="Carroll, Claudia" userId="5513adb2-3315-47c6-853b-61e74126e783" providerId="ADAL" clId="{FDB037B5-BC6E-529D-920A-0733451977A9}" dt="2025-10-27T03:02:05.726" v="1145" actId="1076"/>
+          <ac:spMkLst>
+            <pc:docMk/>
+            <pc:sldMk cId="4234291784" sldId="297"/>
+            <ac:spMk id="27" creationId="{337A98C5-8E25-CD54-A3BE-E15D90EB731A}"/>
+          </ac:spMkLst>
+        </pc:spChg>
+        <pc:spChg chg="add mod">
+          <ac:chgData name="Carroll, Claudia" userId="5513adb2-3315-47c6-853b-61e74126e783" providerId="ADAL" clId="{FDB037B5-BC6E-529D-920A-0733451977A9}" dt="2025-10-27T03:17:13.628" v="1175" actId="1076"/>
+          <ac:spMkLst>
+            <pc:docMk/>
+            <pc:sldMk cId="4234291784" sldId="297"/>
+            <ac:spMk id="28" creationId="{F46005D5-C0A8-1FA1-1E0D-75E29DABF937}"/>
+          </ac:spMkLst>
+        </pc:spChg>
+        <pc:spChg chg="add mod">
+          <ac:chgData name="Carroll, Claudia" userId="5513adb2-3315-47c6-853b-61e74126e783" providerId="ADAL" clId="{FDB037B5-BC6E-529D-920A-0733451977A9}" dt="2025-10-27T03:17:10.403" v="1174" actId="1076"/>
+          <ac:spMkLst>
+            <pc:docMk/>
+            <pc:sldMk cId="4234291784" sldId="297"/>
+            <ac:spMk id="29" creationId="{66F8A592-BF5F-2B2A-CD52-DA85CC0A8D0F}"/>
+          </ac:spMkLst>
+        </pc:spChg>
+        <pc:spChg chg="add mod">
+          <ac:chgData name="Carroll, Claudia" userId="5513adb2-3315-47c6-853b-61e74126e783" providerId="ADAL" clId="{FDB037B5-BC6E-529D-920A-0733451977A9}" dt="2025-10-27T03:18:19.996" v="1212" actId="1076"/>
+          <ac:spMkLst>
+            <pc:docMk/>
+            <pc:sldMk cId="4234291784" sldId="297"/>
+            <ac:spMk id="30" creationId="{0E644EC7-368D-4D06-2DF2-EF534EDB5148}"/>
+          </ac:spMkLst>
+        </pc:spChg>
+        <pc:spChg chg="add mod">
+          <ac:chgData name="Carroll, Claudia" userId="5513adb2-3315-47c6-853b-61e74126e783" providerId="ADAL" clId="{FDB037B5-BC6E-529D-920A-0733451977A9}" dt="2025-10-27T03:18:58.759" v="1222" actId="1076"/>
+          <ac:spMkLst>
+            <pc:docMk/>
+            <pc:sldMk cId="4234291784" sldId="297"/>
+            <ac:spMk id="31" creationId="{FE576C08-6706-4DCC-BECB-59AF9129DA40}"/>
+          </ac:spMkLst>
+        </pc:spChg>
+        <pc:spChg chg="add mod">
+          <ac:chgData name="Carroll, Claudia" userId="5513adb2-3315-47c6-853b-61e74126e783" providerId="ADAL" clId="{FDB037B5-BC6E-529D-920A-0733451977A9}" dt="2025-10-27T03:19:43.367" v="1232" actId="20577"/>
+          <ac:spMkLst>
+            <pc:docMk/>
+            <pc:sldMk cId="4234291784" sldId="297"/>
+            <ac:spMk id="32" creationId="{757C55D5-098A-192A-CEC6-60FE40D58C0D}"/>
+          </ac:spMkLst>
+        </pc:spChg>
+        <pc:spChg chg="add mod">
+          <ac:chgData name="Carroll, Claudia" userId="5513adb2-3315-47c6-853b-61e74126e783" providerId="ADAL" clId="{FDB037B5-BC6E-529D-920A-0733451977A9}" dt="2025-10-27T03:27:46.193" v="1242" actId="1076"/>
+          <ac:spMkLst>
+            <pc:docMk/>
+            <pc:sldMk cId="4234291784" sldId="297"/>
+            <ac:spMk id="33" creationId="{E72FED67-1963-1915-31A0-11065C7444C8}"/>
+          </ac:spMkLst>
+        </pc:spChg>
+        <pc:spChg chg="add del mod">
+          <ac:chgData name="Carroll, Claudia" userId="5513adb2-3315-47c6-853b-61e74126e783" providerId="ADAL" clId="{FDB037B5-BC6E-529D-920A-0733451977A9}" dt="2025-10-27T03:29:37.454" v="1249" actId="478"/>
+          <ac:spMkLst>
+            <pc:docMk/>
+            <pc:sldMk cId="4234291784" sldId="297"/>
+            <ac:spMk id="38" creationId="{20C9E39F-2D2F-E2FA-1209-88D577EA0C21}"/>
+          </ac:spMkLst>
+        </pc:spChg>
+        <pc:spChg chg="add mod">
+          <ac:chgData name="Carroll, Claudia" userId="5513adb2-3315-47c6-853b-61e74126e783" providerId="ADAL" clId="{FDB037B5-BC6E-529D-920A-0733451977A9}" dt="2025-10-27T03:30:43.743" v="1255" actId="14100"/>
+          <ac:spMkLst>
+            <pc:docMk/>
+            <pc:sldMk cId="4234291784" sldId="297"/>
+            <ac:spMk id="39" creationId="{D73DB215-17EE-4321-2EB2-0E74A70BA486}"/>
+          </ac:spMkLst>
+        </pc:spChg>
+        <pc:cxnChg chg="add mod">
+          <ac:chgData name="Carroll, Claudia" userId="5513adb2-3315-47c6-853b-61e74126e783" providerId="ADAL" clId="{FDB037B5-BC6E-529D-920A-0733451977A9}" dt="2025-10-27T02:58:16.430" v="1068" actId="14100"/>
+          <ac:cxnSpMkLst>
+            <pc:docMk/>
+            <pc:sldMk cId="4234291784" sldId="297"/>
+            <ac:cxnSpMk id="6" creationId="{FE030562-DD49-C899-BF04-E17CF6653B62}"/>
+          </ac:cxnSpMkLst>
+        </pc:cxnChg>
+        <pc:cxnChg chg="add mod">
+          <ac:chgData name="Carroll, Claudia" userId="5513adb2-3315-47c6-853b-61e74126e783" providerId="ADAL" clId="{FDB037B5-BC6E-529D-920A-0733451977A9}" dt="2025-10-27T02:58:09.606" v="1067" actId="1076"/>
+          <ac:cxnSpMkLst>
+            <pc:docMk/>
+            <pc:sldMk cId="4234291784" sldId="297"/>
+            <ac:cxnSpMk id="8" creationId="{580F2F8F-3851-0749-EF71-956C4E586E58}"/>
+          </ac:cxnSpMkLst>
+        </pc:cxnChg>
+        <pc:cxnChg chg="add">
+          <ac:chgData name="Carroll, Claudia" userId="5513adb2-3315-47c6-853b-61e74126e783" providerId="ADAL" clId="{FDB037B5-BC6E-529D-920A-0733451977A9}" dt="2025-10-27T03:00:55.659" v="1130" actId="11529"/>
+          <ac:cxnSpMkLst>
+            <pc:docMk/>
+            <pc:sldMk cId="4234291784" sldId="297"/>
+            <ac:cxnSpMk id="23" creationId="{92768590-75F5-F12C-B813-7A747D902655}"/>
+          </ac:cxnSpMkLst>
+        </pc:cxnChg>
+        <pc:cxnChg chg="add">
+          <ac:chgData name="Carroll, Claudia" userId="5513adb2-3315-47c6-853b-61e74126e783" providerId="ADAL" clId="{FDB037B5-BC6E-529D-920A-0733451977A9}" dt="2025-10-27T03:01:13.931" v="1132" actId="11529"/>
+          <ac:cxnSpMkLst>
+            <pc:docMk/>
+            <pc:sldMk cId="4234291784" sldId="297"/>
+            <ac:cxnSpMk id="25" creationId="{89A7CC8D-C664-06EF-92AE-ABC5F58C8E40}"/>
+          </ac:cxnSpMkLst>
+        </pc:cxnChg>
+        <pc:cxnChg chg="add mod">
+          <ac:chgData name="Carroll, Claudia" userId="5513adb2-3315-47c6-853b-61e74126e783" providerId="ADAL" clId="{FDB037B5-BC6E-529D-920A-0733451977A9}" dt="2025-10-27T03:28:22.499" v="1244" actId="13822"/>
+          <ac:cxnSpMkLst>
+            <pc:docMk/>
+            <pc:sldMk cId="4234291784" sldId="297"/>
+            <ac:cxnSpMk id="35" creationId="{ED54B844-AEBA-F38A-22A0-08BA96B93612}"/>
+          </ac:cxnSpMkLst>
+        </pc:cxnChg>
+        <pc:cxnChg chg="add mod">
+          <ac:chgData name="Carroll, Claudia" userId="5513adb2-3315-47c6-853b-61e74126e783" providerId="ADAL" clId="{FDB037B5-BC6E-529D-920A-0733451977A9}" dt="2025-10-27T03:28:50.040" v="1246" actId="13822"/>
+          <ac:cxnSpMkLst>
+            <pc:docMk/>
+            <pc:sldMk cId="4234291784" sldId="297"/>
+            <ac:cxnSpMk id="37" creationId="{74048F1F-EC43-05D6-F083-D42A1ED9986C}"/>
+          </ac:cxnSpMkLst>
+        </pc:cxnChg>
       </pc:sldChg>
-      <pc:sldChg chg="modSp add ord">
-        <pc:chgData name="Carroll, Claudia" userId="S::claudiac@wustl.edu::5513adb2-3315-47c6-853b-61e74126e783" providerId="AD" clId="Web-{2DE4DBE3-196C-A82A-0F29-CFD0656962D9}" dt="2024-01-22T07:02:44.838" v="268"/>
+      <pc:sldChg chg="addSp delSp modSp add mod">
+        <pc:chgData name="Carroll, Claudia" userId="5513adb2-3315-47c6-853b-61e74126e783" providerId="ADAL" clId="{FDB037B5-BC6E-529D-920A-0733451977A9}" dt="2025-10-27T03:40:52.892" v="1735" actId="20577"/>
         <pc:sldMkLst>
           <pc:docMk/>
-          <pc:sldMk cId="1075985789" sldId="262"/>
+          <pc:sldMk cId="991779782" sldId="298"/>
         </pc:sldMkLst>
-        <pc:spChg chg="mod">
-          <ac:chgData name="Carroll, Claudia" userId="S::claudiac@wustl.edu::5513adb2-3315-47c6-853b-61e74126e783" providerId="AD" clId="Web-{2DE4DBE3-196C-A82A-0F29-CFD0656962D9}" dt="2024-01-22T06:47:27.713" v="77"/>
+        <pc:spChg chg="del">
+          <ac:chgData name="Carroll, Claudia" userId="5513adb2-3315-47c6-853b-61e74126e783" providerId="ADAL" clId="{FDB037B5-BC6E-529D-920A-0733451977A9}" dt="2025-10-27T03:32:46.522" v="1256"/>
           <ac:spMkLst>
             <pc:docMk/>
-            <pc:sldMk cId="1075985789" sldId="262"/>
-            <ac:spMk id="2" creationId="{E991BDDB-6BD5-043A-AD29-EFF4C154CD58}"/>
-          </ac:spMkLst>
-        </pc:spChg>
-      </pc:sldChg>
-      <pc:sldChg chg="del">
-        <pc:chgData name="Carroll, Claudia" userId="S::claudiac@wustl.edu::5513adb2-3315-47c6-853b-61e74126e783" providerId="AD" clId="Web-{2DE4DBE3-196C-A82A-0F29-CFD0656962D9}" dt="2024-01-22T06:40:16.386" v="11"/>
-        <pc:sldMkLst>
-          <pc:docMk/>
-          <pc:sldMk cId="1123038945" sldId="262"/>
-        </pc:sldMkLst>
-      </pc:sldChg>
-      <pc:sldChg chg="del">
-        <pc:chgData name="Carroll, Claudia" userId="S::claudiac@wustl.edu::5513adb2-3315-47c6-853b-61e74126e783" providerId="AD" clId="Web-{2DE4DBE3-196C-A82A-0F29-CFD0656962D9}" dt="2024-01-22T06:40:38.403" v="19"/>
-        <pc:sldMkLst>
-          <pc:docMk/>
-          <pc:sldMk cId="4102474458" sldId="263"/>
-        </pc:sldMkLst>
-      </pc:sldChg>
-      <pc:sldChg chg="del">
-        <pc:chgData name="Carroll, Claudia" userId="S::claudiac@wustl.edu::5513adb2-3315-47c6-853b-61e74126e783" providerId="AD" clId="Web-{2DE4DBE3-196C-A82A-0F29-CFD0656962D9}" dt="2024-01-22T06:43:07.439" v="37"/>
-        <pc:sldMkLst>
-          <pc:docMk/>
-          <pc:sldMk cId="1667539675" sldId="264"/>
-        </pc:sldMkLst>
-      </pc:sldChg>
-      <pc:sldChg chg="del">
-        <pc:chgData name="Carroll, Claudia" userId="S::claudiac@wustl.edu::5513adb2-3315-47c6-853b-61e74126e783" providerId="AD" clId="Web-{2DE4DBE3-196C-A82A-0F29-CFD0656962D9}" dt="2024-01-22T06:45:45.272" v="63"/>
-        <pc:sldMkLst>
-          <pc:docMk/>
-          <pc:sldMk cId="51798783" sldId="265"/>
-        </pc:sldMkLst>
-      </pc:sldChg>
-      <pc:sldChg chg="del">
-        <pc:chgData name="Carroll, Claudia" userId="S::claudiac@wustl.edu::5513adb2-3315-47c6-853b-61e74126e783" providerId="AD" clId="Web-{2DE4DBE3-196C-A82A-0F29-CFD0656962D9}" dt="2024-01-22T06:45:48.319" v="64"/>
-        <pc:sldMkLst>
-          <pc:docMk/>
-          <pc:sldMk cId="4190642258" sldId="266"/>
-        </pc:sldMkLst>
-      </pc:sldChg>
-      <pc:sldChg chg="new del">
-        <pc:chgData name="Carroll, Claudia" userId="S::claudiac@wustl.edu::5513adb2-3315-47c6-853b-61e74126e783" providerId="AD" clId="Web-{2DE4DBE3-196C-A82A-0F29-CFD0656962D9}" dt="2024-01-22T06:40:15.605" v="10"/>
-        <pc:sldMkLst>
-          <pc:docMk/>
-          <pc:sldMk cId="684634084" sldId="267"/>
-        </pc:sldMkLst>
-      </pc:sldChg>
-      <pc:sldChg chg="add del">
-        <pc:chgData name="Carroll, Claudia" userId="S::claudiac@wustl.edu::5513adb2-3315-47c6-853b-61e74126e783" providerId="AD" clId="Web-{2DE4DBE3-196C-A82A-0F29-CFD0656962D9}" dt="2024-01-22T06:39:45.838" v="6"/>
-        <pc:sldMkLst>
-          <pc:docMk/>
-          <pc:sldMk cId="969047029" sldId="267"/>
-        </pc:sldMkLst>
-      </pc:sldChg>
-      <pc:sldChg chg="modSp add">
-        <pc:chgData name="Carroll, Claudia" userId="S::claudiac@wustl.edu::5513adb2-3315-47c6-853b-61e74126e783" providerId="AD" clId="Web-{2DE4DBE3-196C-A82A-0F29-CFD0656962D9}" dt="2024-01-22T06:49:23.873" v="109" actId="20577"/>
-        <pc:sldMkLst>
-          <pc:docMk/>
-          <pc:sldMk cId="2077495510" sldId="267"/>
-        </pc:sldMkLst>
-        <pc:spChg chg="mod">
-          <ac:chgData name="Carroll, Claudia" userId="S::claudiac@wustl.edu::5513adb2-3315-47c6-853b-61e74126e783" providerId="AD" clId="Web-{2DE4DBE3-196C-A82A-0F29-CFD0656962D9}" dt="2024-01-22T06:49:04.498" v="106"/>
-          <ac:spMkLst>
-            <pc:docMk/>
-            <pc:sldMk cId="2077495510" sldId="267"/>
-            <ac:spMk id="2" creationId="{E71D3CE9-A0CE-688A-8425-F676EA57FDDA}"/>
+            <pc:sldMk cId="991779782" sldId="298"/>
+            <ac:spMk id="2" creationId="{4FB50D81-73BA-2DD4-55B6-2E14D08B2C42}"/>
           </ac:spMkLst>
         </pc:spChg>
         <pc:spChg chg="mod">
-          <ac:chgData name="Carroll, Claudia" userId="S::claudiac@wustl.edu::5513adb2-3315-47c6-853b-61e74126e783" providerId="AD" clId="Web-{2DE4DBE3-196C-A82A-0F29-CFD0656962D9}" dt="2024-01-22T06:49:23.873" v="109" actId="20577"/>
+          <ac:chgData name="Carroll, Claudia" userId="5513adb2-3315-47c6-853b-61e74126e783" providerId="ADAL" clId="{FDB037B5-BC6E-529D-920A-0733451977A9}" dt="2025-10-27T02:47:38.601" v="665" actId="255"/>
           <ac:spMkLst>
             <pc:docMk/>
-            <pc:sldMk cId="2077495510" sldId="267"/>
-            <ac:spMk id="3" creationId="{3E49142E-0FF7-3BD4-D714-FDB0A199AB58}"/>
+            <pc:sldMk cId="991779782" sldId="298"/>
+            <ac:spMk id="3" creationId="{99EB4FDE-39F7-979C-3164-53FE1902CCEF}"/>
           </ac:spMkLst>
         </pc:spChg>
+        <pc:spChg chg="add mod">
+          <ac:chgData name="Carroll, Claudia" userId="5513adb2-3315-47c6-853b-61e74126e783" providerId="ADAL" clId="{FDB037B5-BC6E-529D-920A-0733451977A9}" dt="2025-10-27T03:40:52.892" v="1735" actId="20577"/>
+          <ac:spMkLst>
+            <pc:docMk/>
+            <pc:sldMk cId="991779782" sldId="298"/>
+            <ac:spMk id="4" creationId="{483EBACF-9330-E7F3-4274-8013D76216EF}"/>
+          </ac:spMkLst>
+        </pc:spChg>
+        <pc:picChg chg="add mod">
+          <ac:chgData name="Carroll, Claudia" userId="5513adb2-3315-47c6-853b-61e74126e783" providerId="ADAL" clId="{FDB037B5-BC6E-529D-920A-0733451977A9}" dt="2025-10-27T03:39:56.808" v="1564" actId="1076"/>
+          <ac:picMkLst>
+            <pc:docMk/>
+            <pc:sldMk cId="991779782" sldId="298"/>
+            <ac:picMk id="4098" creationId="{6A018A85-35DB-FFBB-CDC6-BDE6CFCAEAD7}"/>
+          </ac:picMkLst>
+        </pc:picChg>
       </pc:sldChg>
-      <pc:sldChg chg="modSp add">
-        <pc:chgData name="Carroll, Claudia" userId="S::claudiac@wustl.edu::5513adb2-3315-47c6-853b-61e74126e783" providerId="AD" clId="Web-{2DE4DBE3-196C-A82A-0F29-CFD0656962D9}" dt="2024-01-22T06:47:55.792" v="83" actId="20577"/>
+      <pc:sldChg chg="new del">
+        <pc:chgData name="Carroll, Claudia" userId="5513adb2-3315-47c6-853b-61e74126e783" providerId="ADAL" clId="{FDB037B5-BC6E-529D-920A-0733451977A9}" dt="2025-10-27T03:33:00.128" v="1258" actId="2696"/>
         <pc:sldMkLst>
           <pc:docMk/>
-          <pc:sldMk cId="3839357258" sldId="268"/>
+          <pc:sldMk cId="1046306357" sldId="299"/>
         </pc:sldMkLst>
-        <pc:spChg chg="mod">
-          <ac:chgData name="Carroll, Claudia" userId="S::claudiac@wustl.edu::5513adb2-3315-47c6-853b-61e74126e783" providerId="AD" clId="Web-{2DE4DBE3-196C-A82A-0F29-CFD0656962D9}" dt="2024-01-22T06:47:36.854" v="78"/>
+      </pc:sldChg>
+      <pc:sldChg chg="addSp delSp modSp add mod">
+        <pc:chgData name="Carroll, Claudia" userId="5513adb2-3315-47c6-853b-61e74126e783" providerId="ADAL" clId="{FDB037B5-BC6E-529D-920A-0733451977A9}" dt="2025-10-27T03:44:00.594" v="2027" actId="20577"/>
+        <pc:sldMkLst>
+          <pc:docMk/>
+          <pc:sldMk cId="3676138261" sldId="300"/>
+        </pc:sldMkLst>
+        <pc:spChg chg="del">
+          <ac:chgData name="Carroll, Claudia" userId="5513adb2-3315-47c6-853b-61e74126e783" providerId="ADAL" clId="{FDB037B5-BC6E-529D-920A-0733451977A9}" dt="2025-10-27T03:33:46.203" v="1259"/>
           <ac:spMkLst>
             <pc:docMk/>
-            <pc:sldMk cId="3839357258" sldId="268"/>
-            <ac:spMk id="2" creationId="{FF02E442-5BD2-C7E7-D487-182D2EC0E4FF}"/>
+            <pc:sldMk cId="3676138261" sldId="300"/>
+            <ac:spMk id="2" creationId="{6F7F3C5B-89B7-85D2-89E3-3637A336CC0C}"/>
           </ac:spMkLst>
         </pc:spChg>
         <pc:spChg chg="mod">
-          <ac:chgData name="Carroll, Claudia" userId="S::claudiac@wustl.edu::5513adb2-3315-47c6-853b-61e74126e783" providerId="AD" clId="Web-{2DE4DBE3-196C-A82A-0F29-CFD0656962D9}" dt="2024-01-22T06:47:55.792" v="83" actId="20577"/>
+          <ac:chgData name="Carroll, Claudia" userId="5513adb2-3315-47c6-853b-61e74126e783" providerId="ADAL" clId="{FDB037B5-BC6E-529D-920A-0733451977A9}" dt="2025-10-27T02:47:54.111" v="678" actId="20577"/>
           <ac:spMkLst>
             <pc:docMk/>
-            <pc:sldMk cId="3839357258" sldId="268"/>
-            <ac:spMk id="3" creationId="{13B6A96C-8D86-7F21-3DA5-4A818CE6C4D6}"/>
+            <pc:sldMk cId="3676138261" sldId="300"/>
+            <ac:spMk id="3" creationId="{D19184FE-4CCB-2A4E-F211-C67CEB9A9831}"/>
           </ac:spMkLst>
         </pc:spChg>
+        <pc:spChg chg="add mod">
+          <ac:chgData name="Carroll, Claudia" userId="5513adb2-3315-47c6-853b-61e74126e783" providerId="ADAL" clId="{FDB037B5-BC6E-529D-920A-0733451977A9}" dt="2025-10-27T03:44:00.594" v="2027" actId="20577"/>
+          <ac:spMkLst>
+            <pc:docMk/>
+            <pc:sldMk cId="3676138261" sldId="300"/>
+            <ac:spMk id="4" creationId="{86863440-BBA1-49F4-9F0E-7CD06A1BFC8F}"/>
+          </ac:spMkLst>
+        </pc:spChg>
+        <pc:picChg chg="add mod">
+          <ac:chgData name="Carroll, Claudia" userId="5513adb2-3315-47c6-853b-61e74126e783" providerId="ADAL" clId="{FDB037B5-BC6E-529D-920A-0733451977A9}" dt="2025-10-27T03:41:01.230" v="1736" actId="1076"/>
+          <ac:picMkLst>
+            <pc:docMk/>
+            <pc:sldMk cId="3676138261" sldId="300"/>
+            <ac:picMk id="5122" creationId="{53BF0E29-C598-1934-5500-4831F684C4D0}"/>
+          </ac:picMkLst>
+        </pc:picChg>
       </pc:sldChg>
-      <pc:sldChg chg="modSp add">
-        <pc:chgData name="Carroll, Claudia" userId="S::claudiac@wustl.edu::5513adb2-3315-47c6-853b-61e74126e783" providerId="AD" clId="Web-{2DE4DBE3-196C-A82A-0F29-CFD0656962D9}" dt="2024-01-22T06:57:23.374" v="213" actId="20577"/>
+      <pc:sldChg chg="addSp delSp modSp add mod">
+        <pc:chgData name="Carroll, Claudia" userId="5513adb2-3315-47c6-853b-61e74126e783" providerId="ADAL" clId="{FDB037B5-BC6E-529D-920A-0733451977A9}" dt="2025-10-27T03:44:53.317" v="2116" actId="1076"/>
         <pc:sldMkLst>
           <pc:docMk/>
-          <pc:sldMk cId="1063925012" sldId="269"/>
+          <pc:sldMk cId="2954594762" sldId="301"/>
         </pc:sldMkLst>
-        <pc:spChg chg="mod">
-          <ac:chgData name="Carroll, Claudia" userId="S::claudiac@wustl.edu::5513adb2-3315-47c6-853b-61e74126e783" providerId="AD" clId="Web-{2DE4DBE3-196C-A82A-0F29-CFD0656962D9}" dt="2024-01-22T06:53:56.430" v="160"/>
+        <pc:spChg chg="del">
+          <ac:chgData name="Carroll, Claudia" userId="5513adb2-3315-47c6-853b-61e74126e783" providerId="ADAL" clId="{FDB037B5-BC6E-529D-920A-0733451977A9}" dt="2025-10-27T03:35:05.301" v="1262" actId="478"/>
           <ac:spMkLst>
             <pc:docMk/>
-            <pc:sldMk cId="1063925012" sldId="269"/>
-            <ac:spMk id="2" creationId="{F10936FC-91BC-6F18-E4B0-10EF4EB1AAF7}"/>
+            <pc:sldMk cId="2954594762" sldId="301"/>
+            <ac:spMk id="2" creationId="{62634160-BDF4-C0D4-AEC0-C7E01DE825B6}"/>
           </ac:spMkLst>
         </pc:spChg>
         <pc:spChg chg="mod">
-          <ac:chgData name="Carroll, Claudia" userId="S::claudiac@wustl.edu::5513adb2-3315-47c6-853b-61e74126e783" providerId="AD" clId="Web-{2DE4DBE3-196C-A82A-0F29-CFD0656962D9}" dt="2024-01-22T06:57:23.374" v="213" actId="20577"/>
+          <ac:chgData name="Carroll, Claudia" userId="5513adb2-3315-47c6-853b-61e74126e783" providerId="ADAL" clId="{FDB037B5-BC6E-529D-920A-0733451977A9}" dt="2025-10-27T02:49:01.752" v="761" actId="255"/>
           <ac:spMkLst>
             <pc:docMk/>
-            <pc:sldMk cId="1063925012" sldId="269"/>
-            <ac:spMk id="3" creationId="{19BF0F97-5BAA-06CC-A512-D46EC0C17E37}"/>
+            <pc:sldMk cId="2954594762" sldId="301"/>
+            <ac:spMk id="3" creationId="{6ABB5002-86B8-1E1A-10A6-38C576625BDD}"/>
           </ac:spMkLst>
         </pc:spChg>
+        <pc:spChg chg="add mod">
+          <ac:chgData name="Carroll, Claudia" userId="5513adb2-3315-47c6-853b-61e74126e783" providerId="ADAL" clId="{FDB037B5-BC6E-529D-920A-0733451977A9}" dt="2025-10-27T03:44:53.317" v="2116" actId="1076"/>
+          <ac:spMkLst>
+            <pc:docMk/>
+            <pc:sldMk cId="2954594762" sldId="301"/>
+            <ac:spMk id="4" creationId="{CE27987C-924A-4356-4600-4FCF107FD4D4}"/>
+          </ac:spMkLst>
+        </pc:spChg>
+        <pc:picChg chg="add mod">
+          <ac:chgData name="Carroll, Claudia" userId="5513adb2-3315-47c6-853b-61e74126e783" providerId="ADAL" clId="{FDB037B5-BC6E-529D-920A-0733451977A9}" dt="2025-10-27T03:35:19.276" v="1269" actId="1076"/>
+          <ac:picMkLst>
+            <pc:docMk/>
+            <pc:sldMk cId="2954594762" sldId="301"/>
+            <ac:picMk id="6146" creationId="{4B9B15C7-891C-295E-D1D1-9EADFB2E7AFD}"/>
+          </ac:picMkLst>
+        </pc:picChg>
       </pc:sldChg>
-      <pc:sldChg chg="modSp add ord">
-        <pc:chgData name="Carroll, Claudia" userId="S::claudiac@wustl.edu::5513adb2-3315-47c6-853b-61e74126e783" providerId="AD" clId="Web-{2DE4DBE3-196C-A82A-0F29-CFD0656962D9}" dt="2024-01-22T07:02:14.290" v="266" actId="20577"/>
+      <pc:sldChg chg="addSp delSp modSp add mod">
+        <pc:chgData name="Carroll, Claudia" userId="5513adb2-3315-47c6-853b-61e74126e783" providerId="ADAL" clId="{FDB037B5-BC6E-529D-920A-0733451977A9}" dt="2025-10-27T03:46:20.416" v="2203" actId="14100"/>
         <pc:sldMkLst>
           <pc:docMk/>
-          <pc:sldMk cId="2821551489" sldId="270"/>
+          <pc:sldMk cId="701721325" sldId="302"/>
         </pc:sldMkLst>
-        <pc:spChg chg="mod">
-          <ac:chgData name="Carroll, Claudia" userId="S::claudiac@wustl.edu::5513adb2-3315-47c6-853b-61e74126e783" providerId="AD" clId="Web-{2DE4DBE3-196C-A82A-0F29-CFD0656962D9}" dt="2024-01-22T06:54:07.336" v="163"/>
+        <pc:spChg chg="del">
+          <ac:chgData name="Carroll, Claudia" userId="5513adb2-3315-47c6-853b-61e74126e783" providerId="ADAL" clId="{FDB037B5-BC6E-529D-920A-0733451977A9}" dt="2025-10-27T03:39:41.956" v="1561" actId="478"/>
           <ac:spMkLst>
             <pc:docMk/>
-            <pc:sldMk cId="2821551489" sldId="270"/>
-            <ac:spMk id="2" creationId="{02F7649D-1216-701F-DDC7-3D654E6CA8B4}"/>
+            <pc:sldMk cId="701721325" sldId="302"/>
+            <ac:spMk id="2" creationId="{16BD2AF7-6808-E7CC-C572-ABA0FC4D44D5}"/>
           </ac:spMkLst>
         </pc:spChg>
         <pc:spChg chg="mod">
-          <ac:chgData name="Carroll, Claudia" userId="S::claudiac@wustl.edu::5513adb2-3315-47c6-853b-61e74126e783" providerId="AD" clId="Web-{2DE4DBE3-196C-A82A-0F29-CFD0656962D9}" dt="2024-01-22T07:02:14.290" v="266" actId="20577"/>
+          <ac:chgData name="Carroll, Claudia" userId="5513adb2-3315-47c6-853b-61e74126e783" providerId="ADAL" clId="{FDB037B5-BC6E-529D-920A-0733451977A9}" dt="2025-10-27T02:48:51.416" v="759" actId="255"/>
           <ac:spMkLst>
             <pc:docMk/>
-            <pc:sldMk cId="2821551489" sldId="270"/>
-            <ac:spMk id="3" creationId="{FC6F496C-2869-217F-4678-F4A2C39A0FE9}"/>
+            <pc:sldMk cId="701721325" sldId="302"/>
+            <ac:spMk id="3" creationId="{6A1C8D81-BF7B-E8BA-F6E7-C0E1BAD9F62A}"/>
           </ac:spMkLst>
         </pc:spChg>
-      </pc:sldChg>
-      <pc:sldChg chg="modSp add">
-        <pc:chgData name="Carroll, Claudia" userId="S::claudiac@wustl.edu::5513adb2-3315-47c6-853b-61e74126e783" providerId="AD" clId="Web-{2DE4DBE3-196C-A82A-0F29-CFD0656962D9}" dt="2024-01-22T06:44:44.270" v="53" actId="1076"/>
-        <pc:sldMkLst>
-          <pc:docMk/>
-          <pc:sldMk cId="817878283" sldId="271"/>
-        </pc:sldMkLst>
-        <pc:spChg chg="mod">
-          <ac:chgData name="Carroll, Claudia" userId="S::claudiac@wustl.edu::5513adb2-3315-47c6-853b-61e74126e783" providerId="AD" clId="Web-{2DE4DBE3-196C-A82A-0F29-CFD0656962D9}" dt="2024-01-22T06:44:44.270" v="53" actId="1076"/>
+        <pc:spChg chg="add mod">
+          <ac:chgData name="Carroll, Claudia" userId="5513adb2-3315-47c6-853b-61e74126e783" providerId="ADAL" clId="{FDB037B5-BC6E-529D-920A-0733451977A9}" dt="2025-10-27T03:46:17.514" v="2202" actId="1076"/>
           <ac:spMkLst>
             <pc:docMk/>
-            <pc:sldMk cId="817878283" sldId="271"/>
-            <ac:spMk id="6" creationId="{82C79800-D8B1-99BE-680D-B545EE87A5AA}"/>
+            <pc:sldMk cId="701721325" sldId="302"/>
+            <ac:spMk id="4" creationId="{2127E86B-CB6E-3D20-6A1E-7B9DB8A14048}"/>
           </ac:spMkLst>
         </pc:spChg>
-        <pc:picChg chg="mod">
-          <ac:chgData name="Carroll, Claudia" userId="S::claudiac@wustl.edu::5513adb2-3315-47c6-853b-61e74126e783" providerId="AD" clId="Web-{2DE4DBE3-196C-A82A-0F29-CFD0656962D9}" dt="2024-01-22T06:44:18.519" v="47" actId="1076"/>
+        <pc:picChg chg="add mod">
+          <ac:chgData name="Carroll, Claudia" userId="5513adb2-3315-47c6-853b-61e74126e783" providerId="ADAL" clId="{FDB037B5-BC6E-529D-920A-0733451977A9}" dt="2025-10-27T03:46:20.416" v="2203" actId="14100"/>
           <ac:picMkLst>
             <pc:docMk/>
-            <pc:sldMk cId="817878283" sldId="271"/>
-            <ac:picMk id="4" creationId="{10E72BF6-8875-031E-13D7-4A1D8CC8368D}"/>
+            <pc:sldMk cId="701721325" sldId="302"/>
+            <ac:picMk id="7170" creationId="{02BDBE04-7BEF-CE4A-4517-1A9BD3AA8D81}"/>
           </ac:picMkLst>
         </pc:picChg>
       </pc:sldChg>
-      <pc:sldChg chg="modSp add">
-        <pc:chgData name="Carroll, Claudia" userId="S::claudiac@wustl.edu::5513adb2-3315-47c6-853b-61e74126e783" providerId="AD" clId="Web-{2DE4DBE3-196C-A82A-0F29-CFD0656962D9}" dt="2024-01-22T06:59:07.003" v="235"/>
+      <pc:sldChg chg="modSp add mod ord">
+        <pc:chgData name="Carroll, Claudia" userId="5513adb2-3315-47c6-853b-61e74126e783" providerId="ADAL" clId="{FDB037B5-BC6E-529D-920A-0733451977A9}" dt="2025-10-27T03:42:54.524" v="1880" actId="2711"/>
         <pc:sldMkLst>
           <pc:docMk/>
-          <pc:sldMk cId="913908910" sldId="273"/>
+          <pc:sldMk cId="232311866" sldId="303"/>
         </pc:sldMkLst>
         <pc:spChg chg="mod">
-          <ac:chgData name="Carroll, Claudia" userId="S::claudiac@wustl.edu::5513adb2-3315-47c6-853b-61e74126e783" providerId="AD" clId="Web-{2DE4DBE3-196C-A82A-0F29-CFD0656962D9}" dt="2024-01-22T06:59:07.003" v="235"/>
+          <ac:chgData name="Carroll, Claudia" userId="5513adb2-3315-47c6-853b-61e74126e783" providerId="ADAL" clId="{FDB037B5-BC6E-529D-920A-0733451977A9}" dt="2025-10-27T03:42:54.524" v="1880" actId="2711"/>
           <ac:spMkLst>
             <pc:docMk/>
-            <pc:sldMk cId="913908910" sldId="273"/>
-            <ac:spMk id="2" creationId="{70659ADD-6D61-5771-1643-9A1D2741B771}"/>
-          </ac:spMkLst>
-        </pc:spChg>
-      </pc:sldChg>
-      <pc:sldChg chg="modSp add">
-        <pc:chgData name="Carroll, Claudia" userId="S::claudiac@wustl.edu::5513adb2-3315-47c6-853b-61e74126e783" providerId="AD" clId="Web-{2DE4DBE3-196C-A82A-0F29-CFD0656962D9}" dt="2024-01-22T06:58:56.799" v="234" actId="20577"/>
-        <pc:sldMkLst>
-          <pc:docMk/>
-          <pc:sldMk cId="3570399089" sldId="274"/>
-        </pc:sldMkLst>
-        <pc:spChg chg="mod">
-          <ac:chgData name="Carroll, Claudia" userId="S::claudiac@wustl.edu::5513adb2-3315-47c6-853b-61e74126e783" providerId="AD" clId="Web-{2DE4DBE3-196C-A82A-0F29-CFD0656962D9}" dt="2024-01-22T06:58:47.721" v="231"/>
-          <ac:spMkLst>
-            <pc:docMk/>
-            <pc:sldMk cId="3570399089" sldId="274"/>
-            <ac:spMk id="2" creationId="{B9D39F5F-3657-DCE3-3903-1419EDD3E3DD}"/>
-          </ac:spMkLst>
-        </pc:spChg>
-        <pc:spChg chg="mod">
-          <ac:chgData name="Carroll, Claudia" userId="S::claudiac@wustl.edu::5513adb2-3315-47c6-853b-61e74126e783" providerId="AD" clId="Web-{2DE4DBE3-196C-A82A-0F29-CFD0656962D9}" dt="2024-01-22T06:58:56.799" v="234" actId="20577"/>
-          <ac:spMkLst>
-            <pc:docMk/>
-            <pc:sldMk cId="3570399089" sldId="274"/>
-            <ac:spMk id="5" creationId="{891BC23B-5848-A776-22EE-7267A96F6DBF}"/>
-          </ac:spMkLst>
-        </pc:spChg>
-      </pc:sldChg>
-      <pc:sldChg chg="add">
-        <pc:chgData name="Carroll, Claudia" userId="S::claudiac@wustl.edu::5513adb2-3315-47c6-853b-61e74126e783" providerId="AD" clId="Web-{2DE4DBE3-196C-A82A-0F29-CFD0656962D9}" dt="2024-01-22T06:42:27.359" v="30"/>
-        <pc:sldMkLst>
-          <pc:docMk/>
-          <pc:sldMk cId="2164786919" sldId="276"/>
-        </pc:sldMkLst>
-      </pc:sldChg>
-      <pc:sldChg chg="modSp add">
-        <pc:chgData name="Carroll, Claudia" userId="S::claudiac@wustl.edu::5513adb2-3315-47c6-853b-61e74126e783" providerId="AD" clId="Web-{2DE4DBE3-196C-A82A-0F29-CFD0656962D9}" dt="2024-01-22T06:44:57.833" v="57" actId="20577"/>
-        <pc:sldMkLst>
-          <pc:docMk/>
-          <pc:sldMk cId="3918721913" sldId="277"/>
-        </pc:sldMkLst>
-        <pc:spChg chg="mod">
-          <ac:chgData name="Carroll, Claudia" userId="S::claudiac@wustl.edu::5513adb2-3315-47c6-853b-61e74126e783" providerId="AD" clId="Web-{2DE4DBE3-196C-A82A-0F29-CFD0656962D9}" dt="2024-01-22T06:44:51.505" v="55" actId="20577"/>
-          <ac:spMkLst>
-            <pc:docMk/>
-            <pc:sldMk cId="3918721913" sldId="277"/>
-            <ac:spMk id="2" creationId="{68BBC2B6-042D-349A-DEAC-41DF1460151E}"/>
-          </ac:spMkLst>
-        </pc:spChg>
-        <pc:spChg chg="mod">
-          <ac:chgData name="Carroll, Claudia" userId="S::claudiac@wustl.edu::5513adb2-3315-47c6-853b-61e74126e783" providerId="AD" clId="Web-{2DE4DBE3-196C-A82A-0F29-CFD0656962D9}" dt="2024-01-22T06:44:57.833" v="57" actId="20577"/>
-          <ac:spMkLst>
-            <pc:docMk/>
-            <pc:sldMk cId="3918721913" sldId="277"/>
-            <ac:spMk id="3" creationId="{0F66D310-EF51-88EB-4FC0-C2858B730094}"/>
-          </ac:spMkLst>
-        </pc:spChg>
-      </pc:sldChg>
-      <pc:sldChg chg="modSp add">
-        <pc:chgData name="Carroll, Claudia" userId="S::claudiac@wustl.edu::5513adb2-3315-47c6-853b-61e74126e783" providerId="AD" clId="Web-{2DE4DBE3-196C-A82A-0F29-CFD0656962D9}" dt="2024-01-22T06:43:26.143" v="41" actId="20577"/>
-        <pc:sldMkLst>
-          <pc:docMk/>
-          <pc:sldMk cId="1715855539" sldId="279"/>
-        </pc:sldMkLst>
-        <pc:spChg chg="mod">
-          <ac:chgData name="Carroll, Claudia" userId="S::claudiac@wustl.edu::5513adb2-3315-47c6-853b-61e74126e783" providerId="AD" clId="Web-{2DE4DBE3-196C-A82A-0F29-CFD0656962D9}" dt="2024-01-22T06:43:26.143" v="41" actId="20577"/>
-          <ac:spMkLst>
-            <pc:docMk/>
-            <pc:sldMk cId="1715855539" sldId="279"/>
-            <ac:spMk id="3" creationId="{75E3AE28-7031-9892-6537-33C8011AFDDB}"/>
-          </ac:spMkLst>
-        </pc:spChg>
-      </pc:sldChg>
-      <pc:sldChg chg="modSp add">
-        <pc:chgData name="Carroll, Claudia" userId="S::claudiac@wustl.edu::5513adb2-3315-47c6-853b-61e74126e783" providerId="AD" clId="Web-{2DE4DBE3-196C-A82A-0F29-CFD0656962D9}" dt="2024-01-22T07:09:33.764" v="287"/>
-        <pc:sldMkLst>
-          <pc:docMk/>
-          <pc:sldMk cId="1013305701" sldId="280"/>
-        </pc:sldMkLst>
-        <pc:spChg chg="mod">
-          <ac:chgData name="Carroll, Claudia" userId="S::claudiac@wustl.edu::5513adb2-3315-47c6-853b-61e74126e783" providerId="AD" clId="Web-{2DE4DBE3-196C-A82A-0F29-CFD0656962D9}" dt="2024-01-22T07:09:33.764" v="287"/>
-          <ac:spMkLst>
-            <pc:docMk/>
-            <pc:sldMk cId="1013305701" sldId="280"/>
-            <ac:spMk id="2" creationId="{14001CB8-5500-C1A6-DCD2-EB48EA2F4784}"/>
-          </ac:spMkLst>
-        </pc:spChg>
-        <pc:spChg chg="mod">
-          <ac:chgData name="Carroll, Claudia" userId="S::claudiac@wustl.edu::5513adb2-3315-47c6-853b-61e74126e783" providerId="AD" clId="Web-{2DE4DBE3-196C-A82A-0F29-CFD0656962D9}" dt="2024-01-22T06:45:42.538" v="62" actId="20577"/>
-          <ac:spMkLst>
-            <pc:docMk/>
-            <pc:sldMk cId="1013305701" sldId="280"/>
-            <ac:spMk id="3" creationId="{96E4724A-F30F-11E5-81D8-3924BE5D52BB}"/>
-          </ac:spMkLst>
-        </pc:spChg>
-      </pc:sldChg>
-      <pc:sldChg chg="modSp add ord">
-        <pc:chgData name="Carroll, Claudia" userId="S::claudiac@wustl.edu::5513adb2-3315-47c6-853b-61e74126e783" providerId="AD" clId="Web-{2DE4DBE3-196C-A82A-0F29-CFD0656962D9}" dt="2024-01-22T07:09:19.263" v="286"/>
-        <pc:sldMkLst>
-          <pc:docMk/>
-          <pc:sldMk cId="1760213573" sldId="281"/>
-        </pc:sldMkLst>
-        <pc:spChg chg="mod">
-          <ac:chgData name="Carroll, Claudia" userId="S::claudiac@wustl.edu::5513adb2-3315-47c6-853b-61e74126e783" providerId="AD" clId="Web-{2DE4DBE3-196C-A82A-0F29-CFD0656962D9}" dt="2024-01-22T06:59:35.253" v="238"/>
-          <ac:spMkLst>
-            <pc:docMk/>
-            <pc:sldMk cId="1760213573" sldId="281"/>
-            <ac:spMk id="2" creationId="{657BA884-2F10-BCAB-6C03-66DE5F3B913E}"/>
-          </ac:spMkLst>
-        </pc:spChg>
-        <pc:spChg chg="mod">
-          <ac:chgData name="Carroll, Claudia" userId="S::claudiac@wustl.edu::5513adb2-3315-47c6-853b-61e74126e783" providerId="AD" clId="Web-{2DE4DBE3-196C-A82A-0F29-CFD0656962D9}" dt="2024-01-22T06:59:54.410" v="246" actId="20577"/>
-          <ac:spMkLst>
-            <pc:docMk/>
-            <pc:sldMk cId="1760213573" sldId="281"/>
-            <ac:spMk id="3" creationId="{8DEB31ED-E7DC-CC59-E76F-72C57BA85B4C}"/>
-          </ac:spMkLst>
-        </pc:spChg>
-      </pc:sldChg>
-      <pc:sldChg chg="modSp add">
-        <pc:chgData name="Carroll, Claudia" userId="S::claudiac@wustl.edu::5513adb2-3315-47c6-853b-61e74126e783" providerId="AD" clId="Web-{2DE4DBE3-196C-A82A-0F29-CFD0656962D9}" dt="2024-01-22T06:59:22.425" v="237"/>
-        <pc:sldMkLst>
-          <pc:docMk/>
-          <pc:sldMk cId="702624774" sldId="282"/>
-        </pc:sldMkLst>
-        <pc:spChg chg="mod">
-          <ac:chgData name="Carroll, Claudia" userId="S::claudiac@wustl.edu::5513adb2-3315-47c6-853b-61e74126e783" providerId="AD" clId="Web-{2DE4DBE3-196C-A82A-0F29-CFD0656962D9}" dt="2024-01-22T06:59:19.925" v="236"/>
-          <ac:spMkLst>
-            <pc:docMk/>
-            <pc:sldMk cId="702624774" sldId="282"/>
-            <ac:spMk id="2" creationId="{80E90C0C-B43F-5580-65EA-BCF0306311E3}"/>
-          </ac:spMkLst>
-        </pc:spChg>
-        <pc:spChg chg="mod">
-          <ac:chgData name="Carroll, Claudia" userId="S::claudiac@wustl.edu::5513adb2-3315-47c6-853b-61e74126e783" providerId="AD" clId="Web-{2DE4DBE3-196C-A82A-0F29-CFD0656962D9}" dt="2024-01-22T06:59:22.425" v="237"/>
-          <ac:spMkLst>
-            <pc:docMk/>
-            <pc:sldMk cId="702624774" sldId="282"/>
-            <ac:spMk id="3" creationId="{C9601FBB-18F9-B52B-A114-C2E4BF8D9678}"/>
-          </ac:spMkLst>
-        </pc:spChg>
-      </pc:sldChg>
-      <pc:sldChg chg="delSp add">
-        <pc:chgData name="Carroll, Claudia" userId="S::claudiac@wustl.edu::5513adb2-3315-47c6-853b-61e74126e783" providerId="AD" clId="Web-{2DE4DBE3-196C-A82A-0F29-CFD0656962D9}" dt="2024-01-22T06:43:42.424" v="42"/>
-        <pc:sldMkLst>
-          <pc:docMk/>
-          <pc:sldMk cId="2247768815" sldId="283"/>
-        </pc:sldMkLst>
-        <pc:spChg chg="del">
-          <ac:chgData name="Carroll, Claudia" userId="S::claudiac@wustl.edu::5513adb2-3315-47c6-853b-61e74126e783" providerId="AD" clId="Web-{2DE4DBE3-196C-A82A-0F29-CFD0656962D9}" dt="2024-01-22T06:43:42.424" v="42"/>
-          <ac:spMkLst>
-            <pc:docMk/>
-            <pc:sldMk cId="2247768815" sldId="283"/>
-            <ac:spMk id="3" creationId="{EAF01BC5-235B-84F2-FEEA-234CD1602080}"/>
-          </ac:spMkLst>
-        </pc:spChg>
-      </pc:sldChg>
-      <pc:sldChg chg="modSp add">
-        <pc:chgData name="Carroll, Claudia" userId="S::claudiac@wustl.edu::5513adb2-3315-47c6-853b-61e74126e783" providerId="AD" clId="Web-{2DE4DBE3-196C-A82A-0F29-CFD0656962D9}" dt="2024-01-22T07:40:15.720" v="467" actId="20577"/>
-        <pc:sldMkLst>
-          <pc:docMk/>
-          <pc:sldMk cId="3172886506" sldId="284"/>
-        </pc:sldMkLst>
-        <pc:spChg chg="mod">
-          <ac:chgData name="Carroll, Claudia" userId="S::claudiac@wustl.edu::5513adb2-3315-47c6-853b-61e74126e783" providerId="AD" clId="Web-{2DE4DBE3-196C-A82A-0F29-CFD0656962D9}" dt="2024-01-22T06:49:34.764" v="110"/>
-          <ac:spMkLst>
-            <pc:docMk/>
-            <pc:sldMk cId="3172886506" sldId="284"/>
-            <ac:spMk id="2" creationId="{26239ECD-84D7-423D-A7A5-30102159DD8F}"/>
-          </ac:spMkLst>
-        </pc:spChg>
-        <pc:spChg chg="mod">
-          <ac:chgData name="Carroll, Claudia" userId="S::claudiac@wustl.edu::5513adb2-3315-47c6-853b-61e74126e783" providerId="AD" clId="Web-{2DE4DBE3-196C-A82A-0F29-CFD0656962D9}" dt="2024-01-22T07:40:15.720" v="467" actId="20577"/>
-          <ac:spMkLst>
-            <pc:docMk/>
-            <pc:sldMk cId="3172886506" sldId="284"/>
-            <ac:spMk id="3" creationId="{5C711193-AD05-4AB5-7776-DEEF59AF5433}"/>
-          </ac:spMkLst>
-        </pc:spChg>
-      </pc:sldChg>
-      <pc:sldChg chg="modSp new">
-        <pc:chgData name="Carroll, Claudia" userId="S::claudiac@wustl.edu::5513adb2-3315-47c6-853b-61e74126e783" providerId="AD" clId="Web-{2DE4DBE3-196C-A82A-0F29-CFD0656962D9}" dt="2024-01-22T07:09:02.184" v="284" actId="20577"/>
-        <pc:sldMkLst>
-          <pc:docMk/>
-          <pc:sldMk cId="1699678302" sldId="285"/>
-        </pc:sldMkLst>
-        <pc:spChg chg="mod">
-          <ac:chgData name="Carroll, Claudia" userId="S::claudiac@wustl.edu::5513adb2-3315-47c6-853b-61e74126e783" providerId="AD" clId="Web-{2DE4DBE3-196C-A82A-0F29-CFD0656962D9}" dt="2024-01-22T07:09:02.184" v="284" actId="20577"/>
-          <ac:spMkLst>
-            <pc:docMk/>
-            <pc:sldMk cId="1699678302" sldId="285"/>
-            <ac:spMk id="2" creationId="{90F7FC59-CF4C-5071-86AE-4A3B4961F1F5}"/>
-          </ac:spMkLst>
-        </pc:spChg>
-        <pc:spChg chg="mod">
-          <ac:chgData name="Carroll, Claudia" userId="S::claudiac@wustl.edu::5513adb2-3315-47c6-853b-61e74126e783" providerId="AD" clId="Web-{2DE4DBE3-196C-A82A-0F29-CFD0656962D9}" dt="2024-01-22T07:08:44.074" v="282" actId="20577"/>
-          <ac:spMkLst>
-            <pc:docMk/>
-            <pc:sldMk cId="1699678302" sldId="285"/>
-            <ac:spMk id="3" creationId="{B7F13109-A066-E36F-862D-B7B792682A99}"/>
-          </ac:spMkLst>
-        </pc:spChg>
-      </pc:sldChg>
-      <pc:sldChg chg="modSp new">
-        <pc:chgData name="Carroll, Claudia" userId="S::claudiac@wustl.edu::5513adb2-3315-47c6-853b-61e74126e783" providerId="AD" clId="Web-{2DE4DBE3-196C-A82A-0F29-CFD0656962D9}" dt="2024-01-22T08:23:39.963" v="583" actId="20577"/>
-        <pc:sldMkLst>
-          <pc:docMk/>
-          <pc:sldMk cId="3143217917" sldId="286"/>
-        </pc:sldMkLst>
-        <pc:spChg chg="mod">
-          <ac:chgData name="Carroll, Claudia" userId="S::claudiac@wustl.edu::5513adb2-3315-47c6-853b-61e74126e783" providerId="AD" clId="Web-{2DE4DBE3-196C-A82A-0F29-CFD0656962D9}" dt="2024-01-22T08:23:39.963" v="583" actId="20577"/>
-          <ac:spMkLst>
-            <pc:docMk/>
-            <pc:sldMk cId="3143217917" sldId="286"/>
-            <ac:spMk id="2" creationId="{C3B60153-31EE-EE67-6EBC-192E9EE7A238}"/>
-          </ac:spMkLst>
-        </pc:spChg>
-        <pc:spChg chg="mod">
-          <ac:chgData name="Carroll, Claudia" userId="S::claudiac@wustl.edu::5513adb2-3315-47c6-853b-61e74126e783" providerId="AD" clId="Web-{2DE4DBE3-196C-A82A-0F29-CFD0656962D9}" dt="2024-01-22T07:20:05.894" v="293" actId="20577"/>
-          <ac:spMkLst>
-            <pc:docMk/>
-            <pc:sldMk cId="3143217917" sldId="286"/>
-            <ac:spMk id="3" creationId="{55C414E5-E670-63E3-2ACE-E8D1BD751495}"/>
-          </ac:spMkLst>
-        </pc:spChg>
-      </pc:sldChg>
-    </pc:docChg>
-  </pc:docChgLst>
-  <pc:docChgLst>
-    <pc:chgData name="Carroll, Claudia" userId="5513adb2-3315-47c6-853b-61e74126e783" providerId="ADAL" clId="{FB075658-0DC1-4C4F-B825-059DFA9E62B3}"/>
-    <pc:docChg chg="custSel addSld modSld">
-      <pc:chgData name="Carroll, Claudia" userId="5513adb2-3315-47c6-853b-61e74126e783" providerId="ADAL" clId="{FB075658-0DC1-4C4F-B825-059DFA9E62B3}" dt="2024-01-26T19:05:45.161" v="492" actId="1076"/>
-      <pc:docMkLst>
-        <pc:docMk/>
-      </pc:docMkLst>
-      <pc:sldChg chg="modSp mod">
-        <pc:chgData name="Carroll, Claudia" userId="5513adb2-3315-47c6-853b-61e74126e783" providerId="ADAL" clId="{FB075658-0DC1-4C4F-B825-059DFA9E62B3}" dt="2024-01-26T19:05:45.161" v="492" actId="1076"/>
-        <pc:sldMkLst>
-          <pc:docMk/>
-          <pc:sldMk cId="3172886506" sldId="284"/>
-        </pc:sldMkLst>
-        <pc:spChg chg="mod">
-          <ac:chgData name="Carroll, Claudia" userId="5513adb2-3315-47c6-853b-61e74126e783" providerId="ADAL" clId="{FB075658-0DC1-4C4F-B825-059DFA9E62B3}" dt="2024-01-26T19:05:45.161" v="492" actId="1076"/>
-          <ac:spMkLst>
-            <pc:docMk/>
-            <pc:sldMk cId="3172886506" sldId="284"/>
-            <ac:spMk id="2" creationId="{26239ECD-84D7-423D-A7A5-30102159DD8F}"/>
-          </ac:spMkLst>
-        </pc:spChg>
-      </pc:sldChg>
-      <pc:sldChg chg="modSp new mod">
-        <pc:chgData name="Carroll, Claudia" userId="5513adb2-3315-47c6-853b-61e74126e783" providerId="ADAL" clId="{FB075658-0DC1-4C4F-B825-059DFA9E62B3}" dt="2024-01-26T18:13:07.499" v="491" actId="20577"/>
-        <pc:sldMkLst>
-          <pc:docMk/>
-          <pc:sldMk cId="4155761544" sldId="287"/>
-        </pc:sldMkLst>
-        <pc:spChg chg="mod">
-          <ac:chgData name="Carroll, Claudia" userId="5513adb2-3315-47c6-853b-61e74126e783" providerId="ADAL" clId="{FB075658-0DC1-4C4F-B825-059DFA9E62B3}" dt="2024-01-26T18:13:07.499" v="491" actId="20577"/>
-          <ac:spMkLst>
-            <pc:docMk/>
-            <pc:sldMk cId="4155761544" sldId="287"/>
-            <ac:spMk id="2" creationId="{90170163-26B1-0710-1A4E-0E14077C4A6D}"/>
-          </ac:spMkLst>
-        </pc:spChg>
-        <pc:spChg chg="mod">
-          <ac:chgData name="Carroll, Claudia" userId="5513adb2-3315-47c6-853b-61e74126e783" providerId="ADAL" clId="{FB075658-0DC1-4C4F-B825-059DFA9E62B3}" dt="2024-01-26T18:11:16.954" v="188" actId="122"/>
-          <ac:spMkLst>
-            <pc:docMk/>
-            <pc:sldMk cId="4155761544" sldId="287"/>
-            <ac:spMk id="3" creationId="{B54606DD-D6EC-D70C-7B82-5659099E459B}"/>
-          </ac:spMkLst>
-        </pc:spChg>
-      </pc:sldChg>
-    </pc:docChg>
-  </pc:docChgLst>
-  <pc:docChgLst>
-    <pc:chgData name="Carroll, Claudia" userId="5513adb2-3315-47c6-853b-61e74126e783" providerId="ADAL" clId="{F1B7EFA3-B214-634E-BDB4-9AA61FCEBD50}"/>
-    <pc:docChg chg="undo custSel addSld delSld modSld sldOrd">
-      <pc:chgData name="Carroll, Claudia" userId="5513adb2-3315-47c6-853b-61e74126e783" providerId="ADAL" clId="{F1B7EFA3-B214-634E-BDB4-9AA61FCEBD50}" dt="2024-11-03T03:09:13.223" v="1607" actId="113"/>
-      <pc:docMkLst>
-        <pc:docMk/>
-      </pc:docMkLst>
-      <pc:sldChg chg="modSp mod">
-        <pc:chgData name="Carroll, Claudia" userId="5513adb2-3315-47c6-853b-61e74126e783" providerId="ADAL" clId="{F1B7EFA3-B214-634E-BDB4-9AA61FCEBD50}" dt="2024-11-03T02:47:22.254" v="63" actId="255"/>
-        <pc:sldMkLst>
-          <pc:docMk/>
-          <pc:sldMk cId="109857222" sldId="256"/>
-        </pc:sldMkLst>
-        <pc:spChg chg="mod">
-          <ac:chgData name="Carroll, Claudia" userId="5513adb2-3315-47c6-853b-61e74126e783" providerId="ADAL" clId="{F1B7EFA3-B214-634E-BDB4-9AA61FCEBD50}" dt="2024-11-03T02:46:20.283" v="20" actId="255"/>
-          <ac:spMkLst>
-            <pc:docMk/>
-            <pc:sldMk cId="109857222" sldId="256"/>
-            <ac:spMk id="2" creationId="{00000000-0000-0000-0000-000000000000}"/>
-          </ac:spMkLst>
-        </pc:spChg>
-        <pc:spChg chg="mod">
-          <ac:chgData name="Carroll, Claudia" userId="5513adb2-3315-47c6-853b-61e74126e783" providerId="ADAL" clId="{F1B7EFA3-B214-634E-BDB4-9AA61FCEBD50}" dt="2024-11-03T02:47:22.254" v="63" actId="255"/>
-          <ac:spMkLst>
-            <pc:docMk/>
-            <pc:sldMk cId="109857222" sldId="256"/>
-            <ac:spMk id="3" creationId="{00000000-0000-0000-0000-000000000000}"/>
-          </ac:spMkLst>
-        </pc:spChg>
-      </pc:sldChg>
-      <pc:sldChg chg="del">
-        <pc:chgData name="Carroll, Claudia" userId="5513adb2-3315-47c6-853b-61e74126e783" providerId="ADAL" clId="{F1B7EFA3-B214-634E-BDB4-9AA61FCEBD50}" dt="2024-11-03T02:47:27.881" v="65" actId="2696"/>
-        <pc:sldMkLst>
-          <pc:docMk/>
-          <pc:sldMk cId="4266118051" sldId="257"/>
-        </pc:sldMkLst>
-      </pc:sldChg>
-      <pc:sldChg chg="del">
-        <pc:chgData name="Carroll, Claudia" userId="5513adb2-3315-47c6-853b-61e74126e783" providerId="ADAL" clId="{F1B7EFA3-B214-634E-BDB4-9AA61FCEBD50}" dt="2024-11-03T02:47:27.386" v="64" actId="2696"/>
-        <pc:sldMkLst>
-          <pc:docMk/>
-          <pc:sldMk cId="1419661138" sldId="258"/>
-        </pc:sldMkLst>
-      </pc:sldChg>
-      <pc:sldChg chg="del">
-        <pc:chgData name="Carroll, Claudia" userId="5513adb2-3315-47c6-853b-61e74126e783" providerId="ADAL" clId="{F1B7EFA3-B214-634E-BDB4-9AA61FCEBD50}" dt="2024-11-03T02:47:28.421" v="66" actId="2696"/>
-        <pc:sldMkLst>
-          <pc:docMk/>
-          <pc:sldMk cId="3240474744" sldId="259"/>
-        </pc:sldMkLst>
-      </pc:sldChg>
-      <pc:sldChg chg="modSp mod">
-        <pc:chgData name="Carroll, Claudia" userId="5513adb2-3315-47c6-853b-61e74126e783" providerId="ADAL" clId="{F1B7EFA3-B214-634E-BDB4-9AA61FCEBD50}" dt="2024-11-03T02:49:24.774" v="482" actId="20577"/>
-        <pc:sldMkLst>
-          <pc:docMk/>
-          <pc:sldMk cId="1768155783" sldId="260"/>
-        </pc:sldMkLst>
-        <pc:spChg chg="mod">
-          <ac:chgData name="Carroll, Claudia" userId="5513adb2-3315-47c6-853b-61e74126e783" providerId="ADAL" clId="{F1B7EFA3-B214-634E-BDB4-9AA61FCEBD50}" dt="2024-11-03T02:49:24.774" v="482" actId="20577"/>
-          <ac:spMkLst>
-            <pc:docMk/>
-            <pc:sldMk cId="1768155783" sldId="260"/>
-            <ac:spMk id="3" creationId="{5B437E91-C3E2-8471-1F8E-7CC7BB0DE813}"/>
-          </ac:spMkLst>
-        </pc:spChg>
-      </pc:sldChg>
-      <pc:sldChg chg="del">
-        <pc:chgData name="Carroll, Claudia" userId="5513adb2-3315-47c6-853b-61e74126e783" providerId="ADAL" clId="{F1B7EFA3-B214-634E-BDB4-9AA61FCEBD50}" dt="2024-11-03T02:47:32.639" v="67" actId="2696"/>
-        <pc:sldMkLst>
-          <pc:docMk/>
-          <pc:sldMk cId="2187364593" sldId="261"/>
-        </pc:sldMkLst>
-      </pc:sldChg>
-      <pc:sldChg chg="addSp delSp modSp mod">
-        <pc:chgData name="Carroll, Claudia" userId="5513adb2-3315-47c6-853b-61e74126e783" providerId="ADAL" clId="{F1B7EFA3-B214-634E-BDB4-9AA61FCEBD50}" dt="2024-11-03T02:55:57.688" v="970" actId="11"/>
-        <pc:sldMkLst>
-          <pc:docMk/>
-          <pc:sldMk cId="1075985789" sldId="262"/>
-        </pc:sldMkLst>
-        <pc:spChg chg="add mod">
-          <ac:chgData name="Carroll, Claudia" userId="5513adb2-3315-47c6-853b-61e74126e783" providerId="ADAL" clId="{F1B7EFA3-B214-634E-BDB4-9AA61FCEBD50}" dt="2024-11-03T02:55:57.688" v="970" actId="11"/>
-          <ac:spMkLst>
-            <pc:docMk/>
-            <pc:sldMk cId="1075985789" sldId="262"/>
-            <ac:spMk id="3" creationId="{2749BB40-7626-A2CD-2237-3AEFD54F5F17}"/>
-          </ac:spMkLst>
-        </pc:spChg>
-        <pc:graphicFrameChg chg="del mod modGraphic">
-          <ac:chgData name="Carroll, Claudia" userId="5513adb2-3315-47c6-853b-61e74126e783" providerId="ADAL" clId="{F1B7EFA3-B214-634E-BDB4-9AA61FCEBD50}" dt="2024-11-03T02:50:26.276" v="491" actId="478"/>
-          <ac:graphicFrameMkLst>
-            <pc:docMk/>
-            <pc:sldMk cId="1075985789" sldId="262"/>
-            <ac:graphicFrameMk id="7" creationId="{AA648D55-2AF2-D1E6-A4D8-CC3A1F27F3F3}"/>
-          </ac:graphicFrameMkLst>
-        </pc:graphicFrameChg>
-      </pc:sldChg>
-      <pc:sldChg chg="modSp mod">
-        <pc:chgData name="Carroll, Claudia" userId="5513adb2-3315-47c6-853b-61e74126e783" providerId="ADAL" clId="{F1B7EFA3-B214-634E-BDB4-9AA61FCEBD50}" dt="2024-11-03T03:06:54.381" v="1551" actId="20577"/>
-        <pc:sldMkLst>
-          <pc:docMk/>
-          <pc:sldMk cId="2077495510" sldId="267"/>
-        </pc:sldMkLst>
-        <pc:spChg chg="mod">
-          <ac:chgData name="Carroll, Claudia" userId="5513adb2-3315-47c6-853b-61e74126e783" providerId="ADAL" clId="{F1B7EFA3-B214-634E-BDB4-9AA61FCEBD50}" dt="2024-11-03T02:59:48.435" v="1272" actId="113"/>
-          <ac:spMkLst>
-            <pc:docMk/>
-            <pc:sldMk cId="2077495510" sldId="267"/>
-            <ac:spMk id="2" creationId="{E71D3CE9-A0CE-688A-8425-F676EA57FDDA}"/>
-          </ac:spMkLst>
-        </pc:spChg>
-        <pc:spChg chg="mod">
-          <ac:chgData name="Carroll, Claudia" userId="5513adb2-3315-47c6-853b-61e74126e783" providerId="ADAL" clId="{F1B7EFA3-B214-634E-BDB4-9AA61FCEBD50}" dt="2024-11-03T03:06:54.381" v="1551" actId="20577"/>
-          <ac:spMkLst>
-            <pc:docMk/>
-            <pc:sldMk cId="2077495510" sldId="267"/>
-            <ac:spMk id="3" creationId="{3E49142E-0FF7-3BD4-D714-FDB0A199AB58}"/>
-          </ac:spMkLst>
-        </pc:spChg>
-      </pc:sldChg>
-      <pc:sldChg chg="modSp mod">
-        <pc:chgData name="Carroll, Claudia" userId="5513adb2-3315-47c6-853b-61e74126e783" providerId="ADAL" clId="{F1B7EFA3-B214-634E-BDB4-9AA61FCEBD50}" dt="2024-11-03T02:56:43.236" v="1083" actId="20577"/>
-        <pc:sldMkLst>
-          <pc:docMk/>
-          <pc:sldMk cId="3839357258" sldId="268"/>
-        </pc:sldMkLst>
-        <pc:spChg chg="mod">
-          <ac:chgData name="Carroll, Claudia" userId="5513adb2-3315-47c6-853b-61e74126e783" providerId="ADAL" clId="{F1B7EFA3-B214-634E-BDB4-9AA61FCEBD50}" dt="2024-11-03T02:56:43.236" v="1083" actId="20577"/>
-          <ac:spMkLst>
-            <pc:docMk/>
-            <pc:sldMk cId="3839357258" sldId="268"/>
-            <ac:spMk id="3" creationId="{13B6A96C-8D86-7F21-3DA5-4A818CE6C4D6}"/>
-          </ac:spMkLst>
-        </pc:spChg>
-      </pc:sldChg>
-      <pc:sldChg chg="modSp mod">
-        <pc:chgData name="Carroll, Claudia" userId="5513adb2-3315-47c6-853b-61e74126e783" providerId="ADAL" clId="{F1B7EFA3-B214-634E-BDB4-9AA61FCEBD50}" dt="2024-11-03T02:57:10.779" v="1151" actId="20577"/>
-        <pc:sldMkLst>
-          <pc:docMk/>
-          <pc:sldMk cId="1715855539" sldId="279"/>
-        </pc:sldMkLst>
-        <pc:spChg chg="mod">
-          <ac:chgData name="Carroll, Claudia" userId="5513adb2-3315-47c6-853b-61e74126e783" providerId="ADAL" clId="{F1B7EFA3-B214-634E-BDB4-9AA61FCEBD50}" dt="2024-11-03T02:57:10.779" v="1151" actId="20577"/>
-          <ac:spMkLst>
-            <pc:docMk/>
-            <pc:sldMk cId="1715855539" sldId="279"/>
-            <ac:spMk id="3" creationId="{75E3AE28-7031-9892-6537-33C8011AFDDB}"/>
-          </ac:spMkLst>
-        </pc:spChg>
-      </pc:sldChg>
-      <pc:sldChg chg="del">
-        <pc:chgData name="Carroll, Claudia" userId="5513adb2-3315-47c6-853b-61e74126e783" providerId="ADAL" clId="{F1B7EFA3-B214-634E-BDB4-9AA61FCEBD50}" dt="2024-11-03T02:57:41.936" v="1195" actId="2696"/>
-        <pc:sldMkLst>
-          <pc:docMk/>
-          <pc:sldMk cId="3172886506" sldId="284"/>
-        </pc:sldMkLst>
-      </pc:sldChg>
-      <pc:sldChg chg="modSp mod">
-        <pc:chgData name="Carroll, Claudia" userId="5513adb2-3315-47c6-853b-61e74126e783" providerId="ADAL" clId="{F1B7EFA3-B214-634E-BDB4-9AA61FCEBD50}" dt="2024-11-03T03:06:12.077" v="1499" actId="20577"/>
-        <pc:sldMkLst>
-          <pc:docMk/>
-          <pc:sldMk cId="4155761544" sldId="287"/>
-        </pc:sldMkLst>
-        <pc:spChg chg="mod">
-          <ac:chgData name="Carroll, Claudia" userId="5513adb2-3315-47c6-853b-61e74126e783" providerId="ADAL" clId="{F1B7EFA3-B214-634E-BDB4-9AA61FCEBD50}" dt="2024-11-03T03:06:12.077" v="1499" actId="20577"/>
-          <ac:spMkLst>
-            <pc:docMk/>
-            <pc:sldMk cId="4155761544" sldId="287"/>
-            <ac:spMk id="2" creationId="{90170163-26B1-0710-1A4E-0E14077C4A6D}"/>
-          </ac:spMkLst>
-        </pc:spChg>
-        <pc:spChg chg="mod">
-          <ac:chgData name="Carroll, Claudia" userId="5513adb2-3315-47c6-853b-61e74126e783" providerId="ADAL" clId="{F1B7EFA3-B214-634E-BDB4-9AA61FCEBD50}" dt="2024-11-03T03:02:01.273" v="1290" actId="20577"/>
-          <ac:spMkLst>
-            <pc:docMk/>
-            <pc:sldMk cId="4155761544" sldId="287"/>
-            <ac:spMk id="3" creationId="{B54606DD-D6EC-D70C-7B82-5659099E459B}"/>
-          </ac:spMkLst>
-        </pc:spChg>
-      </pc:sldChg>
-      <pc:sldChg chg="modSp add mod ord">
-        <pc:chgData name="Carroll, Claudia" userId="5513adb2-3315-47c6-853b-61e74126e783" providerId="ADAL" clId="{F1B7EFA3-B214-634E-BDB4-9AA61FCEBD50}" dt="2024-11-03T02:57:37.181" v="1194" actId="20577"/>
-        <pc:sldMkLst>
-          <pc:docMk/>
-          <pc:sldMk cId="1781419879" sldId="288"/>
-        </pc:sldMkLst>
-        <pc:spChg chg="mod">
-          <ac:chgData name="Carroll, Claudia" userId="5513adb2-3315-47c6-853b-61e74126e783" providerId="ADAL" clId="{F1B7EFA3-B214-634E-BDB4-9AA61FCEBD50}" dt="2024-11-03T02:57:28.413" v="1163" actId="20577"/>
-          <ac:spMkLst>
-            <pc:docMk/>
-            <pc:sldMk cId="1781419879" sldId="288"/>
-            <ac:spMk id="2" creationId="{80A41CDD-3773-510B-4B7C-18D7C3D344E9}"/>
-          </ac:spMkLst>
-        </pc:spChg>
-        <pc:spChg chg="mod">
-          <ac:chgData name="Carroll, Claudia" userId="5513adb2-3315-47c6-853b-61e74126e783" providerId="ADAL" clId="{F1B7EFA3-B214-634E-BDB4-9AA61FCEBD50}" dt="2024-11-03T02:57:37.181" v="1194" actId="20577"/>
-          <ac:spMkLst>
-            <pc:docMk/>
-            <pc:sldMk cId="1781419879" sldId="288"/>
-            <ac:spMk id="3" creationId="{646F60EF-105A-0A4B-A926-D22C5F32B16B}"/>
-          </ac:spMkLst>
-        </pc:spChg>
-      </pc:sldChg>
-      <pc:sldChg chg="modSp add mod ord">
-        <pc:chgData name="Carroll, Claudia" userId="5513adb2-3315-47c6-853b-61e74126e783" providerId="ADAL" clId="{F1B7EFA3-B214-634E-BDB4-9AA61FCEBD50}" dt="2024-11-03T03:07:46.525" v="1570" actId="20577"/>
-        <pc:sldMkLst>
-          <pc:docMk/>
-          <pc:sldMk cId="1233050541" sldId="289"/>
-        </pc:sldMkLst>
-        <pc:spChg chg="mod">
-          <ac:chgData name="Carroll, Claudia" userId="5513adb2-3315-47c6-853b-61e74126e783" providerId="ADAL" clId="{F1B7EFA3-B214-634E-BDB4-9AA61FCEBD50}" dt="2024-11-03T03:07:37.388" v="1563" actId="113"/>
-          <ac:spMkLst>
-            <pc:docMk/>
-            <pc:sldMk cId="1233050541" sldId="289"/>
-            <ac:spMk id="2" creationId="{7A28C225-7FEC-52A3-B987-473B077F1908}"/>
-          </ac:spMkLst>
-        </pc:spChg>
-        <pc:spChg chg="mod">
-          <ac:chgData name="Carroll, Claudia" userId="5513adb2-3315-47c6-853b-61e74126e783" providerId="ADAL" clId="{F1B7EFA3-B214-634E-BDB4-9AA61FCEBD50}" dt="2024-11-03T03:07:46.525" v="1570" actId="20577"/>
-          <ac:spMkLst>
-            <pc:docMk/>
-            <pc:sldMk cId="1233050541" sldId="289"/>
-            <ac:spMk id="3" creationId="{0E673150-3883-F319-BB5A-DF12FA74F977}"/>
-          </ac:spMkLst>
-        </pc:spChg>
-      </pc:sldChg>
-      <pc:sldChg chg="modSp new mod">
-        <pc:chgData name="Carroll, Claudia" userId="5513adb2-3315-47c6-853b-61e74126e783" providerId="ADAL" clId="{F1B7EFA3-B214-634E-BDB4-9AA61FCEBD50}" dt="2024-11-03T03:06:27.902" v="1507" actId="20577"/>
-        <pc:sldMkLst>
-          <pc:docMk/>
-          <pc:sldMk cId="2620043797" sldId="290"/>
-        </pc:sldMkLst>
-        <pc:spChg chg="mod">
-          <ac:chgData name="Carroll, Claudia" userId="5513adb2-3315-47c6-853b-61e74126e783" providerId="ADAL" clId="{F1B7EFA3-B214-634E-BDB4-9AA61FCEBD50}" dt="2024-11-03T03:06:27.902" v="1507" actId="20577"/>
-          <ac:spMkLst>
-            <pc:docMk/>
-            <pc:sldMk cId="2620043797" sldId="290"/>
-            <ac:spMk id="2" creationId="{44CF086B-1BE5-457F-A394-A3366B7D1307}"/>
-          </ac:spMkLst>
-        </pc:spChg>
-        <pc:spChg chg="mod">
-          <ac:chgData name="Carroll, Claudia" userId="5513adb2-3315-47c6-853b-61e74126e783" providerId="ADAL" clId="{F1B7EFA3-B214-634E-BDB4-9AA61FCEBD50}" dt="2024-11-03T03:05:29.433" v="1447" actId="207"/>
-          <ac:spMkLst>
-            <pc:docMk/>
-            <pc:sldMk cId="2620043797" sldId="290"/>
-            <ac:spMk id="3" creationId="{4ABBB595-5D92-78DC-8EDE-C9C8806AB4A4}"/>
-          </ac:spMkLst>
-        </pc:spChg>
-      </pc:sldChg>
-      <pc:sldChg chg="modSp new mod">
-        <pc:chgData name="Carroll, Claudia" userId="5513adb2-3315-47c6-853b-61e74126e783" providerId="ADAL" clId="{F1B7EFA3-B214-634E-BDB4-9AA61FCEBD50}" dt="2024-11-03T03:09:13.223" v="1607" actId="113"/>
-        <pc:sldMkLst>
-          <pc:docMk/>
-          <pc:sldMk cId="1830920682" sldId="291"/>
-        </pc:sldMkLst>
-        <pc:spChg chg="mod">
-          <ac:chgData name="Carroll, Claudia" userId="5513adb2-3315-47c6-853b-61e74126e783" providerId="ADAL" clId="{F1B7EFA3-B214-634E-BDB4-9AA61FCEBD50}" dt="2024-11-03T03:08:58.652" v="1606" actId="20577"/>
-          <ac:spMkLst>
-            <pc:docMk/>
-            <pc:sldMk cId="1830920682" sldId="291"/>
-            <ac:spMk id="2" creationId="{C3ADF13C-081E-5DEF-312E-2F5493F33D69}"/>
-          </ac:spMkLst>
-        </pc:spChg>
-        <pc:spChg chg="mod">
-          <ac:chgData name="Carroll, Claudia" userId="5513adb2-3315-47c6-853b-61e74126e783" providerId="ADAL" clId="{F1B7EFA3-B214-634E-BDB4-9AA61FCEBD50}" dt="2024-11-03T03:09:13.223" v="1607" actId="113"/>
-          <ac:spMkLst>
-            <pc:docMk/>
-            <pc:sldMk cId="1830920682" sldId="291"/>
-            <ac:spMk id="3" creationId="{BB73002C-5BE4-7EAD-A836-ACEB91CF363F}"/>
-          </ac:spMkLst>
-        </pc:spChg>
-      </pc:sldChg>
-    </pc:docChg>
-  </pc:docChgLst>
-  <pc:docChgLst>
-    <pc:chgData name="Carroll, Claudia" userId="S::claudiac@wustl.edu::5513adb2-3315-47c6-853b-61e74126e783" providerId="AD" clId="Web-{ACB0D4A4-9443-A30F-CD8D-A89BD93B26B1}"/>
-    <pc:docChg chg="delSld">
-      <pc:chgData name="Carroll, Claudia" userId="S::claudiac@wustl.edu::5513adb2-3315-47c6-853b-61e74126e783" providerId="AD" clId="Web-{ACB0D4A4-9443-A30F-CD8D-A89BD93B26B1}" dt="2024-01-29T06:07:05.444" v="12"/>
-      <pc:docMkLst>
-        <pc:docMk/>
-      </pc:docMkLst>
-      <pc:sldChg chg="del">
-        <pc:chgData name="Carroll, Claudia" userId="S::claudiac@wustl.edu::5513adb2-3315-47c6-853b-61e74126e783" providerId="AD" clId="Web-{ACB0D4A4-9443-A30F-CD8D-A89BD93B26B1}" dt="2024-01-29T06:07:05.444" v="11"/>
-        <pc:sldMkLst>
-          <pc:docMk/>
-          <pc:sldMk cId="1063925012" sldId="269"/>
-        </pc:sldMkLst>
-      </pc:sldChg>
-      <pc:sldChg chg="del">
-        <pc:chgData name="Carroll, Claudia" userId="S::claudiac@wustl.edu::5513adb2-3315-47c6-853b-61e74126e783" providerId="AD" clId="Web-{ACB0D4A4-9443-A30F-CD8D-A89BD93B26B1}" dt="2024-01-29T06:07:05.428" v="10"/>
-        <pc:sldMkLst>
-          <pc:docMk/>
-          <pc:sldMk cId="2821551489" sldId="270"/>
-        </pc:sldMkLst>
-      </pc:sldChg>
-      <pc:sldChg chg="del">
-        <pc:chgData name="Carroll, Claudia" userId="S::claudiac@wustl.edu::5513adb2-3315-47c6-853b-61e74126e783" providerId="AD" clId="Web-{ACB0D4A4-9443-A30F-CD8D-A89BD93B26B1}" dt="2024-01-29T06:07:05.428" v="6"/>
-        <pc:sldMkLst>
-          <pc:docMk/>
-          <pc:sldMk cId="817878283" sldId="271"/>
-        </pc:sldMkLst>
-      </pc:sldChg>
-      <pc:sldChg chg="del">
-        <pc:chgData name="Carroll, Claudia" userId="S::claudiac@wustl.edu::5513adb2-3315-47c6-853b-61e74126e783" providerId="AD" clId="Web-{ACB0D4A4-9443-A30F-CD8D-A89BD93B26B1}" dt="2024-01-29T06:07:05.428" v="8"/>
-        <pc:sldMkLst>
-          <pc:docMk/>
-          <pc:sldMk cId="913908910" sldId="273"/>
-        </pc:sldMkLst>
-      </pc:sldChg>
-      <pc:sldChg chg="del">
-        <pc:chgData name="Carroll, Claudia" userId="S::claudiac@wustl.edu::5513adb2-3315-47c6-853b-61e74126e783" providerId="AD" clId="Web-{ACB0D4A4-9443-A30F-CD8D-A89BD93B26B1}" dt="2024-01-29T06:07:05.428" v="9"/>
-        <pc:sldMkLst>
-          <pc:docMk/>
-          <pc:sldMk cId="3570399089" sldId="274"/>
-        </pc:sldMkLst>
-      </pc:sldChg>
-      <pc:sldChg chg="del">
-        <pc:chgData name="Carroll, Claudia" userId="S::claudiac@wustl.edu::5513adb2-3315-47c6-853b-61e74126e783" providerId="AD" clId="Web-{ACB0D4A4-9443-A30F-CD8D-A89BD93B26B1}" dt="2024-01-29T06:07:05.428" v="7"/>
-        <pc:sldMkLst>
-          <pc:docMk/>
-          <pc:sldMk cId="2164786919" sldId="276"/>
-        </pc:sldMkLst>
-      </pc:sldChg>
-      <pc:sldChg chg="del">
-        <pc:chgData name="Carroll, Claudia" userId="S::claudiac@wustl.edu::5513adb2-3315-47c6-853b-61e74126e783" providerId="AD" clId="Web-{ACB0D4A4-9443-A30F-CD8D-A89BD93B26B1}" dt="2024-01-29T06:07:05.428" v="5"/>
-        <pc:sldMkLst>
-          <pc:docMk/>
-          <pc:sldMk cId="3918721913" sldId="277"/>
-        </pc:sldMkLst>
-      </pc:sldChg>
-      <pc:sldChg chg="del">
-        <pc:chgData name="Carroll, Claudia" userId="S::claudiac@wustl.edu::5513adb2-3315-47c6-853b-61e74126e783" providerId="AD" clId="Web-{ACB0D4A4-9443-A30F-CD8D-A89BD93B26B1}" dt="2024-01-29T06:07:05.428" v="2"/>
-        <pc:sldMkLst>
-          <pc:docMk/>
-          <pc:sldMk cId="1013305701" sldId="280"/>
-        </pc:sldMkLst>
-      </pc:sldChg>
-      <pc:sldChg chg="del">
-        <pc:chgData name="Carroll, Claudia" userId="S::claudiac@wustl.edu::5513adb2-3315-47c6-853b-61e74126e783" providerId="AD" clId="Web-{ACB0D4A4-9443-A30F-CD8D-A89BD93B26B1}" dt="2024-01-29T06:07:05.428" v="3"/>
-        <pc:sldMkLst>
-          <pc:docMk/>
-          <pc:sldMk cId="1760213573" sldId="281"/>
-        </pc:sldMkLst>
-      </pc:sldChg>
-      <pc:sldChg chg="del">
-        <pc:chgData name="Carroll, Claudia" userId="S::claudiac@wustl.edu::5513adb2-3315-47c6-853b-61e74126e783" providerId="AD" clId="Web-{ACB0D4A4-9443-A30F-CD8D-A89BD93B26B1}" dt="2024-01-29T06:07:05.428" v="4"/>
-        <pc:sldMkLst>
-          <pc:docMk/>
-          <pc:sldMk cId="702624774" sldId="282"/>
-        </pc:sldMkLst>
-      </pc:sldChg>
-      <pc:sldChg chg="del">
-        <pc:chgData name="Carroll, Claudia" userId="S::claudiac@wustl.edu::5513adb2-3315-47c6-853b-61e74126e783" providerId="AD" clId="Web-{ACB0D4A4-9443-A30F-CD8D-A89BD93B26B1}" dt="2024-01-29T06:07:05.444" v="12"/>
-        <pc:sldMkLst>
-          <pc:docMk/>
-          <pc:sldMk cId="2247768815" sldId="283"/>
-        </pc:sldMkLst>
-      </pc:sldChg>
-      <pc:sldChg chg="del">
-        <pc:chgData name="Carroll, Claudia" userId="S::claudiac@wustl.edu::5513adb2-3315-47c6-853b-61e74126e783" providerId="AD" clId="Web-{ACB0D4A4-9443-A30F-CD8D-A89BD93B26B1}" dt="2024-01-29T06:07:05.428" v="1"/>
-        <pc:sldMkLst>
-          <pc:docMk/>
-          <pc:sldMk cId="1699678302" sldId="285"/>
-        </pc:sldMkLst>
-      </pc:sldChg>
-      <pc:sldChg chg="del">
-        <pc:chgData name="Carroll, Claudia" userId="S::claudiac@wustl.edu::5513adb2-3315-47c6-853b-61e74126e783" providerId="AD" clId="Web-{ACB0D4A4-9443-A30F-CD8D-A89BD93B26B1}" dt="2024-01-29T06:07:05.428" v="0"/>
-        <pc:sldMkLst>
-          <pc:docMk/>
-          <pc:sldMk cId="3143217917" sldId="286"/>
-        </pc:sldMkLst>
-      </pc:sldChg>
-    </pc:docChg>
-  </pc:docChgLst>
-  <pc:docChgLst>
-    <pc:chgData name="Carroll, Claudia" userId="S::claudiac@wustl.edu::5513adb2-3315-47c6-853b-61e74126e783" providerId="AD" clId="Web-{34743C81-3135-4163-DE08-77FB52CDC653}"/>
-    <pc:docChg chg="modSld">
-      <pc:chgData name="Carroll, Claudia" userId="S::claudiac@wustl.edu::5513adb2-3315-47c6-853b-61e74126e783" providerId="AD" clId="Web-{34743C81-3135-4163-DE08-77FB52CDC653}" dt="2024-11-04T16:14:04.489" v="6" actId="14100"/>
-      <pc:docMkLst>
-        <pc:docMk/>
-      </pc:docMkLst>
-      <pc:sldChg chg="modSp">
-        <pc:chgData name="Carroll, Claudia" userId="S::claudiac@wustl.edu::5513adb2-3315-47c6-853b-61e74126e783" providerId="AD" clId="Web-{34743C81-3135-4163-DE08-77FB52CDC653}" dt="2024-11-04T16:14:04.489" v="6" actId="14100"/>
-        <pc:sldMkLst>
-          <pc:docMk/>
-          <pc:sldMk cId="3839357258" sldId="268"/>
-        </pc:sldMkLst>
-        <pc:spChg chg="mod">
-          <ac:chgData name="Carroll, Claudia" userId="S::claudiac@wustl.edu::5513adb2-3315-47c6-853b-61e74126e783" providerId="AD" clId="Web-{34743C81-3135-4163-DE08-77FB52CDC653}" dt="2024-11-04T16:14:04.489" v="6" actId="14100"/>
-          <ac:spMkLst>
-            <pc:docMk/>
-            <pc:sldMk cId="3839357258" sldId="268"/>
-            <ac:spMk id="3" creationId="{13B6A96C-8D86-7F21-3DA5-4A818CE6C4D6}"/>
-          </ac:spMkLst>
-        </pc:spChg>
-      </pc:sldChg>
-    </pc:docChg>
-  </pc:docChgLst>
-  <pc:docChgLst>
-    <pc:chgData name="Carroll, Claudia" userId="S::claudiac@wustl.edu::5513adb2-3315-47c6-853b-61e74126e783" providerId="AD" clId="Web-{7CB46537-C683-195A-73A2-43EF4837049F}"/>
-    <pc:docChg chg="modSld">
-      <pc:chgData name="Carroll, Claudia" userId="S::claudiac@wustl.edu::5513adb2-3315-47c6-853b-61e74126e783" providerId="AD" clId="Web-{7CB46537-C683-195A-73A2-43EF4837049F}" dt="2024-01-24T17:43:39.059" v="40" actId="20577"/>
-      <pc:docMkLst>
-        <pc:docMk/>
-      </pc:docMkLst>
-      <pc:sldChg chg="modSp">
-        <pc:chgData name="Carroll, Claudia" userId="S::claudiac@wustl.edu::5513adb2-3315-47c6-853b-61e74126e783" providerId="AD" clId="Web-{7CB46537-C683-195A-73A2-43EF4837049F}" dt="2024-01-24T17:43:39.059" v="40" actId="20577"/>
-        <pc:sldMkLst>
-          <pc:docMk/>
-          <pc:sldMk cId="3839357258" sldId="268"/>
-        </pc:sldMkLst>
-        <pc:spChg chg="mod">
-          <ac:chgData name="Carroll, Claudia" userId="S::claudiac@wustl.edu::5513adb2-3315-47c6-853b-61e74126e783" providerId="AD" clId="Web-{7CB46537-C683-195A-73A2-43EF4837049F}" dt="2024-01-24T17:43:39.059" v="40" actId="20577"/>
-          <ac:spMkLst>
-            <pc:docMk/>
-            <pc:sldMk cId="3839357258" sldId="268"/>
-            <ac:spMk id="3" creationId="{13B6A96C-8D86-7F21-3DA5-4A818CE6C4D6}"/>
-          </ac:spMkLst>
-        </pc:spChg>
-      </pc:sldChg>
-      <pc:sldChg chg="modSp">
-        <pc:chgData name="Carroll, Claudia" userId="S::claudiac@wustl.edu::5513adb2-3315-47c6-853b-61e74126e783" providerId="AD" clId="Web-{7CB46537-C683-195A-73A2-43EF4837049F}" dt="2024-01-24T17:21:17.779" v="5"/>
-        <pc:sldMkLst>
-          <pc:docMk/>
-          <pc:sldMk cId="913908910" sldId="273"/>
-        </pc:sldMkLst>
-        <pc:graphicFrameChg chg="mod modGraphic">
-          <ac:chgData name="Carroll, Claudia" userId="S::claudiac@wustl.edu::5513adb2-3315-47c6-853b-61e74126e783" providerId="AD" clId="Web-{7CB46537-C683-195A-73A2-43EF4837049F}" dt="2024-01-24T17:21:17.779" v="5"/>
-          <ac:graphicFrameMkLst>
-            <pc:docMk/>
-            <pc:sldMk cId="913908910" sldId="273"/>
-            <ac:graphicFrameMk id="6" creationId="{5910F0D5-172E-18F7-5422-5D3DAE5AC9DE}"/>
-          </ac:graphicFrameMkLst>
-        </pc:graphicFrameChg>
-      </pc:sldChg>
-      <pc:sldChg chg="modSp">
-        <pc:chgData name="Carroll, Claudia" userId="S::claudiac@wustl.edu::5513adb2-3315-47c6-853b-61e74126e783" providerId="AD" clId="Web-{7CB46537-C683-195A-73A2-43EF4837049F}" dt="2024-01-24T17:27:59.199" v="11" actId="20577"/>
-        <pc:sldMkLst>
-          <pc:docMk/>
-          <pc:sldMk cId="702624774" sldId="282"/>
-        </pc:sldMkLst>
-        <pc:spChg chg="mod">
-          <ac:chgData name="Carroll, Claudia" userId="S::claudiac@wustl.edu::5513adb2-3315-47c6-853b-61e74126e783" providerId="AD" clId="Web-{7CB46537-C683-195A-73A2-43EF4837049F}" dt="2024-01-24T17:27:59.199" v="11" actId="20577"/>
-          <ac:spMkLst>
-            <pc:docMk/>
-            <pc:sldMk cId="702624774" sldId="282"/>
-            <ac:spMk id="3" creationId="{C9601FBB-18F9-B52B-A114-C2E4BF8D9678}"/>
-          </ac:spMkLst>
-        </pc:spChg>
-      </pc:sldChg>
-      <pc:sldChg chg="modSp">
-        <pc:chgData name="Carroll, Claudia" userId="S::claudiac@wustl.edu::5513adb2-3315-47c6-853b-61e74126e783" providerId="AD" clId="Web-{7CB46537-C683-195A-73A2-43EF4837049F}" dt="2024-01-24T17:42:37.150" v="33" actId="20577"/>
-        <pc:sldMkLst>
-          <pc:docMk/>
-          <pc:sldMk cId="3143217917" sldId="286"/>
-        </pc:sldMkLst>
-        <pc:spChg chg="mod">
-          <ac:chgData name="Carroll, Claudia" userId="S::claudiac@wustl.edu::5513adb2-3315-47c6-853b-61e74126e783" providerId="AD" clId="Web-{7CB46537-C683-195A-73A2-43EF4837049F}" dt="2024-01-24T17:42:37.150" v="33" actId="20577"/>
-          <ac:spMkLst>
-            <pc:docMk/>
-            <pc:sldMk cId="3143217917" sldId="286"/>
-            <ac:spMk id="2" creationId="{C3B60153-31EE-EE67-6EBC-192E9EE7A238}"/>
+            <pc:sldMk cId="232311866" sldId="303"/>
+            <ac:spMk id="3" creationId="{C91D7BAC-0684-2FDD-6D19-F942F85EA80A}"/>
           </ac:spMkLst>
         </pc:spChg>
       </pc:sldChg>
@@ -1478,7 +927,7 @@
           <a:p>
             <a:fld id="{41E3AD09-9720-9047-BB14-484CD98DBB2F}" type="datetimeFigureOut">
               <a:rPr lang="en-US" smtClean="0"/>
-              <a:t>11/10/24</a:t>
+              <a:t>10/26/25</a:t>
             </a:fld>
             <a:endParaRPr lang="en-US"/>
           </a:p>
@@ -3963,18 +3412,10 @@
           </a:bodyPr>
           <a:lstStyle/>
           <a:p>
-            <a:endParaRPr lang="en-US" sz="2400" dirty="0">
-              <a:cs typeface="Calibri"/>
+            <a:endParaRPr lang="en-US" sz="2000" dirty="0">
+              <a:latin typeface="Times New Roman" panose="02020603050405020304" pitchFamily="18" charset="0"/>
+              <a:cs typeface="Times New Roman" panose="02020603050405020304" pitchFamily="18" charset="0"/>
             </a:endParaRPr>
-          </a:p>
-          <a:p>
-            <a:r>
-              <a:rPr lang="en-US" sz="2000" dirty="0">
-                <a:latin typeface="Times New Roman" panose="02020603050405020304" pitchFamily="18" charset="0"/>
-                <a:cs typeface="Times New Roman" panose="02020603050405020304" pitchFamily="18" charset="0"/>
-              </a:rPr>
-              <a:t>TRIADS Workshop Fall 2024</a:t>
-            </a:r>
           </a:p>
           <a:p>
             <a:endParaRPr lang="en-US" sz="2000" dirty="0">
@@ -4011,7 +3452,13 @@
   <p:cSld>
     <p:spTree>
       <p:nvGrpSpPr>
-        <p:cNvPr id="1" name=""/>
+        <p:cNvPr id="1" name="">
+          <a:extLst>
+            <a:ext uri="{FF2B5EF4-FFF2-40B4-BE49-F238E27FC236}">
+              <a16:creationId xmlns:a16="http://schemas.microsoft.com/office/drawing/2014/main" id="{922508C1-91CA-7A06-958A-6A8D98C5EFE7}"/>
+            </a:ext>
+          </a:extLst>
+        </p:cNvPr>
         <p:cNvGrpSpPr/>
         <p:nvPr/>
       </p:nvGrpSpPr>
@@ -4025,570 +3472,10 @@
       </p:grpSpPr>
       <p:sp>
         <p:nvSpPr>
-          <p:cNvPr id="2" name="Content Placeholder 1">
-            <a:extLst>
-              <a:ext uri="{FF2B5EF4-FFF2-40B4-BE49-F238E27FC236}">
-                <a16:creationId xmlns:a16="http://schemas.microsoft.com/office/drawing/2014/main" id="{44CF086B-1BE5-457F-A394-A3366B7D1307}"/>
-              </a:ext>
-            </a:extLst>
-          </p:cNvPr>
-          <p:cNvSpPr>
-            <a:spLocks noGrp="1"/>
-          </p:cNvSpPr>
-          <p:nvPr>
-            <p:ph idx="1"/>
-          </p:nvPr>
-        </p:nvSpPr>
-        <p:spPr/>
-        <p:txBody>
-          <a:bodyPr>
-            <a:normAutofit fontScale="47500" lnSpcReduction="20000"/>
-          </a:bodyPr>
-          <a:lstStyle/>
-          <a:p>
-            <a:pPr marL="0" indent="0">
-              <a:buNone/>
-            </a:pPr>
-            <a:r>
-              <a:rPr lang="en-US" sz="2800" b="1" dirty="0">
-                <a:solidFill>
-                  <a:srgbClr val="000000"/>
-                </a:solidFill>
-                <a:effectLst/>
-                <a:latin typeface="Consolas" panose="020B0609020204030204" pitchFamily="49" charset="0"/>
-                <a:cs typeface="Consolas" panose="020B0609020204030204" pitchFamily="49" charset="0"/>
-              </a:rPr>
-              <a:t>#Checking if pronouns are in the stop word list</a:t>
-            </a:r>
-          </a:p>
-          <a:p>
-            <a:pPr marL="0" indent="0">
-              <a:buNone/>
-            </a:pPr>
-            <a:endParaRPr lang="en-US" sz="2800" dirty="0">
-              <a:solidFill>
-                <a:srgbClr val="000000"/>
-              </a:solidFill>
-              <a:latin typeface="Consolas" panose="020B0609020204030204" pitchFamily="49" charset="0"/>
-              <a:cs typeface="Consolas" panose="020B0609020204030204" pitchFamily="49" charset="0"/>
-            </a:endParaRPr>
-          </a:p>
-          <a:p>
-            <a:pPr marL="0" indent="0">
-              <a:buNone/>
-            </a:pPr>
-            <a:r>
-              <a:rPr lang="en-US" sz="2800" b="0" dirty="0">
-                <a:solidFill>
-                  <a:srgbClr val="000000"/>
-                </a:solidFill>
-                <a:effectLst/>
-                <a:latin typeface="Consolas" panose="020B0609020204030204" pitchFamily="49" charset="0"/>
-                <a:cs typeface="Consolas" panose="020B0609020204030204" pitchFamily="49" charset="0"/>
-              </a:rPr>
-              <a:t>if "her" in </a:t>
-            </a:r>
-            <a:r>
-              <a:rPr lang="en-US" sz="2800" b="0" dirty="0" err="1">
-                <a:solidFill>
-                  <a:srgbClr val="000000"/>
-                </a:solidFill>
-                <a:effectLst/>
-                <a:latin typeface="Consolas" panose="020B0609020204030204" pitchFamily="49" charset="0"/>
-                <a:cs typeface="Consolas" panose="020B0609020204030204" pitchFamily="49" charset="0"/>
-              </a:rPr>
-              <a:t>stopwords</a:t>
-            </a:r>
-            <a:r>
-              <a:rPr lang="en-US" sz="2800" b="0" dirty="0">
-                <a:solidFill>
-                  <a:srgbClr val="000000"/>
-                </a:solidFill>
-                <a:effectLst/>
-                <a:latin typeface="Consolas" panose="020B0609020204030204" pitchFamily="49" charset="0"/>
-                <a:cs typeface="Consolas" panose="020B0609020204030204" pitchFamily="49" charset="0"/>
-              </a:rPr>
-              <a:t>:</a:t>
-            </a:r>
-          </a:p>
-          <a:p>
-            <a:pPr marL="0" indent="0">
-              <a:buNone/>
-            </a:pPr>
-            <a:r>
-              <a:rPr lang="en-US" sz="2800" b="0" dirty="0">
-                <a:solidFill>
-                  <a:srgbClr val="000000"/>
-                </a:solidFill>
-                <a:effectLst/>
-                <a:latin typeface="Consolas" panose="020B0609020204030204" pitchFamily="49" charset="0"/>
-                <a:cs typeface="Consolas" panose="020B0609020204030204" pitchFamily="49" charset="0"/>
-              </a:rPr>
-              <a:t>	print("It's a </a:t>
-            </a:r>
-            <a:r>
-              <a:rPr lang="en-US" sz="2800" b="0" dirty="0" err="1">
-                <a:solidFill>
-                  <a:srgbClr val="000000"/>
-                </a:solidFill>
-                <a:effectLst/>
-                <a:latin typeface="Consolas" panose="020B0609020204030204" pitchFamily="49" charset="0"/>
-                <a:cs typeface="Consolas" panose="020B0609020204030204" pitchFamily="49" charset="0"/>
-              </a:rPr>
-              <a:t>stopword</a:t>
-            </a:r>
-            <a:r>
-              <a:rPr lang="en-US" sz="2800" b="0" dirty="0">
-                <a:solidFill>
-                  <a:srgbClr val="000000"/>
-                </a:solidFill>
-                <a:effectLst/>
-                <a:latin typeface="Consolas" panose="020B0609020204030204" pitchFamily="49" charset="0"/>
-                <a:cs typeface="Consolas" panose="020B0609020204030204" pitchFamily="49" charset="0"/>
-              </a:rPr>
-              <a:t>")</a:t>
-            </a:r>
-          </a:p>
-          <a:p>
-            <a:pPr marL="0" indent="0">
-              <a:buNone/>
-            </a:pPr>
-            <a:r>
-              <a:rPr lang="en-US" sz="2800" b="0" dirty="0">
-                <a:solidFill>
-                  <a:srgbClr val="000000"/>
-                </a:solidFill>
-                <a:effectLst/>
-                <a:latin typeface="Consolas" panose="020B0609020204030204" pitchFamily="49" charset="0"/>
-                <a:cs typeface="Consolas" panose="020B0609020204030204" pitchFamily="49" charset="0"/>
-              </a:rPr>
-              <a:t>else:</a:t>
-            </a:r>
-          </a:p>
-          <a:p>
-            <a:pPr marL="0" indent="0">
-              <a:buNone/>
-            </a:pPr>
-            <a:r>
-              <a:rPr lang="en-US" sz="2800" b="0" dirty="0">
-                <a:solidFill>
-                  <a:srgbClr val="000000"/>
-                </a:solidFill>
-                <a:effectLst/>
-                <a:latin typeface="Consolas" panose="020B0609020204030204" pitchFamily="49" charset="0"/>
-                <a:cs typeface="Consolas" panose="020B0609020204030204" pitchFamily="49" charset="0"/>
-              </a:rPr>
-              <a:t>	print("It's not a </a:t>
-            </a:r>
-            <a:r>
-              <a:rPr lang="en-US" sz="2800" b="0" dirty="0" err="1">
-                <a:solidFill>
-                  <a:srgbClr val="000000"/>
-                </a:solidFill>
-                <a:effectLst/>
-                <a:latin typeface="Consolas" panose="020B0609020204030204" pitchFamily="49" charset="0"/>
-                <a:cs typeface="Consolas" panose="020B0609020204030204" pitchFamily="49" charset="0"/>
-              </a:rPr>
-              <a:t>stopword</a:t>
-            </a:r>
-            <a:r>
-              <a:rPr lang="en-US" sz="2800" b="0" dirty="0">
-                <a:solidFill>
-                  <a:srgbClr val="000000"/>
-                </a:solidFill>
-                <a:effectLst/>
-                <a:latin typeface="Consolas" panose="020B0609020204030204" pitchFamily="49" charset="0"/>
-                <a:cs typeface="Consolas" panose="020B0609020204030204" pitchFamily="49" charset="0"/>
-              </a:rPr>
-              <a:t>")</a:t>
-            </a:r>
-          </a:p>
-          <a:p>
-            <a:pPr marL="0" indent="0">
-              <a:buNone/>
-            </a:pPr>
-            <a:endParaRPr lang="en-US" sz="2800" b="0" dirty="0">
-              <a:solidFill>
-                <a:srgbClr val="000000"/>
-              </a:solidFill>
-              <a:effectLst/>
-              <a:latin typeface="Consolas" panose="020B0609020204030204" pitchFamily="49" charset="0"/>
-              <a:cs typeface="Consolas" panose="020B0609020204030204" pitchFamily="49" charset="0"/>
-            </a:endParaRPr>
-          </a:p>
-          <a:p>
-            <a:pPr marL="0" indent="0">
-              <a:buNone/>
-            </a:pPr>
-            <a:r>
-              <a:rPr lang="en-US" b="1" dirty="0">
-                <a:solidFill>
-                  <a:srgbClr val="000000"/>
-                </a:solidFill>
-                <a:latin typeface="Consolas" panose="020B0609020204030204" pitchFamily="49" charset="0"/>
-                <a:cs typeface="Consolas" panose="020B0609020204030204" pitchFamily="49" charset="0"/>
-              </a:rPr>
-              <a:t>#Calculating relative frequency</a:t>
-            </a:r>
-            <a:endParaRPr lang="en-US" sz="2800" b="1" dirty="0">
-              <a:solidFill>
-                <a:srgbClr val="000000"/>
-              </a:solidFill>
-              <a:effectLst/>
-              <a:latin typeface="Consolas" panose="020B0609020204030204" pitchFamily="49" charset="0"/>
-              <a:cs typeface="Consolas" panose="020B0609020204030204" pitchFamily="49" charset="0"/>
-            </a:endParaRPr>
-          </a:p>
-          <a:p>
-            <a:pPr marL="0" indent="0">
-              <a:buNone/>
-            </a:pPr>
-            <a:endParaRPr lang="en-US" dirty="0">
-              <a:solidFill>
-                <a:srgbClr val="000000"/>
-              </a:solidFill>
-              <a:latin typeface="Consolas" panose="020B0609020204030204" pitchFamily="49" charset="0"/>
-              <a:cs typeface="Consolas" panose="020B0609020204030204" pitchFamily="49" charset="0"/>
-            </a:endParaRPr>
-          </a:p>
-          <a:p>
-            <a:pPr marL="0" indent="0">
-              <a:buNone/>
-            </a:pPr>
-            <a:r>
-              <a:rPr lang="en-US" sz="2800" b="0" dirty="0" err="1">
-                <a:solidFill>
-                  <a:srgbClr val="000000"/>
-                </a:solidFill>
-                <a:effectLst/>
-                <a:latin typeface="Consolas" panose="020B0609020204030204" pitchFamily="49" charset="0"/>
-                <a:cs typeface="Consolas" panose="020B0609020204030204" pitchFamily="49" charset="0"/>
-              </a:rPr>
-              <a:t>female_pronouns</a:t>
-            </a:r>
-            <a:r>
-              <a:rPr lang="en-US" sz="2800" b="0" dirty="0">
-                <a:solidFill>
-                  <a:srgbClr val="000000"/>
-                </a:solidFill>
-                <a:effectLst/>
-                <a:latin typeface="Consolas" panose="020B0609020204030204" pitchFamily="49" charset="0"/>
-                <a:cs typeface="Consolas" panose="020B0609020204030204" pitchFamily="49" charset="0"/>
-              </a:rPr>
-              <a:t> = ["she", "her", "hers", "herself"]</a:t>
-            </a:r>
-          </a:p>
-          <a:p>
-            <a:pPr marL="0" indent="0">
-              <a:buNone/>
-            </a:pPr>
-            <a:br>
-              <a:rPr lang="en-US" sz="2800" b="0" dirty="0">
-                <a:solidFill>
-                  <a:srgbClr val="000000"/>
-                </a:solidFill>
-                <a:effectLst/>
-                <a:latin typeface="Consolas" panose="020B0609020204030204" pitchFamily="49" charset="0"/>
-                <a:cs typeface="Consolas" panose="020B0609020204030204" pitchFamily="49" charset="0"/>
-              </a:rPr>
-            </a:br>
-            <a:r>
-              <a:rPr lang="en-US" sz="2800" b="0" dirty="0" err="1">
-                <a:solidFill>
-                  <a:srgbClr val="000000"/>
-                </a:solidFill>
-                <a:effectLst/>
-                <a:latin typeface="Consolas" panose="020B0609020204030204" pitchFamily="49" charset="0"/>
-                <a:cs typeface="Consolas" panose="020B0609020204030204" pitchFamily="49" charset="0"/>
-              </a:rPr>
-              <a:t>female_pronoun_count</a:t>
-            </a:r>
-            <a:r>
-              <a:rPr lang="en-US" sz="2800" b="0" dirty="0">
-                <a:solidFill>
-                  <a:srgbClr val="000000"/>
-                </a:solidFill>
-                <a:effectLst/>
-                <a:latin typeface="Consolas" panose="020B0609020204030204" pitchFamily="49" charset="0"/>
-                <a:cs typeface="Consolas" panose="020B0609020204030204" pitchFamily="49" charset="0"/>
-              </a:rPr>
-              <a:t> = 0</a:t>
-            </a:r>
-          </a:p>
-          <a:p>
-            <a:pPr marL="0" indent="0">
-              <a:buNone/>
-            </a:pPr>
-            <a:br>
-              <a:rPr lang="en-US" sz="2800" b="0" dirty="0">
-                <a:solidFill>
-                  <a:srgbClr val="000000"/>
-                </a:solidFill>
-                <a:effectLst/>
-                <a:latin typeface="Consolas" panose="020B0609020204030204" pitchFamily="49" charset="0"/>
-                <a:cs typeface="Consolas" panose="020B0609020204030204" pitchFamily="49" charset="0"/>
-              </a:rPr>
-            </a:br>
-            <a:r>
-              <a:rPr lang="en-US" sz="2800" b="0" dirty="0">
-                <a:solidFill>
-                  <a:srgbClr val="000000"/>
-                </a:solidFill>
-                <a:effectLst/>
-                <a:latin typeface="Consolas" panose="020B0609020204030204" pitchFamily="49" charset="0"/>
-                <a:cs typeface="Consolas" panose="020B0609020204030204" pitchFamily="49" charset="0"/>
-              </a:rPr>
-              <a:t>for x in </a:t>
-            </a:r>
-            <a:r>
-              <a:rPr lang="en-US" sz="2800" b="0" dirty="0" err="1">
-                <a:solidFill>
-                  <a:srgbClr val="000000"/>
-                </a:solidFill>
-                <a:effectLst/>
-                <a:latin typeface="Consolas" panose="020B0609020204030204" pitchFamily="49" charset="0"/>
-                <a:cs typeface="Consolas" panose="020B0609020204030204" pitchFamily="49" charset="0"/>
-              </a:rPr>
-              <a:t>female_pronouns</a:t>
-            </a:r>
-            <a:r>
-              <a:rPr lang="en-US" sz="2800" b="0" dirty="0">
-                <a:solidFill>
-                  <a:srgbClr val="000000"/>
-                </a:solidFill>
-                <a:effectLst/>
-                <a:latin typeface="Consolas" panose="020B0609020204030204" pitchFamily="49" charset="0"/>
-                <a:cs typeface="Consolas" panose="020B0609020204030204" pitchFamily="49" charset="0"/>
-              </a:rPr>
-              <a:t>:</a:t>
-            </a:r>
-          </a:p>
-          <a:p>
-            <a:pPr marL="0" indent="0">
-              <a:buNone/>
-            </a:pPr>
-            <a:r>
-              <a:rPr lang="en-US" sz="2800" b="0" dirty="0">
-                <a:solidFill>
-                  <a:srgbClr val="000000"/>
-                </a:solidFill>
-                <a:effectLst/>
-                <a:latin typeface="Consolas" panose="020B0609020204030204" pitchFamily="49" charset="0"/>
-                <a:cs typeface="Consolas" panose="020B0609020204030204" pitchFamily="49" charset="0"/>
-              </a:rPr>
-              <a:t>	for y in tokens:</a:t>
-            </a:r>
-          </a:p>
-          <a:p>
-            <a:pPr marL="0" indent="0">
-              <a:buNone/>
-            </a:pPr>
-            <a:r>
-              <a:rPr lang="en-US" sz="2800" b="0" dirty="0">
-                <a:solidFill>
-                  <a:srgbClr val="000000"/>
-                </a:solidFill>
-                <a:effectLst/>
-                <a:latin typeface="Consolas" panose="020B0609020204030204" pitchFamily="49" charset="0"/>
-                <a:cs typeface="Consolas" panose="020B0609020204030204" pitchFamily="49" charset="0"/>
-              </a:rPr>
-              <a:t>		if x == y:</a:t>
-            </a:r>
-          </a:p>
-          <a:p>
-            <a:pPr marL="0" indent="0">
-              <a:buNone/>
-            </a:pPr>
-            <a:r>
-              <a:rPr lang="en-US" sz="2800" b="0" dirty="0">
-                <a:solidFill>
-                  <a:srgbClr val="000000"/>
-                </a:solidFill>
-                <a:effectLst/>
-                <a:latin typeface="Consolas" panose="020B0609020204030204" pitchFamily="49" charset="0"/>
-                <a:cs typeface="Consolas" panose="020B0609020204030204" pitchFamily="49" charset="0"/>
-              </a:rPr>
-              <a:t>			</a:t>
-            </a:r>
-            <a:r>
-              <a:rPr lang="en-US" sz="2800" b="0" dirty="0" err="1">
-                <a:solidFill>
-                  <a:srgbClr val="000000"/>
-                </a:solidFill>
-                <a:effectLst/>
-                <a:latin typeface="Consolas" panose="020B0609020204030204" pitchFamily="49" charset="0"/>
-                <a:cs typeface="Consolas" panose="020B0609020204030204" pitchFamily="49" charset="0"/>
-              </a:rPr>
-              <a:t>female_pronoun_count</a:t>
-            </a:r>
-            <a:r>
-              <a:rPr lang="en-US" sz="2800" b="0" dirty="0">
-                <a:solidFill>
-                  <a:srgbClr val="000000"/>
-                </a:solidFill>
-                <a:effectLst/>
-                <a:latin typeface="Consolas" panose="020B0609020204030204" pitchFamily="49" charset="0"/>
-                <a:cs typeface="Consolas" panose="020B0609020204030204" pitchFamily="49" charset="0"/>
-              </a:rPr>
-              <a:t> += 1</a:t>
-            </a:r>
-          </a:p>
-          <a:p>
-            <a:pPr marL="0" indent="0">
-              <a:buNone/>
-            </a:pPr>
-            <a:br>
-              <a:rPr lang="en-US" sz="2800" b="0" dirty="0">
-                <a:solidFill>
-                  <a:srgbClr val="000000"/>
-                </a:solidFill>
-                <a:effectLst/>
-                <a:latin typeface="Consolas" panose="020B0609020204030204" pitchFamily="49" charset="0"/>
-                <a:cs typeface="Consolas" panose="020B0609020204030204" pitchFamily="49" charset="0"/>
-              </a:rPr>
-            </a:br>
-            <a:br>
-              <a:rPr lang="en-US" sz="2800" b="0" dirty="0">
-                <a:solidFill>
-                  <a:srgbClr val="000000"/>
-                </a:solidFill>
-                <a:effectLst/>
-                <a:latin typeface="Consolas" panose="020B0609020204030204" pitchFamily="49" charset="0"/>
-                <a:cs typeface="Consolas" panose="020B0609020204030204" pitchFamily="49" charset="0"/>
-              </a:rPr>
-            </a:br>
-            <a:r>
-              <a:rPr lang="en-US" sz="2800" b="0" dirty="0" err="1">
-                <a:solidFill>
-                  <a:srgbClr val="000000"/>
-                </a:solidFill>
-                <a:effectLst/>
-                <a:latin typeface="Consolas" panose="020B0609020204030204" pitchFamily="49" charset="0"/>
-                <a:cs typeface="Consolas" panose="020B0609020204030204" pitchFamily="49" charset="0"/>
-              </a:rPr>
-              <a:t>relative_female_freq</a:t>
-            </a:r>
-            <a:r>
-              <a:rPr lang="en-US" sz="2800" b="0" dirty="0">
-                <a:solidFill>
-                  <a:srgbClr val="000000"/>
-                </a:solidFill>
-                <a:effectLst/>
-                <a:latin typeface="Consolas" panose="020B0609020204030204" pitchFamily="49" charset="0"/>
-                <a:cs typeface="Consolas" panose="020B0609020204030204" pitchFamily="49" charset="0"/>
-              </a:rPr>
-              <a:t> = </a:t>
-            </a:r>
-            <a:r>
-              <a:rPr lang="en-US" sz="2800" b="0" dirty="0" err="1">
-                <a:solidFill>
-                  <a:srgbClr val="000000"/>
-                </a:solidFill>
-                <a:effectLst/>
-                <a:latin typeface="Consolas" panose="020B0609020204030204" pitchFamily="49" charset="0"/>
-                <a:cs typeface="Consolas" panose="020B0609020204030204" pitchFamily="49" charset="0"/>
-              </a:rPr>
-              <a:t>female_pronoun_count</a:t>
-            </a:r>
-            <a:r>
-              <a:rPr lang="en-US" sz="2800" b="0" dirty="0">
-                <a:solidFill>
-                  <a:srgbClr val="000000"/>
-                </a:solidFill>
-                <a:effectLst/>
-                <a:latin typeface="Consolas" panose="020B0609020204030204" pitchFamily="49" charset="0"/>
-                <a:cs typeface="Consolas" panose="020B0609020204030204" pitchFamily="49" charset="0"/>
-              </a:rPr>
-              <a:t> / </a:t>
-            </a:r>
-            <a:r>
-              <a:rPr lang="en-US" sz="2800" b="0" dirty="0" err="1">
-                <a:solidFill>
-                  <a:srgbClr val="000000"/>
-                </a:solidFill>
-                <a:effectLst/>
-                <a:latin typeface="Consolas" panose="020B0609020204030204" pitchFamily="49" charset="0"/>
-                <a:cs typeface="Consolas" panose="020B0609020204030204" pitchFamily="49" charset="0"/>
-              </a:rPr>
-              <a:t>len</a:t>
-            </a:r>
-            <a:r>
-              <a:rPr lang="en-US" sz="2800" b="0" dirty="0">
-                <a:solidFill>
-                  <a:srgbClr val="000000"/>
-                </a:solidFill>
-                <a:effectLst/>
-                <a:latin typeface="Consolas" panose="020B0609020204030204" pitchFamily="49" charset="0"/>
-                <a:cs typeface="Consolas" panose="020B0609020204030204" pitchFamily="49" charset="0"/>
-              </a:rPr>
-              <a:t>(tokens)</a:t>
-            </a:r>
-          </a:p>
-          <a:p>
-            <a:pPr marL="0" indent="0">
-              <a:buNone/>
-            </a:pPr>
-            <a:br>
-              <a:rPr lang="en-US" sz="2800" b="0" dirty="0">
-                <a:solidFill>
-                  <a:srgbClr val="000000"/>
-                </a:solidFill>
-                <a:effectLst/>
-                <a:latin typeface="Consolas" panose="020B0609020204030204" pitchFamily="49" charset="0"/>
-                <a:cs typeface="Consolas" panose="020B0609020204030204" pitchFamily="49" charset="0"/>
-              </a:rPr>
-            </a:br>
-            <a:r>
-              <a:rPr lang="en-US" sz="2800" b="0" dirty="0">
-                <a:solidFill>
-                  <a:srgbClr val="000000"/>
-                </a:solidFill>
-                <a:effectLst/>
-                <a:latin typeface="Consolas" panose="020B0609020204030204" pitchFamily="49" charset="0"/>
-                <a:cs typeface="Consolas" panose="020B0609020204030204" pitchFamily="49" charset="0"/>
-              </a:rPr>
-              <a:t>print("The relative frequency of female pronouns is: " + str(</a:t>
-            </a:r>
-            <a:r>
-              <a:rPr lang="en-US" sz="2800" b="0" dirty="0" err="1">
-                <a:solidFill>
-                  <a:srgbClr val="000000"/>
-                </a:solidFill>
-                <a:effectLst/>
-                <a:latin typeface="Consolas" panose="020B0609020204030204" pitchFamily="49" charset="0"/>
-                <a:cs typeface="Consolas" panose="020B0609020204030204" pitchFamily="49" charset="0"/>
-              </a:rPr>
-              <a:t>relative_female_freq</a:t>
-            </a:r>
-            <a:r>
-              <a:rPr lang="en-US" sz="2800" b="0" dirty="0">
-                <a:solidFill>
-                  <a:srgbClr val="000000"/>
-                </a:solidFill>
-                <a:effectLst/>
-                <a:latin typeface="Consolas" panose="020B0609020204030204" pitchFamily="49" charset="0"/>
-                <a:cs typeface="Consolas" panose="020B0609020204030204" pitchFamily="49" charset="0"/>
-              </a:rPr>
-              <a:t>))</a:t>
-            </a:r>
-          </a:p>
-          <a:p>
-            <a:pPr marL="0" indent="0">
-              <a:buNone/>
-            </a:pPr>
-            <a:endParaRPr lang="en-US" b="1" dirty="0">
-              <a:latin typeface="Consolas" panose="020B0609020204030204" pitchFamily="49" charset="0"/>
-              <a:cs typeface="Consolas" panose="020B0609020204030204" pitchFamily="49" charset="0"/>
-            </a:endParaRPr>
-          </a:p>
-        </p:txBody>
-      </p:sp>
-      <p:sp>
-        <p:nvSpPr>
           <p:cNvPr id="3" name="Title 2">
             <a:extLst>
               <a:ext uri="{FF2B5EF4-FFF2-40B4-BE49-F238E27FC236}">
-                <a16:creationId xmlns:a16="http://schemas.microsoft.com/office/drawing/2014/main" id="{4ABBB595-5D92-78DC-8EDE-C9C8806AB4A4}"/>
+                <a16:creationId xmlns:a16="http://schemas.microsoft.com/office/drawing/2014/main" id="{99EB4FDE-39F7-979C-3164-53FE1902CCEF}"/>
               </a:ext>
             </a:extLst>
           </p:cNvPr>
@@ -4606,12 +3493,126 @@
           <a:p>
             <a:pPr algn="ctr"/>
             <a:r>
-              <a:rPr lang="en-US" dirty="0">
+              <a:rPr lang="en-US" b="1" dirty="0">
                 <a:solidFill>
                   <a:schemeClr val="tx1"/>
                 </a:solidFill>
               </a:rPr>
-              <a:t>Solution Part 2</a:t>
+              <a:t>Topic Modelling</a:t>
+            </a:r>
+          </a:p>
+        </p:txBody>
+      </p:sp>
+      <p:pic>
+        <p:nvPicPr>
+          <p:cNvPr id="4098" name="Picture 2">
+            <a:extLst>
+              <a:ext uri="{FF2B5EF4-FFF2-40B4-BE49-F238E27FC236}">
+                <a16:creationId xmlns:a16="http://schemas.microsoft.com/office/drawing/2014/main" id="{6A018A85-35DB-FFBB-CDC6-BDE6CFCAEAD7}"/>
+              </a:ext>
+            </a:extLst>
+          </p:cNvPr>
+          <p:cNvPicPr>
+            <a:picLocks noGrp="1" noChangeAspect="1" noChangeArrowheads="1"/>
+          </p:cNvPicPr>
+          <p:nvPr>
+            <p:ph idx="1"/>
+          </p:nvPr>
+        </p:nvPicPr>
+        <p:blipFill>
+          <a:blip r:embed="rId2">
+            <a:extLst>
+              <a:ext uri="{28A0092B-C50C-407E-A947-70E740481C1C}">
+                <a14:useLocalDpi xmlns:a14="http://schemas.microsoft.com/office/drawing/2010/main" val="0"/>
+              </a:ext>
+            </a:extLst>
+          </a:blip>
+          <a:srcRect/>
+          <a:stretch>
+            <a:fillRect/>
+          </a:stretch>
+        </p:blipFill>
+        <p:spPr bwMode="auto">
+          <a:xfrm>
+            <a:off x="3041122" y="1691663"/>
+            <a:ext cx="5591641" cy="3994029"/>
+          </a:xfrm>
+          <a:prstGeom prst="rect">
+            <a:avLst/>
+          </a:prstGeom>
+          <a:noFill/>
+          <a:extLst>
+            <a:ext uri="{909E8E84-426E-40DD-AFC4-6F175D3DCCD1}">
+              <a14:hiddenFill xmlns:a14="http://schemas.microsoft.com/office/drawing/2010/main">
+                <a:solidFill>
+                  <a:srgbClr val="FFFFFF"/>
+                </a:solidFill>
+              </a14:hiddenFill>
+            </a:ext>
+          </a:extLst>
+        </p:spPr>
+      </p:pic>
+      <p:sp>
+        <p:nvSpPr>
+          <p:cNvPr id="4" name="TextBox 3">
+            <a:extLst>
+              <a:ext uri="{FF2B5EF4-FFF2-40B4-BE49-F238E27FC236}">
+                <a16:creationId xmlns:a16="http://schemas.microsoft.com/office/drawing/2014/main" id="{483EBACF-9330-E7F3-4274-8013D76216EF}"/>
+              </a:ext>
+            </a:extLst>
+          </p:cNvPr>
+          <p:cNvSpPr txBox="1"/>
+          <p:nvPr/>
+        </p:nvSpPr>
+        <p:spPr>
+          <a:xfrm>
+            <a:off x="467202" y="2274277"/>
+            <a:ext cx="2358060" cy="2862322"/>
+          </a:xfrm>
+          <a:prstGeom prst="rect">
+            <a:avLst/>
+          </a:prstGeom>
+          <a:noFill/>
+        </p:spPr>
+        <p:txBody>
+          <a:bodyPr wrap="square" rtlCol="0">
+            <a:spAutoFit/>
+          </a:bodyPr>
+          <a:lstStyle/>
+          <a:p>
+            <a:pPr marL="285750" indent="-285750">
+              <a:buFont typeface="Arial" panose="020B0604020202020204" pitchFamily="34" charset="0"/>
+              <a:buChar char="•"/>
+            </a:pPr>
+            <a:r>
+              <a:rPr lang="en-US" dirty="0">
+                <a:latin typeface="Times New Roman" panose="02020603050405020304" pitchFamily="18" charset="0"/>
+                <a:cs typeface="Times New Roman" panose="02020603050405020304" pitchFamily="18" charset="0"/>
+              </a:rPr>
+              <a:t>Creates lists of words that are likely to appear close to one another in a corpus</a:t>
+            </a:r>
+          </a:p>
+          <a:p>
+            <a:pPr marL="285750" indent="-285750">
+              <a:buFont typeface="Arial" panose="020B0604020202020204" pitchFamily="34" charset="0"/>
+              <a:buChar char="•"/>
+            </a:pPr>
+            <a:endParaRPr lang="en-US" dirty="0">
+              <a:latin typeface="Times New Roman" panose="02020603050405020304" pitchFamily="18" charset="0"/>
+              <a:cs typeface="Times New Roman" panose="02020603050405020304" pitchFamily="18" charset="0"/>
+            </a:endParaRPr>
+          </a:p>
+          <a:p>
+            <a:pPr marL="285750" indent="-285750">
+              <a:buFont typeface="Arial" panose="020B0604020202020204" pitchFamily="34" charset="0"/>
+              <a:buChar char="•"/>
+            </a:pPr>
+            <a:r>
+              <a:rPr lang="en-US" dirty="0">
+                <a:latin typeface="Times New Roman" panose="02020603050405020304" pitchFamily="18" charset="0"/>
+                <a:cs typeface="Times New Roman" panose="02020603050405020304" pitchFamily="18" charset="0"/>
+              </a:rPr>
+              <a:t>These lists can be used to determine ’topics’ or themes in the corpus</a:t>
             </a:r>
           </a:p>
         </p:txBody>
@@ -4619,20 +3620,20 @@
     </p:spTree>
     <p:extLst>
       <p:ext uri="{BB962C8B-B14F-4D97-AF65-F5344CB8AC3E}">
-        <p14:creationId xmlns:p14="http://schemas.microsoft.com/office/powerpoint/2010/main" val="2620043797"/>
+        <p14:creationId xmlns:p14="http://schemas.microsoft.com/office/powerpoint/2010/main" val="991779782"/>
       </p:ext>
     </p:extLst>
   </p:cSld>
   <p:clrMapOvr>
     <a:masterClrMapping/>
   </p:clrMapOvr>
-  <mc:AlternateContent xmlns:mc="http://schemas.openxmlformats.org/markup-compatibility/2006" xmlns:p14="http://schemas.microsoft.com/office/powerpoint/2010/main">
-    <mc:Choice Requires="p14">
+  <mc:AlternateContent xmlns:mc="http://schemas.openxmlformats.org/markup-compatibility/2006">
+    <mc:Choice xmlns:p14="http://schemas.microsoft.com/office/powerpoint/2010/main" Requires="p14">
       <p:transition spd="med" p14:dur="700">
         <p:fade/>
       </p:transition>
     </mc:Choice>
-    <mc:Fallback xmlns="">
+    <mc:Fallback>
       <p:transition spd="med">
         <p:fade/>
       </p:transition>
@@ -4649,7 +3650,7 @@
         <p:cNvPr id="1" name="">
           <a:extLst>
             <a:ext uri="{FF2B5EF4-FFF2-40B4-BE49-F238E27FC236}">
-              <a16:creationId xmlns:a16="http://schemas.microsoft.com/office/drawing/2014/main" id="{67276B02-218F-A88E-B8FB-3D0CFB87E41E}"/>
+              <a16:creationId xmlns:a16="http://schemas.microsoft.com/office/drawing/2014/main" id="{3D098771-629F-62E7-1945-37E4015190E8}"/>
             </a:ext>
           </a:extLst>
         </p:cNvPr>
@@ -4666,10 +3667,10 @@
       </p:grpSpPr>
       <p:sp>
         <p:nvSpPr>
-          <p:cNvPr id="2" name="Title 1">
+          <p:cNvPr id="3" name="Title 2">
             <a:extLst>
               <a:ext uri="{FF2B5EF4-FFF2-40B4-BE49-F238E27FC236}">
-                <a16:creationId xmlns:a16="http://schemas.microsoft.com/office/drawing/2014/main" id="{80A41CDD-3773-510B-4B7C-18D7C3D344E9}"/>
+                <a16:creationId xmlns:a16="http://schemas.microsoft.com/office/drawing/2014/main" id="{D19184FE-4CCB-2A4E-F211-C67CEB9A9831}"/>
               </a:ext>
             </a:extLst>
           </p:cNvPr>
@@ -4677,7 +3678,7 @@
             <a:spLocks noGrp="1"/>
           </p:cNvSpPr>
           <p:nvPr>
-            <p:ph type="ctrTitle"/>
+            <p:ph type="title"/>
           </p:nvPr>
         </p:nvSpPr>
         <p:spPr/>
@@ -4685,44 +3686,144 @@
           <a:bodyPr/>
           <a:lstStyle/>
           <a:p>
-            <a:r>
-              <a:rPr lang="en-US" dirty="0">
-                <a:cs typeface="Calibri Light"/>
+            <a:pPr algn="ctr"/>
+            <a:r>
+              <a:rPr lang="en-US" b="1" dirty="0">
+                <a:solidFill>
+                  <a:schemeClr val="tx1"/>
+                </a:solidFill>
               </a:rPr>
-              <a:t>Demo 2 (Bonus)</a:t>
-            </a:r>
-            <a:endParaRPr lang="en-US" dirty="0"/>
+              <a:t>Clustering</a:t>
+            </a:r>
           </a:p>
         </p:txBody>
       </p:sp>
-      <p:sp>
-        <p:nvSpPr>
-          <p:cNvPr id="3" name="Subtitle 2">
+      <p:pic>
+        <p:nvPicPr>
+          <p:cNvPr id="5122" name="Picture 2" descr="Text Clustering">
             <a:extLst>
               <a:ext uri="{FF2B5EF4-FFF2-40B4-BE49-F238E27FC236}">
-                <a16:creationId xmlns:a16="http://schemas.microsoft.com/office/drawing/2014/main" id="{646F60EF-105A-0A4B-A926-D22C5F32B16B}"/>
+                <a16:creationId xmlns:a16="http://schemas.microsoft.com/office/drawing/2014/main" id="{53BF0E29-C598-1934-5500-4831F684C4D0}"/>
               </a:ext>
             </a:extLst>
           </p:cNvPr>
-          <p:cNvSpPr>
-            <a:spLocks noGrp="1"/>
-          </p:cNvSpPr>
+          <p:cNvPicPr>
+            <a:picLocks noGrp="1" noChangeAspect="1" noChangeArrowheads="1"/>
+          </p:cNvPicPr>
           <p:nvPr>
-            <p:ph type="subTitle" idx="1"/>
+            <p:ph idx="1"/>
           </p:nvPr>
+        </p:nvPicPr>
+        <p:blipFill>
+          <a:blip r:embed="rId2">
+            <a:extLst>
+              <a:ext uri="{28A0092B-C50C-407E-A947-70E740481C1C}">
+                <a14:useLocalDpi xmlns:a14="http://schemas.microsoft.com/office/drawing/2010/main" val="0"/>
+              </a:ext>
+            </a:extLst>
+          </a:blip>
+          <a:srcRect/>
+          <a:stretch>
+            <a:fillRect/>
+          </a:stretch>
+        </p:blipFill>
+        <p:spPr bwMode="auto">
+          <a:xfrm>
+            <a:off x="880129" y="1617786"/>
+            <a:ext cx="7383742" cy="3354387"/>
+          </a:xfrm>
+          <a:prstGeom prst="rect">
+            <a:avLst/>
+          </a:prstGeom>
+          <a:noFill/>
+          <a:extLst>
+            <a:ext uri="{909E8E84-426E-40DD-AFC4-6F175D3DCCD1}">
+              <a14:hiddenFill xmlns:a14="http://schemas.microsoft.com/office/drawing/2010/main">
+                <a:solidFill>
+                  <a:srgbClr val="FFFFFF"/>
+                </a:solidFill>
+              </a14:hiddenFill>
+            </a:ext>
+          </a:extLst>
+        </p:spPr>
+      </p:pic>
+      <p:sp>
+        <p:nvSpPr>
+          <p:cNvPr id="4" name="TextBox 3">
+            <a:extLst>
+              <a:ext uri="{FF2B5EF4-FFF2-40B4-BE49-F238E27FC236}">
+                <a16:creationId xmlns:a16="http://schemas.microsoft.com/office/drawing/2014/main" id="{86863440-BBA1-49F4-9F0E-7CD06A1BFC8F}"/>
+              </a:ext>
+            </a:extLst>
+          </p:cNvPr>
+          <p:cNvSpPr txBox="1"/>
+          <p:nvPr/>
         </p:nvSpPr>
-        <p:spPr/>
+        <p:spPr>
+          <a:xfrm>
+            <a:off x="936948" y="5240214"/>
+            <a:ext cx="7326923" cy="1200329"/>
+          </a:xfrm>
+          <a:prstGeom prst="rect">
+            <a:avLst/>
+          </a:prstGeom>
+          <a:noFill/>
+        </p:spPr>
         <p:txBody>
-          <a:bodyPr vert="horz" lIns="68580" tIns="34290" rIns="68580" bIns="34290" rtlCol="0" anchor="t">
-            <a:normAutofit lnSpcReduction="10000"/>
+          <a:bodyPr wrap="square" rtlCol="0">
+            <a:spAutoFit/>
           </a:bodyPr>
           <a:lstStyle/>
           <a:p>
+            <a:pPr marL="285750" indent="-285750">
+              <a:buFont typeface="Arial" panose="020B0604020202020204" pitchFamily="34" charset="0"/>
+              <a:buChar char="•"/>
+            </a:pPr>
             <a:r>
               <a:rPr lang="en-US" dirty="0">
-                <a:latin typeface="Times New Roman"/>
+                <a:latin typeface="Times New Roman" panose="02020603050405020304" pitchFamily="18" charset="0"/>
+                <a:cs typeface="Times New Roman" panose="02020603050405020304" pitchFamily="18" charset="0"/>
               </a:rPr>
-              <a:t>Sentiment Analysis with VADER</a:t>
+              <a:t>Groups texts based on statistical similarities</a:t>
+            </a:r>
+          </a:p>
+          <a:p>
+            <a:pPr marL="285750" indent="-285750">
+              <a:buFont typeface="Arial" panose="020B0604020202020204" pitchFamily="34" charset="0"/>
+              <a:buChar char="•"/>
+            </a:pPr>
+            <a:r>
+              <a:rPr lang="en-US" dirty="0">
+                <a:latin typeface="Times New Roman" panose="02020603050405020304" pitchFamily="18" charset="0"/>
+                <a:cs typeface="Times New Roman" panose="02020603050405020304" pitchFamily="18" charset="0"/>
+              </a:rPr>
+              <a:t>Similarities can be based on:</a:t>
+            </a:r>
+          </a:p>
+          <a:p>
+            <a:pPr marL="742950" lvl="1" indent="-285750">
+              <a:buFont typeface="Arial" panose="020B0604020202020204" pitchFamily="34" charset="0"/>
+              <a:buChar char="•"/>
+            </a:pPr>
+            <a:r>
+              <a:rPr lang="en-US" dirty="0">
+                <a:latin typeface="Times New Roman" panose="02020603050405020304" pitchFamily="18" charset="0"/>
+                <a:cs typeface="Times New Roman" panose="02020603050405020304" pitchFamily="18" charset="0"/>
+              </a:rPr>
+              <a:t>user-calculated features</a:t>
+            </a:r>
+          </a:p>
+          <a:p>
+            <a:pPr marL="742950" lvl="1" indent="-285750">
+              <a:buFont typeface="Arial" panose="020B0604020202020204" pitchFamily="34" charset="0"/>
+              <a:buChar char="•"/>
+            </a:pPr>
+            <a:r>
+              <a:rPr lang="en-US" dirty="0">
+                <a:latin typeface="Times New Roman" panose="02020603050405020304" pitchFamily="18" charset="0"/>
+                <a:cs typeface="Times New Roman" panose="02020603050405020304" pitchFamily="18" charset="0"/>
+              </a:rPr>
+              <a:t>machine-derived features</a:t>
             </a:r>
           </a:p>
         </p:txBody>
@@ -4730,13 +3831,25 @@
     </p:spTree>
     <p:extLst>
       <p:ext uri="{BB962C8B-B14F-4D97-AF65-F5344CB8AC3E}">
-        <p14:creationId xmlns:p14="http://schemas.microsoft.com/office/powerpoint/2010/main" val="1781419879"/>
+        <p14:creationId xmlns:p14="http://schemas.microsoft.com/office/powerpoint/2010/main" val="3676138261"/>
       </p:ext>
     </p:extLst>
   </p:cSld>
   <p:clrMapOvr>
     <a:masterClrMapping/>
   </p:clrMapOvr>
+  <mc:AlternateContent xmlns:mc="http://schemas.openxmlformats.org/markup-compatibility/2006">
+    <mc:Choice xmlns:p14="http://schemas.microsoft.com/office/powerpoint/2010/main" Requires="p14">
+      <p:transition spd="med" p14:dur="700">
+        <p:fade/>
+      </p:transition>
+    </mc:Choice>
+    <mc:Fallback>
+      <p:transition spd="med">
+        <p:fade/>
+      </p:transition>
+    </mc:Fallback>
+  </mc:AlternateContent>
 </p:sld>
 </file>
 
@@ -4748,7 +3861,7 @@
         <p:cNvPr id="1" name="">
           <a:extLst>
             <a:ext uri="{FF2B5EF4-FFF2-40B4-BE49-F238E27FC236}">
-              <a16:creationId xmlns:a16="http://schemas.microsoft.com/office/drawing/2014/main" id="{FEE6DA8C-989E-1321-2027-74FF682A7855}"/>
+              <a16:creationId xmlns:a16="http://schemas.microsoft.com/office/drawing/2014/main" id="{B993C2F7-90E3-9CD9-F5CD-BEC70393EBB4}"/>
             </a:ext>
           </a:extLst>
         </p:cNvPr>
@@ -4765,10 +3878,10 @@
       </p:grpSpPr>
       <p:sp>
         <p:nvSpPr>
-          <p:cNvPr id="2" name="Title 1">
+          <p:cNvPr id="3" name="Title 2">
             <a:extLst>
               <a:ext uri="{FF2B5EF4-FFF2-40B4-BE49-F238E27FC236}">
-                <a16:creationId xmlns:a16="http://schemas.microsoft.com/office/drawing/2014/main" id="{7A28C225-7FEC-52A3-B987-473B077F1908}"/>
+                <a16:creationId xmlns:a16="http://schemas.microsoft.com/office/drawing/2014/main" id="{6ABB5002-86B8-1E1A-10A6-38C576625BDD}"/>
               </a:ext>
             </a:extLst>
           </p:cNvPr>
@@ -4786,24 +3899,248 @@
           <a:p>
             <a:pPr algn="ctr"/>
             <a:r>
-              <a:rPr lang="en-US" b="1" dirty="0">
+              <a:rPr lang="en-US" sz="2800" b="1" dirty="0">
                 <a:solidFill>
-                  <a:srgbClr val="000000"/>
+                  <a:schemeClr val="tx1"/>
                 </a:solidFill>
-                <a:latin typeface="Times New Roman"/>
-                <a:cs typeface="Calibri Light"/>
               </a:rPr>
-              <a:t>Exercise 2</a:t>
+              <a:t>Classification (Traditional Machine Learning)</a:t>
             </a:r>
           </a:p>
         </p:txBody>
       </p:sp>
+      <p:pic>
+        <p:nvPicPr>
+          <p:cNvPr id="6146" name="Picture 2" descr="Classification in Machine Learning: An Introduction">
+            <a:extLst>
+              <a:ext uri="{FF2B5EF4-FFF2-40B4-BE49-F238E27FC236}">
+                <a16:creationId xmlns:a16="http://schemas.microsoft.com/office/drawing/2014/main" id="{4B9B15C7-891C-295E-D1D1-9EADFB2E7AFD}"/>
+              </a:ext>
+            </a:extLst>
+          </p:cNvPr>
+          <p:cNvPicPr>
+            <a:picLocks noChangeAspect="1" noChangeArrowheads="1"/>
+          </p:cNvPicPr>
+          <p:nvPr/>
+        </p:nvPicPr>
+        <p:blipFill>
+          <a:blip r:embed="rId2">
+            <a:extLst>
+              <a:ext uri="{28A0092B-C50C-407E-A947-70E740481C1C}">
+                <a14:useLocalDpi xmlns:a14="http://schemas.microsoft.com/office/drawing/2010/main" val="0"/>
+              </a:ext>
+            </a:extLst>
+          </a:blip>
+          <a:srcRect/>
+          <a:stretch>
+            <a:fillRect/>
+          </a:stretch>
+        </p:blipFill>
+        <p:spPr bwMode="auto">
+          <a:xfrm>
+            <a:off x="467202" y="1640376"/>
+            <a:ext cx="5323855" cy="3775685"/>
+          </a:xfrm>
+          <a:prstGeom prst="rect">
+            <a:avLst/>
+          </a:prstGeom>
+          <a:noFill/>
+          <a:extLst>
+            <a:ext uri="{909E8E84-426E-40DD-AFC4-6F175D3DCCD1}">
+              <a14:hiddenFill xmlns:a14="http://schemas.microsoft.com/office/drawing/2010/main">
+                <a:solidFill>
+                  <a:srgbClr val="FFFFFF"/>
+                </a:solidFill>
+              </a14:hiddenFill>
+            </a:ext>
+          </a:extLst>
+        </p:spPr>
+      </p:pic>
       <p:sp>
         <p:nvSpPr>
-          <p:cNvPr id="3" name="Content Placeholder 2">
+          <p:cNvPr id="4" name="TextBox 3">
             <a:extLst>
               <a:ext uri="{FF2B5EF4-FFF2-40B4-BE49-F238E27FC236}">
-                <a16:creationId xmlns:a16="http://schemas.microsoft.com/office/drawing/2014/main" id="{0E673150-3883-F319-BB5A-DF12FA74F977}"/>
+                <a16:creationId xmlns:a16="http://schemas.microsoft.com/office/drawing/2014/main" id="{CE27987C-924A-4356-4600-4FCF107FD4D4}"/>
+              </a:ext>
+            </a:extLst>
+          </p:cNvPr>
+          <p:cNvSpPr txBox="1"/>
+          <p:nvPr/>
+        </p:nvSpPr>
+        <p:spPr>
+          <a:xfrm>
+            <a:off x="5908431" y="1640376"/>
+            <a:ext cx="2895599" cy="4801314"/>
+          </a:xfrm>
+          <a:prstGeom prst="rect">
+            <a:avLst/>
+          </a:prstGeom>
+          <a:noFill/>
+        </p:spPr>
+        <p:txBody>
+          <a:bodyPr wrap="square" rtlCol="0">
+            <a:spAutoFit/>
+          </a:bodyPr>
+          <a:lstStyle/>
+          <a:p>
+            <a:pPr marL="285750" indent="-285750">
+              <a:buFont typeface="Arial" panose="020B0604020202020204" pitchFamily="34" charset="0"/>
+              <a:buChar char="•"/>
+            </a:pPr>
+            <a:r>
+              <a:rPr lang="en-US" dirty="0">
+                <a:latin typeface="Times New Roman" panose="02020603050405020304" pitchFamily="18" charset="0"/>
+                <a:cs typeface="Times New Roman" panose="02020603050405020304" pitchFamily="18" charset="0"/>
+              </a:rPr>
+              <a:t>Predicting text category labels</a:t>
+            </a:r>
+          </a:p>
+          <a:p>
+            <a:pPr marL="285750" indent="-285750">
+              <a:buFont typeface="Arial" panose="020B0604020202020204" pitchFamily="34" charset="0"/>
+              <a:buChar char="•"/>
+            </a:pPr>
+            <a:endParaRPr lang="en-US" dirty="0">
+              <a:latin typeface="Times New Roman" panose="02020603050405020304" pitchFamily="18" charset="0"/>
+              <a:cs typeface="Times New Roman" panose="02020603050405020304" pitchFamily="18" charset="0"/>
+            </a:endParaRPr>
+          </a:p>
+          <a:p>
+            <a:pPr marL="285750" indent="-285750">
+              <a:buFont typeface="Arial" panose="020B0604020202020204" pitchFamily="34" charset="0"/>
+              <a:buChar char="•"/>
+            </a:pPr>
+            <a:r>
+              <a:rPr lang="en-US" dirty="0">
+                <a:latin typeface="Times New Roman" panose="02020603050405020304" pitchFamily="18" charset="0"/>
+                <a:cs typeface="Times New Roman" panose="02020603050405020304" pitchFamily="18" charset="0"/>
+              </a:rPr>
+              <a:t>Predictions are based on ‘training data’</a:t>
+            </a:r>
+          </a:p>
+          <a:p>
+            <a:pPr marL="285750" indent="-285750">
+              <a:buFont typeface="Arial" panose="020B0604020202020204" pitchFamily="34" charset="0"/>
+              <a:buChar char="•"/>
+            </a:pPr>
+            <a:endParaRPr lang="en-US" dirty="0">
+              <a:latin typeface="Times New Roman" panose="02020603050405020304" pitchFamily="18" charset="0"/>
+              <a:cs typeface="Times New Roman" panose="02020603050405020304" pitchFamily="18" charset="0"/>
+            </a:endParaRPr>
+          </a:p>
+          <a:p>
+            <a:pPr marL="285750" indent="-285750">
+              <a:buFont typeface="Arial" panose="020B0604020202020204" pitchFamily="34" charset="0"/>
+              <a:buChar char="•"/>
+            </a:pPr>
+            <a:r>
+              <a:rPr lang="en-US" dirty="0">
+                <a:latin typeface="Times New Roman" panose="02020603050405020304" pitchFamily="18" charset="0"/>
+                <a:cs typeface="Times New Roman" panose="02020603050405020304" pitchFamily="18" charset="0"/>
+              </a:rPr>
+              <a:t>Training data consists of statistics about texts, and the human-assigned text labels</a:t>
+            </a:r>
+          </a:p>
+          <a:p>
+            <a:pPr marL="285750" indent="-285750">
+              <a:buFont typeface="Arial" panose="020B0604020202020204" pitchFamily="34" charset="0"/>
+              <a:buChar char="•"/>
+            </a:pPr>
+            <a:endParaRPr lang="en-US" dirty="0">
+              <a:latin typeface="Times New Roman" panose="02020603050405020304" pitchFamily="18" charset="0"/>
+              <a:cs typeface="Times New Roman" panose="02020603050405020304" pitchFamily="18" charset="0"/>
+            </a:endParaRPr>
+          </a:p>
+          <a:p>
+            <a:pPr marL="285750" indent="-285750">
+              <a:buFont typeface="Arial" panose="020B0604020202020204" pitchFamily="34" charset="0"/>
+              <a:buChar char="•"/>
+            </a:pPr>
+            <a:r>
+              <a:rPr lang="en-US" dirty="0">
+                <a:latin typeface="Times New Roman" panose="02020603050405020304" pitchFamily="18" charset="0"/>
+                <a:cs typeface="Times New Roman" panose="02020603050405020304" pitchFamily="18" charset="0"/>
+              </a:rPr>
+              <a:t>Algorithm determines the features of training texts that best correlate with training labels</a:t>
+            </a:r>
+          </a:p>
+          <a:p>
+            <a:pPr marL="285750" indent="-285750">
+              <a:buFont typeface="Arial" panose="020B0604020202020204" pitchFamily="34" charset="0"/>
+              <a:buChar char="•"/>
+            </a:pPr>
+            <a:endParaRPr lang="en-US" dirty="0">
+              <a:latin typeface="Times New Roman" panose="02020603050405020304" pitchFamily="18" charset="0"/>
+              <a:cs typeface="Times New Roman" panose="02020603050405020304" pitchFamily="18" charset="0"/>
+            </a:endParaRPr>
+          </a:p>
+          <a:p>
+            <a:pPr marL="285750" indent="-285750">
+              <a:buFont typeface="Arial" panose="020B0604020202020204" pitchFamily="34" charset="0"/>
+              <a:buChar char="•"/>
+            </a:pPr>
+            <a:endParaRPr lang="en-US" dirty="0">
+              <a:latin typeface="Times New Roman" panose="02020603050405020304" pitchFamily="18" charset="0"/>
+              <a:cs typeface="Times New Roman" panose="02020603050405020304" pitchFamily="18" charset="0"/>
+            </a:endParaRPr>
+          </a:p>
+        </p:txBody>
+      </p:sp>
+    </p:spTree>
+    <p:extLst>
+      <p:ext uri="{BB962C8B-B14F-4D97-AF65-F5344CB8AC3E}">
+        <p14:creationId xmlns:p14="http://schemas.microsoft.com/office/powerpoint/2010/main" val="2954594762"/>
+      </p:ext>
+    </p:extLst>
+  </p:cSld>
+  <p:clrMapOvr>
+    <a:masterClrMapping/>
+  </p:clrMapOvr>
+  <mc:AlternateContent xmlns:mc="http://schemas.openxmlformats.org/markup-compatibility/2006">
+    <mc:Choice xmlns:p14="http://schemas.microsoft.com/office/powerpoint/2010/main" Requires="p14">
+      <p:transition spd="med" p14:dur="700">
+        <p:fade/>
+      </p:transition>
+    </mc:Choice>
+    <mc:Fallback>
+      <p:transition spd="med">
+        <p:fade/>
+      </p:transition>
+    </mc:Fallback>
+  </mc:AlternateContent>
+</p:sld>
+</file>
+
+<file path=ppt/slides/slide13.xml><?xml version="1.0" encoding="utf-8"?>
+<p:sld xmlns:a="http://schemas.openxmlformats.org/drawingml/2006/main" xmlns:r="http://schemas.openxmlformats.org/officeDocument/2006/relationships" xmlns:p="http://schemas.openxmlformats.org/presentationml/2006/main">
+  <p:cSld>
+    <p:spTree>
+      <p:nvGrpSpPr>
+        <p:cNvPr id="1" name="">
+          <a:extLst>
+            <a:ext uri="{FF2B5EF4-FFF2-40B4-BE49-F238E27FC236}">
+              <a16:creationId xmlns:a16="http://schemas.microsoft.com/office/drawing/2014/main" id="{1343C8A5-4EF3-C54F-9EA9-072537E676AD}"/>
+            </a:ext>
+          </a:extLst>
+        </p:cNvPr>
+        <p:cNvGrpSpPr/>
+        <p:nvPr/>
+      </p:nvGrpSpPr>
+      <p:grpSpPr>
+        <a:xfrm>
+          <a:off x="0" y="0"/>
+          <a:ext cx="0" cy="0"/>
+          <a:chOff x="0" y="0"/>
+          <a:chExt cx="0" cy="0"/>
+        </a:xfrm>
+      </p:grpSpPr>
+      <p:sp>
+        <p:nvSpPr>
+          <p:cNvPr id="3" name="Title 2">
+            <a:extLst>
+              <a:ext uri="{FF2B5EF4-FFF2-40B4-BE49-F238E27FC236}">
+                <a16:creationId xmlns:a16="http://schemas.microsoft.com/office/drawing/2014/main" id="{6A1C8D81-BF7B-E8BA-F6E7-C0E1BAD9F62A}"/>
               </a:ext>
             </a:extLst>
           </p:cNvPr>
@@ -4811,186 +4148,233 @@
             <a:spLocks noGrp="1"/>
           </p:cNvSpPr>
           <p:nvPr>
-            <p:ph idx="1"/>
+            <p:ph type="title"/>
           </p:nvPr>
         </p:nvSpPr>
         <p:spPr/>
         <p:txBody>
-          <a:bodyPr vert="horz" lIns="68580" tIns="34290" rIns="68580" bIns="34290" rtlCol="0" anchor="t">
-            <a:normAutofit/>
+          <a:bodyPr/>
+          <a:lstStyle/>
+          <a:p>
+            <a:pPr algn="ctr"/>
+            <a:r>
+              <a:rPr lang="en-US" sz="3200" b="1" dirty="0">
+                <a:solidFill>
+                  <a:schemeClr val="tx1"/>
+                </a:solidFill>
+              </a:rPr>
+              <a:t>Classification (Large Language Models)</a:t>
+            </a:r>
+          </a:p>
+        </p:txBody>
+      </p:sp>
+      <p:pic>
+        <p:nvPicPr>
+          <p:cNvPr id="7170" name="Picture 2" descr="Meta-Classification in NLP with LLM Adjudicators | by Rjnclarke | Medium">
+            <a:extLst>
+              <a:ext uri="{FF2B5EF4-FFF2-40B4-BE49-F238E27FC236}">
+                <a16:creationId xmlns:a16="http://schemas.microsoft.com/office/drawing/2014/main" id="{02BDBE04-7BEF-CE4A-4517-1A9BD3AA8D81}"/>
+              </a:ext>
+            </a:extLst>
+          </p:cNvPr>
+          <p:cNvPicPr>
+            <a:picLocks noChangeAspect="1" noChangeArrowheads="1"/>
+          </p:cNvPicPr>
+          <p:nvPr/>
+        </p:nvPicPr>
+        <p:blipFill>
+          <a:blip r:embed="rId2">
+            <a:extLst>
+              <a:ext uri="{28A0092B-C50C-407E-A947-70E740481C1C}">
+                <a14:useLocalDpi xmlns:a14="http://schemas.microsoft.com/office/drawing/2010/main" val="0"/>
+              </a:ext>
+            </a:extLst>
+          </a:blip>
+          <a:srcRect/>
+          <a:stretch>
+            <a:fillRect/>
+          </a:stretch>
+        </p:blipFill>
+        <p:spPr bwMode="auto">
+          <a:xfrm>
+            <a:off x="1439333" y="1417639"/>
+            <a:ext cx="5430390" cy="2541724"/>
+          </a:xfrm>
+          <a:prstGeom prst="rect">
+            <a:avLst/>
+          </a:prstGeom>
+          <a:noFill/>
+          <a:extLst>
+            <a:ext uri="{909E8E84-426E-40DD-AFC4-6F175D3DCCD1}">
+              <a14:hiddenFill xmlns:a14="http://schemas.microsoft.com/office/drawing/2010/main">
+                <a:solidFill>
+                  <a:srgbClr val="FFFFFF"/>
+                </a:solidFill>
+              </a14:hiddenFill>
+            </a:ext>
+          </a:extLst>
+        </p:spPr>
+      </p:pic>
+      <p:sp>
+        <p:nvSpPr>
+          <p:cNvPr id="4" name="TextBox 3">
+            <a:extLst>
+              <a:ext uri="{FF2B5EF4-FFF2-40B4-BE49-F238E27FC236}">
+                <a16:creationId xmlns:a16="http://schemas.microsoft.com/office/drawing/2014/main" id="{2127E86B-CB6E-3D20-6A1E-7B9DB8A14048}"/>
+              </a:ext>
+            </a:extLst>
+          </p:cNvPr>
+          <p:cNvSpPr txBox="1"/>
+          <p:nvPr/>
+        </p:nvSpPr>
+        <p:spPr>
+          <a:xfrm>
+            <a:off x="467202" y="4112232"/>
+            <a:ext cx="7908936" cy="2308324"/>
+          </a:xfrm>
+          <a:prstGeom prst="rect">
+            <a:avLst/>
+          </a:prstGeom>
+          <a:noFill/>
+        </p:spPr>
+        <p:txBody>
+          <a:bodyPr wrap="square" rtlCol="0">
+            <a:spAutoFit/>
           </a:bodyPr>
           <a:lstStyle/>
           <a:p>
-            <a:pPr marL="0" indent="0" algn="l">
-              <a:buNone/>
+            <a:pPr marL="285750" indent="-285750">
+              <a:buFont typeface="Arial" panose="020B0604020202020204" pitchFamily="34" charset="0"/>
+              <a:buChar char="•"/>
             </a:pPr>
             <a:r>
-              <a:rPr lang="en-US" b="0" i="0" dirty="0">
-                <a:solidFill>
-                  <a:srgbClr val="1F1F1F"/>
-                </a:solidFill>
-                <a:effectLst/>
+              <a:rPr lang="en-US" sz="1600" dirty="0">
                 <a:latin typeface="Times New Roman" panose="02020603050405020304" pitchFamily="18" charset="0"/>
                 <a:cs typeface="Times New Roman" panose="02020603050405020304" pitchFamily="18" charset="0"/>
               </a:rPr>
-              <a:t>Calculate the overall sentiment score of all the </a:t>
-            </a:r>
-            <a:r>
-              <a:rPr lang="en-US" dirty="0">
-                <a:solidFill>
-                  <a:srgbClr val="1F1F1F"/>
-                </a:solidFill>
+              <a:t>Predicting text category labels</a:t>
+            </a:r>
+          </a:p>
+          <a:p>
+            <a:pPr marL="285750" indent="-285750">
+              <a:buFont typeface="Arial" panose="020B0604020202020204" pitchFamily="34" charset="0"/>
+              <a:buChar char="•"/>
+            </a:pPr>
+            <a:endParaRPr lang="en-US" sz="1600" dirty="0">
+              <a:latin typeface="Times New Roman" panose="02020603050405020304" pitchFamily="18" charset="0"/>
+              <a:cs typeface="Times New Roman" panose="02020603050405020304" pitchFamily="18" charset="0"/>
+            </a:endParaRPr>
+          </a:p>
+          <a:p>
+            <a:pPr marL="285750" indent="-285750">
+              <a:buFont typeface="Arial" panose="020B0604020202020204" pitchFamily="34" charset="0"/>
+              <a:buChar char="•"/>
+            </a:pPr>
+            <a:r>
+              <a:rPr lang="en-US" sz="1600" dirty="0">
                 <a:latin typeface="Times New Roman" panose="02020603050405020304" pitchFamily="18" charset="0"/>
                 <a:cs typeface="Times New Roman" panose="02020603050405020304" pitchFamily="18" charset="0"/>
               </a:rPr>
-              <a:t>G</a:t>
-            </a:r>
-            <a:r>
-              <a:rPr lang="en-US" b="0" i="0" dirty="0">
-                <a:solidFill>
-                  <a:srgbClr val="1F1F1F"/>
-                </a:solidFill>
-                <a:effectLst/>
+              <a:t>Predictions are based on ‘training data’</a:t>
+            </a:r>
+          </a:p>
+          <a:p>
+            <a:pPr marL="285750" indent="-285750">
+              <a:buFont typeface="Arial" panose="020B0604020202020204" pitchFamily="34" charset="0"/>
+              <a:buChar char="•"/>
+            </a:pPr>
+            <a:endParaRPr lang="en-US" sz="1600" dirty="0">
+              <a:latin typeface="Times New Roman" panose="02020603050405020304" pitchFamily="18" charset="0"/>
+              <a:cs typeface="Times New Roman" panose="02020603050405020304" pitchFamily="18" charset="0"/>
+            </a:endParaRPr>
+          </a:p>
+          <a:p>
+            <a:pPr marL="285750" indent="-285750">
+              <a:buFont typeface="Arial" panose="020B0604020202020204" pitchFamily="34" charset="0"/>
+              <a:buChar char="•"/>
+            </a:pPr>
+            <a:r>
+              <a:rPr lang="en-US" sz="1600" dirty="0">
                 <a:latin typeface="Times New Roman" panose="02020603050405020304" pitchFamily="18" charset="0"/>
                 <a:cs typeface="Times New Roman" panose="02020603050405020304" pitchFamily="18" charset="0"/>
               </a:rPr>
-              <a:t>rimm's fairytales in our folder, and save them to a csv file (one column for text titles, one for sentiment scores) in order of most positive to most negative.</a:t>
-            </a:r>
-          </a:p>
-          <a:p>
-            <a:pPr marL="0" indent="0" algn="l">
-              <a:buNone/>
+              <a:t>Training data consists of texts themselves, and the human-assigned text labels</a:t>
+            </a:r>
+          </a:p>
+          <a:p>
+            <a:pPr marL="285750" indent="-285750">
+              <a:buFont typeface="Arial" panose="020B0604020202020204" pitchFamily="34" charset="0"/>
+              <a:buChar char="•"/>
             </a:pPr>
-            <a:endParaRPr lang="en-US" dirty="0">
-              <a:solidFill>
-                <a:srgbClr val="1F1F1F"/>
-              </a:solidFill>
+            <a:endParaRPr lang="en-US" sz="1600" dirty="0">
               <a:latin typeface="Times New Roman" panose="02020603050405020304" pitchFamily="18" charset="0"/>
               <a:cs typeface="Times New Roman" panose="02020603050405020304" pitchFamily="18" charset="0"/>
             </a:endParaRPr>
           </a:p>
           <a:p>
-            <a:pPr marL="0" indent="0" algn="l">
-              <a:buNone/>
+            <a:pPr marL="285750" indent="-285750">
+              <a:buFont typeface="Arial" panose="020B0604020202020204" pitchFamily="34" charset="0"/>
+              <a:buChar char="•"/>
             </a:pPr>
             <a:r>
-              <a:rPr lang="en-US" b="0" i="0" dirty="0">
-                <a:solidFill>
-                  <a:srgbClr val="1F1F1F"/>
-                </a:solidFill>
-                <a:effectLst/>
+              <a:rPr lang="en-US" sz="1600" dirty="0">
                 <a:latin typeface="Times New Roman" panose="02020603050405020304" pitchFamily="18" charset="0"/>
                 <a:cs typeface="Times New Roman" panose="02020603050405020304" pitchFamily="18" charset="0"/>
               </a:rPr>
-              <a:t>Notes:</a:t>
-            </a:r>
-          </a:p>
-          <a:p>
-            <a:pPr algn="l">
-              <a:buFont typeface="+mj-lt"/>
-              <a:buAutoNum type="arabicPeriod"/>
+              <a:t>LLM extracts feature data from texts</a:t>
+            </a:r>
+          </a:p>
+          <a:p>
+            <a:pPr marL="285750" indent="-285750">
+              <a:buFont typeface="Arial" panose="020B0604020202020204" pitchFamily="34" charset="0"/>
+              <a:buChar char="•"/>
             </a:pPr>
-            <a:r>
-              <a:rPr lang="en-US" b="0" i="0" dirty="0">
-                <a:solidFill>
-                  <a:srgbClr val="1F1F1F"/>
-                </a:solidFill>
-                <a:effectLst/>
+            <a:endParaRPr lang="en-US" sz="1600" dirty="0">
+              <a:latin typeface="Times New Roman" panose="02020603050405020304" pitchFamily="18" charset="0"/>
+              <a:cs typeface="Times New Roman" panose="02020603050405020304" pitchFamily="18" charset="0"/>
+            </a:endParaRPr>
+          </a:p>
+          <a:p>
+            <a:pPr marL="285750" indent="-285750">
+              <a:buFont typeface="Arial" panose="020B0604020202020204" pitchFamily="34" charset="0"/>
+              <a:buChar char="•"/>
+            </a:pPr>
+            <a:r>
+              <a:rPr lang="en-US" sz="1600" dirty="0">
                 <a:latin typeface="Times New Roman" panose="02020603050405020304" pitchFamily="18" charset="0"/>
                 <a:cs typeface="Times New Roman" panose="02020603050405020304" pitchFamily="18" charset="0"/>
               </a:rPr>
-              <a:t>You will have to use </a:t>
-            </a:r>
-            <a:r>
-              <a:rPr lang="en-US" b="0" i="0" dirty="0" err="1">
-                <a:solidFill>
-                  <a:srgbClr val="1F1F1F"/>
-                </a:solidFill>
-                <a:effectLst/>
-                <a:latin typeface="Times New Roman" panose="02020603050405020304" pitchFamily="18" charset="0"/>
-                <a:cs typeface="Times New Roman" panose="02020603050405020304" pitchFamily="18" charset="0"/>
-              </a:rPr>
-              <a:t>os</a:t>
-            </a:r>
-            <a:r>
-              <a:rPr lang="en-US" b="0" i="0" dirty="0">
-                <a:solidFill>
-                  <a:srgbClr val="1F1F1F"/>
-                </a:solidFill>
-                <a:effectLst/>
-                <a:latin typeface="Times New Roman" panose="02020603050405020304" pitchFamily="18" charset="0"/>
-                <a:cs typeface="Times New Roman" panose="02020603050405020304" pitchFamily="18" charset="0"/>
-              </a:rPr>
-              <a:t> to loop through the directory. Ask google or </a:t>
-            </a:r>
-            <a:r>
-              <a:rPr lang="en-US" b="0" i="0" dirty="0" err="1">
-                <a:solidFill>
-                  <a:srgbClr val="1F1F1F"/>
-                </a:solidFill>
-                <a:effectLst/>
-                <a:latin typeface="Times New Roman" panose="02020603050405020304" pitchFamily="18" charset="0"/>
-                <a:cs typeface="Times New Roman" panose="02020603050405020304" pitchFamily="18" charset="0"/>
-              </a:rPr>
-              <a:t>gemini</a:t>
-            </a:r>
-            <a:r>
-              <a:rPr lang="en-US" b="0" i="0" dirty="0">
-                <a:solidFill>
-                  <a:srgbClr val="1F1F1F"/>
-                </a:solidFill>
-                <a:effectLst/>
-                <a:latin typeface="Times New Roman" panose="02020603050405020304" pitchFamily="18" charset="0"/>
-                <a:cs typeface="Times New Roman" panose="02020603050405020304" pitchFamily="18" charset="0"/>
-              </a:rPr>
-              <a:t>!</a:t>
-            </a:r>
-          </a:p>
-          <a:p>
-            <a:pPr algn="l">
-              <a:buFont typeface="+mj-lt"/>
-              <a:buAutoNum type="arabicPeriod"/>
-            </a:pPr>
-            <a:r>
-              <a:rPr lang="en-US" b="0" i="0" dirty="0">
-                <a:solidFill>
-                  <a:srgbClr val="1F1F1F"/>
-                </a:solidFill>
-                <a:effectLst/>
-                <a:latin typeface="Times New Roman" panose="02020603050405020304" pitchFamily="18" charset="0"/>
-                <a:cs typeface="Times New Roman" panose="02020603050405020304" pitchFamily="18" charset="0"/>
-              </a:rPr>
-              <a:t>You will have to use pandas to create your csv file</a:t>
-            </a:r>
-          </a:p>
-          <a:p>
-            <a:pPr marL="0" indent="0">
-              <a:buNone/>
-            </a:pPr>
-            <a:endParaRPr lang="en-US" sz="2400" dirty="0">
-              <a:solidFill>
-                <a:srgbClr val="000000"/>
-              </a:solidFill>
-              <a:latin typeface="Arial"/>
-              <a:cs typeface="Times New Roman"/>
-            </a:endParaRPr>
+              <a:t>Algorithm determines the features of training texts that best correlate with training labels</a:t>
+            </a:r>
           </a:p>
         </p:txBody>
       </p:sp>
     </p:spTree>
     <p:extLst>
       <p:ext uri="{BB962C8B-B14F-4D97-AF65-F5344CB8AC3E}">
-        <p14:creationId xmlns:p14="http://schemas.microsoft.com/office/powerpoint/2010/main" val="1233050541"/>
+        <p14:creationId xmlns:p14="http://schemas.microsoft.com/office/powerpoint/2010/main" val="701721325"/>
       </p:ext>
     </p:extLst>
   </p:cSld>
   <p:clrMapOvr>
     <a:masterClrMapping/>
   </p:clrMapOvr>
+  <mc:AlternateContent xmlns:mc="http://schemas.openxmlformats.org/markup-compatibility/2006">
+    <mc:Choice xmlns:p14="http://schemas.microsoft.com/office/powerpoint/2010/main" Requires="p14">
+      <p:transition spd="med" p14:dur="700">
+        <p:fade/>
+      </p:transition>
+    </mc:Choice>
+    <mc:Fallback>
+      <p:transition spd="med">
+        <p:fade/>
+      </p:transition>
+    </mc:Fallback>
+  </mc:AlternateContent>
 </p:sld>
 </file>
 
-<file path=ppt/slides/slide13.xml><?xml version="1.0" encoding="utf-8"?>
+<file path=ppt/slides/slide14.xml><?xml version="1.0" encoding="utf-8"?>
 <p:sld xmlns:a="http://schemas.openxmlformats.org/drawingml/2006/main" xmlns:r="http://schemas.openxmlformats.org/officeDocument/2006/relationships" xmlns:p="http://schemas.openxmlformats.org/presentationml/2006/main">
   <p:cSld>
     <p:spTree>
@@ -5009,523 +4393,10 @@
       </p:grpSpPr>
       <p:sp>
         <p:nvSpPr>
-          <p:cNvPr id="2" name="Content Placeholder 1">
+          <p:cNvPr id="2" name="Title 1">
             <a:extLst>
               <a:ext uri="{FF2B5EF4-FFF2-40B4-BE49-F238E27FC236}">
-                <a16:creationId xmlns:a16="http://schemas.microsoft.com/office/drawing/2014/main" id="{C3ADF13C-081E-5DEF-312E-2F5493F33D69}"/>
-              </a:ext>
-            </a:extLst>
-          </p:cNvPr>
-          <p:cNvSpPr>
-            <a:spLocks noGrp="1"/>
-          </p:cNvSpPr>
-          <p:nvPr>
-            <p:ph idx="1"/>
-          </p:nvPr>
-        </p:nvSpPr>
-        <p:spPr/>
-        <p:txBody>
-          <a:bodyPr>
-            <a:normAutofit/>
-          </a:bodyPr>
-          <a:lstStyle/>
-          <a:p>
-            <a:pPr marL="0" indent="0">
-              <a:buNone/>
-            </a:pPr>
-            <a:r>
-              <a:rPr lang="en-US" sz="1700" dirty="0">
-                <a:solidFill>
-                  <a:schemeClr val="tx1"/>
-                </a:solidFill>
-                <a:latin typeface="Consolas" panose="020B0609020204030204" pitchFamily="49" charset="0"/>
-                <a:cs typeface="Consolas" panose="020B0609020204030204" pitchFamily="49" charset="0"/>
-              </a:rPr>
-              <a:t>results = []</a:t>
-            </a:r>
-          </a:p>
-          <a:p>
-            <a:pPr marL="0" indent="0">
-              <a:buNone/>
-            </a:pPr>
-            <a:br>
-              <a:rPr lang="en-US" sz="1700" dirty="0">
-                <a:solidFill>
-                  <a:schemeClr val="tx1"/>
-                </a:solidFill>
-                <a:latin typeface="Consolas" panose="020B0609020204030204" pitchFamily="49" charset="0"/>
-                <a:cs typeface="Consolas" panose="020B0609020204030204" pitchFamily="49" charset="0"/>
-              </a:rPr>
-            </a:br>
-            <a:r>
-              <a:rPr lang="en-US" sz="1700" dirty="0">
-                <a:solidFill>
-                  <a:schemeClr val="tx1"/>
-                </a:solidFill>
-                <a:latin typeface="Consolas" panose="020B0609020204030204" pitchFamily="49" charset="0"/>
-                <a:cs typeface="Consolas" panose="020B0609020204030204" pitchFamily="49" charset="0"/>
-              </a:rPr>
-              <a:t>for file in </a:t>
-            </a:r>
-            <a:r>
-              <a:rPr lang="en-US" sz="1700" dirty="0" err="1">
-                <a:solidFill>
-                  <a:schemeClr val="tx1"/>
-                </a:solidFill>
-                <a:latin typeface="Consolas" panose="020B0609020204030204" pitchFamily="49" charset="0"/>
-                <a:cs typeface="Consolas" panose="020B0609020204030204" pitchFamily="49" charset="0"/>
-              </a:rPr>
-              <a:t>os.listdir</a:t>
-            </a:r>
-            <a:r>
-              <a:rPr lang="en-US" sz="1700" dirty="0">
-                <a:solidFill>
-                  <a:schemeClr val="tx1"/>
-                </a:solidFill>
-                <a:latin typeface="Consolas" panose="020B0609020204030204" pitchFamily="49" charset="0"/>
-                <a:cs typeface="Consolas" panose="020B0609020204030204" pitchFamily="49" charset="0"/>
-              </a:rPr>
-              <a:t>(</a:t>
-            </a:r>
-            <a:r>
-              <a:rPr lang="en-US" sz="1700" dirty="0" err="1">
-                <a:solidFill>
-                  <a:schemeClr val="tx1"/>
-                </a:solidFill>
-                <a:latin typeface="Consolas" panose="020B0609020204030204" pitchFamily="49" charset="0"/>
-                <a:cs typeface="Consolas" panose="020B0609020204030204" pitchFamily="49" charset="0"/>
-              </a:rPr>
-              <a:t>grimms_folder</a:t>
-            </a:r>
-            <a:r>
-              <a:rPr lang="en-US" sz="1700" dirty="0">
-                <a:solidFill>
-                  <a:schemeClr val="tx1"/>
-                </a:solidFill>
-                <a:latin typeface="Consolas" panose="020B0609020204030204" pitchFamily="49" charset="0"/>
-                <a:cs typeface="Consolas" panose="020B0609020204030204" pitchFamily="49" charset="0"/>
-              </a:rPr>
-              <a:t>):</a:t>
-            </a:r>
-          </a:p>
-          <a:p>
-            <a:pPr marL="0" indent="0">
-              <a:buNone/>
-            </a:pPr>
-            <a:r>
-              <a:rPr lang="en-US" sz="1700" dirty="0">
-                <a:solidFill>
-                  <a:schemeClr val="tx1"/>
-                </a:solidFill>
-                <a:latin typeface="Consolas" panose="020B0609020204030204" pitchFamily="49" charset="0"/>
-                <a:cs typeface="Consolas" panose="020B0609020204030204" pitchFamily="49" charset="0"/>
-              </a:rPr>
-              <a:t>	if </a:t>
-            </a:r>
-            <a:r>
-              <a:rPr lang="en-US" sz="1700" dirty="0" err="1">
-                <a:solidFill>
-                  <a:schemeClr val="tx1"/>
-                </a:solidFill>
-                <a:latin typeface="Consolas" panose="020B0609020204030204" pitchFamily="49" charset="0"/>
-                <a:cs typeface="Consolas" panose="020B0609020204030204" pitchFamily="49" charset="0"/>
-              </a:rPr>
-              <a:t>file.endswith</a:t>
-            </a:r>
-            <a:r>
-              <a:rPr lang="en-US" sz="1700" dirty="0">
-                <a:solidFill>
-                  <a:schemeClr val="tx1"/>
-                </a:solidFill>
-                <a:latin typeface="Consolas" panose="020B0609020204030204" pitchFamily="49" charset="0"/>
-                <a:cs typeface="Consolas" panose="020B0609020204030204" pitchFamily="49" charset="0"/>
-              </a:rPr>
-              <a:t>(".txt"):</a:t>
-            </a:r>
-          </a:p>
-          <a:p>
-            <a:pPr marL="0" indent="0">
-              <a:buNone/>
-            </a:pPr>
-            <a:r>
-              <a:rPr lang="en-US" sz="1700" dirty="0">
-                <a:solidFill>
-                  <a:schemeClr val="tx1"/>
-                </a:solidFill>
-                <a:latin typeface="Consolas" panose="020B0609020204030204" pitchFamily="49" charset="0"/>
-                <a:cs typeface="Consolas" panose="020B0609020204030204" pitchFamily="49" charset="0"/>
-              </a:rPr>
-              <a:t>		</a:t>
-            </a:r>
-            <a:r>
-              <a:rPr lang="en-US" sz="1700" dirty="0" err="1">
-                <a:solidFill>
-                  <a:schemeClr val="tx1"/>
-                </a:solidFill>
-                <a:latin typeface="Consolas" panose="020B0609020204030204" pitchFamily="49" charset="0"/>
-                <a:cs typeface="Consolas" panose="020B0609020204030204" pitchFamily="49" charset="0"/>
-              </a:rPr>
-              <a:t>file_path</a:t>
-            </a:r>
-            <a:r>
-              <a:rPr lang="en-US" sz="1700" dirty="0">
-                <a:solidFill>
-                  <a:schemeClr val="tx1"/>
-                </a:solidFill>
-                <a:latin typeface="Consolas" panose="020B0609020204030204" pitchFamily="49" charset="0"/>
-                <a:cs typeface="Consolas" panose="020B0609020204030204" pitchFamily="49" charset="0"/>
-              </a:rPr>
-              <a:t> = </a:t>
-            </a:r>
-            <a:r>
-              <a:rPr lang="en-US" sz="1700" dirty="0" err="1">
-                <a:solidFill>
-                  <a:schemeClr val="tx1"/>
-                </a:solidFill>
-                <a:latin typeface="Consolas" panose="020B0609020204030204" pitchFamily="49" charset="0"/>
-                <a:cs typeface="Consolas" panose="020B0609020204030204" pitchFamily="49" charset="0"/>
-              </a:rPr>
-              <a:t>os.path.join</a:t>
-            </a:r>
-            <a:r>
-              <a:rPr lang="en-US" sz="1700" dirty="0">
-                <a:solidFill>
-                  <a:schemeClr val="tx1"/>
-                </a:solidFill>
-                <a:latin typeface="Consolas" panose="020B0609020204030204" pitchFamily="49" charset="0"/>
-                <a:cs typeface="Consolas" panose="020B0609020204030204" pitchFamily="49" charset="0"/>
-              </a:rPr>
-              <a:t>(</a:t>
-            </a:r>
-            <a:r>
-              <a:rPr lang="en-US" sz="1700" dirty="0" err="1">
-                <a:solidFill>
-                  <a:schemeClr val="tx1"/>
-                </a:solidFill>
-                <a:latin typeface="Consolas" panose="020B0609020204030204" pitchFamily="49" charset="0"/>
-                <a:cs typeface="Consolas" panose="020B0609020204030204" pitchFamily="49" charset="0"/>
-              </a:rPr>
-              <a:t>grimms_folder</a:t>
-            </a:r>
-            <a:r>
-              <a:rPr lang="en-US" sz="1700" dirty="0">
-                <a:solidFill>
-                  <a:schemeClr val="tx1"/>
-                </a:solidFill>
-                <a:latin typeface="Consolas" panose="020B0609020204030204" pitchFamily="49" charset="0"/>
-                <a:cs typeface="Consolas" panose="020B0609020204030204" pitchFamily="49" charset="0"/>
-              </a:rPr>
-              <a:t>, file)</a:t>
-            </a:r>
-          </a:p>
-          <a:p>
-            <a:pPr marL="0" indent="0">
-              <a:buNone/>
-            </a:pPr>
-            <a:r>
-              <a:rPr lang="en-US" sz="1700" dirty="0">
-                <a:solidFill>
-                  <a:schemeClr val="tx1"/>
-                </a:solidFill>
-                <a:latin typeface="Consolas" panose="020B0609020204030204" pitchFamily="49" charset="0"/>
-                <a:cs typeface="Consolas" panose="020B0609020204030204" pitchFamily="49" charset="0"/>
-              </a:rPr>
-              <a:t>		text = open(</a:t>
-            </a:r>
-            <a:r>
-              <a:rPr lang="en-US" sz="1700" dirty="0" err="1">
-                <a:solidFill>
-                  <a:schemeClr val="tx1"/>
-                </a:solidFill>
-                <a:latin typeface="Consolas" panose="020B0609020204030204" pitchFamily="49" charset="0"/>
-                <a:cs typeface="Consolas" panose="020B0609020204030204" pitchFamily="49" charset="0"/>
-              </a:rPr>
-              <a:t>file_path</a:t>
-            </a:r>
-            <a:r>
-              <a:rPr lang="en-US" sz="1700" dirty="0">
-                <a:solidFill>
-                  <a:schemeClr val="tx1"/>
-                </a:solidFill>
-                <a:latin typeface="Consolas" panose="020B0609020204030204" pitchFamily="49" charset="0"/>
-                <a:cs typeface="Consolas" panose="020B0609020204030204" pitchFamily="49" charset="0"/>
-              </a:rPr>
-              <a:t>, encoding="utf-8").read()</a:t>
-            </a:r>
-          </a:p>
-          <a:p>
-            <a:pPr marL="0" indent="0">
-              <a:buNone/>
-            </a:pPr>
-            <a:r>
-              <a:rPr lang="en-US" sz="1700" dirty="0">
-                <a:solidFill>
-                  <a:schemeClr val="tx1"/>
-                </a:solidFill>
-                <a:latin typeface="Consolas" panose="020B0609020204030204" pitchFamily="49" charset="0"/>
-                <a:cs typeface="Consolas" panose="020B0609020204030204" pitchFamily="49" charset="0"/>
-              </a:rPr>
-              <a:t>		</a:t>
-            </a:r>
-            <a:r>
-              <a:rPr lang="en-US" sz="1700" dirty="0" err="1">
-                <a:solidFill>
-                  <a:schemeClr val="tx1"/>
-                </a:solidFill>
-                <a:latin typeface="Consolas" panose="020B0609020204030204" pitchFamily="49" charset="0"/>
-                <a:cs typeface="Consolas" panose="020B0609020204030204" pitchFamily="49" charset="0"/>
-              </a:rPr>
-              <a:t>sentiment_scores</a:t>
-            </a:r>
-            <a:r>
-              <a:rPr lang="en-US" sz="1700" dirty="0">
-                <a:solidFill>
-                  <a:schemeClr val="tx1"/>
-                </a:solidFill>
-                <a:latin typeface="Consolas" panose="020B0609020204030204" pitchFamily="49" charset="0"/>
-                <a:cs typeface="Consolas" panose="020B0609020204030204" pitchFamily="49" charset="0"/>
-              </a:rPr>
-              <a:t> = </a:t>
-            </a:r>
-            <a:r>
-              <a:rPr lang="en-US" sz="1700" dirty="0" err="1">
-                <a:solidFill>
-                  <a:schemeClr val="tx1"/>
-                </a:solidFill>
-                <a:latin typeface="Consolas" panose="020B0609020204030204" pitchFamily="49" charset="0"/>
-                <a:cs typeface="Consolas" panose="020B0609020204030204" pitchFamily="49" charset="0"/>
-              </a:rPr>
-              <a:t>sentiment_analyzer.polarity_scores</a:t>
-            </a:r>
-            <a:r>
-              <a:rPr lang="en-US" sz="1700" dirty="0">
-                <a:solidFill>
-                  <a:schemeClr val="tx1"/>
-                </a:solidFill>
-                <a:latin typeface="Consolas" panose="020B0609020204030204" pitchFamily="49" charset="0"/>
-                <a:cs typeface="Consolas" panose="020B0609020204030204" pitchFamily="49" charset="0"/>
-              </a:rPr>
-              <a:t>(text)</a:t>
-            </a:r>
-          </a:p>
-          <a:p>
-            <a:pPr marL="0" indent="0">
-              <a:buNone/>
-            </a:pPr>
-            <a:r>
-              <a:rPr lang="en-US" sz="1700" dirty="0">
-                <a:solidFill>
-                  <a:schemeClr val="tx1"/>
-                </a:solidFill>
-                <a:latin typeface="Consolas" panose="020B0609020204030204" pitchFamily="49" charset="0"/>
-                <a:cs typeface="Consolas" panose="020B0609020204030204" pitchFamily="49" charset="0"/>
-              </a:rPr>
-              <a:t>		</a:t>
-            </a:r>
-            <a:r>
-              <a:rPr lang="en-US" sz="1700" dirty="0" err="1">
-                <a:solidFill>
-                  <a:schemeClr val="tx1"/>
-                </a:solidFill>
-                <a:latin typeface="Consolas" panose="020B0609020204030204" pitchFamily="49" charset="0"/>
-                <a:cs typeface="Consolas" panose="020B0609020204030204" pitchFamily="49" charset="0"/>
-              </a:rPr>
-              <a:t>compound_score</a:t>
-            </a:r>
-            <a:r>
-              <a:rPr lang="en-US" sz="1700" dirty="0">
-                <a:solidFill>
-                  <a:schemeClr val="tx1"/>
-                </a:solidFill>
-                <a:latin typeface="Consolas" panose="020B0609020204030204" pitchFamily="49" charset="0"/>
-                <a:cs typeface="Consolas" panose="020B0609020204030204" pitchFamily="49" charset="0"/>
-              </a:rPr>
-              <a:t> = </a:t>
-            </a:r>
-            <a:r>
-              <a:rPr lang="en-US" sz="1700" dirty="0" err="1">
-                <a:solidFill>
-                  <a:schemeClr val="tx1"/>
-                </a:solidFill>
-                <a:latin typeface="Consolas" panose="020B0609020204030204" pitchFamily="49" charset="0"/>
-                <a:cs typeface="Consolas" panose="020B0609020204030204" pitchFamily="49" charset="0"/>
-              </a:rPr>
-              <a:t>sentiment_scores</a:t>
-            </a:r>
-            <a:r>
-              <a:rPr lang="en-US" sz="1700" dirty="0">
-                <a:solidFill>
-                  <a:schemeClr val="tx1"/>
-                </a:solidFill>
-                <a:latin typeface="Consolas" panose="020B0609020204030204" pitchFamily="49" charset="0"/>
-                <a:cs typeface="Consolas" panose="020B0609020204030204" pitchFamily="49" charset="0"/>
-              </a:rPr>
-              <a:t>["compound"]</a:t>
-            </a:r>
-          </a:p>
-          <a:p>
-            <a:pPr marL="0" indent="0">
-              <a:buNone/>
-            </a:pPr>
-            <a:r>
-              <a:rPr lang="en-US" sz="1700" dirty="0">
-                <a:solidFill>
-                  <a:schemeClr val="tx1"/>
-                </a:solidFill>
-                <a:latin typeface="Consolas" panose="020B0609020204030204" pitchFamily="49" charset="0"/>
-                <a:cs typeface="Consolas" panose="020B0609020204030204" pitchFamily="49" charset="0"/>
-              </a:rPr>
-              <a:t>		</a:t>
-            </a:r>
-            <a:r>
-              <a:rPr lang="en-US" sz="1700" dirty="0" err="1">
-                <a:solidFill>
-                  <a:schemeClr val="tx1"/>
-                </a:solidFill>
-                <a:latin typeface="Consolas" panose="020B0609020204030204" pitchFamily="49" charset="0"/>
-                <a:cs typeface="Consolas" panose="020B0609020204030204" pitchFamily="49" charset="0"/>
-              </a:rPr>
-              <a:t>results.append</a:t>
-            </a:r>
-            <a:r>
-              <a:rPr lang="en-US" sz="1700" dirty="0">
-                <a:solidFill>
-                  <a:schemeClr val="tx1"/>
-                </a:solidFill>
-                <a:latin typeface="Consolas" panose="020B0609020204030204" pitchFamily="49" charset="0"/>
-                <a:cs typeface="Consolas" panose="020B0609020204030204" pitchFamily="49" charset="0"/>
-              </a:rPr>
-              <a:t>({"file": file, "sentiment": </a:t>
-            </a:r>
-            <a:r>
-              <a:rPr lang="en-US" sz="1700" dirty="0" err="1">
-                <a:solidFill>
-                  <a:schemeClr val="tx1"/>
-                </a:solidFill>
-                <a:latin typeface="Consolas" panose="020B0609020204030204" pitchFamily="49" charset="0"/>
-                <a:cs typeface="Consolas" panose="020B0609020204030204" pitchFamily="49" charset="0"/>
-              </a:rPr>
-              <a:t>compound_score</a:t>
-            </a:r>
-            <a:r>
-              <a:rPr lang="en-US" sz="1700" dirty="0">
-                <a:solidFill>
-                  <a:schemeClr val="tx1"/>
-                </a:solidFill>
-                <a:latin typeface="Consolas" panose="020B0609020204030204" pitchFamily="49" charset="0"/>
-                <a:cs typeface="Consolas" panose="020B0609020204030204" pitchFamily="49" charset="0"/>
-              </a:rPr>
-              <a:t>})</a:t>
-            </a:r>
-          </a:p>
-          <a:p>
-            <a:pPr marL="0" indent="0">
-              <a:buNone/>
-            </a:pPr>
-            <a:br>
-              <a:rPr lang="en-US" sz="1700" dirty="0">
-                <a:solidFill>
-                  <a:schemeClr val="tx1"/>
-                </a:solidFill>
-                <a:latin typeface="Consolas" panose="020B0609020204030204" pitchFamily="49" charset="0"/>
-                <a:cs typeface="Consolas" panose="020B0609020204030204" pitchFamily="49" charset="0"/>
-              </a:rPr>
-            </a:br>
-            <a:r>
-              <a:rPr lang="en-US" sz="1700" dirty="0" err="1">
-                <a:solidFill>
-                  <a:schemeClr val="tx1"/>
-                </a:solidFill>
-                <a:latin typeface="Consolas" panose="020B0609020204030204" pitchFamily="49" charset="0"/>
-                <a:cs typeface="Consolas" panose="020B0609020204030204" pitchFamily="49" charset="0"/>
-              </a:rPr>
-              <a:t>df_results</a:t>
-            </a:r>
-            <a:r>
-              <a:rPr lang="en-US" sz="1700" dirty="0">
-                <a:solidFill>
-                  <a:schemeClr val="tx1"/>
-                </a:solidFill>
-                <a:latin typeface="Consolas" panose="020B0609020204030204" pitchFamily="49" charset="0"/>
-                <a:cs typeface="Consolas" panose="020B0609020204030204" pitchFamily="49" charset="0"/>
-              </a:rPr>
-              <a:t> = </a:t>
-            </a:r>
-            <a:r>
-              <a:rPr lang="en-US" sz="1700" dirty="0" err="1">
-                <a:solidFill>
-                  <a:schemeClr val="tx1"/>
-                </a:solidFill>
-                <a:latin typeface="Consolas" panose="020B0609020204030204" pitchFamily="49" charset="0"/>
-                <a:cs typeface="Consolas" panose="020B0609020204030204" pitchFamily="49" charset="0"/>
-              </a:rPr>
-              <a:t>pd.DataFrame</a:t>
-            </a:r>
-            <a:r>
-              <a:rPr lang="en-US" sz="1700" dirty="0">
-                <a:solidFill>
-                  <a:schemeClr val="tx1"/>
-                </a:solidFill>
-                <a:latin typeface="Consolas" panose="020B0609020204030204" pitchFamily="49" charset="0"/>
-                <a:cs typeface="Consolas" panose="020B0609020204030204" pitchFamily="49" charset="0"/>
-              </a:rPr>
-              <a:t>(results)</a:t>
-            </a:r>
-          </a:p>
-          <a:p>
-            <a:pPr marL="0" indent="0">
-              <a:buNone/>
-            </a:pPr>
-            <a:br>
-              <a:rPr lang="en-US" sz="1700" dirty="0">
-                <a:solidFill>
-                  <a:schemeClr val="tx1"/>
-                </a:solidFill>
-                <a:latin typeface="Consolas" panose="020B0609020204030204" pitchFamily="49" charset="0"/>
-                <a:cs typeface="Consolas" panose="020B0609020204030204" pitchFamily="49" charset="0"/>
-              </a:rPr>
-            </a:br>
-            <a:r>
-              <a:rPr lang="en-US" sz="1700" dirty="0" err="1">
-                <a:solidFill>
-                  <a:schemeClr val="tx1"/>
-                </a:solidFill>
-                <a:latin typeface="Consolas" panose="020B0609020204030204" pitchFamily="49" charset="0"/>
-                <a:cs typeface="Consolas" panose="020B0609020204030204" pitchFamily="49" charset="0"/>
-              </a:rPr>
-              <a:t>df_results.sort_values</a:t>
-            </a:r>
-            <a:r>
-              <a:rPr lang="en-US" sz="1700" dirty="0">
-                <a:solidFill>
-                  <a:schemeClr val="tx1"/>
-                </a:solidFill>
-                <a:latin typeface="Consolas" panose="020B0609020204030204" pitchFamily="49" charset="0"/>
-                <a:cs typeface="Consolas" panose="020B0609020204030204" pitchFamily="49" charset="0"/>
-              </a:rPr>
-              <a:t>("sentiment", ascending=False)</a:t>
-            </a:r>
-          </a:p>
-          <a:p>
-            <a:pPr marL="0" indent="0">
-              <a:buNone/>
-            </a:pPr>
-            <a:endParaRPr lang="en-US" dirty="0">
-              <a:solidFill>
-                <a:schemeClr val="tx1"/>
-              </a:solidFill>
-              <a:latin typeface="Consolas" panose="020B0609020204030204" pitchFamily="49" charset="0"/>
-              <a:cs typeface="Consolas" panose="020B0609020204030204" pitchFamily="49" charset="0"/>
-            </a:endParaRPr>
-          </a:p>
-        </p:txBody>
-      </p:sp>
-      <p:sp>
-        <p:nvSpPr>
-          <p:cNvPr id="3" name="Title 2">
-            <a:extLst>
-              <a:ext uri="{FF2B5EF4-FFF2-40B4-BE49-F238E27FC236}">
-                <a16:creationId xmlns:a16="http://schemas.microsoft.com/office/drawing/2014/main" id="{BB73002C-5BE4-7EAD-A836-ACEB91CF363F}"/>
+                <a16:creationId xmlns:a16="http://schemas.microsoft.com/office/drawing/2014/main" id="{FF02E442-5BD2-C7E7-D487-182D2EC0E4FF}"/>
               </a:ext>
             </a:extLst>
           </p:cNvPr>
@@ -5543,38 +4414,375 @@
           <a:p>
             <a:pPr algn="ctr"/>
             <a:r>
-              <a:rPr lang="en-US" b="1" dirty="0">
+              <a:rPr lang="en-US" dirty="0">
+                <a:solidFill>
+                  <a:srgbClr val="000000"/>
+                </a:solidFill>
+                <a:cs typeface="Calibri Light"/>
+              </a:rPr>
+              <a:t>Today's Lesson</a:t>
+            </a:r>
+            <a:endParaRPr lang="en-US" dirty="0">
+              <a:solidFill>
+                <a:srgbClr val="000000"/>
+              </a:solidFill>
+            </a:endParaRPr>
+          </a:p>
+        </p:txBody>
+      </p:sp>
+      <p:sp>
+        <p:nvSpPr>
+          <p:cNvPr id="3" name="Content Placeholder 2">
+            <a:extLst>
+              <a:ext uri="{FF2B5EF4-FFF2-40B4-BE49-F238E27FC236}">
+                <a16:creationId xmlns:a16="http://schemas.microsoft.com/office/drawing/2014/main" id="{13B6A96C-8D86-7F21-3DA5-4A818CE6C4D6}"/>
+              </a:ext>
+            </a:extLst>
+          </p:cNvPr>
+          <p:cNvSpPr>
+            <a:spLocks noGrp="1"/>
+          </p:cNvSpPr>
+          <p:nvPr>
+            <p:ph idx="1"/>
+          </p:nvPr>
+        </p:nvSpPr>
+        <p:spPr>
+          <a:xfrm>
+            <a:off x="869461" y="1642534"/>
+            <a:ext cx="7405077" cy="4778022"/>
+          </a:xfrm>
+        </p:spPr>
+        <p:txBody>
+          <a:bodyPr vert="horz" lIns="68580" tIns="34290" rIns="68580" bIns="34290" rtlCol="0" anchor="t">
+            <a:normAutofit/>
+          </a:bodyPr>
+          <a:lstStyle/>
+          <a:p>
+            <a:pPr marL="0" indent="0">
+              <a:buNone/>
+            </a:pPr>
+            <a:endParaRPr lang="en-US" sz="3200" dirty="0">
+              <a:solidFill>
+                <a:schemeClr val="tx1"/>
+              </a:solidFill>
+              <a:latin typeface="Times New Roman"/>
+              <a:cs typeface="Calibri" panose="020F0502020204030204"/>
+            </a:endParaRPr>
+          </a:p>
+          <a:p>
+            <a:pPr marL="385445" indent="-385445">
+              <a:buAutoNum type="arabicPeriod"/>
+            </a:pPr>
+            <a:r>
+              <a:rPr lang="en-US" sz="3200" dirty="0">
                 <a:solidFill>
                   <a:schemeClr val="tx1"/>
                 </a:solidFill>
+                <a:latin typeface="Times New Roman"/>
+                <a:cs typeface="Calibri" panose="020F0502020204030204"/>
               </a:rPr>
-              <a:t>Solution</a:t>
-            </a:r>
+              <a:t>Opening and reading text files</a:t>
+            </a:r>
+          </a:p>
+          <a:p>
+            <a:pPr marL="385445" indent="-385445">
+              <a:buAutoNum type="arabicPeriod"/>
+            </a:pPr>
+            <a:r>
+              <a:rPr lang="en-US" sz="3200" dirty="0">
+                <a:solidFill>
+                  <a:schemeClr val="tx1"/>
+                </a:solidFill>
+                <a:latin typeface="Times New Roman"/>
+                <a:cs typeface="Calibri" panose="020F0502020204030204"/>
+              </a:rPr>
+              <a:t>Text processing</a:t>
+            </a:r>
+          </a:p>
+          <a:p>
+            <a:pPr marL="385445" indent="-385445">
+              <a:buAutoNum type="arabicPeriod"/>
+            </a:pPr>
+            <a:r>
+              <a:rPr lang="en-US" sz="3200" dirty="0">
+                <a:solidFill>
+                  <a:schemeClr val="tx1"/>
+                </a:solidFill>
+                <a:latin typeface="Times New Roman"/>
+                <a:cs typeface="Calibri" panose="020F0502020204030204"/>
+              </a:rPr>
+              <a:t>Word-frequency analysis</a:t>
+            </a:r>
+          </a:p>
+          <a:p>
+            <a:pPr marL="0" indent="0">
+              <a:buNone/>
+            </a:pPr>
+            <a:endParaRPr lang="en-US" sz="3200" dirty="0">
+              <a:solidFill>
+                <a:schemeClr val="tx1"/>
+              </a:solidFill>
+              <a:latin typeface="Times New Roman"/>
+              <a:cs typeface="Calibri" panose="020F0502020204030204"/>
+            </a:endParaRPr>
           </a:p>
         </p:txBody>
       </p:sp>
     </p:spTree>
     <p:extLst>
       <p:ext uri="{BB962C8B-B14F-4D97-AF65-F5344CB8AC3E}">
-        <p14:creationId xmlns:p14="http://schemas.microsoft.com/office/powerpoint/2010/main" val="1830920682"/>
+        <p14:creationId xmlns:p14="http://schemas.microsoft.com/office/powerpoint/2010/main" val="3839357258"/>
       </p:ext>
     </p:extLst>
   </p:cSld>
   <p:clrMapOvr>
     <a:masterClrMapping/>
   </p:clrMapOvr>
-  <mc:AlternateContent xmlns:mc="http://schemas.openxmlformats.org/markup-compatibility/2006" xmlns:p14="http://schemas.microsoft.com/office/powerpoint/2010/main">
-    <mc:Choice Requires="p14">
-      <p:transition spd="med" p14:dur="700">
-        <p:fade/>
-      </p:transition>
-    </mc:Choice>
-    <mc:Fallback xmlns="">
-      <p:transition spd="med">
-        <p:fade/>
-      </p:transition>
-    </mc:Fallback>
-  </mc:AlternateContent>
+</p:sld>
+</file>
+
+<file path=ppt/slides/slide15.xml><?xml version="1.0" encoding="utf-8"?>
+<p:sld xmlns:a="http://schemas.openxmlformats.org/drawingml/2006/main" xmlns:r="http://schemas.openxmlformats.org/officeDocument/2006/relationships" xmlns:p="http://schemas.openxmlformats.org/presentationml/2006/main">
+  <p:cSld>
+    <p:spTree>
+      <p:nvGrpSpPr>
+        <p:cNvPr id="1" name=""/>
+        <p:cNvGrpSpPr/>
+        <p:nvPr/>
+      </p:nvGrpSpPr>
+      <p:grpSpPr>
+        <a:xfrm>
+          <a:off x="0" y="0"/>
+          <a:ext cx="0" cy="0"/>
+          <a:chOff x="0" y="0"/>
+          <a:chExt cx="0" cy="0"/>
+        </a:xfrm>
+      </p:grpSpPr>
+      <p:sp>
+        <p:nvSpPr>
+          <p:cNvPr id="2" name="Title 1">
+            <a:extLst>
+              <a:ext uri="{FF2B5EF4-FFF2-40B4-BE49-F238E27FC236}">
+                <a16:creationId xmlns:a16="http://schemas.microsoft.com/office/drawing/2014/main" id="{FF02E442-5BD2-C7E7-D487-182D2EC0E4FF}"/>
+              </a:ext>
+            </a:extLst>
+          </p:cNvPr>
+          <p:cNvSpPr>
+            <a:spLocks noGrp="1"/>
+          </p:cNvSpPr>
+          <p:nvPr>
+            <p:ph type="title"/>
+          </p:nvPr>
+        </p:nvSpPr>
+        <p:spPr/>
+        <p:txBody>
+          <a:bodyPr/>
+          <a:lstStyle/>
+          <a:p>
+            <a:pPr algn="ctr"/>
+            <a:r>
+              <a:rPr lang="en-US" dirty="0">
+                <a:solidFill>
+                  <a:srgbClr val="000000"/>
+                </a:solidFill>
+                <a:latin typeface="Times New Roman"/>
+                <a:cs typeface="Calibri Light"/>
+              </a:rPr>
+              <a:t>Class Materials</a:t>
+            </a:r>
+            <a:endParaRPr lang="en-US" dirty="0">
+              <a:solidFill>
+                <a:srgbClr val="000000"/>
+              </a:solidFill>
+              <a:cs typeface="Calibri Light"/>
+            </a:endParaRPr>
+          </a:p>
+        </p:txBody>
+      </p:sp>
+      <p:sp>
+        <p:nvSpPr>
+          <p:cNvPr id="3" name="Content Placeholder 2">
+            <a:extLst>
+              <a:ext uri="{FF2B5EF4-FFF2-40B4-BE49-F238E27FC236}">
+                <a16:creationId xmlns:a16="http://schemas.microsoft.com/office/drawing/2014/main" id="{13B6A96C-8D86-7F21-3DA5-4A818CE6C4D6}"/>
+              </a:ext>
+            </a:extLst>
+          </p:cNvPr>
+          <p:cNvSpPr>
+            <a:spLocks noGrp="1"/>
+          </p:cNvSpPr>
+          <p:nvPr>
+            <p:ph idx="1"/>
+          </p:nvPr>
+        </p:nvSpPr>
+        <p:spPr/>
+        <p:txBody>
+          <a:bodyPr vert="horz" lIns="68580" tIns="34290" rIns="68580" bIns="34290" rtlCol="0" anchor="t">
+            <a:normAutofit/>
+          </a:bodyPr>
+          <a:lstStyle/>
+          <a:p>
+            <a:pPr marL="385445" indent="-385445">
+              <a:buAutoNum type="arabicPeriod"/>
+            </a:pPr>
+            <a:endParaRPr lang="en-US" sz="3200" dirty="0">
+              <a:solidFill>
+                <a:schemeClr val="tx1"/>
+              </a:solidFill>
+              <a:latin typeface="Times New Roman"/>
+              <a:cs typeface="Calibri" panose="020F0502020204030204"/>
+            </a:endParaRPr>
+          </a:p>
+          <a:p>
+            <a:pPr marL="0" indent="0">
+              <a:buNone/>
+            </a:pPr>
+            <a:endParaRPr lang="en-US" sz="2400" dirty="0">
+              <a:solidFill>
+                <a:schemeClr val="tx1"/>
+              </a:solidFill>
+              <a:latin typeface="Times New Roman"/>
+              <a:cs typeface="Times New Roman"/>
+            </a:endParaRPr>
+          </a:p>
+          <a:p>
+            <a:pPr marL="0" indent="0" algn="ctr">
+              <a:buNone/>
+            </a:pPr>
+            <a:r>
+              <a:rPr lang="en-US" dirty="0">
+                <a:solidFill>
+                  <a:schemeClr val="tx1"/>
+                </a:solidFill>
+                <a:latin typeface="Times New Roman"/>
+                <a:cs typeface="Times New Roman"/>
+                <a:hlinkClick r:id="rId2"/>
+              </a:rPr>
+              <a:t>https://github.com/ClaudiaECarroll/intro_text_analysis</a:t>
+            </a:r>
+            <a:endParaRPr lang="en-US" dirty="0">
+              <a:solidFill>
+                <a:schemeClr val="tx1"/>
+              </a:solidFill>
+              <a:latin typeface="Times New Roman"/>
+              <a:cs typeface="Times New Roman"/>
+            </a:endParaRPr>
+          </a:p>
+          <a:p>
+            <a:pPr marL="0" indent="0" algn="ctr">
+              <a:buNone/>
+            </a:pPr>
+            <a:endParaRPr lang="en-US" sz="2400" dirty="0">
+              <a:solidFill>
+                <a:schemeClr val="tx1"/>
+              </a:solidFill>
+            </a:endParaRPr>
+          </a:p>
+        </p:txBody>
+      </p:sp>
+    </p:spTree>
+    <p:extLst>
+      <p:ext uri="{BB962C8B-B14F-4D97-AF65-F5344CB8AC3E}">
+        <p14:creationId xmlns:p14="http://schemas.microsoft.com/office/powerpoint/2010/main" val="2137234113"/>
+      </p:ext>
+    </p:extLst>
+  </p:cSld>
+  <p:clrMapOvr>
+    <a:masterClrMapping/>
+  </p:clrMapOvr>
+</p:sld>
+</file>
+
+<file path=ppt/slides/slide16.xml><?xml version="1.0" encoding="utf-8"?>
+<p:sld xmlns:a="http://schemas.openxmlformats.org/drawingml/2006/main" xmlns:r="http://schemas.openxmlformats.org/officeDocument/2006/relationships" xmlns:p="http://schemas.openxmlformats.org/presentationml/2006/main">
+  <p:cSld>
+    <p:spTree>
+      <p:nvGrpSpPr>
+        <p:cNvPr id="1" name=""/>
+        <p:cNvGrpSpPr/>
+        <p:nvPr/>
+      </p:nvGrpSpPr>
+      <p:grpSpPr>
+        <a:xfrm>
+          <a:off x="0" y="0"/>
+          <a:ext cx="0" cy="0"/>
+          <a:chOff x="0" y="0"/>
+          <a:chExt cx="0" cy="0"/>
+        </a:xfrm>
+      </p:grpSpPr>
+      <p:sp>
+        <p:nvSpPr>
+          <p:cNvPr id="2" name="Title 1">
+            <a:extLst>
+              <a:ext uri="{FF2B5EF4-FFF2-40B4-BE49-F238E27FC236}">
+                <a16:creationId xmlns:a16="http://schemas.microsoft.com/office/drawing/2014/main" id="{9D48E1FB-84B1-D846-B954-29664BA0D862}"/>
+              </a:ext>
+            </a:extLst>
+          </p:cNvPr>
+          <p:cNvSpPr>
+            <a:spLocks noGrp="1"/>
+          </p:cNvSpPr>
+          <p:nvPr>
+            <p:ph type="ctrTitle"/>
+          </p:nvPr>
+        </p:nvSpPr>
+        <p:spPr/>
+        <p:txBody>
+          <a:bodyPr/>
+          <a:lstStyle/>
+          <a:p>
+            <a:r>
+              <a:rPr lang="en-US" dirty="0">
+                <a:cs typeface="Calibri Light"/>
+              </a:rPr>
+              <a:t>Demo 1</a:t>
+            </a:r>
+            <a:endParaRPr lang="en-US" dirty="0"/>
+          </a:p>
+        </p:txBody>
+      </p:sp>
+      <p:sp>
+        <p:nvSpPr>
+          <p:cNvPr id="3" name="Subtitle 2">
+            <a:extLst>
+              <a:ext uri="{FF2B5EF4-FFF2-40B4-BE49-F238E27FC236}">
+                <a16:creationId xmlns:a16="http://schemas.microsoft.com/office/drawing/2014/main" id="{75E3AE28-7031-9892-6537-33C8011AFDDB}"/>
+              </a:ext>
+            </a:extLst>
+          </p:cNvPr>
+          <p:cNvSpPr>
+            <a:spLocks noGrp="1"/>
+          </p:cNvSpPr>
+          <p:nvPr>
+            <p:ph type="subTitle" idx="1"/>
+          </p:nvPr>
+        </p:nvSpPr>
+        <p:spPr/>
+        <p:txBody>
+          <a:bodyPr vert="horz" lIns="68580" tIns="34290" rIns="68580" bIns="34290" rtlCol="0" anchor="t">
+            <a:normAutofit fontScale="70000" lnSpcReduction="20000"/>
+          </a:bodyPr>
+          <a:lstStyle/>
+          <a:p>
+            <a:r>
+              <a:rPr lang="en-US" dirty="0">
+                <a:latin typeface="Times New Roman"/>
+              </a:rPr>
+              <a:t>Text Processing and Word Frequency Analysis</a:t>
+            </a:r>
+          </a:p>
+        </p:txBody>
+      </p:sp>
+    </p:spTree>
+    <p:extLst>
+      <p:ext uri="{BB962C8B-B14F-4D97-AF65-F5344CB8AC3E}">
+        <p14:creationId xmlns:p14="http://schemas.microsoft.com/office/powerpoint/2010/main" val="1715855539"/>
+      </p:ext>
+    </p:extLst>
+  </p:cSld>
+  <p:clrMapOvr>
+    <a:masterClrMapping/>
+  </p:clrMapOvr>
 </p:sld>
 </file>
 
@@ -5784,175 +4992,604 @@
           </a:p>
         </p:txBody>
       </p:sp>
-      <p:sp>
-        <p:nvSpPr>
-          <p:cNvPr id="3" name="TextBox 2">
+      <p:graphicFrame>
+        <p:nvGraphicFramePr>
+          <p:cNvPr id="5" name="Table 4">
             <a:extLst>
               <a:ext uri="{FF2B5EF4-FFF2-40B4-BE49-F238E27FC236}">
-                <a16:creationId xmlns:a16="http://schemas.microsoft.com/office/drawing/2014/main" id="{2749BB40-7626-A2CD-2237-3AEFD54F5F17}"/>
+                <a16:creationId xmlns:a16="http://schemas.microsoft.com/office/drawing/2014/main" id="{E48F491C-5412-F7A3-BF68-A2E9B468626D}"/>
               </a:ext>
             </a:extLst>
           </p:cNvPr>
-          <p:cNvSpPr txBox="1"/>
-          <p:nvPr/>
-        </p:nvSpPr>
-        <p:spPr>
-          <a:xfrm>
-            <a:off x="713678" y="1722018"/>
-            <a:ext cx="7549774" cy="3170099"/>
-          </a:xfrm>
-          <a:prstGeom prst="rect">
-            <a:avLst/>
-          </a:prstGeom>
-          <a:noFill/>
-        </p:spPr>
-        <p:txBody>
-          <a:bodyPr wrap="square" lIns="91440" tIns="45720" rIns="91440" bIns="45720" rtlCol="0" anchor="t">
-            <a:spAutoFit/>
-          </a:bodyPr>
-          <a:lstStyle/>
-          <a:p>
-            <a:pPr marL="342900" indent="-342900">
-              <a:buFont typeface="+mj-lt"/>
-              <a:buAutoNum type="arabicPeriod"/>
-            </a:pPr>
-            <a:r>
-              <a:rPr lang="en-US" sz="2000" dirty="0">
-                <a:latin typeface="Times New Roman" panose="02020603050405020304" pitchFamily="18" charset="0"/>
-                <a:cs typeface="Times New Roman" panose="02020603050405020304" pitchFamily="18" charset="0"/>
-              </a:rPr>
-              <a:t>Reading, processing and basic word-frequency analysis</a:t>
-            </a:r>
-          </a:p>
-          <a:p>
-            <a:pPr marL="342900" indent="-342900">
-              <a:buFont typeface="+mj-lt"/>
-              <a:buAutoNum type="arabicPeriod"/>
-            </a:pPr>
-            <a:endParaRPr lang="en-US" sz="2000" dirty="0">
-              <a:latin typeface="Times New Roman" panose="02020603050405020304" pitchFamily="18" charset="0"/>
-              <a:cs typeface="Times New Roman" panose="02020603050405020304" pitchFamily="18" charset="0"/>
-            </a:endParaRPr>
-          </a:p>
-          <a:p>
-            <a:pPr marL="342900" indent="-342900">
-              <a:buFont typeface="+mj-lt"/>
-              <a:buAutoNum type="arabicPeriod"/>
-            </a:pPr>
-            <a:r>
-              <a:rPr lang="en-US" sz="2000" dirty="0">
-                <a:latin typeface="Times New Roman" panose="02020603050405020304" pitchFamily="18" charset="0"/>
-                <a:cs typeface="Times New Roman" panose="02020603050405020304" pitchFamily="18" charset="0"/>
-              </a:rPr>
-              <a:t>Bag-of-words approaches to text analysis</a:t>
-            </a:r>
-          </a:p>
-          <a:p>
-            <a:pPr marL="800100" lvl="1" indent="-342900">
-              <a:buFont typeface="Arial" panose="020B0604020202020204" pitchFamily="34" charset="0"/>
-              <a:buChar char="•"/>
-            </a:pPr>
-            <a:r>
-              <a:rPr lang="en-US" sz="2000" dirty="0">
-                <a:latin typeface="Times New Roman" panose="02020603050405020304" pitchFamily="18" charset="0"/>
-                <a:cs typeface="Times New Roman" panose="02020603050405020304" pitchFamily="18" charset="0"/>
-              </a:rPr>
-              <a:t>Part of Speech Tagging</a:t>
-            </a:r>
-          </a:p>
-          <a:p>
-            <a:pPr marL="800100" lvl="1" indent="-342900">
-              <a:buFont typeface="Arial" panose="020B0604020202020204" pitchFamily="34" charset="0"/>
-              <a:buChar char="•"/>
-            </a:pPr>
-            <a:r>
-              <a:rPr lang="en-US" sz="2000" dirty="0">
-                <a:latin typeface="Times New Roman" panose="02020603050405020304" pitchFamily="18" charset="0"/>
-                <a:cs typeface="Times New Roman" panose="02020603050405020304" pitchFamily="18" charset="0"/>
-              </a:rPr>
-              <a:t>Named Entity Recognition</a:t>
-            </a:r>
-          </a:p>
-          <a:p>
-            <a:pPr marL="800100" lvl="1" indent="-342900">
-              <a:buFont typeface="Arial" panose="020B0604020202020204" pitchFamily="34" charset="0"/>
-              <a:buChar char="•"/>
-            </a:pPr>
-            <a:r>
-              <a:rPr lang="en-US" sz="2000" dirty="0">
-                <a:latin typeface="Times New Roman" panose="02020603050405020304" pitchFamily="18" charset="0"/>
-                <a:cs typeface="Times New Roman" panose="02020603050405020304" pitchFamily="18" charset="0"/>
-              </a:rPr>
-              <a:t>TF-IDF</a:t>
-            </a:r>
-          </a:p>
-          <a:p>
-            <a:endParaRPr lang="en-US" sz="2000" dirty="0">
-              <a:latin typeface="Times New Roman" panose="02020603050405020304" pitchFamily="18" charset="0"/>
-              <a:cs typeface="Times New Roman" panose="02020603050405020304" pitchFamily="18" charset="0"/>
-            </a:endParaRPr>
-          </a:p>
-          <a:p>
-            <a:pPr>
-              <a:buFont typeface="Rockwell"/>
-            </a:pPr>
-            <a:endParaRPr lang="en-US" sz="2000" dirty="0">
-              <a:latin typeface="Times New Roman" panose="02020603050405020304" pitchFamily="18" charset="0"/>
-              <a:cs typeface="Times New Roman" panose="02020603050405020304" pitchFamily="18" charset="0"/>
-            </a:endParaRPr>
-          </a:p>
-          <a:p>
-            <a:pPr marL="800100" lvl="1" indent="-342900">
-              <a:buFont typeface="Arial" panose="020B0604020202020204" pitchFamily="34" charset="0"/>
-              <a:buChar char="•"/>
-            </a:pPr>
-            <a:endParaRPr lang="en-US" sz="2000" dirty="0">
-              <a:latin typeface="Times New Roman" panose="02020603050405020304" pitchFamily="18" charset="0"/>
-              <a:cs typeface="Times New Roman" panose="02020603050405020304" pitchFamily="18" charset="0"/>
-            </a:endParaRPr>
-          </a:p>
-          <a:p>
-            <a:pPr marL="800100" lvl="1" indent="-342900">
-              <a:buFont typeface="+mj-lt"/>
-              <a:buAutoNum type="arabicPeriod"/>
-            </a:pPr>
-            <a:endParaRPr lang="en-US" sz="2000" dirty="0">
-              <a:latin typeface="Times New Roman" panose="02020603050405020304" pitchFamily="18" charset="0"/>
-              <a:cs typeface="Times New Roman" panose="02020603050405020304" pitchFamily="18" charset="0"/>
-            </a:endParaRPr>
-          </a:p>
-        </p:txBody>
-      </p:sp>
-      <p:pic>
-        <p:nvPicPr>
-          <p:cNvPr id="4" name="Picture 3" descr="A Bag of Words: Levels of Language - SEP">
-            <a:extLst>
-              <a:ext uri="{FF2B5EF4-FFF2-40B4-BE49-F238E27FC236}">
-                <a16:creationId xmlns:a16="http://schemas.microsoft.com/office/drawing/2014/main" id="{59DEAF08-A1F2-FCEC-AE76-B69B64C98AA4}"/>
-              </a:ext>
-            </a:extLst>
-          </p:cNvPr>
-          <p:cNvPicPr>
-            <a:picLocks noChangeAspect="1"/>
-          </p:cNvPicPr>
-          <p:nvPr/>
-        </p:nvPicPr>
-        <p:blipFill>
-          <a:blip r:embed="rId2"/>
-          <a:stretch>
-            <a:fillRect/>
-          </a:stretch>
-        </p:blipFill>
-        <p:spPr>
-          <a:xfrm>
-            <a:off x="2067605" y="3841296"/>
-            <a:ext cx="4835298" cy="2726871"/>
-          </a:xfrm>
-          <a:prstGeom prst="rect">
-            <a:avLst/>
-          </a:prstGeom>
-        </p:spPr>
-      </p:pic>
+          <p:cNvGraphicFramePr>
+            <a:graphicFrameLocks noGrp="1"/>
+          </p:cNvGraphicFramePr>
+          <p:nvPr>
+            <p:extLst>
+              <p:ext uri="{D42A27DB-BD31-4B8C-83A1-F6EECF244321}">
+                <p14:modId xmlns:p14="http://schemas.microsoft.com/office/powerpoint/2010/main" val="3846155449"/>
+              </p:ext>
+            </p:extLst>
+          </p:nvPr>
+        </p:nvGraphicFramePr>
+        <p:xfrm>
+          <a:off x="1037933" y="2122344"/>
+          <a:ext cx="7237465" cy="2376776"/>
+        </p:xfrm>
+        <a:graphic>
+          <a:graphicData uri="http://schemas.openxmlformats.org/drawingml/2006/table">
+            <a:tbl>
+              <a:tblPr firstRow="1" bandRow="1">
+                <a:tableStyleId>{5C22544A-7EE6-4342-B048-85BDC9FD1C3A}</a:tableStyleId>
+              </a:tblPr>
+              <a:tblGrid>
+                <a:gridCol w="1072221">
+                  <a:extLst>
+                    <a:ext uri="{9D8B030D-6E8A-4147-A177-3AD203B41FA5}">
+                      <a16:colId xmlns:a16="http://schemas.microsoft.com/office/drawing/2014/main" val="181992106"/>
+                    </a:ext>
+                  </a:extLst>
+                </a:gridCol>
+                <a:gridCol w="6165244">
+                  <a:extLst>
+                    <a:ext uri="{9D8B030D-6E8A-4147-A177-3AD203B41FA5}">
+                      <a16:colId xmlns:a16="http://schemas.microsoft.com/office/drawing/2014/main" val="3507824556"/>
+                    </a:ext>
+                  </a:extLst>
+                </a:gridCol>
+              </a:tblGrid>
+              <a:tr h="527071">
+                <a:tc>
+                  <a:txBody>
+                    <a:bodyPr/>
+                    <a:lstStyle/>
+                    <a:p>
+                      <a:r>
+                        <a:rPr lang="en-US" b="0" dirty="0">
+                          <a:solidFill>
+                            <a:sysClr val="windowText" lastClr="000000"/>
+                          </a:solidFill>
+                          <a:latin typeface="Times New Roman" panose="02020603050405020304" pitchFamily="18" charset="0"/>
+                          <a:cs typeface="Times New Roman" panose="02020603050405020304" pitchFamily="18" charset="0"/>
+                        </a:rPr>
+                        <a:t>Class 1</a:t>
+                      </a:r>
+                    </a:p>
+                  </a:txBody>
+                  <a:tcPr>
+                    <a:lnL w="12700" cap="flat" cmpd="sng" algn="ctr">
+                      <a:solidFill>
+                        <a:schemeClr val="tx1"/>
+                      </a:solidFill>
+                      <a:prstDash val="solid"/>
+                      <a:round/>
+                      <a:headEnd type="none" w="med" len="med"/>
+                      <a:tailEnd type="none" w="med" len="med"/>
+                    </a:lnL>
+                    <a:lnR w="12700" cap="flat" cmpd="sng" algn="ctr">
+                      <a:solidFill>
+                        <a:schemeClr val="tx1"/>
+                      </a:solidFill>
+                      <a:prstDash val="solid"/>
+                      <a:round/>
+                      <a:headEnd type="none" w="med" len="med"/>
+                      <a:tailEnd type="none" w="med" len="med"/>
+                    </a:lnR>
+                    <a:lnT w="12700" cap="flat" cmpd="sng" algn="ctr">
+                      <a:solidFill>
+                        <a:schemeClr val="tx1"/>
+                      </a:solidFill>
+                      <a:prstDash val="solid"/>
+                      <a:round/>
+                      <a:headEnd type="none" w="med" len="med"/>
+                      <a:tailEnd type="none" w="med" len="med"/>
+                    </a:lnT>
+                    <a:lnB w="12700" cap="flat" cmpd="sng" algn="ctr">
+                      <a:solidFill>
+                        <a:schemeClr val="tx1"/>
+                      </a:solidFill>
+                      <a:prstDash val="solid"/>
+                      <a:round/>
+                      <a:headEnd type="none" w="med" len="med"/>
+                      <a:tailEnd type="none" w="med" len="med"/>
+                    </a:lnB>
+                    <a:lnTlToBr w="12700" cmpd="sng">
+                      <a:noFill/>
+                      <a:prstDash val="solid"/>
+                    </a:lnTlToBr>
+                    <a:lnBlToTr w="12700" cmpd="sng">
+                      <a:noFill/>
+                      <a:prstDash val="solid"/>
+                    </a:lnBlToTr>
+                    <a:noFill/>
+                  </a:tcPr>
+                </a:tc>
+                <a:tc>
+                  <a:txBody>
+                    <a:bodyPr/>
+                    <a:lstStyle/>
+                    <a:p>
+                      <a:r>
+                        <a:rPr lang="en-US" b="0" dirty="0">
+                          <a:solidFill>
+                            <a:sysClr val="windowText" lastClr="000000"/>
+                          </a:solidFill>
+                          <a:latin typeface="Times New Roman" panose="02020603050405020304" pitchFamily="18" charset="0"/>
+                          <a:cs typeface="Times New Roman" panose="02020603050405020304" pitchFamily="18" charset="0"/>
+                        </a:rPr>
+                        <a:t>Reading text files and basic word frequency analysis</a:t>
+                      </a:r>
+                    </a:p>
+                  </a:txBody>
+                  <a:tcPr>
+                    <a:lnL w="12700" cap="flat" cmpd="sng" algn="ctr">
+                      <a:solidFill>
+                        <a:schemeClr val="tx1"/>
+                      </a:solidFill>
+                      <a:prstDash val="solid"/>
+                      <a:round/>
+                      <a:headEnd type="none" w="med" len="med"/>
+                      <a:tailEnd type="none" w="med" len="med"/>
+                    </a:lnL>
+                    <a:lnR w="12700" cap="flat" cmpd="sng" algn="ctr">
+                      <a:solidFill>
+                        <a:schemeClr val="tx1"/>
+                      </a:solidFill>
+                      <a:prstDash val="solid"/>
+                      <a:round/>
+                      <a:headEnd type="none" w="med" len="med"/>
+                      <a:tailEnd type="none" w="med" len="med"/>
+                    </a:lnR>
+                    <a:lnT w="12700" cap="flat" cmpd="sng" algn="ctr">
+                      <a:solidFill>
+                        <a:schemeClr val="tx1"/>
+                      </a:solidFill>
+                      <a:prstDash val="solid"/>
+                      <a:round/>
+                      <a:headEnd type="none" w="med" len="med"/>
+                      <a:tailEnd type="none" w="med" len="med"/>
+                    </a:lnT>
+                    <a:lnB w="12700" cap="flat" cmpd="sng" algn="ctr">
+                      <a:solidFill>
+                        <a:schemeClr val="tx1"/>
+                      </a:solidFill>
+                      <a:prstDash val="solid"/>
+                      <a:round/>
+                      <a:headEnd type="none" w="med" len="med"/>
+                      <a:tailEnd type="none" w="med" len="med"/>
+                    </a:lnB>
+                    <a:lnTlToBr w="12700" cmpd="sng">
+                      <a:noFill/>
+                      <a:prstDash val="solid"/>
+                    </a:lnTlToBr>
+                    <a:lnBlToTr w="12700" cmpd="sng">
+                      <a:noFill/>
+                      <a:prstDash val="solid"/>
+                    </a:lnBlToTr>
+                    <a:noFill/>
+                  </a:tcPr>
+                </a:tc>
+                <a:extLst>
+                  <a:ext uri="{0D108BD9-81ED-4DB2-BD59-A6C34878D82A}">
+                    <a16:rowId xmlns:a16="http://schemas.microsoft.com/office/drawing/2014/main" val="1696165459"/>
+                  </a:ext>
+                </a:extLst>
+              </a:tr>
+              <a:tr h="480647">
+                <a:tc>
+                  <a:txBody>
+                    <a:bodyPr/>
+                    <a:lstStyle/>
+                    <a:p>
+                      <a:r>
+                        <a:rPr lang="en-US" b="0" dirty="0">
+                          <a:solidFill>
+                            <a:sysClr val="windowText" lastClr="000000"/>
+                          </a:solidFill>
+                          <a:latin typeface="Times New Roman" panose="02020603050405020304" pitchFamily="18" charset="0"/>
+                          <a:cs typeface="Times New Roman" panose="02020603050405020304" pitchFamily="18" charset="0"/>
+                        </a:rPr>
+                        <a:t>Class 2</a:t>
+                      </a:r>
+                    </a:p>
+                  </a:txBody>
+                  <a:tcPr>
+                    <a:lnL w="12700" cap="flat" cmpd="sng" algn="ctr">
+                      <a:solidFill>
+                        <a:schemeClr val="tx1"/>
+                      </a:solidFill>
+                      <a:prstDash val="solid"/>
+                      <a:round/>
+                      <a:headEnd type="none" w="med" len="med"/>
+                      <a:tailEnd type="none" w="med" len="med"/>
+                    </a:lnL>
+                    <a:lnR w="12700" cap="flat" cmpd="sng" algn="ctr">
+                      <a:solidFill>
+                        <a:schemeClr val="tx1"/>
+                      </a:solidFill>
+                      <a:prstDash val="solid"/>
+                      <a:round/>
+                      <a:headEnd type="none" w="med" len="med"/>
+                      <a:tailEnd type="none" w="med" len="med"/>
+                    </a:lnR>
+                    <a:lnT w="12700" cap="flat" cmpd="sng" algn="ctr">
+                      <a:solidFill>
+                        <a:schemeClr val="tx1"/>
+                      </a:solidFill>
+                      <a:prstDash val="solid"/>
+                      <a:round/>
+                      <a:headEnd type="none" w="med" len="med"/>
+                      <a:tailEnd type="none" w="med" len="med"/>
+                    </a:lnT>
+                    <a:lnB w="12700" cap="flat" cmpd="sng" algn="ctr">
+                      <a:solidFill>
+                        <a:schemeClr val="tx1"/>
+                      </a:solidFill>
+                      <a:prstDash val="solid"/>
+                      <a:round/>
+                      <a:headEnd type="none" w="med" len="med"/>
+                      <a:tailEnd type="none" w="med" len="med"/>
+                    </a:lnB>
+                    <a:lnTlToBr w="12700" cmpd="sng">
+                      <a:noFill/>
+                      <a:prstDash val="solid"/>
+                    </a:lnTlToBr>
+                    <a:lnBlToTr w="12700" cmpd="sng">
+                      <a:noFill/>
+                      <a:prstDash val="solid"/>
+                    </a:lnBlToTr>
+                    <a:noFill/>
+                  </a:tcPr>
+                </a:tc>
+                <a:tc>
+                  <a:txBody>
+                    <a:bodyPr/>
+                    <a:lstStyle/>
+                    <a:p>
+                      <a:r>
+                        <a:rPr lang="en-US" b="0" dirty="0">
+                          <a:solidFill>
+                            <a:sysClr val="windowText" lastClr="000000"/>
+                          </a:solidFill>
+                          <a:latin typeface="Times New Roman" panose="02020603050405020304" pitchFamily="18" charset="0"/>
+                          <a:cs typeface="Times New Roman" panose="02020603050405020304" pitchFamily="18" charset="0"/>
+                        </a:rPr>
+                        <a:t>Bag-of-Word Text analysis (NER, POS-tagging and TF-IDF)</a:t>
+                      </a:r>
+                    </a:p>
+                  </a:txBody>
+                  <a:tcPr>
+                    <a:lnL w="12700" cap="flat" cmpd="sng" algn="ctr">
+                      <a:solidFill>
+                        <a:schemeClr val="tx1"/>
+                      </a:solidFill>
+                      <a:prstDash val="solid"/>
+                      <a:round/>
+                      <a:headEnd type="none" w="med" len="med"/>
+                      <a:tailEnd type="none" w="med" len="med"/>
+                    </a:lnL>
+                    <a:lnR w="12700" cap="flat" cmpd="sng" algn="ctr">
+                      <a:solidFill>
+                        <a:schemeClr val="tx1"/>
+                      </a:solidFill>
+                      <a:prstDash val="solid"/>
+                      <a:round/>
+                      <a:headEnd type="none" w="med" len="med"/>
+                      <a:tailEnd type="none" w="med" len="med"/>
+                    </a:lnR>
+                    <a:lnT w="12700" cap="flat" cmpd="sng" algn="ctr">
+                      <a:solidFill>
+                        <a:schemeClr val="tx1"/>
+                      </a:solidFill>
+                      <a:prstDash val="solid"/>
+                      <a:round/>
+                      <a:headEnd type="none" w="med" len="med"/>
+                      <a:tailEnd type="none" w="med" len="med"/>
+                    </a:lnT>
+                    <a:lnB w="12700" cap="flat" cmpd="sng" algn="ctr">
+                      <a:solidFill>
+                        <a:schemeClr val="tx1"/>
+                      </a:solidFill>
+                      <a:prstDash val="solid"/>
+                      <a:round/>
+                      <a:headEnd type="none" w="med" len="med"/>
+                      <a:tailEnd type="none" w="med" len="med"/>
+                    </a:lnB>
+                    <a:lnTlToBr w="12700" cmpd="sng">
+                      <a:noFill/>
+                      <a:prstDash val="solid"/>
+                    </a:lnTlToBr>
+                    <a:lnBlToTr w="12700" cmpd="sng">
+                      <a:noFill/>
+                      <a:prstDash val="solid"/>
+                    </a:lnBlToTr>
+                    <a:noFill/>
+                  </a:tcPr>
+                </a:tc>
+                <a:extLst>
+                  <a:ext uri="{0D108BD9-81ED-4DB2-BD59-A6C34878D82A}">
+                    <a16:rowId xmlns:a16="http://schemas.microsoft.com/office/drawing/2014/main" val="2856214048"/>
+                  </a:ext>
+                </a:extLst>
+              </a:tr>
+              <a:tr h="684529">
+                <a:tc>
+                  <a:txBody>
+                    <a:bodyPr/>
+                    <a:lstStyle/>
+                    <a:p>
+                      <a:r>
+                        <a:rPr lang="en-US" b="0" dirty="0">
+                          <a:solidFill>
+                            <a:sysClr val="windowText" lastClr="000000"/>
+                          </a:solidFill>
+                          <a:latin typeface="Times New Roman" panose="02020603050405020304" pitchFamily="18" charset="0"/>
+                          <a:cs typeface="Times New Roman" panose="02020603050405020304" pitchFamily="18" charset="0"/>
+                        </a:rPr>
+                        <a:t>Class 3</a:t>
+                      </a:r>
+                    </a:p>
+                  </a:txBody>
+                  <a:tcPr>
+                    <a:lnL w="12700" cap="flat" cmpd="sng" algn="ctr">
+                      <a:solidFill>
+                        <a:schemeClr val="tx1"/>
+                      </a:solidFill>
+                      <a:prstDash val="solid"/>
+                      <a:round/>
+                      <a:headEnd type="none" w="med" len="med"/>
+                      <a:tailEnd type="none" w="med" len="med"/>
+                    </a:lnL>
+                    <a:lnR w="12700" cap="flat" cmpd="sng" algn="ctr">
+                      <a:solidFill>
+                        <a:schemeClr val="tx1"/>
+                      </a:solidFill>
+                      <a:prstDash val="solid"/>
+                      <a:round/>
+                      <a:headEnd type="none" w="med" len="med"/>
+                      <a:tailEnd type="none" w="med" len="med"/>
+                    </a:lnR>
+                    <a:lnT w="12700" cap="flat" cmpd="sng" algn="ctr">
+                      <a:solidFill>
+                        <a:schemeClr val="tx1"/>
+                      </a:solidFill>
+                      <a:prstDash val="solid"/>
+                      <a:round/>
+                      <a:headEnd type="none" w="med" len="med"/>
+                      <a:tailEnd type="none" w="med" len="med"/>
+                    </a:lnT>
+                    <a:lnB w="12700" cap="flat" cmpd="sng" algn="ctr">
+                      <a:solidFill>
+                        <a:schemeClr val="tx1"/>
+                      </a:solidFill>
+                      <a:prstDash val="solid"/>
+                      <a:round/>
+                      <a:headEnd type="none" w="med" len="med"/>
+                      <a:tailEnd type="none" w="med" len="med"/>
+                    </a:lnB>
+                    <a:lnTlToBr w="12700" cmpd="sng">
+                      <a:noFill/>
+                      <a:prstDash val="solid"/>
+                    </a:lnTlToBr>
+                    <a:lnBlToTr w="12700" cmpd="sng">
+                      <a:noFill/>
+                      <a:prstDash val="solid"/>
+                    </a:lnBlToTr>
+                    <a:noFill/>
+                  </a:tcPr>
+                </a:tc>
+                <a:tc>
+                  <a:txBody>
+                    <a:bodyPr/>
+                    <a:lstStyle/>
+                    <a:p>
+                      <a:r>
+                        <a:rPr lang="en-US" b="0" dirty="0">
+                          <a:solidFill>
+                            <a:sysClr val="windowText" lastClr="000000"/>
+                          </a:solidFill>
+                          <a:latin typeface="Times New Roman" panose="02020603050405020304" pitchFamily="18" charset="0"/>
+                          <a:cs typeface="Times New Roman" panose="02020603050405020304" pitchFamily="18" charset="0"/>
+                        </a:rPr>
+                        <a:t>Unsupervised Learning for Text Analysis (Topic Modeling and Clustering)</a:t>
+                      </a:r>
+                    </a:p>
+                  </a:txBody>
+                  <a:tcPr>
+                    <a:lnL w="12700" cap="flat" cmpd="sng" algn="ctr">
+                      <a:solidFill>
+                        <a:schemeClr val="tx1"/>
+                      </a:solidFill>
+                      <a:prstDash val="solid"/>
+                      <a:round/>
+                      <a:headEnd type="none" w="med" len="med"/>
+                      <a:tailEnd type="none" w="med" len="med"/>
+                    </a:lnL>
+                    <a:lnR w="12700" cap="flat" cmpd="sng" algn="ctr">
+                      <a:solidFill>
+                        <a:schemeClr val="tx1"/>
+                      </a:solidFill>
+                      <a:prstDash val="solid"/>
+                      <a:round/>
+                      <a:headEnd type="none" w="med" len="med"/>
+                      <a:tailEnd type="none" w="med" len="med"/>
+                    </a:lnR>
+                    <a:lnT w="12700" cap="flat" cmpd="sng" algn="ctr">
+                      <a:solidFill>
+                        <a:schemeClr val="tx1"/>
+                      </a:solidFill>
+                      <a:prstDash val="solid"/>
+                      <a:round/>
+                      <a:headEnd type="none" w="med" len="med"/>
+                      <a:tailEnd type="none" w="med" len="med"/>
+                    </a:lnT>
+                    <a:lnB w="12700" cap="flat" cmpd="sng" algn="ctr">
+                      <a:solidFill>
+                        <a:schemeClr val="tx1"/>
+                      </a:solidFill>
+                      <a:prstDash val="solid"/>
+                      <a:round/>
+                      <a:headEnd type="none" w="med" len="med"/>
+                      <a:tailEnd type="none" w="med" len="med"/>
+                    </a:lnB>
+                    <a:lnTlToBr w="12700" cmpd="sng">
+                      <a:noFill/>
+                      <a:prstDash val="solid"/>
+                    </a:lnTlToBr>
+                    <a:lnBlToTr w="12700" cmpd="sng">
+                      <a:noFill/>
+                      <a:prstDash val="solid"/>
+                    </a:lnBlToTr>
+                    <a:noFill/>
+                  </a:tcPr>
+                </a:tc>
+                <a:extLst>
+                  <a:ext uri="{0D108BD9-81ED-4DB2-BD59-A6C34878D82A}">
+                    <a16:rowId xmlns:a16="http://schemas.microsoft.com/office/drawing/2014/main" val="1229721206"/>
+                  </a:ext>
+                </a:extLst>
+              </a:tr>
+              <a:tr h="684529">
+                <a:tc>
+                  <a:txBody>
+                    <a:bodyPr/>
+                    <a:lstStyle/>
+                    <a:p>
+                      <a:r>
+                        <a:rPr lang="en-US" b="0" dirty="0">
+                          <a:solidFill>
+                            <a:sysClr val="windowText" lastClr="000000"/>
+                          </a:solidFill>
+                          <a:latin typeface="Times New Roman" panose="02020603050405020304" pitchFamily="18" charset="0"/>
+                          <a:cs typeface="Times New Roman" panose="02020603050405020304" pitchFamily="18" charset="0"/>
+                        </a:rPr>
+                        <a:t>Class 3</a:t>
+                      </a:r>
+                    </a:p>
+                  </a:txBody>
+                  <a:tcPr>
+                    <a:lnL w="12700" cap="flat" cmpd="sng" algn="ctr">
+                      <a:solidFill>
+                        <a:schemeClr val="tx1"/>
+                      </a:solidFill>
+                      <a:prstDash val="solid"/>
+                      <a:round/>
+                      <a:headEnd type="none" w="med" len="med"/>
+                      <a:tailEnd type="none" w="med" len="med"/>
+                    </a:lnL>
+                    <a:lnR w="12700" cap="flat" cmpd="sng" algn="ctr">
+                      <a:solidFill>
+                        <a:schemeClr val="tx1"/>
+                      </a:solidFill>
+                      <a:prstDash val="solid"/>
+                      <a:round/>
+                      <a:headEnd type="none" w="med" len="med"/>
+                      <a:tailEnd type="none" w="med" len="med"/>
+                    </a:lnR>
+                    <a:lnT w="12700" cap="flat" cmpd="sng" algn="ctr">
+                      <a:solidFill>
+                        <a:schemeClr val="tx1"/>
+                      </a:solidFill>
+                      <a:prstDash val="solid"/>
+                      <a:round/>
+                      <a:headEnd type="none" w="med" len="med"/>
+                      <a:tailEnd type="none" w="med" len="med"/>
+                    </a:lnT>
+                    <a:lnB w="12700" cap="flat" cmpd="sng" algn="ctr">
+                      <a:solidFill>
+                        <a:schemeClr val="tx1"/>
+                      </a:solidFill>
+                      <a:prstDash val="solid"/>
+                      <a:round/>
+                      <a:headEnd type="none" w="med" len="med"/>
+                      <a:tailEnd type="none" w="med" len="med"/>
+                    </a:lnB>
+                    <a:lnTlToBr w="12700" cmpd="sng">
+                      <a:noFill/>
+                      <a:prstDash val="solid"/>
+                    </a:lnTlToBr>
+                    <a:lnBlToTr w="12700" cmpd="sng">
+                      <a:noFill/>
+                      <a:prstDash val="solid"/>
+                    </a:lnBlToTr>
+                    <a:noFill/>
+                  </a:tcPr>
+                </a:tc>
+                <a:tc>
+                  <a:txBody>
+                    <a:bodyPr/>
+                    <a:lstStyle/>
+                    <a:p>
+                      <a:r>
+                        <a:rPr lang="en-US" b="0" dirty="0">
+                          <a:solidFill>
+                            <a:sysClr val="windowText" lastClr="000000"/>
+                          </a:solidFill>
+                          <a:latin typeface="Times New Roman" panose="02020603050405020304" pitchFamily="18" charset="0"/>
+                          <a:cs typeface="Times New Roman" panose="02020603050405020304" pitchFamily="18" charset="0"/>
+                        </a:rPr>
+                        <a:t>Supervised Learning for Text Analysis (Traditional Classification and Zero-Shot LLM classification)</a:t>
+                      </a:r>
+                    </a:p>
+                  </a:txBody>
+                  <a:tcPr>
+                    <a:lnL w="12700" cap="flat" cmpd="sng" algn="ctr">
+                      <a:solidFill>
+                        <a:schemeClr val="tx1"/>
+                      </a:solidFill>
+                      <a:prstDash val="solid"/>
+                      <a:round/>
+                      <a:headEnd type="none" w="med" len="med"/>
+                      <a:tailEnd type="none" w="med" len="med"/>
+                    </a:lnL>
+                    <a:lnR w="12700" cap="flat" cmpd="sng" algn="ctr">
+                      <a:solidFill>
+                        <a:schemeClr val="tx1"/>
+                      </a:solidFill>
+                      <a:prstDash val="solid"/>
+                      <a:round/>
+                      <a:headEnd type="none" w="med" len="med"/>
+                      <a:tailEnd type="none" w="med" len="med"/>
+                    </a:lnR>
+                    <a:lnT w="12700" cap="flat" cmpd="sng" algn="ctr">
+                      <a:solidFill>
+                        <a:schemeClr val="tx1"/>
+                      </a:solidFill>
+                      <a:prstDash val="solid"/>
+                      <a:round/>
+                      <a:headEnd type="none" w="med" len="med"/>
+                      <a:tailEnd type="none" w="med" len="med"/>
+                    </a:lnT>
+                    <a:lnB w="12700" cap="flat" cmpd="sng" algn="ctr">
+                      <a:solidFill>
+                        <a:schemeClr val="tx1"/>
+                      </a:solidFill>
+                      <a:prstDash val="solid"/>
+                      <a:round/>
+                      <a:headEnd type="none" w="med" len="med"/>
+                      <a:tailEnd type="none" w="med" len="med"/>
+                    </a:lnB>
+                    <a:lnTlToBr w="12700" cmpd="sng">
+                      <a:noFill/>
+                      <a:prstDash val="solid"/>
+                    </a:lnTlToBr>
+                    <a:lnBlToTr w="12700" cmpd="sng">
+                      <a:noFill/>
+                      <a:prstDash val="solid"/>
+                    </a:lnBlToTr>
+                    <a:noFill/>
+                  </a:tcPr>
+                </a:tc>
+                <a:extLst>
+                  <a:ext uri="{0D108BD9-81ED-4DB2-BD59-A6C34878D82A}">
+                    <a16:rowId xmlns:a16="http://schemas.microsoft.com/office/drawing/2014/main" val="371519457"/>
+                  </a:ext>
+                </a:extLst>
+              </a:tr>
+            </a:tbl>
+          </a:graphicData>
+        </a:graphic>
+      </p:graphicFrame>
     </p:spTree>
     <p:extLst>
       <p:ext uri="{BB962C8B-B14F-4D97-AF65-F5344CB8AC3E}">
@@ -5988,7 +5625,7 @@
           <p:cNvPr id="2" name="Title 1">
             <a:extLst>
               <a:ext uri="{FF2B5EF4-FFF2-40B4-BE49-F238E27FC236}">
-                <a16:creationId xmlns:a16="http://schemas.microsoft.com/office/drawing/2014/main" id="{E991BDDB-6BD5-043A-AD29-EFF4C154CD58}"/>
+                <a16:creationId xmlns:a16="http://schemas.microsoft.com/office/drawing/2014/main" id="{6363FF59-86A0-A2A6-8D2A-CDB655660526}"/>
               </a:ext>
             </a:extLst>
           </p:cNvPr>
@@ -5996,7 +5633,7 @@
             <a:spLocks noGrp="1"/>
           </p:cNvSpPr>
           <p:nvPr>
-            <p:ph type="title"/>
+            <p:ph type="ctrTitle"/>
           </p:nvPr>
         </p:nvSpPr>
         <p:spPr/>
@@ -6004,187 +5641,68 @@
           <a:bodyPr/>
           <a:lstStyle/>
           <a:p>
-            <a:pPr algn="ctr"/>
-            <a:r>
-              <a:rPr lang="en-US" dirty="0">
-                <a:solidFill>
-                  <a:srgbClr val="000000"/>
-                </a:solidFill>
-                <a:cs typeface="Calibri Light"/>
-              </a:rPr>
-              <a:t>Class Plan</a:t>
-            </a:r>
-            <a:endParaRPr lang="en-US" dirty="0">
-              <a:solidFill>
-                <a:srgbClr val="000000"/>
-              </a:solidFill>
-            </a:endParaRPr>
+            <a:r>
+              <a:rPr lang="en-US" dirty="0"/>
+              <a:t>Intro to Text Analysis</a:t>
+            </a:r>
           </a:p>
         </p:txBody>
       </p:sp>
       <p:sp>
         <p:nvSpPr>
-          <p:cNvPr id="3" name="TextBox 2">
+          <p:cNvPr id="3" name="Subtitle 2">
             <a:extLst>
               <a:ext uri="{FF2B5EF4-FFF2-40B4-BE49-F238E27FC236}">
-                <a16:creationId xmlns:a16="http://schemas.microsoft.com/office/drawing/2014/main" id="{2749BB40-7626-A2CD-2237-3AEFD54F5F17}"/>
+                <a16:creationId xmlns:a16="http://schemas.microsoft.com/office/drawing/2014/main" id="{99153C39-FBC4-D632-AD4F-95B68E433B8B}"/>
               </a:ext>
             </a:extLst>
           </p:cNvPr>
-          <p:cNvSpPr txBox="1"/>
-          <p:nvPr/>
+          <p:cNvSpPr>
+            <a:spLocks noGrp="1"/>
+          </p:cNvSpPr>
+          <p:nvPr>
+            <p:ph type="subTitle" idx="1"/>
+          </p:nvPr>
         </p:nvSpPr>
-        <p:spPr>
-          <a:xfrm>
-            <a:off x="713678" y="1773044"/>
-            <a:ext cx="7794702" cy="2554545"/>
-          </a:xfrm>
-          <a:prstGeom prst="rect">
-            <a:avLst/>
-          </a:prstGeom>
-          <a:noFill/>
-        </p:spPr>
+        <p:spPr/>
         <p:txBody>
-          <a:bodyPr wrap="square" lIns="91440" tIns="45720" rIns="91440" bIns="45720" rtlCol="0" anchor="t">
-            <a:spAutoFit/>
+          <a:bodyPr>
+            <a:normAutofit lnSpcReduction="10000"/>
           </a:bodyPr>
           <a:lstStyle/>
           <a:p>
             <a:r>
-              <a:rPr lang="en-US" sz="2000" dirty="0">
-                <a:latin typeface="Times New Roman"/>
-                <a:cs typeface="Times New Roman"/>
-              </a:rPr>
-              <a:t>3. Text Vectorization Approaches (Unsupervised Machine Learning)</a:t>
-            </a:r>
-            <a:endParaRPr lang="en-US" sz="2000" dirty="0">
-              <a:latin typeface="Times New Roman" panose="02020603050405020304" pitchFamily="18" charset="0"/>
-              <a:cs typeface="Times New Roman" panose="02020603050405020304" pitchFamily="18" charset="0"/>
-            </a:endParaRPr>
-          </a:p>
-          <a:p>
-            <a:pPr marL="800100" lvl="1" indent="-342900">
-              <a:buFont typeface="Arial" panose="020B0604020202020204" pitchFamily="34" charset="0"/>
-              <a:buChar char="•"/>
-            </a:pPr>
-            <a:r>
-              <a:rPr lang="en-US" sz="2000" dirty="0">
+              <a:rPr lang="en-US" dirty="0">
                 <a:latin typeface="Times New Roman" panose="02020603050405020304" pitchFamily="18" charset="0"/>
                 <a:cs typeface="Times New Roman" panose="02020603050405020304" pitchFamily="18" charset="0"/>
               </a:rPr>
-              <a:t>Topic Modeling</a:t>
-            </a:r>
-          </a:p>
-          <a:p>
-            <a:pPr marL="800100" lvl="1" indent="-342900">
-              <a:buFont typeface="Arial" panose="020B0604020202020204" pitchFamily="34" charset="0"/>
-              <a:buChar char="•"/>
-            </a:pPr>
-            <a:r>
-              <a:rPr lang="en-US" sz="2000" dirty="0">
-                <a:latin typeface="Times New Roman" panose="02020603050405020304" pitchFamily="18" charset="0"/>
-                <a:cs typeface="Times New Roman" panose="02020603050405020304" pitchFamily="18" charset="0"/>
-              </a:rPr>
-              <a:t>Clustering with Doc2Vec</a:t>
-            </a:r>
-          </a:p>
-          <a:p>
-            <a:endParaRPr lang="en-US" sz="2000" dirty="0">
-              <a:latin typeface="Times New Roman" panose="02020603050405020304" pitchFamily="18" charset="0"/>
-              <a:cs typeface="Times New Roman" panose="02020603050405020304" pitchFamily="18" charset="0"/>
-            </a:endParaRPr>
-          </a:p>
-          <a:p>
-            <a:pPr marL="457200" indent="-457200">
-              <a:buFont typeface="+mj-lt"/>
-              <a:buAutoNum type="arabicPeriod" startAt="4"/>
-            </a:pPr>
-            <a:r>
-              <a:rPr lang="en-US" sz="2000" dirty="0">
-                <a:latin typeface="Times New Roman" panose="02020603050405020304" pitchFamily="18" charset="0"/>
-                <a:cs typeface="Times New Roman" panose="02020603050405020304" pitchFamily="18" charset="0"/>
-              </a:rPr>
-              <a:t>Text Vectorization Approaches (Supervised Machine Learning)</a:t>
-            </a:r>
-          </a:p>
-          <a:p>
-            <a:pPr marL="800100" lvl="1" indent="-342900">
-              <a:buFont typeface="Arial" panose="020B0604020202020204" pitchFamily="34" charset="0"/>
-              <a:buChar char="•"/>
-            </a:pPr>
-            <a:r>
-              <a:rPr lang="en-US" sz="2000" dirty="0">
-                <a:latin typeface="Times New Roman" panose="02020603050405020304" pitchFamily="18" charset="0"/>
-                <a:cs typeface="Times New Roman" panose="02020603050405020304" pitchFamily="18" charset="0"/>
-              </a:rPr>
-              <a:t>Classification with Labelled Data</a:t>
-            </a:r>
-          </a:p>
-          <a:p>
-            <a:pPr marL="800100" lvl="1" indent="-342900">
-              <a:buFont typeface="Arial" panose="020B0604020202020204" pitchFamily="34" charset="0"/>
-              <a:buChar char="•"/>
-            </a:pPr>
-            <a:r>
-              <a:rPr lang="en-US" sz="2000" dirty="0">
-                <a:latin typeface="Times New Roman" panose="02020603050405020304" pitchFamily="18" charset="0"/>
-                <a:cs typeface="Times New Roman" panose="02020603050405020304" pitchFamily="18" charset="0"/>
-              </a:rPr>
-              <a:t>(Time-permitting) Zero-shot classification with BERT</a:t>
-            </a:r>
-          </a:p>
-          <a:p>
-            <a:pPr marL="800100" lvl="1" indent="-342900">
-              <a:buFont typeface="+mj-lt"/>
-              <a:buAutoNum type="arabicPeriod"/>
-            </a:pPr>
-            <a:endParaRPr lang="en-US" sz="2000" dirty="0">
-              <a:latin typeface="Times New Roman" panose="02020603050405020304" pitchFamily="18" charset="0"/>
-              <a:cs typeface="Times New Roman" panose="02020603050405020304" pitchFamily="18" charset="0"/>
-            </a:endParaRPr>
+              <a:t>Bag-of-Words Approaches</a:t>
+            </a:r>
           </a:p>
         </p:txBody>
       </p:sp>
-      <p:pic>
-        <p:nvPicPr>
-          <p:cNvPr id="4" name="Picture 3" descr="A diagram of different colored circles&#10;&#10;Description automatically generated">
-            <a:extLst>
-              <a:ext uri="{FF2B5EF4-FFF2-40B4-BE49-F238E27FC236}">
-                <a16:creationId xmlns:a16="http://schemas.microsoft.com/office/drawing/2014/main" id="{A60691A9-D90A-282C-7249-AE3C627FBD7F}"/>
-              </a:ext>
-            </a:extLst>
-          </p:cNvPr>
-          <p:cNvPicPr>
-            <a:picLocks noChangeAspect="1"/>
-          </p:cNvPicPr>
-          <p:nvPr/>
-        </p:nvPicPr>
-        <p:blipFill>
-          <a:blip r:embed="rId2"/>
-          <a:stretch>
-            <a:fillRect/>
-          </a:stretch>
-        </p:blipFill>
-        <p:spPr>
-          <a:xfrm>
-            <a:off x="2745241" y="4131696"/>
-            <a:ext cx="3663724" cy="2176688"/>
-          </a:xfrm>
-          <a:prstGeom prst="rect">
-            <a:avLst/>
-          </a:prstGeom>
-        </p:spPr>
-      </p:pic>
     </p:spTree>
     <p:extLst>
       <p:ext uri="{BB962C8B-B14F-4D97-AF65-F5344CB8AC3E}">
-        <p14:creationId xmlns:p14="http://schemas.microsoft.com/office/powerpoint/2010/main" val="1266258456"/>
+        <p14:creationId xmlns:p14="http://schemas.microsoft.com/office/powerpoint/2010/main" val="1535709138"/>
       </p:ext>
     </p:extLst>
   </p:cSld>
   <p:clrMapOvr>
     <a:masterClrMapping/>
   </p:clrMapOvr>
+  <mc:AlternateContent xmlns:mc="http://schemas.openxmlformats.org/markup-compatibility/2006" xmlns:p14="http://schemas.microsoft.com/office/powerpoint/2010/main">
+    <mc:Choice Requires="p14">
+      <p:transition spd="med" p14:dur="700">
+        <p:fade/>
+      </p:transition>
+    </mc:Choice>
+    <mc:Fallback xmlns="">
+      <p:transition spd="med">
+        <p:fade/>
+      </p:transition>
+    </mc:Fallback>
+  </mc:AlternateContent>
 </p:sld>
 </file>
 
@@ -6207,10 +5725,10 @@
       </p:grpSpPr>
       <p:sp>
         <p:nvSpPr>
-          <p:cNvPr id="2" name="Title 1">
+          <p:cNvPr id="3" name="Title 2">
             <a:extLst>
               <a:ext uri="{FF2B5EF4-FFF2-40B4-BE49-F238E27FC236}">
-                <a16:creationId xmlns:a16="http://schemas.microsoft.com/office/drawing/2014/main" id="{FF02E442-5BD2-C7E7-D487-182D2EC0E4FF}"/>
+                <a16:creationId xmlns:a16="http://schemas.microsoft.com/office/drawing/2014/main" id="{BC45AA74-45FE-4B76-4749-A2F9C387D374}"/>
               </a:ext>
             </a:extLst>
           </p:cNvPr>
@@ -6228,137 +5746,158 @@
           <a:p>
             <a:pPr algn="ctr"/>
             <a:r>
-              <a:rPr lang="en-US" dirty="0">
+              <a:rPr lang="en-US" b="1" dirty="0">
                 <a:solidFill>
-                  <a:srgbClr val="000000"/>
+                  <a:schemeClr val="tx1"/>
                 </a:solidFill>
-                <a:cs typeface="Calibri Light"/>
               </a:rPr>
-              <a:t>Today's Lesson</a:t>
-            </a:r>
-            <a:endParaRPr lang="en-US" dirty="0">
-              <a:solidFill>
-                <a:srgbClr val="000000"/>
-              </a:solidFill>
-            </a:endParaRPr>
+              <a:t>Tokenization</a:t>
+            </a:r>
           </a:p>
         </p:txBody>
       </p:sp>
-      <p:sp>
-        <p:nvSpPr>
-          <p:cNvPr id="3" name="Content Placeholder 2">
+      <p:pic>
+        <p:nvPicPr>
+          <p:cNvPr id="1026" name="Picture 2" descr="Tokenization in Sentiment Analysis. | by Felixmutai | Medium">
             <a:extLst>
               <a:ext uri="{FF2B5EF4-FFF2-40B4-BE49-F238E27FC236}">
-                <a16:creationId xmlns:a16="http://schemas.microsoft.com/office/drawing/2014/main" id="{13B6A96C-8D86-7F21-3DA5-4A818CE6C4D6}"/>
+                <a16:creationId xmlns:a16="http://schemas.microsoft.com/office/drawing/2014/main" id="{189546E9-472F-7FC0-CD7A-A15A40C35DB4}"/>
               </a:ext>
             </a:extLst>
           </p:cNvPr>
-          <p:cNvSpPr>
-            <a:spLocks noGrp="1"/>
-          </p:cNvSpPr>
-          <p:nvPr>
-            <p:ph idx="1"/>
-          </p:nvPr>
+          <p:cNvPicPr>
+            <a:picLocks noChangeAspect="1" noChangeArrowheads="1"/>
+          </p:cNvPicPr>
+          <p:nvPr/>
+        </p:nvPicPr>
+        <p:blipFill>
+          <a:blip r:embed="rId2">
+            <a:extLst>
+              <a:ext uri="{28A0092B-C50C-407E-A947-70E740481C1C}">
+                <a14:useLocalDpi xmlns:a14="http://schemas.microsoft.com/office/drawing/2010/main" val="0"/>
+              </a:ext>
+            </a:extLst>
+          </a:blip>
+          <a:srcRect/>
+          <a:stretch>
+            <a:fillRect/>
+          </a:stretch>
+        </p:blipFill>
+        <p:spPr bwMode="auto">
+          <a:xfrm>
+            <a:off x="1091052" y="1723292"/>
+            <a:ext cx="6613615" cy="2811585"/>
+          </a:xfrm>
+          <a:prstGeom prst="rect">
+            <a:avLst/>
+          </a:prstGeom>
+          <a:noFill/>
+          <a:extLst>
+            <a:ext uri="{909E8E84-426E-40DD-AFC4-6F175D3DCCD1}">
+              <a14:hiddenFill xmlns:a14="http://schemas.microsoft.com/office/drawing/2010/main">
+                <a:solidFill>
+                  <a:srgbClr val="FFFFFF"/>
+                </a:solidFill>
+              </a14:hiddenFill>
+            </a:ext>
+          </a:extLst>
+        </p:spPr>
+      </p:pic>
+      <p:sp>
+        <p:nvSpPr>
+          <p:cNvPr id="4" name="TextBox 3">
+            <a:extLst>
+              <a:ext uri="{FF2B5EF4-FFF2-40B4-BE49-F238E27FC236}">
+                <a16:creationId xmlns:a16="http://schemas.microsoft.com/office/drawing/2014/main" id="{3A422190-3450-D8F3-7260-D18D43E49617}"/>
+              </a:ext>
+            </a:extLst>
+          </p:cNvPr>
+          <p:cNvSpPr txBox="1"/>
+          <p:nvPr/>
         </p:nvSpPr>
         <p:spPr>
           <a:xfrm>
-            <a:off x="265289" y="1600200"/>
-            <a:ext cx="8370711" cy="4778022"/>
+            <a:off x="1195754" y="4935415"/>
+            <a:ext cx="6508913" cy="1754326"/>
           </a:xfrm>
+          <a:prstGeom prst="rect">
+            <a:avLst/>
+          </a:prstGeom>
+          <a:noFill/>
         </p:spPr>
         <p:txBody>
-          <a:bodyPr vert="horz" lIns="68580" tIns="34290" rIns="68580" bIns="34290" rtlCol="0" anchor="t">
-            <a:normAutofit/>
+          <a:bodyPr wrap="square" rtlCol="0">
+            <a:spAutoFit/>
           </a:bodyPr>
           <a:lstStyle/>
           <a:p>
-            <a:pPr marL="385445" indent="-385445">
-              <a:buAutoNum type="arabicPeriod"/>
+            <a:pPr marL="285750" indent="-285750">
+              <a:buFont typeface="Arial" panose="020B0604020202020204" pitchFamily="34" charset="0"/>
+              <a:buChar char="•"/>
             </a:pPr>
-            <a:endParaRPr lang="en-US" sz="3200" dirty="0">
-              <a:solidFill>
-                <a:schemeClr val="tx1"/>
-              </a:solidFill>
-              <a:latin typeface="Times New Roman"/>
-              <a:cs typeface="Calibri" panose="020F0502020204030204"/>
+            <a:r>
+              <a:rPr lang="en-US" dirty="0">
+                <a:latin typeface="Times New Roman" panose="02020603050405020304" pitchFamily="18" charset="0"/>
+                <a:cs typeface="Times New Roman" panose="02020603050405020304" pitchFamily="18" charset="0"/>
+              </a:rPr>
+              <a:t>Tokenization is the breaking down of text into components (words, </a:t>
+            </a:r>
+            <a:r>
+              <a:rPr lang="en-US" dirty="0" err="1">
+                <a:latin typeface="Times New Roman" panose="02020603050405020304" pitchFamily="18" charset="0"/>
+                <a:cs typeface="Times New Roman" panose="02020603050405020304" pitchFamily="18" charset="0"/>
+              </a:rPr>
+              <a:t>subwords</a:t>
+            </a:r>
+            <a:r>
+              <a:rPr lang="en-US" dirty="0">
+                <a:latin typeface="Times New Roman" panose="02020603050405020304" pitchFamily="18" charset="0"/>
+                <a:cs typeface="Times New Roman" panose="02020603050405020304" pitchFamily="18" charset="0"/>
+              </a:rPr>
+              <a:t>, punctuation etc.)</a:t>
+            </a:r>
+          </a:p>
+          <a:p>
+            <a:pPr marL="285750" indent="-285750">
+              <a:buFont typeface="Arial" panose="020B0604020202020204" pitchFamily="34" charset="0"/>
+              <a:buChar char="•"/>
+            </a:pPr>
+            <a:endParaRPr lang="en-US" dirty="0">
+              <a:latin typeface="Times New Roman" panose="02020603050405020304" pitchFamily="18" charset="0"/>
+              <a:cs typeface="Times New Roman" panose="02020603050405020304" pitchFamily="18" charset="0"/>
             </a:endParaRPr>
           </a:p>
           <a:p>
-            <a:pPr marL="385445" indent="-385445">
-              <a:buAutoNum type="arabicPeriod"/>
+            <a:pPr marL="285750" indent="-285750">
+              <a:buFont typeface="Arial" panose="020B0604020202020204" pitchFamily="34" charset="0"/>
+              <a:buChar char="•"/>
             </a:pPr>
             <a:r>
-              <a:rPr lang="en-US" sz="3200" dirty="0">
-                <a:solidFill>
-                  <a:schemeClr val="tx1"/>
-                </a:solidFill>
-                <a:latin typeface="Times New Roman"/>
-                <a:cs typeface="Calibri" panose="020F0502020204030204"/>
+              <a:rPr lang="en-US" dirty="0">
+                <a:latin typeface="Times New Roman" panose="02020603050405020304" pitchFamily="18" charset="0"/>
+                <a:cs typeface="Times New Roman" panose="02020603050405020304" pitchFamily="18" charset="0"/>
               </a:rPr>
-              <a:t>Opening and reading text files</a:t>
-            </a:r>
-          </a:p>
-          <a:p>
-            <a:pPr marL="385445" indent="-385445">
-              <a:buAutoNum type="arabicPeriod"/>
+              <a:t>Tokenization underlies ALL text analysis methods and models</a:t>
+            </a:r>
+          </a:p>
+          <a:p>
+            <a:pPr marL="285750" indent="-285750">
+              <a:buFont typeface="Arial" panose="020B0604020202020204" pitchFamily="34" charset="0"/>
+              <a:buChar char="•"/>
             </a:pPr>
-            <a:r>
-              <a:rPr lang="en-US" sz="3200" dirty="0">
-                <a:solidFill>
-                  <a:schemeClr val="tx1"/>
-                </a:solidFill>
-                <a:latin typeface="Times New Roman"/>
-                <a:cs typeface="Calibri" panose="020F0502020204030204"/>
-              </a:rPr>
-              <a:t>Text processing</a:t>
-            </a:r>
-          </a:p>
-          <a:p>
-            <a:pPr marL="385445" indent="-385445">
-              <a:buAutoNum type="arabicPeriod"/>
+            <a:endParaRPr lang="en-US" dirty="0">
+              <a:latin typeface="Times New Roman" panose="02020603050405020304" pitchFamily="18" charset="0"/>
+              <a:cs typeface="Times New Roman" panose="02020603050405020304" pitchFamily="18" charset="0"/>
+            </a:endParaRPr>
+          </a:p>
+          <a:p>
+            <a:pPr marL="285750" indent="-285750">
+              <a:buFont typeface="Arial" panose="020B0604020202020204" pitchFamily="34" charset="0"/>
+              <a:buChar char="•"/>
             </a:pPr>
-            <a:r>
-              <a:rPr lang="en-US" sz="3200" dirty="0">
-                <a:solidFill>
-                  <a:schemeClr val="tx1"/>
-                </a:solidFill>
-                <a:latin typeface="Times New Roman"/>
-                <a:cs typeface="Calibri" panose="020F0502020204030204"/>
-              </a:rPr>
-              <a:t>Word-frequency analysis</a:t>
-            </a:r>
-          </a:p>
-          <a:p>
-            <a:pPr marL="385445" indent="-385445">
-              <a:buAutoNum type="arabicPeriod"/>
-            </a:pPr>
-            <a:endParaRPr lang="en-US" sz="3200" dirty="0">
-              <a:solidFill>
-                <a:schemeClr val="tx1"/>
-              </a:solidFill>
-              <a:latin typeface="Times New Roman"/>
-              <a:cs typeface="Calibri" panose="020F0502020204030204"/>
-            </a:endParaRPr>
-          </a:p>
-          <a:p>
-            <a:pPr marL="0" indent="0" algn="ctr">
-              <a:buNone/>
-            </a:pPr>
-            <a:r>
-              <a:rPr lang="en-US" dirty="0">
-                <a:solidFill>
-                  <a:schemeClr val="tx1"/>
-                </a:solidFill>
-                <a:latin typeface="Times New Roman"/>
-                <a:cs typeface="Arial"/>
-              </a:rPr>
-              <a:t>https://github.com/ClaudiaECarroll/text_analysis_python</a:t>
-            </a:r>
             <a:endParaRPr lang="en-US" dirty="0">
-              <a:solidFill>
-                <a:schemeClr val="tx1"/>
-              </a:solidFill>
-              <a:latin typeface="Times New Roman"/>
+              <a:latin typeface="Times New Roman" panose="02020603050405020304" pitchFamily="18" charset="0"/>
+              <a:cs typeface="Times New Roman" panose="02020603050405020304" pitchFamily="18" charset="0"/>
             </a:endParaRPr>
           </a:p>
         </p:txBody>
@@ -6366,13 +5905,25 @@
     </p:spTree>
     <p:extLst>
       <p:ext uri="{BB962C8B-B14F-4D97-AF65-F5344CB8AC3E}">
-        <p14:creationId xmlns:p14="http://schemas.microsoft.com/office/powerpoint/2010/main" val="3839357258"/>
+        <p14:creationId xmlns:p14="http://schemas.microsoft.com/office/powerpoint/2010/main" val="2808906360"/>
       </p:ext>
     </p:extLst>
   </p:cSld>
   <p:clrMapOvr>
     <a:masterClrMapping/>
   </p:clrMapOvr>
+  <mc:AlternateContent xmlns:mc="http://schemas.openxmlformats.org/markup-compatibility/2006" xmlns:p14="http://schemas.microsoft.com/office/powerpoint/2010/main">
+    <mc:Choice Requires="p14">
+      <p:transition spd="med" p14:dur="700">
+        <p:fade/>
+      </p:transition>
+    </mc:Choice>
+    <mc:Fallback xmlns="">
+      <p:transition spd="med">
+        <p:fade/>
+      </p:transition>
+    </mc:Fallback>
+  </mc:AlternateContent>
 </p:sld>
 </file>
 
@@ -6381,7 +5932,1457 @@
   <p:cSld>
     <p:spTree>
       <p:nvGrpSpPr>
-        <p:cNvPr id="1" name=""/>
+        <p:cNvPr id="1" name="">
+          <a:extLst>
+            <a:ext uri="{FF2B5EF4-FFF2-40B4-BE49-F238E27FC236}">
+              <a16:creationId xmlns:a16="http://schemas.microsoft.com/office/drawing/2014/main" id="{9970A053-1769-8B39-DFCD-6848893A6C6D}"/>
+            </a:ext>
+          </a:extLst>
+        </p:cNvPr>
+        <p:cNvGrpSpPr/>
+        <p:nvPr/>
+      </p:nvGrpSpPr>
+      <p:grpSpPr>
+        <a:xfrm>
+          <a:off x="0" y="0"/>
+          <a:ext cx="0" cy="0"/>
+          <a:chOff x="0" y="0"/>
+          <a:chExt cx="0" cy="0"/>
+        </a:xfrm>
+      </p:grpSpPr>
+      <p:sp>
+        <p:nvSpPr>
+          <p:cNvPr id="3" name="Title 2">
+            <a:extLst>
+              <a:ext uri="{FF2B5EF4-FFF2-40B4-BE49-F238E27FC236}">
+                <a16:creationId xmlns:a16="http://schemas.microsoft.com/office/drawing/2014/main" id="{A8F8778D-3A7E-96E1-016D-8F778728CF1A}"/>
+              </a:ext>
+            </a:extLst>
+          </p:cNvPr>
+          <p:cNvSpPr>
+            <a:spLocks noGrp="1"/>
+          </p:cNvSpPr>
+          <p:nvPr>
+            <p:ph type="title"/>
+          </p:nvPr>
+        </p:nvSpPr>
+        <p:spPr/>
+        <p:txBody>
+          <a:bodyPr/>
+          <a:lstStyle/>
+          <a:p>
+            <a:pPr algn="ctr"/>
+            <a:r>
+              <a:rPr lang="en-US" b="1" dirty="0">
+                <a:solidFill>
+                  <a:schemeClr val="tx1"/>
+                </a:solidFill>
+              </a:rPr>
+              <a:t>Named Entity Recognition (NER)</a:t>
+            </a:r>
+          </a:p>
+        </p:txBody>
+      </p:sp>
+      <p:pic>
+        <p:nvPicPr>
+          <p:cNvPr id="2050" name="Picture 2" descr="What is Named Entity Recognition?">
+            <a:extLst>
+              <a:ext uri="{FF2B5EF4-FFF2-40B4-BE49-F238E27FC236}">
+                <a16:creationId xmlns:a16="http://schemas.microsoft.com/office/drawing/2014/main" id="{5A446B74-C43D-3185-9B13-A323EAAB2AA4}"/>
+              </a:ext>
+            </a:extLst>
+          </p:cNvPr>
+          <p:cNvPicPr>
+            <a:picLocks noChangeAspect="1" noChangeArrowheads="1"/>
+          </p:cNvPicPr>
+          <p:nvPr/>
+        </p:nvPicPr>
+        <p:blipFill>
+          <a:blip r:embed="rId2">
+            <a:extLst>
+              <a:ext uri="{28A0092B-C50C-407E-A947-70E740481C1C}">
+                <a14:useLocalDpi xmlns:a14="http://schemas.microsoft.com/office/drawing/2010/main" val="0"/>
+              </a:ext>
+            </a:extLst>
+          </a:blip>
+          <a:srcRect/>
+          <a:stretch>
+            <a:fillRect/>
+          </a:stretch>
+        </p:blipFill>
+        <p:spPr bwMode="auto">
+          <a:xfrm>
+            <a:off x="953267" y="1764760"/>
+            <a:ext cx="7237465" cy="3328480"/>
+          </a:xfrm>
+          <a:prstGeom prst="rect">
+            <a:avLst/>
+          </a:prstGeom>
+          <a:noFill/>
+          <a:extLst>
+            <a:ext uri="{909E8E84-426E-40DD-AFC4-6F175D3DCCD1}">
+              <a14:hiddenFill xmlns:a14="http://schemas.microsoft.com/office/drawing/2010/main">
+                <a:solidFill>
+                  <a:srgbClr val="FFFFFF"/>
+                </a:solidFill>
+              </a14:hiddenFill>
+            </a:ext>
+          </a:extLst>
+        </p:spPr>
+      </p:pic>
+    </p:spTree>
+    <p:extLst>
+      <p:ext uri="{BB962C8B-B14F-4D97-AF65-F5344CB8AC3E}">
+        <p14:creationId xmlns:p14="http://schemas.microsoft.com/office/powerpoint/2010/main" val="3671123620"/>
+      </p:ext>
+    </p:extLst>
+  </p:cSld>
+  <p:clrMapOvr>
+    <a:masterClrMapping/>
+  </p:clrMapOvr>
+  <mc:AlternateContent xmlns:mc="http://schemas.openxmlformats.org/markup-compatibility/2006">
+    <mc:Choice xmlns:p14="http://schemas.microsoft.com/office/powerpoint/2010/main" Requires="p14">
+      <p:transition spd="med" p14:dur="700">
+        <p:fade/>
+      </p:transition>
+    </mc:Choice>
+    <mc:Fallback>
+      <p:transition spd="med">
+        <p:fade/>
+      </p:transition>
+    </mc:Fallback>
+  </mc:AlternateContent>
+</p:sld>
+</file>
+
+<file path=ppt/slides/slide7.xml><?xml version="1.0" encoding="utf-8"?>
+<p:sld xmlns:a="http://schemas.openxmlformats.org/drawingml/2006/main" xmlns:r="http://schemas.openxmlformats.org/officeDocument/2006/relationships" xmlns:p="http://schemas.openxmlformats.org/presentationml/2006/main">
+  <p:cSld>
+    <p:spTree>
+      <p:nvGrpSpPr>
+        <p:cNvPr id="1" name="">
+          <a:extLst>
+            <a:ext uri="{FF2B5EF4-FFF2-40B4-BE49-F238E27FC236}">
+              <a16:creationId xmlns:a16="http://schemas.microsoft.com/office/drawing/2014/main" id="{3A47CF5B-7E38-5CDA-15C2-C735403AF7F5}"/>
+            </a:ext>
+          </a:extLst>
+        </p:cNvPr>
+        <p:cNvGrpSpPr/>
+        <p:nvPr/>
+      </p:nvGrpSpPr>
+      <p:grpSpPr>
+        <a:xfrm>
+          <a:off x="0" y="0"/>
+          <a:ext cx="0" cy="0"/>
+          <a:chOff x="0" y="0"/>
+          <a:chExt cx="0" cy="0"/>
+        </a:xfrm>
+      </p:grpSpPr>
+      <p:sp>
+        <p:nvSpPr>
+          <p:cNvPr id="3" name="Title 2">
+            <a:extLst>
+              <a:ext uri="{FF2B5EF4-FFF2-40B4-BE49-F238E27FC236}">
+                <a16:creationId xmlns:a16="http://schemas.microsoft.com/office/drawing/2014/main" id="{A339DDE7-FA65-AA26-23F0-9D91C06A8D02}"/>
+              </a:ext>
+            </a:extLst>
+          </p:cNvPr>
+          <p:cNvSpPr>
+            <a:spLocks noGrp="1"/>
+          </p:cNvSpPr>
+          <p:nvPr>
+            <p:ph type="title"/>
+          </p:nvPr>
+        </p:nvSpPr>
+        <p:spPr/>
+        <p:txBody>
+          <a:bodyPr/>
+          <a:lstStyle/>
+          <a:p>
+            <a:pPr algn="ctr"/>
+            <a:r>
+              <a:rPr lang="en-US" b="1" dirty="0">
+                <a:solidFill>
+                  <a:schemeClr val="tx1"/>
+                </a:solidFill>
+              </a:rPr>
+              <a:t>Part-of-Speech Tagging (POS)</a:t>
+            </a:r>
+          </a:p>
+        </p:txBody>
+      </p:sp>
+      <p:pic>
+        <p:nvPicPr>
+          <p:cNvPr id="3074" name="Picture 2" descr="a_quick_brown_fox_jumps_over_a_lazy_dog.webp">
+            <a:extLst>
+              <a:ext uri="{FF2B5EF4-FFF2-40B4-BE49-F238E27FC236}">
+                <a16:creationId xmlns:a16="http://schemas.microsoft.com/office/drawing/2014/main" id="{D073353E-8CA2-7F6B-6D08-4C372A321023}"/>
+              </a:ext>
+            </a:extLst>
+          </p:cNvPr>
+          <p:cNvPicPr>
+            <a:picLocks noChangeAspect="1" noChangeArrowheads="1"/>
+          </p:cNvPicPr>
+          <p:nvPr/>
+        </p:nvPicPr>
+        <p:blipFill>
+          <a:blip r:embed="rId2">
+            <a:extLst>
+              <a:ext uri="{28A0092B-C50C-407E-A947-70E740481C1C}">
+                <a14:useLocalDpi xmlns:a14="http://schemas.microsoft.com/office/drawing/2010/main" val="0"/>
+              </a:ext>
+            </a:extLst>
+          </a:blip>
+          <a:srcRect/>
+          <a:stretch>
+            <a:fillRect/>
+          </a:stretch>
+        </p:blipFill>
+        <p:spPr bwMode="auto">
+          <a:xfrm>
+            <a:off x="820615" y="1670537"/>
+            <a:ext cx="7502769" cy="3751385"/>
+          </a:xfrm>
+          <a:prstGeom prst="rect">
+            <a:avLst/>
+          </a:prstGeom>
+          <a:noFill/>
+          <a:extLst>
+            <a:ext uri="{909E8E84-426E-40DD-AFC4-6F175D3DCCD1}">
+              <a14:hiddenFill xmlns:a14="http://schemas.microsoft.com/office/drawing/2010/main">
+                <a:solidFill>
+                  <a:srgbClr val="FFFFFF"/>
+                </a:solidFill>
+              </a14:hiddenFill>
+            </a:ext>
+          </a:extLst>
+        </p:spPr>
+      </p:pic>
+      <p:sp>
+        <p:nvSpPr>
+          <p:cNvPr id="4" name="TextBox 3">
+            <a:extLst>
+              <a:ext uri="{FF2B5EF4-FFF2-40B4-BE49-F238E27FC236}">
+                <a16:creationId xmlns:a16="http://schemas.microsoft.com/office/drawing/2014/main" id="{B09DEE0C-90D0-595F-CA2F-694FB7617283}"/>
+              </a:ext>
+            </a:extLst>
+          </p:cNvPr>
+          <p:cNvSpPr txBox="1"/>
+          <p:nvPr/>
+        </p:nvSpPr>
+        <p:spPr>
+          <a:xfrm>
+            <a:off x="820615" y="5615354"/>
+            <a:ext cx="7502769" cy="646331"/>
+          </a:xfrm>
+          <a:prstGeom prst="rect">
+            <a:avLst/>
+          </a:prstGeom>
+          <a:noFill/>
+        </p:spPr>
+        <p:txBody>
+          <a:bodyPr wrap="square" rtlCol="0">
+            <a:spAutoFit/>
+          </a:bodyPr>
+          <a:lstStyle/>
+          <a:p>
+            <a:r>
+              <a:rPr lang="en-US" dirty="0">
+                <a:latin typeface="Times New Roman" panose="02020603050405020304" pitchFamily="18" charset="0"/>
+                <a:cs typeface="Times New Roman" panose="02020603050405020304" pitchFamily="18" charset="0"/>
+              </a:rPr>
+              <a:t>Labelling each word in a text with its grammatical part-of-speech (noun, adjective, determiner, verb etc.)</a:t>
+            </a:r>
+          </a:p>
+        </p:txBody>
+      </p:sp>
+    </p:spTree>
+    <p:extLst>
+      <p:ext uri="{BB962C8B-B14F-4D97-AF65-F5344CB8AC3E}">
+        <p14:creationId xmlns:p14="http://schemas.microsoft.com/office/powerpoint/2010/main" val="2980873988"/>
+      </p:ext>
+    </p:extLst>
+  </p:cSld>
+  <p:clrMapOvr>
+    <a:masterClrMapping/>
+  </p:clrMapOvr>
+  <mc:AlternateContent xmlns:mc="http://schemas.openxmlformats.org/markup-compatibility/2006">
+    <mc:Choice xmlns:p14="http://schemas.microsoft.com/office/powerpoint/2010/main" Requires="p14">
+      <p:transition spd="med" p14:dur="700">
+        <p:fade/>
+      </p:transition>
+    </mc:Choice>
+    <mc:Fallback>
+      <p:transition spd="med">
+        <p:fade/>
+      </p:transition>
+    </mc:Fallback>
+  </mc:AlternateContent>
+</p:sld>
+</file>
+
+<file path=ppt/slides/slide8.xml><?xml version="1.0" encoding="utf-8"?>
+<p:sld xmlns:a="http://schemas.openxmlformats.org/drawingml/2006/main" xmlns:r="http://schemas.openxmlformats.org/officeDocument/2006/relationships" xmlns:p="http://schemas.openxmlformats.org/presentationml/2006/main">
+  <p:cSld>
+    <p:spTree>
+      <p:nvGrpSpPr>
+        <p:cNvPr id="1" name="">
+          <a:extLst>
+            <a:ext uri="{FF2B5EF4-FFF2-40B4-BE49-F238E27FC236}">
+              <a16:creationId xmlns:a16="http://schemas.microsoft.com/office/drawing/2014/main" id="{E3BA2D93-31BF-49C8-EEB8-F7F0118E7203}"/>
+            </a:ext>
+          </a:extLst>
+        </p:cNvPr>
+        <p:cNvGrpSpPr/>
+        <p:nvPr/>
+      </p:nvGrpSpPr>
+      <p:grpSpPr>
+        <a:xfrm>
+          <a:off x="0" y="0"/>
+          <a:ext cx="0" cy="0"/>
+          <a:chOff x="0" y="0"/>
+          <a:chExt cx="0" cy="0"/>
+        </a:xfrm>
+      </p:grpSpPr>
+      <p:sp>
+        <p:nvSpPr>
+          <p:cNvPr id="3" name="Title 2">
+            <a:extLst>
+              <a:ext uri="{FF2B5EF4-FFF2-40B4-BE49-F238E27FC236}">
+                <a16:creationId xmlns:a16="http://schemas.microsoft.com/office/drawing/2014/main" id="{CCE7BAB1-35A3-0DF9-7C5D-F34197BC0BD4}"/>
+              </a:ext>
+            </a:extLst>
+          </p:cNvPr>
+          <p:cNvSpPr>
+            <a:spLocks noGrp="1"/>
+          </p:cNvSpPr>
+          <p:nvPr>
+            <p:ph type="title"/>
+          </p:nvPr>
+        </p:nvSpPr>
+        <p:spPr/>
+        <p:txBody>
+          <a:bodyPr/>
+          <a:lstStyle/>
+          <a:p>
+            <a:pPr algn="ctr"/>
+            <a:r>
+              <a:rPr lang="en-US" sz="2800" b="1" dirty="0">
+                <a:solidFill>
+                  <a:schemeClr val="tx1"/>
+                </a:solidFill>
+              </a:rPr>
+              <a:t>Term-Frequency/Inverse Document Frequency (TF-IDF)</a:t>
+            </a:r>
+          </a:p>
+        </p:txBody>
+      </p:sp>
+      <p:sp>
+        <p:nvSpPr>
+          <p:cNvPr id="4" name="Rectangle 3">
+            <a:extLst>
+              <a:ext uri="{FF2B5EF4-FFF2-40B4-BE49-F238E27FC236}">
+                <a16:creationId xmlns:a16="http://schemas.microsoft.com/office/drawing/2014/main" id="{5E3073A3-42AA-B294-B26A-6D3F3A763F5C}"/>
+              </a:ext>
+            </a:extLst>
+          </p:cNvPr>
+          <p:cNvSpPr/>
+          <p:nvPr/>
+        </p:nvSpPr>
+        <p:spPr>
+          <a:xfrm>
+            <a:off x="533399" y="1683117"/>
+            <a:ext cx="7877908" cy="4443046"/>
+          </a:xfrm>
+          <a:prstGeom prst="rect">
+            <a:avLst/>
+          </a:prstGeom>
+          <a:solidFill>
+            <a:schemeClr val="bg1"/>
+          </a:solidFill>
+        </p:spPr>
+        <p:style>
+          <a:lnRef idx="1">
+            <a:schemeClr val="accent1"/>
+          </a:lnRef>
+          <a:fillRef idx="3">
+            <a:schemeClr val="accent1"/>
+          </a:fillRef>
+          <a:effectRef idx="2">
+            <a:schemeClr val="accent1"/>
+          </a:effectRef>
+          <a:fontRef idx="minor">
+            <a:schemeClr val="lt1"/>
+          </a:fontRef>
+        </p:style>
+        <p:txBody>
+          <a:bodyPr rtlCol="0" anchor="ctr"/>
+          <a:lstStyle/>
+          <a:p>
+            <a:pPr algn="ctr"/>
+            <a:endParaRPr lang="en-US" dirty="0"/>
+          </a:p>
+        </p:txBody>
+      </p:sp>
+      <p:cxnSp>
+        <p:nvCxnSpPr>
+          <p:cNvPr id="6" name="Straight Connector 5">
+            <a:extLst>
+              <a:ext uri="{FF2B5EF4-FFF2-40B4-BE49-F238E27FC236}">
+                <a16:creationId xmlns:a16="http://schemas.microsoft.com/office/drawing/2014/main" id="{FE030562-DD49-C899-BF04-E17CF6653B62}"/>
+              </a:ext>
+            </a:extLst>
+          </p:cNvPr>
+          <p:cNvCxnSpPr>
+            <a:cxnSpLocks/>
+          </p:cNvCxnSpPr>
+          <p:nvPr/>
+        </p:nvCxnSpPr>
+        <p:spPr>
+          <a:xfrm>
+            <a:off x="2051539" y="2286000"/>
+            <a:ext cx="0" cy="3106615"/>
+          </a:xfrm>
+          <a:prstGeom prst="line">
+            <a:avLst/>
+          </a:prstGeom>
+        </p:spPr>
+        <p:style>
+          <a:lnRef idx="2">
+            <a:schemeClr val="accent1"/>
+          </a:lnRef>
+          <a:fillRef idx="0">
+            <a:schemeClr val="accent1"/>
+          </a:fillRef>
+          <a:effectRef idx="1">
+            <a:schemeClr val="accent1"/>
+          </a:effectRef>
+          <a:fontRef idx="minor">
+            <a:schemeClr val="tx1"/>
+          </a:fontRef>
+        </p:style>
+      </p:cxnSp>
+      <p:cxnSp>
+        <p:nvCxnSpPr>
+          <p:cNvPr id="8" name="Straight Connector 7">
+            <a:extLst>
+              <a:ext uri="{FF2B5EF4-FFF2-40B4-BE49-F238E27FC236}">
+                <a16:creationId xmlns:a16="http://schemas.microsoft.com/office/drawing/2014/main" id="{580F2F8F-3851-0749-EF71-956C4E586E58}"/>
+              </a:ext>
+            </a:extLst>
+          </p:cNvPr>
+          <p:cNvCxnSpPr>
+            <a:cxnSpLocks/>
+          </p:cNvCxnSpPr>
+          <p:nvPr/>
+        </p:nvCxnSpPr>
+        <p:spPr>
+          <a:xfrm>
+            <a:off x="2051539" y="5392615"/>
+            <a:ext cx="5052646" cy="0"/>
+          </a:xfrm>
+          <a:prstGeom prst="line">
+            <a:avLst/>
+          </a:prstGeom>
+        </p:spPr>
+        <p:style>
+          <a:lnRef idx="2">
+            <a:schemeClr val="accent1"/>
+          </a:lnRef>
+          <a:fillRef idx="0">
+            <a:schemeClr val="accent1"/>
+          </a:fillRef>
+          <a:effectRef idx="1">
+            <a:schemeClr val="accent1"/>
+          </a:effectRef>
+          <a:fontRef idx="minor">
+            <a:schemeClr val="tx1"/>
+          </a:fontRef>
+        </p:style>
+      </p:cxnSp>
+      <p:sp>
+        <p:nvSpPr>
+          <p:cNvPr id="12" name="TextBox 11">
+            <a:extLst>
+              <a:ext uri="{FF2B5EF4-FFF2-40B4-BE49-F238E27FC236}">
+                <a16:creationId xmlns:a16="http://schemas.microsoft.com/office/drawing/2014/main" id="{7F2B7D4E-D9F9-0CAE-929A-DC7D5E539F4C}"/>
+              </a:ext>
+            </a:extLst>
+          </p:cNvPr>
+          <p:cNvSpPr txBox="1"/>
+          <p:nvPr/>
+        </p:nvSpPr>
+        <p:spPr>
+          <a:xfrm>
+            <a:off x="2778369" y="5709138"/>
+            <a:ext cx="3387969" cy="369332"/>
+          </a:xfrm>
+          <a:prstGeom prst="rect">
+            <a:avLst/>
+          </a:prstGeom>
+          <a:noFill/>
+        </p:spPr>
+        <p:txBody>
+          <a:bodyPr wrap="square" rtlCol="0">
+            <a:spAutoFit/>
+          </a:bodyPr>
+          <a:lstStyle/>
+          <a:p>
+            <a:pPr algn="ctr"/>
+            <a:r>
+              <a:rPr lang="en-US" dirty="0">
+                <a:latin typeface="Times New Roman" panose="02020603050405020304" pitchFamily="18" charset="0"/>
+                <a:cs typeface="Times New Roman" panose="02020603050405020304" pitchFamily="18" charset="0"/>
+              </a:rPr>
+              <a:t>Document Frequency</a:t>
+            </a:r>
+          </a:p>
+        </p:txBody>
+      </p:sp>
+      <p:sp>
+        <p:nvSpPr>
+          <p:cNvPr id="13" name="TextBox 12">
+            <a:extLst>
+              <a:ext uri="{FF2B5EF4-FFF2-40B4-BE49-F238E27FC236}">
+                <a16:creationId xmlns:a16="http://schemas.microsoft.com/office/drawing/2014/main" id="{BEB0F1E9-0F0E-322C-0DB7-0E6E0D744B35}"/>
+              </a:ext>
+            </a:extLst>
+          </p:cNvPr>
+          <p:cNvSpPr txBox="1"/>
+          <p:nvPr/>
+        </p:nvSpPr>
+        <p:spPr>
+          <a:xfrm>
+            <a:off x="644769" y="3429000"/>
+            <a:ext cx="1207477" cy="646331"/>
+          </a:xfrm>
+          <a:prstGeom prst="rect">
+            <a:avLst/>
+          </a:prstGeom>
+          <a:noFill/>
+        </p:spPr>
+        <p:txBody>
+          <a:bodyPr wrap="square" rtlCol="0">
+            <a:spAutoFit/>
+          </a:bodyPr>
+          <a:lstStyle/>
+          <a:p>
+            <a:r>
+              <a:rPr lang="en-US" dirty="0">
+                <a:latin typeface="Times New Roman" panose="02020603050405020304" pitchFamily="18" charset="0"/>
+                <a:cs typeface="Times New Roman" panose="02020603050405020304" pitchFamily="18" charset="0"/>
+              </a:rPr>
+              <a:t>Term</a:t>
+            </a:r>
+          </a:p>
+          <a:p>
+            <a:r>
+              <a:rPr lang="en-US" dirty="0">
+                <a:latin typeface="Times New Roman" panose="02020603050405020304" pitchFamily="18" charset="0"/>
+                <a:cs typeface="Times New Roman" panose="02020603050405020304" pitchFamily="18" charset="0"/>
+              </a:rPr>
+              <a:t>Frequency</a:t>
+            </a:r>
+          </a:p>
+        </p:txBody>
+      </p:sp>
+      <p:sp>
+        <p:nvSpPr>
+          <p:cNvPr id="14" name="Oval 13">
+            <a:extLst>
+              <a:ext uri="{FF2B5EF4-FFF2-40B4-BE49-F238E27FC236}">
+                <a16:creationId xmlns:a16="http://schemas.microsoft.com/office/drawing/2014/main" id="{837A26C2-69A1-1F75-3B7A-730662BC05B3}"/>
+              </a:ext>
+            </a:extLst>
+          </p:cNvPr>
+          <p:cNvSpPr/>
+          <p:nvPr/>
+        </p:nvSpPr>
+        <p:spPr>
+          <a:xfrm>
+            <a:off x="6095997" y="2684156"/>
+            <a:ext cx="140677" cy="152400"/>
+          </a:xfrm>
+          <a:prstGeom prst="ellipse">
+            <a:avLst/>
+          </a:prstGeom>
+        </p:spPr>
+        <p:style>
+          <a:lnRef idx="1">
+            <a:schemeClr val="accent1"/>
+          </a:lnRef>
+          <a:fillRef idx="3">
+            <a:schemeClr val="accent1"/>
+          </a:fillRef>
+          <a:effectRef idx="2">
+            <a:schemeClr val="accent1"/>
+          </a:effectRef>
+          <a:fontRef idx="minor">
+            <a:schemeClr val="lt1"/>
+          </a:fontRef>
+        </p:style>
+        <p:txBody>
+          <a:bodyPr rtlCol="0" anchor="ctr"/>
+          <a:lstStyle/>
+          <a:p>
+            <a:pPr algn="ctr"/>
+            <a:endParaRPr lang="en-US"/>
+          </a:p>
+        </p:txBody>
+      </p:sp>
+      <p:sp>
+        <p:nvSpPr>
+          <p:cNvPr id="15" name="Oval 14">
+            <a:extLst>
+              <a:ext uri="{FF2B5EF4-FFF2-40B4-BE49-F238E27FC236}">
+                <a16:creationId xmlns:a16="http://schemas.microsoft.com/office/drawing/2014/main" id="{02F0EF96-6BDF-C796-DB83-508EA15AB403}"/>
+              </a:ext>
+            </a:extLst>
+          </p:cNvPr>
+          <p:cNvSpPr/>
+          <p:nvPr/>
+        </p:nvSpPr>
+        <p:spPr>
+          <a:xfrm>
+            <a:off x="6095997" y="2930341"/>
+            <a:ext cx="140677" cy="152400"/>
+          </a:xfrm>
+          <a:prstGeom prst="ellipse">
+            <a:avLst/>
+          </a:prstGeom>
+        </p:spPr>
+        <p:style>
+          <a:lnRef idx="1">
+            <a:schemeClr val="accent1"/>
+          </a:lnRef>
+          <a:fillRef idx="3">
+            <a:schemeClr val="accent1"/>
+          </a:fillRef>
+          <a:effectRef idx="2">
+            <a:schemeClr val="accent1"/>
+          </a:effectRef>
+          <a:fontRef idx="minor">
+            <a:schemeClr val="lt1"/>
+          </a:fontRef>
+        </p:style>
+        <p:txBody>
+          <a:bodyPr rtlCol="0" anchor="ctr"/>
+          <a:lstStyle/>
+          <a:p>
+            <a:pPr algn="ctr"/>
+            <a:endParaRPr lang="en-US"/>
+          </a:p>
+        </p:txBody>
+      </p:sp>
+      <p:sp>
+        <p:nvSpPr>
+          <p:cNvPr id="16" name="Oval 15">
+            <a:extLst>
+              <a:ext uri="{FF2B5EF4-FFF2-40B4-BE49-F238E27FC236}">
+                <a16:creationId xmlns:a16="http://schemas.microsoft.com/office/drawing/2014/main" id="{79E5AED4-9FD1-1C3E-BA7D-E852EB0C7245}"/>
+              </a:ext>
+            </a:extLst>
+          </p:cNvPr>
+          <p:cNvSpPr/>
+          <p:nvPr/>
+        </p:nvSpPr>
+        <p:spPr>
+          <a:xfrm>
+            <a:off x="2497014" y="2630977"/>
+            <a:ext cx="140677" cy="152400"/>
+          </a:xfrm>
+          <a:prstGeom prst="ellipse">
+            <a:avLst/>
+          </a:prstGeom>
+        </p:spPr>
+        <p:style>
+          <a:lnRef idx="1">
+            <a:schemeClr val="accent1"/>
+          </a:lnRef>
+          <a:fillRef idx="3">
+            <a:schemeClr val="accent1"/>
+          </a:fillRef>
+          <a:effectRef idx="2">
+            <a:schemeClr val="accent1"/>
+          </a:effectRef>
+          <a:fontRef idx="minor">
+            <a:schemeClr val="lt1"/>
+          </a:fontRef>
+        </p:style>
+        <p:txBody>
+          <a:bodyPr rtlCol="0" anchor="ctr"/>
+          <a:lstStyle/>
+          <a:p>
+            <a:pPr algn="ctr"/>
+            <a:endParaRPr lang="en-US"/>
+          </a:p>
+        </p:txBody>
+      </p:sp>
+      <p:sp>
+        <p:nvSpPr>
+          <p:cNvPr id="17" name="Oval 16">
+            <a:extLst>
+              <a:ext uri="{FF2B5EF4-FFF2-40B4-BE49-F238E27FC236}">
+                <a16:creationId xmlns:a16="http://schemas.microsoft.com/office/drawing/2014/main" id="{0CC2D1E4-F644-8A04-1C71-4DF436B52EE5}"/>
+              </a:ext>
+            </a:extLst>
+          </p:cNvPr>
+          <p:cNvSpPr/>
+          <p:nvPr/>
+        </p:nvSpPr>
+        <p:spPr>
+          <a:xfrm>
+            <a:off x="2497014" y="2935777"/>
+            <a:ext cx="140677" cy="152400"/>
+          </a:xfrm>
+          <a:prstGeom prst="ellipse">
+            <a:avLst/>
+          </a:prstGeom>
+        </p:spPr>
+        <p:style>
+          <a:lnRef idx="1">
+            <a:schemeClr val="accent1"/>
+          </a:lnRef>
+          <a:fillRef idx="3">
+            <a:schemeClr val="accent1"/>
+          </a:fillRef>
+          <a:effectRef idx="2">
+            <a:schemeClr val="accent1"/>
+          </a:effectRef>
+          <a:fontRef idx="minor">
+            <a:schemeClr val="lt1"/>
+          </a:fontRef>
+        </p:style>
+        <p:txBody>
+          <a:bodyPr rtlCol="0" anchor="ctr"/>
+          <a:lstStyle/>
+          <a:p>
+            <a:pPr algn="ctr"/>
+            <a:endParaRPr lang="en-US"/>
+          </a:p>
+        </p:txBody>
+      </p:sp>
+      <p:sp>
+        <p:nvSpPr>
+          <p:cNvPr id="18" name="Oval 17">
+            <a:extLst>
+              <a:ext uri="{FF2B5EF4-FFF2-40B4-BE49-F238E27FC236}">
+                <a16:creationId xmlns:a16="http://schemas.microsoft.com/office/drawing/2014/main" id="{7883AAB0-9B46-64A4-2C74-023752BFFA51}"/>
+              </a:ext>
+            </a:extLst>
+          </p:cNvPr>
+          <p:cNvSpPr/>
+          <p:nvPr/>
+        </p:nvSpPr>
+        <p:spPr>
+          <a:xfrm>
+            <a:off x="6166336" y="4700098"/>
+            <a:ext cx="140677" cy="152400"/>
+          </a:xfrm>
+          <a:prstGeom prst="ellipse">
+            <a:avLst/>
+          </a:prstGeom>
+        </p:spPr>
+        <p:style>
+          <a:lnRef idx="1">
+            <a:schemeClr val="accent1"/>
+          </a:lnRef>
+          <a:fillRef idx="3">
+            <a:schemeClr val="accent1"/>
+          </a:fillRef>
+          <a:effectRef idx="2">
+            <a:schemeClr val="accent1"/>
+          </a:effectRef>
+          <a:fontRef idx="minor">
+            <a:schemeClr val="lt1"/>
+          </a:fontRef>
+        </p:style>
+        <p:txBody>
+          <a:bodyPr rtlCol="0" anchor="ctr"/>
+          <a:lstStyle/>
+          <a:p>
+            <a:pPr algn="ctr"/>
+            <a:endParaRPr lang="en-US"/>
+          </a:p>
+        </p:txBody>
+      </p:sp>
+      <p:sp>
+        <p:nvSpPr>
+          <p:cNvPr id="19" name="Oval 18">
+            <a:extLst>
+              <a:ext uri="{FF2B5EF4-FFF2-40B4-BE49-F238E27FC236}">
+                <a16:creationId xmlns:a16="http://schemas.microsoft.com/office/drawing/2014/main" id="{40A82E58-4584-E91C-9983-0473E10E4F88}"/>
+              </a:ext>
+            </a:extLst>
+          </p:cNvPr>
+          <p:cNvSpPr/>
+          <p:nvPr/>
+        </p:nvSpPr>
+        <p:spPr>
+          <a:xfrm>
+            <a:off x="2450116" y="4776298"/>
+            <a:ext cx="140677" cy="152400"/>
+          </a:xfrm>
+          <a:prstGeom prst="ellipse">
+            <a:avLst/>
+          </a:prstGeom>
+        </p:spPr>
+        <p:style>
+          <a:lnRef idx="1">
+            <a:schemeClr val="accent1"/>
+          </a:lnRef>
+          <a:fillRef idx="3">
+            <a:schemeClr val="accent1"/>
+          </a:fillRef>
+          <a:effectRef idx="2">
+            <a:schemeClr val="accent1"/>
+          </a:effectRef>
+          <a:fontRef idx="minor">
+            <a:schemeClr val="lt1"/>
+          </a:fontRef>
+        </p:style>
+        <p:txBody>
+          <a:bodyPr rtlCol="0" anchor="ctr"/>
+          <a:lstStyle/>
+          <a:p>
+            <a:pPr algn="ctr"/>
+            <a:endParaRPr lang="en-US"/>
+          </a:p>
+        </p:txBody>
+      </p:sp>
+      <p:sp>
+        <p:nvSpPr>
+          <p:cNvPr id="20" name="Oval 19">
+            <a:extLst>
+              <a:ext uri="{FF2B5EF4-FFF2-40B4-BE49-F238E27FC236}">
+                <a16:creationId xmlns:a16="http://schemas.microsoft.com/office/drawing/2014/main" id="{26561B89-6C30-4B14-F332-367FEC61D08F}"/>
+              </a:ext>
+            </a:extLst>
+          </p:cNvPr>
+          <p:cNvSpPr/>
+          <p:nvPr/>
+        </p:nvSpPr>
+        <p:spPr>
+          <a:xfrm>
+            <a:off x="6166337" y="5022483"/>
+            <a:ext cx="140677" cy="152400"/>
+          </a:xfrm>
+          <a:prstGeom prst="ellipse">
+            <a:avLst/>
+          </a:prstGeom>
+        </p:spPr>
+        <p:style>
+          <a:lnRef idx="1">
+            <a:schemeClr val="accent1"/>
+          </a:lnRef>
+          <a:fillRef idx="3">
+            <a:schemeClr val="accent1"/>
+          </a:fillRef>
+          <a:effectRef idx="2">
+            <a:schemeClr val="accent1"/>
+          </a:effectRef>
+          <a:fontRef idx="minor">
+            <a:schemeClr val="lt1"/>
+          </a:fontRef>
+        </p:style>
+        <p:txBody>
+          <a:bodyPr rtlCol="0" anchor="ctr"/>
+          <a:lstStyle/>
+          <a:p>
+            <a:pPr algn="ctr"/>
+            <a:endParaRPr lang="en-US"/>
+          </a:p>
+        </p:txBody>
+      </p:sp>
+      <p:sp>
+        <p:nvSpPr>
+          <p:cNvPr id="21" name="Oval 20">
+            <a:extLst>
+              <a:ext uri="{FF2B5EF4-FFF2-40B4-BE49-F238E27FC236}">
+                <a16:creationId xmlns:a16="http://schemas.microsoft.com/office/drawing/2014/main" id="{0D8F0681-F625-718F-9672-58D01083A567}"/>
+              </a:ext>
+            </a:extLst>
+          </p:cNvPr>
+          <p:cNvSpPr/>
+          <p:nvPr/>
+        </p:nvSpPr>
+        <p:spPr>
+          <a:xfrm>
+            <a:off x="2461843" y="5098683"/>
+            <a:ext cx="140677" cy="152400"/>
+          </a:xfrm>
+          <a:prstGeom prst="ellipse">
+            <a:avLst/>
+          </a:prstGeom>
+        </p:spPr>
+        <p:style>
+          <a:lnRef idx="1">
+            <a:schemeClr val="accent1"/>
+          </a:lnRef>
+          <a:fillRef idx="3">
+            <a:schemeClr val="accent1"/>
+          </a:fillRef>
+          <a:effectRef idx="2">
+            <a:schemeClr val="accent1"/>
+          </a:effectRef>
+          <a:fontRef idx="minor">
+            <a:schemeClr val="lt1"/>
+          </a:fontRef>
+        </p:style>
+        <p:txBody>
+          <a:bodyPr rtlCol="0" anchor="ctr"/>
+          <a:lstStyle/>
+          <a:p>
+            <a:pPr algn="ctr"/>
+            <a:endParaRPr lang="en-US"/>
+          </a:p>
+        </p:txBody>
+      </p:sp>
+      <p:cxnSp>
+        <p:nvCxnSpPr>
+          <p:cNvPr id="23" name="Straight Arrow Connector 22">
+            <a:extLst>
+              <a:ext uri="{FF2B5EF4-FFF2-40B4-BE49-F238E27FC236}">
+                <a16:creationId xmlns:a16="http://schemas.microsoft.com/office/drawing/2014/main" id="{92768590-75F5-F12C-B813-7A747D902655}"/>
+              </a:ext>
+            </a:extLst>
+          </p:cNvPr>
+          <p:cNvCxnSpPr/>
+          <p:nvPr/>
+        </p:nvCxnSpPr>
+        <p:spPr>
+          <a:xfrm>
+            <a:off x="3856892" y="5615354"/>
+            <a:ext cx="1113693" cy="0"/>
+          </a:xfrm>
+          <a:prstGeom prst="straightConnector1">
+            <a:avLst/>
+          </a:prstGeom>
+          <a:ln>
+            <a:tailEnd type="triangle"/>
+          </a:ln>
+        </p:spPr>
+        <p:style>
+          <a:lnRef idx="2">
+            <a:schemeClr val="accent1"/>
+          </a:lnRef>
+          <a:fillRef idx="0">
+            <a:schemeClr val="accent1"/>
+          </a:fillRef>
+          <a:effectRef idx="1">
+            <a:schemeClr val="accent1"/>
+          </a:effectRef>
+          <a:fontRef idx="minor">
+            <a:schemeClr val="tx1"/>
+          </a:fontRef>
+        </p:style>
+      </p:cxnSp>
+      <p:cxnSp>
+        <p:nvCxnSpPr>
+          <p:cNvPr id="25" name="Straight Arrow Connector 24">
+            <a:extLst>
+              <a:ext uri="{FF2B5EF4-FFF2-40B4-BE49-F238E27FC236}">
+                <a16:creationId xmlns:a16="http://schemas.microsoft.com/office/drawing/2014/main" id="{89A7CC8D-C664-06EF-92AE-ABC5F58C8E40}"/>
+              </a:ext>
+            </a:extLst>
+          </p:cNvPr>
+          <p:cNvCxnSpPr/>
+          <p:nvPr/>
+        </p:nvCxnSpPr>
+        <p:spPr>
+          <a:xfrm flipV="1">
+            <a:off x="1852246" y="3235569"/>
+            <a:ext cx="0" cy="1172308"/>
+          </a:xfrm>
+          <a:prstGeom prst="straightConnector1">
+            <a:avLst/>
+          </a:prstGeom>
+          <a:ln>
+            <a:tailEnd type="triangle"/>
+          </a:ln>
+        </p:spPr>
+        <p:style>
+          <a:lnRef idx="2">
+            <a:schemeClr val="accent1"/>
+          </a:lnRef>
+          <a:fillRef idx="0">
+            <a:schemeClr val="accent1"/>
+          </a:fillRef>
+          <a:effectRef idx="1">
+            <a:schemeClr val="accent1"/>
+          </a:effectRef>
+          <a:fontRef idx="minor">
+            <a:schemeClr val="tx1"/>
+          </a:fontRef>
+        </p:style>
+      </p:cxnSp>
+      <p:sp>
+        <p:nvSpPr>
+          <p:cNvPr id="26" name="TextBox 25">
+            <a:extLst>
+              <a:ext uri="{FF2B5EF4-FFF2-40B4-BE49-F238E27FC236}">
+                <a16:creationId xmlns:a16="http://schemas.microsoft.com/office/drawing/2014/main" id="{39B0B327-5854-3069-08E1-4164534D505A}"/>
+              </a:ext>
+            </a:extLst>
+          </p:cNvPr>
+          <p:cNvSpPr txBox="1"/>
+          <p:nvPr/>
+        </p:nvSpPr>
+        <p:spPr>
+          <a:xfrm>
+            <a:off x="6307013" y="2568677"/>
+            <a:ext cx="668216" cy="276999"/>
+          </a:xfrm>
+          <a:prstGeom prst="rect">
+            <a:avLst/>
+          </a:prstGeom>
+          <a:noFill/>
+        </p:spPr>
+        <p:txBody>
+          <a:bodyPr wrap="square" rtlCol="0">
+            <a:spAutoFit/>
+          </a:bodyPr>
+          <a:lstStyle/>
+          <a:p>
+            <a:r>
+              <a:rPr lang="en-US" sz="1200" dirty="0">
+                <a:latin typeface="Times New Roman" panose="02020603050405020304" pitchFamily="18" charset="0"/>
+                <a:cs typeface="Times New Roman" panose="02020603050405020304" pitchFamily="18" charset="0"/>
+              </a:rPr>
+              <a:t>the</a:t>
+            </a:r>
+          </a:p>
+        </p:txBody>
+      </p:sp>
+      <p:sp>
+        <p:nvSpPr>
+          <p:cNvPr id="27" name="TextBox 26">
+            <a:extLst>
+              <a:ext uri="{FF2B5EF4-FFF2-40B4-BE49-F238E27FC236}">
+                <a16:creationId xmlns:a16="http://schemas.microsoft.com/office/drawing/2014/main" id="{337A98C5-8E25-CD54-A3BE-E15D90EB731A}"/>
+              </a:ext>
+            </a:extLst>
+          </p:cNvPr>
+          <p:cNvSpPr txBox="1"/>
+          <p:nvPr/>
+        </p:nvSpPr>
+        <p:spPr>
+          <a:xfrm>
+            <a:off x="6307013" y="2868041"/>
+            <a:ext cx="527541" cy="276999"/>
+          </a:xfrm>
+          <a:prstGeom prst="rect">
+            <a:avLst/>
+          </a:prstGeom>
+          <a:noFill/>
+        </p:spPr>
+        <p:txBody>
+          <a:bodyPr wrap="square" rtlCol="0">
+            <a:spAutoFit/>
+          </a:bodyPr>
+          <a:lstStyle/>
+          <a:p>
+            <a:r>
+              <a:rPr lang="en-US" sz="1200" dirty="0">
+                <a:latin typeface="Times New Roman" panose="02020603050405020304" pitchFamily="18" charset="0"/>
+                <a:cs typeface="Times New Roman" panose="02020603050405020304" pitchFamily="18" charset="0"/>
+              </a:rPr>
+              <a:t>of</a:t>
+            </a:r>
+          </a:p>
+        </p:txBody>
+      </p:sp>
+      <p:sp>
+        <p:nvSpPr>
+          <p:cNvPr id="28" name="TextBox 27">
+            <a:extLst>
+              <a:ext uri="{FF2B5EF4-FFF2-40B4-BE49-F238E27FC236}">
+                <a16:creationId xmlns:a16="http://schemas.microsoft.com/office/drawing/2014/main" id="{F46005D5-C0A8-1FA1-1E0D-75E29DABF937}"/>
+              </a:ext>
+            </a:extLst>
+          </p:cNvPr>
+          <p:cNvSpPr txBox="1"/>
+          <p:nvPr/>
+        </p:nvSpPr>
+        <p:spPr>
+          <a:xfrm>
+            <a:off x="6447692" y="4642339"/>
+            <a:ext cx="1430215" cy="276999"/>
+          </a:xfrm>
+          <a:prstGeom prst="rect">
+            <a:avLst/>
+          </a:prstGeom>
+          <a:noFill/>
+        </p:spPr>
+        <p:txBody>
+          <a:bodyPr wrap="square" rtlCol="0">
+            <a:spAutoFit/>
+          </a:bodyPr>
+          <a:lstStyle/>
+          <a:p>
+            <a:r>
+              <a:rPr lang="en-US" sz="1200" dirty="0">
+                <a:latin typeface="Times New Roman" panose="02020603050405020304" pitchFamily="18" charset="0"/>
+                <a:cs typeface="Times New Roman" panose="02020603050405020304" pitchFamily="18" charset="0"/>
+              </a:rPr>
+              <a:t>copyright</a:t>
+            </a:r>
+          </a:p>
+        </p:txBody>
+      </p:sp>
+      <p:sp>
+        <p:nvSpPr>
+          <p:cNvPr id="29" name="TextBox 28">
+            <a:extLst>
+              <a:ext uri="{FF2B5EF4-FFF2-40B4-BE49-F238E27FC236}">
+                <a16:creationId xmlns:a16="http://schemas.microsoft.com/office/drawing/2014/main" id="{66F8A592-BF5F-2B2A-CD52-DA85CC0A8D0F}"/>
+              </a:ext>
+            </a:extLst>
+          </p:cNvPr>
+          <p:cNvSpPr txBox="1"/>
+          <p:nvPr/>
+        </p:nvSpPr>
+        <p:spPr>
+          <a:xfrm>
+            <a:off x="6447692" y="4984057"/>
+            <a:ext cx="1066781" cy="276999"/>
+          </a:xfrm>
+          <a:prstGeom prst="rect">
+            <a:avLst/>
+          </a:prstGeom>
+          <a:noFill/>
+        </p:spPr>
+        <p:txBody>
+          <a:bodyPr wrap="square" rtlCol="0">
+            <a:spAutoFit/>
+          </a:bodyPr>
+          <a:lstStyle/>
+          <a:p>
+            <a:r>
+              <a:rPr lang="en-US" sz="1200" dirty="0">
+                <a:latin typeface="Times New Roman" panose="02020603050405020304" pitchFamily="18" charset="0"/>
+                <a:cs typeface="Times New Roman" panose="02020603050405020304" pitchFamily="18" charset="0"/>
+              </a:rPr>
+              <a:t>license</a:t>
+            </a:r>
+          </a:p>
+        </p:txBody>
+      </p:sp>
+      <p:sp>
+        <p:nvSpPr>
+          <p:cNvPr id="30" name="TextBox 29">
+            <a:extLst>
+              <a:ext uri="{FF2B5EF4-FFF2-40B4-BE49-F238E27FC236}">
+                <a16:creationId xmlns:a16="http://schemas.microsoft.com/office/drawing/2014/main" id="{0E644EC7-368D-4D06-2DF2-EF534EDB5148}"/>
+              </a:ext>
+            </a:extLst>
+          </p:cNvPr>
+          <p:cNvSpPr txBox="1"/>
+          <p:nvPr/>
+        </p:nvSpPr>
+        <p:spPr>
+          <a:xfrm>
+            <a:off x="2696312" y="2545656"/>
+            <a:ext cx="1160580" cy="276999"/>
+          </a:xfrm>
+          <a:prstGeom prst="rect">
+            <a:avLst/>
+          </a:prstGeom>
+          <a:noFill/>
+        </p:spPr>
+        <p:txBody>
+          <a:bodyPr wrap="square" rtlCol="0">
+            <a:spAutoFit/>
+          </a:bodyPr>
+          <a:lstStyle/>
+          <a:p>
+            <a:r>
+              <a:rPr lang="en-US" sz="1200" dirty="0">
+                <a:latin typeface="Times New Roman" panose="02020603050405020304" pitchFamily="18" charset="0"/>
+                <a:cs typeface="Times New Roman" panose="02020603050405020304" pitchFamily="18" charset="0"/>
+              </a:rPr>
+              <a:t>Rapunzel</a:t>
+            </a:r>
+          </a:p>
+        </p:txBody>
+      </p:sp>
+      <p:sp>
+        <p:nvSpPr>
+          <p:cNvPr id="31" name="TextBox 30">
+            <a:extLst>
+              <a:ext uri="{FF2B5EF4-FFF2-40B4-BE49-F238E27FC236}">
+                <a16:creationId xmlns:a16="http://schemas.microsoft.com/office/drawing/2014/main" id="{FE576C08-6706-4DCC-BECB-59AF9129DA40}"/>
+              </a:ext>
+            </a:extLst>
+          </p:cNvPr>
+          <p:cNvSpPr txBox="1"/>
+          <p:nvPr/>
+        </p:nvSpPr>
+        <p:spPr>
+          <a:xfrm>
+            <a:off x="2708030" y="2879336"/>
+            <a:ext cx="961293" cy="276999"/>
+          </a:xfrm>
+          <a:prstGeom prst="rect">
+            <a:avLst/>
+          </a:prstGeom>
+          <a:noFill/>
+        </p:spPr>
+        <p:txBody>
+          <a:bodyPr wrap="square" rtlCol="0">
+            <a:spAutoFit/>
+          </a:bodyPr>
+          <a:lstStyle/>
+          <a:p>
+            <a:r>
+              <a:rPr lang="en-US" sz="1200" dirty="0">
+                <a:latin typeface="Times New Roman" panose="02020603050405020304" pitchFamily="18" charset="0"/>
+                <a:cs typeface="Times New Roman" panose="02020603050405020304" pitchFamily="18" charset="0"/>
+              </a:rPr>
+              <a:t>Dwarf</a:t>
+            </a:r>
+          </a:p>
+        </p:txBody>
+      </p:sp>
+      <p:sp>
+        <p:nvSpPr>
+          <p:cNvPr id="32" name="TextBox 31">
+            <a:extLst>
+              <a:ext uri="{FF2B5EF4-FFF2-40B4-BE49-F238E27FC236}">
+                <a16:creationId xmlns:a16="http://schemas.microsoft.com/office/drawing/2014/main" id="{757C55D5-098A-192A-CEC6-60FE40D58C0D}"/>
+              </a:ext>
+            </a:extLst>
+          </p:cNvPr>
+          <p:cNvSpPr txBox="1"/>
+          <p:nvPr/>
+        </p:nvSpPr>
+        <p:spPr>
+          <a:xfrm>
+            <a:off x="2637691" y="4700098"/>
+            <a:ext cx="961293" cy="276999"/>
+          </a:xfrm>
+          <a:prstGeom prst="rect">
+            <a:avLst/>
+          </a:prstGeom>
+          <a:noFill/>
+        </p:spPr>
+        <p:txBody>
+          <a:bodyPr wrap="square" rtlCol="0">
+            <a:spAutoFit/>
+          </a:bodyPr>
+          <a:lstStyle/>
+          <a:p>
+            <a:r>
+              <a:rPr lang="en-US" sz="1200" dirty="0" err="1">
+                <a:latin typeface="Times New Roman" panose="02020603050405020304" pitchFamily="18" charset="0"/>
+                <a:cs typeface="Times New Roman" panose="02020603050405020304" pitchFamily="18" charset="0"/>
+              </a:rPr>
+              <a:t>thje</a:t>
+            </a:r>
+            <a:endParaRPr lang="en-US" sz="1200" dirty="0">
+              <a:latin typeface="Times New Roman" panose="02020603050405020304" pitchFamily="18" charset="0"/>
+              <a:cs typeface="Times New Roman" panose="02020603050405020304" pitchFamily="18" charset="0"/>
+            </a:endParaRPr>
+          </a:p>
+        </p:txBody>
+      </p:sp>
+      <p:sp>
+        <p:nvSpPr>
+          <p:cNvPr id="33" name="TextBox 32">
+            <a:extLst>
+              <a:ext uri="{FF2B5EF4-FFF2-40B4-BE49-F238E27FC236}">
+                <a16:creationId xmlns:a16="http://schemas.microsoft.com/office/drawing/2014/main" id="{E72FED67-1963-1915-31A0-11065C7444C8}"/>
+              </a:ext>
+            </a:extLst>
+          </p:cNvPr>
+          <p:cNvSpPr txBox="1"/>
+          <p:nvPr/>
+        </p:nvSpPr>
+        <p:spPr>
+          <a:xfrm>
+            <a:off x="2614253" y="5016620"/>
+            <a:ext cx="873368" cy="276999"/>
+          </a:xfrm>
+          <a:prstGeom prst="rect">
+            <a:avLst/>
+          </a:prstGeom>
+          <a:noFill/>
+        </p:spPr>
+        <p:txBody>
+          <a:bodyPr wrap="square" rtlCol="0">
+            <a:spAutoFit/>
+          </a:bodyPr>
+          <a:lstStyle/>
+          <a:p>
+            <a:r>
+              <a:rPr lang="en-US" sz="1200" dirty="0">
+                <a:latin typeface="Times New Roman" panose="02020603050405020304" pitchFamily="18" charset="0"/>
+                <a:cs typeface="Times New Roman" panose="02020603050405020304" pitchFamily="18" charset="0"/>
+              </a:rPr>
+              <a:t>pearl</a:t>
+            </a:r>
+          </a:p>
+        </p:txBody>
+      </p:sp>
+      <p:cxnSp>
+        <p:nvCxnSpPr>
+          <p:cNvPr id="35" name="Straight Connector 34">
+            <a:extLst>
+              <a:ext uri="{FF2B5EF4-FFF2-40B4-BE49-F238E27FC236}">
+                <a16:creationId xmlns:a16="http://schemas.microsoft.com/office/drawing/2014/main" id="{ED54B844-AEBA-F38A-22A0-08BA96B93612}"/>
+              </a:ext>
+            </a:extLst>
+          </p:cNvPr>
+          <p:cNvCxnSpPr/>
+          <p:nvPr/>
+        </p:nvCxnSpPr>
+        <p:spPr>
+          <a:xfrm>
+            <a:off x="2051539" y="3821723"/>
+            <a:ext cx="5052646" cy="0"/>
+          </a:xfrm>
+          <a:prstGeom prst="line">
+            <a:avLst/>
+          </a:prstGeom>
+        </p:spPr>
+        <p:style>
+          <a:lnRef idx="1">
+            <a:schemeClr val="accent6"/>
+          </a:lnRef>
+          <a:fillRef idx="0">
+            <a:schemeClr val="accent6"/>
+          </a:fillRef>
+          <a:effectRef idx="0">
+            <a:schemeClr val="accent6"/>
+          </a:effectRef>
+          <a:fontRef idx="minor">
+            <a:schemeClr val="tx1"/>
+          </a:fontRef>
+        </p:style>
+      </p:cxnSp>
+      <p:cxnSp>
+        <p:nvCxnSpPr>
+          <p:cNvPr id="37" name="Straight Connector 36">
+            <a:extLst>
+              <a:ext uri="{FF2B5EF4-FFF2-40B4-BE49-F238E27FC236}">
+                <a16:creationId xmlns:a16="http://schemas.microsoft.com/office/drawing/2014/main" id="{74048F1F-EC43-05D6-F083-D42A1ED9986C}"/>
+              </a:ext>
+            </a:extLst>
+          </p:cNvPr>
+          <p:cNvCxnSpPr/>
+          <p:nvPr/>
+        </p:nvCxnSpPr>
+        <p:spPr>
+          <a:xfrm flipV="1">
+            <a:off x="4572000" y="2286000"/>
+            <a:ext cx="0" cy="3106615"/>
+          </a:xfrm>
+          <a:prstGeom prst="line">
+            <a:avLst/>
+          </a:prstGeom>
+        </p:spPr>
+        <p:style>
+          <a:lnRef idx="1">
+            <a:schemeClr val="accent6"/>
+          </a:lnRef>
+          <a:fillRef idx="0">
+            <a:schemeClr val="accent6"/>
+          </a:fillRef>
+          <a:effectRef idx="0">
+            <a:schemeClr val="accent6"/>
+          </a:effectRef>
+          <a:fontRef idx="minor">
+            <a:schemeClr val="tx1"/>
+          </a:fontRef>
+        </p:style>
+      </p:cxnSp>
+      <p:sp>
+        <p:nvSpPr>
+          <p:cNvPr id="39" name="Oval 38">
+            <a:extLst>
+              <a:ext uri="{FF2B5EF4-FFF2-40B4-BE49-F238E27FC236}">
+                <a16:creationId xmlns:a16="http://schemas.microsoft.com/office/drawing/2014/main" id="{D73DB215-17EE-4321-2EB2-0E74A70BA486}"/>
+              </a:ext>
+            </a:extLst>
+          </p:cNvPr>
+          <p:cNvSpPr/>
+          <p:nvPr/>
+        </p:nvSpPr>
+        <p:spPr>
+          <a:xfrm>
+            <a:off x="2168771" y="2250833"/>
+            <a:ext cx="1688121" cy="1324706"/>
+          </a:xfrm>
+          <a:prstGeom prst="ellipse">
+            <a:avLst/>
+          </a:prstGeom>
+          <a:noFill/>
+          <a:ln w="38100">
+            <a:solidFill>
+              <a:srgbClr val="FF0000"/>
+            </a:solidFill>
+          </a:ln>
+        </p:spPr>
+        <p:style>
+          <a:lnRef idx="1">
+            <a:schemeClr val="accent1"/>
+          </a:lnRef>
+          <a:fillRef idx="3">
+            <a:schemeClr val="accent1"/>
+          </a:fillRef>
+          <a:effectRef idx="2">
+            <a:schemeClr val="accent1"/>
+          </a:effectRef>
+          <a:fontRef idx="minor">
+            <a:schemeClr val="lt1"/>
+          </a:fontRef>
+        </p:style>
+        <p:txBody>
+          <a:bodyPr rtlCol="0" anchor="ctr"/>
+          <a:lstStyle/>
+          <a:p>
+            <a:pPr algn="ctr"/>
+            <a:endParaRPr lang="en-US"/>
+          </a:p>
+        </p:txBody>
+      </p:sp>
+    </p:spTree>
+    <p:extLst>
+      <p:ext uri="{BB962C8B-B14F-4D97-AF65-F5344CB8AC3E}">
+        <p14:creationId xmlns:p14="http://schemas.microsoft.com/office/powerpoint/2010/main" val="4234291784"/>
+      </p:ext>
+    </p:extLst>
+  </p:cSld>
+  <p:clrMapOvr>
+    <a:masterClrMapping/>
+  </p:clrMapOvr>
+  <mc:AlternateContent xmlns:mc="http://schemas.openxmlformats.org/markup-compatibility/2006">
+    <mc:Choice xmlns:p14="http://schemas.microsoft.com/office/powerpoint/2010/main" Requires="p14">
+      <p:transition spd="med" p14:dur="700">
+        <p:fade/>
+      </p:transition>
+    </mc:Choice>
+    <mc:Fallback>
+      <p:transition spd="med">
+        <p:fade/>
+      </p:transition>
+    </mc:Fallback>
+  </mc:AlternateContent>
+</p:sld>
+</file>
+
+<file path=ppt/slides/slide9.xml><?xml version="1.0" encoding="utf-8"?>
+<p:sld xmlns:a="http://schemas.openxmlformats.org/drawingml/2006/main" xmlns:r="http://schemas.openxmlformats.org/officeDocument/2006/relationships" xmlns:p="http://schemas.openxmlformats.org/presentationml/2006/main">
+  <p:cSld>
+    <p:spTree>
+      <p:nvGrpSpPr>
+        <p:cNvPr id="1" name="">
+          <a:extLst>
+            <a:ext uri="{FF2B5EF4-FFF2-40B4-BE49-F238E27FC236}">
+              <a16:creationId xmlns:a16="http://schemas.microsoft.com/office/drawing/2014/main" id="{D07320D3-7A50-B068-7759-580F978FFF9A}"/>
+            </a:ext>
+          </a:extLst>
+        </p:cNvPr>
         <p:cNvGrpSpPr/>
         <p:nvPr/>
       </p:nvGrpSpPr>
@@ -6398,146 +7399,7 @@
           <p:cNvPr id="2" name="Title 1">
             <a:extLst>
               <a:ext uri="{FF2B5EF4-FFF2-40B4-BE49-F238E27FC236}">
-                <a16:creationId xmlns:a16="http://schemas.microsoft.com/office/drawing/2014/main" id="{FF02E442-5BD2-C7E7-D487-182D2EC0E4FF}"/>
-              </a:ext>
-            </a:extLst>
-          </p:cNvPr>
-          <p:cNvSpPr>
-            <a:spLocks noGrp="1"/>
-          </p:cNvSpPr>
-          <p:nvPr>
-            <p:ph type="title"/>
-          </p:nvPr>
-        </p:nvSpPr>
-        <p:spPr/>
-        <p:txBody>
-          <a:bodyPr/>
-          <a:lstStyle/>
-          <a:p>
-            <a:pPr algn="ctr"/>
-            <a:r>
-              <a:rPr lang="en-US" dirty="0">
-                <a:solidFill>
-                  <a:srgbClr val="000000"/>
-                </a:solidFill>
-                <a:latin typeface="Times New Roman"/>
-                <a:cs typeface="Calibri Light"/>
-              </a:rPr>
-              <a:t>Class Materials</a:t>
-            </a:r>
-            <a:endParaRPr lang="en-US" dirty="0">
-              <a:solidFill>
-                <a:srgbClr val="000000"/>
-              </a:solidFill>
-              <a:cs typeface="Calibri Light"/>
-            </a:endParaRPr>
-          </a:p>
-        </p:txBody>
-      </p:sp>
-      <p:sp>
-        <p:nvSpPr>
-          <p:cNvPr id="3" name="Content Placeholder 2">
-            <a:extLst>
-              <a:ext uri="{FF2B5EF4-FFF2-40B4-BE49-F238E27FC236}">
-                <a16:creationId xmlns:a16="http://schemas.microsoft.com/office/drawing/2014/main" id="{13B6A96C-8D86-7F21-3DA5-4A818CE6C4D6}"/>
-              </a:ext>
-            </a:extLst>
-          </p:cNvPr>
-          <p:cNvSpPr>
-            <a:spLocks noGrp="1"/>
-          </p:cNvSpPr>
-          <p:nvPr>
-            <p:ph idx="1"/>
-          </p:nvPr>
-        </p:nvSpPr>
-        <p:spPr/>
-        <p:txBody>
-          <a:bodyPr vert="horz" lIns="68580" tIns="34290" rIns="68580" bIns="34290" rtlCol="0" anchor="t">
-            <a:normAutofit/>
-          </a:bodyPr>
-          <a:lstStyle/>
-          <a:p>
-            <a:pPr marL="385445" indent="-385445">
-              <a:buAutoNum type="arabicPeriod"/>
-            </a:pPr>
-            <a:endParaRPr lang="en-US" sz="3200" dirty="0">
-              <a:solidFill>
-                <a:schemeClr val="tx1"/>
-              </a:solidFill>
-              <a:latin typeface="Times New Roman"/>
-              <a:cs typeface="Calibri" panose="020F0502020204030204"/>
-            </a:endParaRPr>
-          </a:p>
-          <a:p>
-            <a:pPr marL="0" indent="0">
-              <a:buNone/>
-            </a:pPr>
-            <a:endParaRPr lang="en-US" sz="2400" dirty="0">
-              <a:solidFill>
-                <a:schemeClr val="tx1"/>
-              </a:solidFill>
-              <a:latin typeface="Times New Roman"/>
-              <a:cs typeface="Times New Roman"/>
-            </a:endParaRPr>
-          </a:p>
-          <a:p>
-            <a:pPr marL="0" indent="0" algn="ctr">
-              <a:buNone/>
-            </a:pPr>
-            <a:r>
-              <a:rPr lang="en-US" sz="2400" dirty="0">
-                <a:solidFill>
-                  <a:schemeClr val="tx1"/>
-                </a:solidFill>
-                <a:latin typeface="Times New Roman"/>
-                <a:cs typeface="Times New Roman"/>
-              </a:rPr>
-              <a:t>https://github.com/ClaudiaECarroll/text_analysis_python</a:t>
-            </a:r>
-            <a:endParaRPr lang="en-US" sz="2400">
-              <a:solidFill>
-                <a:schemeClr val="tx1"/>
-              </a:solidFill>
-            </a:endParaRPr>
-          </a:p>
-        </p:txBody>
-      </p:sp>
-    </p:spTree>
-    <p:extLst>
-      <p:ext uri="{BB962C8B-B14F-4D97-AF65-F5344CB8AC3E}">
-        <p14:creationId xmlns:p14="http://schemas.microsoft.com/office/powerpoint/2010/main" val="2137234113"/>
-      </p:ext>
-    </p:extLst>
-  </p:cSld>
-  <p:clrMapOvr>
-    <a:masterClrMapping/>
-  </p:clrMapOvr>
-</p:sld>
-</file>
-
-<file path=ppt/slides/slide7.xml><?xml version="1.0" encoding="utf-8"?>
-<p:sld xmlns:a="http://schemas.openxmlformats.org/drawingml/2006/main" xmlns:r="http://schemas.openxmlformats.org/officeDocument/2006/relationships" xmlns:p="http://schemas.openxmlformats.org/presentationml/2006/main">
-  <p:cSld>
-    <p:spTree>
-      <p:nvGrpSpPr>
-        <p:cNvPr id="1" name=""/>
-        <p:cNvGrpSpPr/>
-        <p:nvPr/>
-      </p:nvGrpSpPr>
-      <p:grpSpPr>
-        <a:xfrm>
-          <a:off x="0" y="0"/>
-          <a:ext cx="0" cy="0"/>
-          <a:chOff x="0" y="0"/>
-          <a:chExt cx="0" cy="0"/>
-        </a:xfrm>
-      </p:grpSpPr>
-      <p:sp>
-        <p:nvSpPr>
-          <p:cNvPr id="2" name="Title 1">
-            <a:extLst>
-              <a:ext uri="{FF2B5EF4-FFF2-40B4-BE49-F238E27FC236}">
-                <a16:creationId xmlns:a16="http://schemas.microsoft.com/office/drawing/2014/main" id="{9D48E1FB-84B1-D846-B954-29664BA0D862}"/>
+                <a16:creationId xmlns:a16="http://schemas.microsoft.com/office/drawing/2014/main" id="{5AED4635-2A9F-7A07-298E-D8DC805D0726}"/>
               </a:ext>
             </a:extLst>
           </p:cNvPr>
@@ -6554,12 +7416,9 @@
           <a:lstStyle/>
           <a:p>
             <a:r>
-              <a:rPr lang="en-US" dirty="0">
-                <a:cs typeface="Calibri Light"/>
-              </a:rPr>
-              <a:t>Demo 1</a:t>
-            </a:r>
-            <a:endParaRPr lang="en-US" dirty="0"/>
+              <a:rPr lang="en-US" dirty="0"/>
+              <a:t>Intro to Text Analysis</a:t>
+            </a:r>
           </a:p>
         </p:txBody>
       </p:sp>
@@ -6568,7 +7427,7 @@
           <p:cNvPr id="3" name="Subtitle 2">
             <a:extLst>
               <a:ext uri="{FF2B5EF4-FFF2-40B4-BE49-F238E27FC236}">
-                <a16:creationId xmlns:a16="http://schemas.microsoft.com/office/drawing/2014/main" id="{75E3AE28-7031-9892-6537-33C8011AFDDB}"/>
+                <a16:creationId xmlns:a16="http://schemas.microsoft.com/office/drawing/2014/main" id="{C91D7BAC-0684-2FDD-6D19-F942F85EA80A}"/>
               </a:ext>
             </a:extLst>
           </p:cNvPr>
@@ -6581,16 +7440,17 @@
         </p:nvSpPr>
         <p:spPr/>
         <p:txBody>
-          <a:bodyPr vert="horz" lIns="68580" tIns="34290" rIns="68580" bIns="34290" rtlCol="0" anchor="t">
-            <a:normAutofit fontScale="70000" lnSpcReduction="20000"/>
+          <a:bodyPr>
+            <a:normAutofit lnSpcReduction="10000"/>
           </a:bodyPr>
           <a:lstStyle/>
           <a:p>
             <a:r>
               <a:rPr lang="en-US" dirty="0">
-                <a:latin typeface="Times New Roman"/>
+                <a:latin typeface="Times New Roman" panose="02020603050405020304" pitchFamily="18" charset="0"/>
+                <a:cs typeface="Times New Roman" panose="02020603050405020304" pitchFamily="18" charset="0"/>
               </a:rPr>
-              <a:t>Text Processing and Word Frequency Analysis</a:t>
+              <a:t>Machine Learning</a:t>
             </a:r>
           </a:p>
         </p:txBody>
@@ -6598,834 +7458,20 @@
     </p:spTree>
     <p:extLst>
       <p:ext uri="{BB962C8B-B14F-4D97-AF65-F5344CB8AC3E}">
-        <p14:creationId xmlns:p14="http://schemas.microsoft.com/office/powerpoint/2010/main" val="1715855539"/>
+        <p14:creationId xmlns:p14="http://schemas.microsoft.com/office/powerpoint/2010/main" val="232311866"/>
       </p:ext>
     </p:extLst>
   </p:cSld>
   <p:clrMapOvr>
     <a:masterClrMapping/>
   </p:clrMapOvr>
-</p:sld>
-</file>
-
-<file path=ppt/slides/slide8.xml><?xml version="1.0" encoding="utf-8"?>
-<p:sld xmlns:a="http://schemas.openxmlformats.org/drawingml/2006/main" xmlns:r="http://schemas.openxmlformats.org/officeDocument/2006/relationships" xmlns:p="http://schemas.openxmlformats.org/presentationml/2006/main">
-  <p:cSld>
-    <p:spTree>
-      <p:nvGrpSpPr>
-        <p:cNvPr id="1" name=""/>
-        <p:cNvGrpSpPr/>
-        <p:nvPr/>
-      </p:nvGrpSpPr>
-      <p:grpSpPr>
-        <a:xfrm>
-          <a:off x="0" y="0"/>
-          <a:ext cx="0" cy="0"/>
-          <a:chOff x="0" y="0"/>
-          <a:chExt cx="0" cy="0"/>
-        </a:xfrm>
-      </p:grpSpPr>
-      <p:sp>
-        <p:nvSpPr>
-          <p:cNvPr id="2" name="Title 1">
-            <a:extLst>
-              <a:ext uri="{FF2B5EF4-FFF2-40B4-BE49-F238E27FC236}">
-                <a16:creationId xmlns:a16="http://schemas.microsoft.com/office/drawing/2014/main" id="{E71D3CE9-A0CE-688A-8425-F676EA57FDDA}"/>
-              </a:ext>
-            </a:extLst>
-          </p:cNvPr>
-          <p:cNvSpPr>
-            <a:spLocks noGrp="1"/>
-          </p:cNvSpPr>
-          <p:nvPr>
-            <p:ph type="title"/>
-          </p:nvPr>
-        </p:nvSpPr>
-        <p:spPr/>
-        <p:txBody>
-          <a:bodyPr/>
-          <a:lstStyle/>
-          <a:p>
-            <a:pPr algn="ctr"/>
-            <a:r>
-              <a:rPr lang="en-US" b="1" dirty="0">
-                <a:solidFill>
-                  <a:srgbClr val="000000"/>
-                </a:solidFill>
-                <a:latin typeface="Times New Roman"/>
-                <a:cs typeface="Calibri Light"/>
-              </a:rPr>
-              <a:t>Exercise 1</a:t>
-            </a:r>
-          </a:p>
-        </p:txBody>
-      </p:sp>
-      <p:sp>
-        <p:nvSpPr>
-          <p:cNvPr id="3" name="Content Placeholder 2">
-            <a:extLst>
-              <a:ext uri="{FF2B5EF4-FFF2-40B4-BE49-F238E27FC236}">
-                <a16:creationId xmlns:a16="http://schemas.microsoft.com/office/drawing/2014/main" id="{3E49142E-0FF7-3BD4-D714-FDB0A199AB58}"/>
-              </a:ext>
-            </a:extLst>
-          </p:cNvPr>
-          <p:cNvSpPr>
-            <a:spLocks noGrp="1"/>
-          </p:cNvSpPr>
-          <p:nvPr>
-            <p:ph idx="1"/>
-          </p:nvPr>
-        </p:nvSpPr>
-        <p:spPr/>
-        <p:txBody>
-          <a:bodyPr vert="horz" lIns="68580" tIns="34290" rIns="68580" bIns="34290" rtlCol="0" anchor="t">
-            <a:normAutofit/>
-          </a:bodyPr>
-          <a:lstStyle/>
-          <a:p>
-            <a:pPr marL="0" indent="0">
-              <a:buNone/>
-            </a:pPr>
-            <a:r>
-              <a:rPr lang="en-US" sz="3200" dirty="0">
-                <a:solidFill>
-                  <a:srgbClr val="000000"/>
-                </a:solidFill>
-                <a:latin typeface="Times New Roman" panose="02020603050405020304" pitchFamily="18" charset="0"/>
-                <a:cs typeface="Times New Roman" panose="02020603050405020304" pitchFamily="18" charset="0"/>
-              </a:rPr>
-              <a:t>Calculate and compare the </a:t>
-            </a:r>
-            <a:r>
-              <a:rPr lang="en-US" sz="3200" u="sng" dirty="0">
-                <a:solidFill>
-                  <a:srgbClr val="000000"/>
-                </a:solidFill>
-                <a:latin typeface="Times New Roman" panose="02020603050405020304" pitchFamily="18" charset="0"/>
-                <a:cs typeface="Times New Roman" panose="02020603050405020304" pitchFamily="18" charset="0"/>
-              </a:rPr>
-              <a:t>relative</a:t>
-            </a:r>
-            <a:r>
-              <a:rPr lang="en-US" sz="3200" dirty="0">
-                <a:solidFill>
-                  <a:srgbClr val="000000"/>
-                </a:solidFill>
-                <a:latin typeface="Times New Roman" panose="02020603050405020304" pitchFamily="18" charset="0"/>
-                <a:cs typeface="Times New Roman" panose="02020603050405020304" pitchFamily="18" charset="0"/>
-              </a:rPr>
-              <a:t> frequency of male and female pronouns in </a:t>
-            </a:r>
-            <a:r>
-              <a:rPr lang="en-US" sz="3200" dirty="0" err="1">
-                <a:solidFill>
-                  <a:srgbClr val="000000"/>
-                </a:solidFill>
-                <a:latin typeface="Times New Roman" panose="02020603050405020304" pitchFamily="18" charset="0"/>
-                <a:cs typeface="Times New Roman" panose="02020603050405020304" pitchFamily="18" charset="0"/>
-              </a:rPr>
-              <a:t>rapunzel.txt</a:t>
-            </a:r>
-            <a:endParaRPr lang="en-US" sz="3200" dirty="0">
-              <a:solidFill>
-                <a:srgbClr val="000000"/>
-              </a:solidFill>
-              <a:latin typeface="Times New Roman" panose="02020603050405020304" pitchFamily="18" charset="0"/>
-              <a:cs typeface="Times New Roman" panose="02020603050405020304" pitchFamily="18" charset="0"/>
-            </a:endParaRPr>
-          </a:p>
-          <a:p>
-            <a:pPr marL="0" indent="0">
-              <a:buNone/>
-            </a:pPr>
-            <a:endParaRPr lang="en-US" sz="3200" dirty="0">
-              <a:solidFill>
-                <a:srgbClr val="000000"/>
-              </a:solidFill>
-              <a:latin typeface="Times New Roman" panose="02020603050405020304" pitchFamily="18" charset="0"/>
-              <a:cs typeface="Times New Roman" panose="02020603050405020304" pitchFamily="18" charset="0"/>
-            </a:endParaRPr>
-          </a:p>
-          <a:p>
-            <a:pPr marL="0" indent="0">
-              <a:buNone/>
-            </a:pPr>
-            <a:r>
-              <a:rPr lang="en-US" sz="3200" i="1" dirty="0">
-                <a:solidFill>
-                  <a:srgbClr val="000000"/>
-                </a:solidFill>
-                <a:latin typeface="Times New Roman" panose="02020603050405020304" pitchFamily="18" charset="0"/>
-                <a:cs typeface="Times New Roman" panose="02020603050405020304" pitchFamily="18" charset="0"/>
-              </a:rPr>
-              <a:t>Warning: You will have to do a tiny bit of math. </a:t>
-            </a:r>
-            <a:endParaRPr lang="en-US" sz="2400" dirty="0">
-              <a:solidFill>
-                <a:srgbClr val="000000"/>
-              </a:solidFill>
-              <a:latin typeface="Arial"/>
-              <a:cs typeface="Times New Roman"/>
-            </a:endParaRPr>
-          </a:p>
-        </p:txBody>
-      </p:sp>
-    </p:spTree>
-    <p:extLst>
-      <p:ext uri="{BB962C8B-B14F-4D97-AF65-F5344CB8AC3E}">
-        <p14:creationId xmlns:p14="http://schemas.microsoft.com/office/powerpoint/2010/main" val="2077495510"/>
-      </p:ext>
-    </p:extLst>
-  </p:cSld>
-  <p:clrMapOvr>
-    <a:masterClrMapping/>
-  </p:clrMapOvr>
-</p:sld>
-</file>
-
-<file path=ppt/slides/slide9.xml><?xml version="1.0" encoding="utf-8"?>
-<p:sld xmlns:a="http://schemas.openxmlformats.org/drawingml/2006/main" xmlns:r="http://schemas.openxmlformats.org/officeDocument/2006/relationships" xmlns:p="http://schemas.openxmlformats.org/presentationml/2006/main">
-  <p:cSld>
-    <p:spTree>
-      <p:nvGrpSpPr>
-        <p:cNvPr id="1" name=""/>
-        <p:cNvGrpSpPr/>
-        <p:nvPr/>
-      </p:nvGrpSpPr>
-      <p:grpSpPr>
-        <a:xfrm>
-          <a:off x="0" y="0"/>
-          <a:ext cx="0" cy="0"/>
-          <a:chOff x="0" y="0"/>
-          <a:chExt cx="0" cy="0"/>
-        </a:xfrm>
-      </p:grpSpPr>
-      <p:sp>
-        <p:nvSpPr>
-          <p:cNvPr id="2" name="Content Placeholder 1">
-            <a:extLst>
-              <a:ext uri="{FF2B5EF4-FFF2-40B4-BE49-F238E27FC236}">
-                <a16:creationId xmlns:a16="http://schemas.microsoft.com/office/drawing/2014/main" id="{90170163-26B1-0710-1A4E-0E14077C4A6D}"/>
-              </a:ext>
-            </a:extLst>
-          </p:cNvPr>
-          <p:cNvSpPr>
-            <a:spLocks noGrp="1"/>
-          </p:cNvSpPr>
-          <p:nvPr>
-            <p:ph idx="1"/>
-          </p:nvPr>
-        </p:nvSpPr>
-        <p:spPr/>
-        <p:txBody>
-          <a:bodyPr>
-            <a:normAutofit fontScale="92500" lnSpcReduction="10000"/>
-          </a:bodyPr>
-          <a:lstStyle/>
-          <a:p>
-            <a:pPr marL="0" indent="0">
-              <a:buNone/>
-            </a:pPr>
-            <a:r>
-              <a:rPr lang="en-US" sz="1600" b="1" dirty="0">
-                <a:solidFill>
-                  <a:srgbClr val="000000"/>
-                </a:solidFill>
-                <a:effectLst/>
-                <a:latin typeface="Consolas" panose="020B0609020204030204" pitchFamily="49" charset="0"/>
-                <a:cs typeface="Consolas" panose="020B0609020204030204" pitchFamily="49" charset="0"/>
-              </a:rPr>
-              <a:t># Reading and tokenizing text file</a:t>
-            </a:r>
-          </a:p>
-          <a:p>
-            <a:pPr marL="0" indent="0">
-              <a:buNone/>
-            </a:pPr>
-            <a:endParaRPr lang="en-US" sz="1600" b="0" dirty="0">
-              <a:solidFill>
-                <a:srgbClr val="000000"/>
-              </a:solidFill>
-              <a:effectLst/>
-              <a:latin typeface="Consolas" panose="020B0609020204030204" pitchFamily="49" charset="0"/>
-              <a:cs typeface="Consolas" panose="020B0609020204030204" pitchFamily="49" charset="0"/>
-            </a:endParaRPr>
-          </a:p>
-          <a:p>
-            <a:pPr marL="0" indent="0">
-              <a:buNone/>
-            </a:pPr>
-            <a:r>
-              <a:rPr lang="en-US" sz="1600" b="0" dirty="0" err="1">
-                <a:solidFill>
-                  <a:srgbClr val="000000"/>
-                </a:solidFill>
-                <a:effectLst/>
-                <a:latin typeface="Consolas" panose="020B0609020204030204" pitchFamily="49" charset="0"/>
-                <a:cs typeface="Consolas" panose="020B0609020204030204" pitchFamily="49" charset="0"/>
-              </a:rPr>
-              <a:t>rapunzel</a:t>
-            </a:r>
-            <a:r>
-              <a:rPr lang="en-US" sz="1600" b="0" dirty="0">
-                <a:solidFill>
-                  <a:srgbClr val="000000"/>
-                </a:solidFill>
-                <a:effectLst/>
-                <a:latin typeface="Consolas" panose="020B0609020204030204" pitchFamily="49" charset="0"/>
-                <a:cs typeface="Consolas" panose="020B0609020204030204" pitchFamily="49" charset="0"/>
-              </a:rPr>
-              <a:t> = </a:t>
-            </a:r>
-            <a:r>
-              <a:rPr lang="en-US" sz="1600" b="0" dirty="0">
-                <a:solidFill>
-                  <a:srgbClr val="795E26"/>
-                </a:solidFill>
-                <a:effectLst/>
-                <a:latin typeface="Consolas" panose="020B0609020204030204" pitchFamily="49" charset="0"/>
-                <a:cs typeface="Consolas" panose="020B0609020204030204" pitchFamily="49" charset="0"/>
-              </a:rPr>
-              <a:t>open</a:t>
-            </a:r>
-            <a:r>
-              <a:rPr lang="en-US" sz="1600" b="0" dirty="0">
-                <a:solidFill>
-                  <a:srgbClr val="000000"/>
-                </a:solidFill>
-                <a:effectLst/>
-                <a:latin typeface="Consolas" panose="020B0609020204030204" pitchFamily="49" charset="0"/>
-                <a:cs typeface="Consolas" panose="020B0609020204030204" pitchFamily="49" charset="0"/>
-              </a:rPr>
-              <a:t>(</a:t>
-            </a:r>
-            <a:r>
-              <a:rPr lang="en-US" sz="1600" b="0" dirty="0" err="1">
-                <a:solidFill>
-                  <a:srgbClr val="000000"/>
-                </a:solidFill>
-                <a:effectLst/>
-                <a:latin typeface="Consolas" panose="020B0609020204030204" pitchFamily="49" charset="0"/>
-                <a:cs typeface="Consolas" panose="020B0609020204030204" pitchFamily="49" charset="0"/>
-              </a:rPr>
-              <a:t>os.path.join</a:t>
-            </a:r>
-            <a:r>
-              <a:rPr lang="en-US" sz="1600" b="0" dirty="0">
-                <a:solidFill>
-                  <a:srgbClr val="000000"/>
-                </a:solidFill>
-                <a:effectLst/>
-                <a:latin typeface="Consolas" panose="020B0609020204030204" pitchFamily="49" charset="0"/>
-                <a:cs typeface="Consolas" panose="020B0609020204030204" pitchFamily="49" charset="0"/>
-              </a:rPr>
-              <a:t>(</a:t>
-            </a:r>
-            <a:r>
-              <a:rPr lang="en-US" sz="1600" b="0" dirty="0" err="1">
-                <a:solidFill>
-                  <a:srgbClr val="000000"/>
-                </a:solidFill>
-                <a:effectLst/>
-                <a:latin typeface="Consolas" panose="020B0609020204030204" pitchFamily="49" charset="0"/>
-                <a:cs typeface="Consolas" panose="020B0609020204030204" pitchFamily="49" charset="0"/>
-              </a:rPr>
-              <a:t>grimms_folder</a:t>
-            </a:r>
-            <a:r>
-              <a:rPr lang="en-US" sz="1600" b="0" dirty="0">
-                <a:solidFill>
-                  <a:srgbClr val="000000"/>
-                </a:solidFill>
-                <a:effectLst/>
-                <a:latin typeface="Consolas" panose="020B0609020204030204" pitchFamily="49" charset="0"/>
-                <a:cs typeface="Consolas" panose="020B0609020204030204" pitchFamily="49" charset="0"/>
-              </a:rPr>
-              <a:t>, </a:t>
-            </a:r>
-            <a:r>
-              <a:rPr lang="en-US" sz="1600" b="0" dirty="0">
-                <a:solidFill>
-                  <a:srgbClr val="A31515"/>
-                </a:solidFill>
-                <a:effectLst/>
-                <a:latin typeface="Consolas" panose="020B0609020204030204" pitchFamily="49" charset="0"/>
-                <a:cs typeface="Consolas" panose="020B0609020204030204" pitchFamily="49" charset="0"/>
-              </a:rPr>
-              <a:t>"</a:t>
-            </a:r>
-            <a:r>
-              <a:rPr lang="en-US" sz="1600" b="0" dirty="0" err="1">
-                <a:solidFill>
-                  <a:srgbClr val="A31515"/>
-                </a:solidFill>
-                <a:effectLst/>
-                <a:latin typeface="Consolas" panose="020B0609020204030204" pitchFamily="49" charset="0"/>
-                <a:cs typeface="Consolas" panose="020B0609020204030204" pitchFamily="49" charset="0"/>
-              </a:rPr>
-              <a:t>rapunzel.txt</a:t>
-            </a:r>
-            <a:r>
-              <a:rPr lang="en-US" sz="1600" b="0" dirty="0">
-                <a:solidFill>
-                  <a:srgbClr val="A31515"/>
-                </a:solidFill>
-                <a:effectLst/>
-                <a:latin typeface="Consolas" panose="020B0609020204030204" pitchFamily="49" charset="0"/>
-                <a:cs typeface="Consolas" panose="020B0609020204030204" pitchFamily="49" charset="0"/>
-              </a:rPr>
-              <a:t>"</a:t>
-            </a:r>
-            <a:r>
-              <a:rPr lang="en-US" sz="1600" b="0" dirty="0">
-                <a:solidFill>
-                  <a:srgbClr val="000000"/>
-                </a:solidFill>
-                <a:effectLst/>
-                <a:latin typeface="Consolas" panose="020B0609020204030204" pitchFamily="49" charset="0"/>
-                <a:cs typeface="Consolas" panose="020B0609020204030204" pitchFamily="49" charset="0"/>
-              </a:rPr>
-              <a:t>), encoding=</a:t>
-            </a:r>
-            <a:r>
-              <a:rPr lang="en-US" sz="1600" b="0" dirty="0">
-                <a:solidFill>
-                  <a:srgbClr val="A31515"/>
-                </a:solidFill>
-                <a:effectLst/>
-                <a:latin typeface="Consolas" panose="020B0609020204030204" pitchFamily="49" charset="0"/>
-                <a:cs typeface="Consolas" panose="020B0609020204030204" pitchFamily="49" charset="0"/>
-              </a:rPr>
-              <a:t>"utf-8"</a:t>
-            </a:r>
-            <a:r>
-              <a:rPr lang="en-US" sz="1600" b="0" dirty="0">
-                <a:solidFill>
-                  <a:srgbClr val="000000"/>
-                </a:solidFill>
-                <a:effectLst/>
-                <a:latin typeface="Consolas" panose="020B0609020204030204" pitchFamily="49" charset="0"/>
-                <a:cs typeface="Consolas" panose="020B0609020204030204" pitchFamily="49" charset="0"/>
-              </a:rPr>
-              <a:t>).read() </a:t>
-            </a:r>
-          </a:p>
-          <a:p>
-            <a:pPr marL="0" indent="0">
-              <a:buNone/>
-            </a:pPr>
-            <a:br>
-              <a:rPr lang="en-US" sz="1600" b="0" dirty="0">
-                <a:solidFill>
-                  <a:srgbClr val="000000"/>
-                </a:solidFill>
-                <a:effectLst/>
-                <a:latin typeface="Consolas" panose="020B0609020204030204" pitchFamily="49" charset="0"/>
-                <a:cs typeface="Consolas" panose="020B0609020204030204" pitchFamily="49" charset="0"/>
-              </a:rPr>
-            </a:br>
-            <a:r>
-              <a:rPr lang="en-US" sz="1600" b="0" dirty="0">
-                <a:solidFill>
-                  <a:srgbClr val="000000"/>
-                </a:solidFill>
-                <a:effectLst/>
-                <a:latin typeface="Consolas" panose="020B0609020204030204" pitchFamily="49" charset="0"/>
-                <a:cs typeface="Consolas" panose="020B0609020204030204" pitchFamily="49" charset="0"/>
-              </a:rPr>
-              <a:t>tokens = </a:t>
-            </a:r>
-            <a:r>
-              <a:rPr lang="en-US" sz="1600" b="0" dirty="0" err="1">
-                <a:solidFill>
-                  <a:srgbClr val="000000"/>
-                </a:solidFill>
-                <a:effectLst/>
-                <a:latin typeface="Consolas" panose="020B0609020204030204" pitchFamily="49" charset="0"/>
-                <a:cs typeface="Consolas" panose="020B0609020204030204" pitchFamily="49" charset="0"/>
-              </a:rPr>
-              <a:t>word_tokenize</a:t>
-            </a:r>
-            <a:r>
-              <a:rPr lang="en-US" sz="1600" b="0" dirty="0">
-                <a:solidFill>
-                  <a:srgbClr val="000000"/>
-                </a:solidFill>
-                <a:effectLst/>
-                <a:latin typeface="Consolas" panose="020B0609020204030204" pitchFamily="49" charset="0"/>
-                <a:cs typeface="Consolas" panose="020B0609020204030204" pitchFamily="49" charset="0"/>
-              </a:rPr>
-              <a:t>(</a:t>
-            </a:r>
-            <a:r>
-              <a:rPr lang="en-US" sz="1600" b="0" dirty="0" err="1">
-                <a:solidFill>
-                  <a:srgbClr val="000000"/>
-                </a:solidFill>
-                <a:effectLst/>
-                <a:latin typeface="Consolas" panose="020B0609020204030204" pitchFamily="49" charset="0"/>
-                <a:cs typeface="Consolas" panose="020B0609020204030204" pitchFamily="49" charset="0"/>
-              </a:rPr>
-              <a:t>rapunzel</a:t>
-            </a:r>
-            <a:r>
-              <a:rPr lang="en-US" sz="1600" b="0" dirty="0">
-                <a:solidFill>
-                  <a:srgbClr val="000000"/>
-                </a:solidFill>
-                <a:effectLst/>
-                <a:latin typeface="Consolas" panose="020B0609020204030204" pitchFamily="49" charset="0"/>
-                <a:cs typeface="Consolas" panose="020B0609020204030204" pitchFamily="49" charset="0"/>
-              </a:rPr>
-              <a:t>)</a:t>
-            </a:r>
-          </a:p>
-          <a:p>
-            <a:pPr marL="0" indent="0">
-              <a:buNone/>
-            </a:pPr>
-            <a:endParaRPr lang="en-US" sz="1600" b="0" dirty="0">
-              <a:solidFill>
-                <a:srgbClr val="000000"/>
-              </a:solidFill>
-              <a:effectLst/>
-              <a:latin typeface="Consolas" panose="020B0609020204030204" pitchFamily="49" charset="0"/>
-              <a:cs typeface="Consolas" panose="020B0609020204030204" pitchFamily="49" charset="0"/>
-            </a:endParaRPr>
-          </a:p>
-          <a:p>
-            <a:pPr marL="0" indent="0">
-              <a:buNone/>
-            </a:pPr>
-            <a:r>
-              <a:rPr lang="en-US" sz="1600" b="1" dirty="0">
-                <a:solidFill>
-                  <a:srgbClr val="000000"/>
-                </a:solidFill>
-                <a:effectLst/>
-                <a:latin typeface="Consolas" panose="020B0609020204030204" pitchFamily="49" charset="0"/>
-                <a:cs typeface="Consolas" panose="020B0609020204030204" pitchFamily="49" charset="0"/>
-              </a:rPr>
-              <a:t># Cleaning tokens of punctuation, and making all lowercase</a:t>
-            </a:r>
-          </a:p>
-          <a:p>
-            <a:pPr marL="0" indent="0">
-              <a:buNone/>
-            </a:pPr>
-            <a:br>
-              <a:rPr lang="en-US" sz="1600" b="0" dirty="0">
-                <a:solidFill>
-                  <a:srgbClr val="000000"/>
-                </a:solidFill>
-                <a:effectLst/>
-                <a:latin typeface="Consolas" panose="020B0609020204030204" pitchFamily="49" charset="0"/>
-                <a:cs typeface="Consolas" panose="020B0609020204030204" pitchFamily="49" charset="0"/>
-              </a:rPr>
-            </a:br>
-            <a:r>
-              <a:rPr lang="en-US" sz="1600" b="0" dirty="0">
-                <a:solidFill>
-                  <a:srgbClr val="000000"/>
-                </a:solidFill>
-                <a:effectLst/>
-                <a:latin typeface="Consolas" panose="020B0609020204030204" pitchFamily="49" charset="0"/>
-                <a:cs typeface="Consolas" panose="020B0609020204030204" pitchFamily="49" charset="0"/>
-              </a:rPr>
-              <a:t>punctuation = list(</a:t>
-            </a:r>
-            <a:r>
-              <a:rPr lang="en-US" sz="1600" b="0" dirty="0" err="1">
-                <a:solidFill>
-                  <a:srgbClr val="000000"/>
-                </a:solidFill>
-                <a:effectLst/>
-                <a:latin typeface="Consolas" panose="020B0609020204030204" pitchFamily="49" charset="0"/>
-                <a:cs typeface="Consolas" panose="020B0609020204030204" pitchFamily="49" charset="0"/>
-              </a:rPr>
-              <a:t>string.punctuation</a:t>
-            </a:r>
-            <a:r>
-              <a:rPr lang="en-US" sz="1600" b="0" dirty="0">
-                <a:solidFill>
-                  <a:srgbClr val="000000"/>
-                </a:solidFill>
-                <a:effectLst/>
-                <a:latin typeface="Consolas" panose="020B0609020204030204" pitchFamily="49" charset="0"/>
-                <a:cs typeface="Consolas" panose="020B0609020204030204" pitchFamily="49" charset="0"/>
-              </a:rPr>
-              <a:t>)</a:t>
-            </a:r>
-          </a:p>
-          <a:p>
-            <a:pPr marL="0" indent="0">
-              <a:buNone/>
-            </a:pPr>
-            <a:br>
-              <a:rPr lang="en-US" sz="1600" b="0" dirty="0">
-                <a:solidFill>
-                  <a:srgbClr val="000000"/>
-                </a:solidFill>
-                <a:effectLst/>
-                <a:latin typeface="Consolas" panose="020B0609020204030204" pitchFamily="49" charset="0"/>
-                <a:cs typeface="Consolas" panose="020B0609020204030204" pitchFamily="49" charset="0"/>
-              </a:rPr>
-            </a:br>
-            <a:r>
-              <a:rPr lang="en-US" sz="1600" b="0" dirty="0" err="1">
-                <a:solidFill>
-                  <a:srgbClr val="000000"/>
-                </a:solidFill>
-                <a:effectLst/>
-                <a:latin typeface="Consolas" panose="020B0609020204030204" pitchFamily="49" charset="0"/>
-                <a:cs typeface="Consolas" panose="020B0609020204030204" pitchFamily="49" charset="0"/>
-              </a:rPr>
-              <a:t>punctuation.append</a:t>
-            </a:r>
-            <a:r>
-              <a:rPr lang="en-US" sz="1600" b="0" dirty="0">
-                <a:solidFill>
-                  <a:srgbClr val="000000"/>
-                </a:solidFill>
-                <a:effectLst/>
-                <a:latin typeface="Consolas" panose="020B0609020204030204" pitchFamily="49" charset="0"/>
-                <a:cs typeface="Consolas" panose="020B0609020204030204" pitchFamily="49" charset="0"/>
-              </a:rPr>
-              <a:t>("‘")</a:t>
-            </a:r>
-          </a:p>
-          <a:p>
-            <a:pPr marL="0" indent="0">
-              <a:buNone/>
-            </a:pPr>
-            <a:r>
-              <a:rPr lang="en-US" sz="1600" b="0" dirty="0" err="1">
-                <a:solidFill>
-                  <a:srgbClr val="000000"/>
-                </a:solidFill>
-                <a:effectLst/>
-                <a:latin typeface="Consolas" panose="020B0609020204030204" pitchFamily="49" charset="0"/>
-                <a:cs typeface="Consolas" panose="020B0609020204030204" pitchFamily="49" charset="0"/>
-              </a:rPr>
-              <a:t>punctuation.append</a:t>
-            </a:r>
-            <a:r>
-              <a:rPr lang="en-US" sz="1600" b="0" dirty="0">
-                <a:solidFill>
-                  <a:srgbClr val="000000"/>
-                </a:solidFill>
-                <a:effectLst/>
-                <a:latin typeface="Consolas" panose="020B0609020204030204" pitchFamily="49" charset="0"/>
-                <a:cs typeface="Consolas" panose="020B0609020204030204" pitchFamily="49" charset="0"/>
-              </a:rPr>
-              <a:t>("’")</a:t>
-            </a:r>
-          </a:p>
-          <a:p>
-            <a:pPr marL="0" indent="0">
-              <a:buNone/>
-            </a:pPr>
-            <a:br>
-              <a:rPr lang="en-US" sz="1600" b="0" dirty="0">
-                <a:solidFill>
-                  <a:srgbClr val="000000"/>
-                </a:solidFill>
-                <a:effectLst/>
-                <a:latin typeface="Consolas" panose="020B0609020204030204" pitchFamily="49" charset="0"/>
-                <a:cs typeface="Consolas" panose="020B0609020204030204" pitchFamily="49" charset="0"/>
-              </a:rPr>
-            </a:br>
-            <a:r>
-              <a:rPr lang="en-US" sz="1600" b="0" dirty="0">
-                <a:solidFill>
-                  <a:srgbClr val="000000"/>
-                </a:solidFill>
-                <a:effectLst/>
-                <a:latin typeface="Consolas" panose="020B0609020204030204" pitchFamily="49" charset="0"/>
-                <a:cs typeface="Consolas" panose="020B0609020204030204" pitchFamily="49" charset="0"/>
-              </a:rPr>
-              <a:t>for token in tokens:</a:t>
-            </a:r>
-          </a:p>
-          <a:p>
-            <a:pPr marL="0" indent="0">
-              <a:buNone/>
-            </a:pPr>
-            <a:r>
-              <a:rPr lang="en-US" sz="1600" b="0" dirty="0">
-                <a:solidFill>
-                  <a:srgbClr val="000000"/>
-                </a:solidFill>
-                <a:effectLst/>
-                <a:latin typeface="Consolas" panose="020B0609020204030204" pitchFamily="49" charset="0"/>
-                <a:cs typeface="Consolas" panose="020B0609020204030204" pitchFamily="49" charset="0"/>
-              </a:rPr>
-              <a:t>	if token in punctuation:</a:t>
-            </a:r>
-          </a:p>
-          <a:p>
-            <a:pPr marL="0" indent="0">
-              <a:buNone/>
-            </a:pPr>
-            <a:r>
-              <a:rPr lang="en-US" sz="1600" b="0" dirty="0">
-                <a:solidFill>
-                  <a:srgbClr val="000000"/>
-                </a:solidFill>
-                <a:effectLst/>
-                <a:latin typeface="Consolas" panose="020B0609020204030204" pitchFamily="49" charset="0"/>
-                <a:cs typeface="Consolas" panose="020B0609020204030204" pitchFamily="49" charset="0"/>
-              </a:rPr>
-              <a:t>		</a:t>
-            </a:r>
-            <a:r>
-              <a:rPr lang="en-US" sz="1600" b="0" dirty="0" err="1">
-                <a:solidFill>
-                  <a:srgbClr val="000000"/>
-                </a:solidFill>
-                <a:effectLst/>
-                <a:latin typeface="Consolas" panose="020B0609020204030204" pitchFamily="49" charset="0"/>
-                <a:cs typeface="Consolas" panose="020B0609020204030204" pitchFamily="49" charset="0"/>
-              </a:rPr>
-              <a:t>tokens.remove</a:t>
-            </a:r>
-            <a:r>
-              <a:rPr lang="en-US" sz="1600" b="0" dirty="0">
-                <a:solidFill>
-                  <a:srgbClr val="000000"/>
-                </a:solidFill>
-                <a:effectLst/>
-                <a:latin typeface="Consolas" panose="020B0609020204030204" pitchFamily="49" charset="0"/>
-                <a:cs typeface="Consolas" panose="020B0609020204030204" pitchFamily="49" charset="0"/>
-              </a:rPr>
-              <a:t>(token)</a:t>
-            </a:r>
-          </a:p>
-          <a:p>
-            <a:pPr marL="0" indent="0">
-              <a:buNone/>
-            </a:pPr>
-            <a:br>
-              <a:rPr lang="en-US" sz="1600" b="0" dirty="0">
-                <a:solidFill>
-                  <a:srgbClr val="000000"/>
-                </a:solidFill>
-                <a:effectLst/>
-                <a:latin typeface="Consolas" panose="020B0609020204030204" pitchFamily="49" charset="0"/>
-                <a:cs typeface="Consolas" panose="020B0609020204030204" pitchFamily="49" charset="0"/>
-              </a:rPr>
-            </a:br>
-            <a:r>
-              <a:rPr lang="en-US" sz="1600" b="0" dirty="0">
-                <a:solidFill>
-                  <a:srgbClr val="000000"/>
-                </a:solidFill>
-                <a:effectLst/>
-                <a:latin typeface="Consolas" panose="020B0609020204030204" pitchFamily="49" charset="0"/>
-                <a:cs typeface="Consolas" panose="020B0609020204030204" pitchFamily="49" charset="0"/>
-              </a:rPr>
-              <a:t>tokens = [</a:t>
-            </a:r>
-            <a:r>
-              <a:rPr lang="en-US" sz="1600" b="0" dirty="0" err="1">
-                <a:solidFill>
-                  <a:srgbClr val="000000"/>
-                </a:solidFill>
-                <a:effectLst/>
-                <a:latin typeface="Consolas" panose="020B0609020204030204" pitchFamily="49" charset="0"/>
-                <a:cs typeface="Consolas" panose="020B0609020204030204" pitchFamily="49" charset="0"/>
-              </a:rPr>
-              <a:t>token.lower</a:t>
-            </a:r>
-            <a:r>
-              <a:rPr lang="en-US" sz="1600" b="0" dirty="0">
-                <a:solidFill>
-                  <a:srgbClr val="000000"/>
-                </a:solidFill>
-                <a:effectLst/>
-                <a:latin typeface="Consolas" panose="020B0609020204030204" pitchFamily="49" charset="0"/>
-                <a:cs typeface="Consolas" panose="020B0609020204030204" pitchFamily="49" charset="0"/>
-              </a:rPr>
-              <a:t>() for token in tokens]</a:t>
-            </a:r>
-          </a:p>
-          <a:p>
-            <a:pPr marL="0" indent="0">
-              <a:buNone/>
-            </a:pPr>
-            <a:endParaRPr lang="en-US" sz="1600" b="0" dirty="0">
-              <a:solidFill>
-                <a:srgbClr val="000000"/>
-              </a:solidFill>
-              <a:effectLst/>
-              <a:latin typeface="Consolas" panose="020B0609020204030204" pitchFamily="49" charset="0"/>
-              <a:cs typeface="Consolas" panose="020B0609020204030204" pitchFamily="49" charset="0"/>
-            </a:endParaRPr>
-          </a:p>
-          <a:p>
-            <a:pPr marL="0" indent="0">
-              <a:buNone/>
-            </a:pPr>
-            <a:endParaRPr lang="en-US" sz="2400" dirty="0">
-              <a:solidFill>
-                <a:schemeClr val="tx1"/>
-              </a:solidFill>
-              <a:latin typeface="Consolas" panose="020B0609020204030204" pitchFamily="49" charset="0"/>
-              <a:cs typeface="Consolas" panose="020B0609020204030204" pitchFamily="49" charset="0"/>
-            </a:endParaRPr>
-          </a:p>
-        </p:txBody>
-      </p:sp>
-      <p:sp>
-        <p:nvSpPr>
-          <p:cNvPr id="3" name="Title 2">
-            <a:extLst>
-              <a:ext uri="{FF2B5EF4-FFF2-40B4-BE49-F238E27FC236}">
-                <a16:creationId xmlns:a16="http://schemas.microsoft.com/office/drawing/2014/main" id="{B54606DD-D6EC-D70C-7B82-5659099E459B}"/>
-              </a:ext>
-            </a:extLst>
-          </p:cNvPr>
-          <p:cNvSpPr>
-            <a:spLocks noGrp="1"/>
-          </p:cNvSpPr>
-          <p:nvPr>
-            <p:ph type="title"/>
-          </p:nvPr>
-        </p:nvSpPr>
-        <p:spPr/>
-        <p:txBody>
-          <a:bodyPr/>
-          <a:lstStyle/>
-          <a:p>
-            <a:pPr algn="ctr"/>
-            <a:r>
-              <a:rPr lang="en-US" dirty="0">
-                <a:solidFill>
-                  <a:schemeClr val="tx1"/>
-                </a:solidFill>
-              </a:rPr>
-              <a:t>Solution Part 1</a:t>
-            </a:r>
-          </a:p>
-        </p:txBody>
-      </p:sp>
-    </p:spTree>
-    <p:extLst>
-      <p:ext uri="{BB962C8B-B14F-4D97-AF65-F5344CB8AC3E}">
-        <p14:creationId xmlns:p14="http://schemas.microsoft.com/office/powerpoint/2010/main" val="4155761544"/>
-      </p:ext>
-    </p:extLst>
-  </p:cSld>
-  <p:clrMapOvr>
-    <a:masterClrMapping/>
-  </p:clrMapOvr>
-  <mc:AlternateContent xmlns:mc="http://schemas.openxmlformats.org/markup-compatibility/2006" xmlns:p14="http://schemas.microsoft.com/office/powerpoint/2010/main">
-    <mc:Choice Requires="p14">
+  <mc:AlternateContent xmlns:mc="http://schemas.openxmlformats.org/markup-compatibility/2006">
+    <mc:Choice xmlns:p14="http://schemas.microsoft.com/office/powerpoint/2010/main" Requires="p14">
       <p:transition spd="med" p14:dur="700">
         <p:fade/>
       </p:transition>
     </mc:Choice>
-    <mc:Fallback xmlns="">
+    <mc:Fallback>
       <p:transition spd="med">
         <p:fade/>
       </p:transition>
